--- a/sub.pptx
+++ b/sub.pptx
@@ -9,14 +9,14 @@
   </p:notesMasterIdLst>
   <p:sldIdLst>
     <p:sldId id="258" r:id="rId3"/>
-    <p:sldId id="273" r:id="rId5"/>
-    <p:sldId id="261" r:id="rId6"/>
+    <p:sldId id="283" r:id="rId5"/>
+    <p:sldId id="273" r:id="rId6"/>
     <p:sldId id="264" r:id="rId7"/>
     <p:sldId id="265" r:id="rId8"/>
-    <p:sldId id="272" r:id="rId9"/>
-    <p:sldId id="275" r:id="rId10"/>
-    <p:sldId id="260" r:id="rId11"/>
-    <p:sldId id="262" r:id="rId12"/>
+    <p:sldId id="275" r:id="rId9"/>
+    <p:sldId id="260" r:id="rId10"/>
+    <p:sldId id="262" r:id="rId11"/>
+    <p:sldId id="285" r:id="rId12"/>
     <p:sldId id="277" r:id="rId13"/>
     <p:sldId id="269" r:id="rId14"/>
   </p:sldIdLst>
@@ -1031,7 +1031,11 @@
         <p:txBody>
           <a:bodyPr/>
           <a:p>
-            <a:endParaRPr lang="en-US"/>
+            <a:r>
+              <a:rPr lang="en-US" altLang="en-US"/>
+              <a:t>Pa</a:t>
+            </a:r>
+            <a:endParaRPr lang="en-US" altLang="en-US"/>
           </a:p>
         </p:txBody>
       </p:sp>
@@ -1167,11 +1171,7 @@
         <p:txBody>
           <a:bodyPr/>
           <a:p>
-            <a:r>
-              <a:rPr lang="en-US" altLang="en-US"/>
-              <a:t>Pa</a:t>
-            </a:r>
-            <a:endParaRPr lang="en-US" altLang="en-US"/>
+            <a:endParaRPr lang="en-US"/>
           </a:p>
         </p:txBody>
       </p:sp>
@@ -4028,7 +4028,7 @@
         <p:spPr>
           <a:xfrm>
             <a:off x="248285" y="105410"/>
-            <a:ext cx="11696065" cy="6616065"/>
+            <a:ext cx="11696065" cy="6985635"/>
           </a:xfrm>
           <a:prstGeom prst="rect">
             <a:avLst/>
@@ -4087,7 +4087,67 @@
               <a:rPr lang="en-US" altLang="en-US" sz="2400" dirty="0">
                 <a:sym typeface="+mn-ea"/>
               </a:rPr>
-              <a:t>During i install fossology and sw360, I feel something written under.</a:t>
+              <a:t>During i install fossology and sw360, I feel </a:t>
+            </a:r>
+            <a:r>
+              <a:rPr lang="" altLang="en-US" sz="2400" dirty="0">
+                <a:sym typeface="+mn-ea"/>
+              </a:rPr>
+              <a:t>some things that be</a:t>
+            </a:r>
+            <a:r>
+              <a:rPr lang="en-US" altLang="en-US" sz="2400" dirty="0">
+                <a:sym typeface="+mn-ea"/>
+              </a:rPr>
+              <a:t> written </a:t>
+            </a:r>
+            <a:r>
+              <a:rPr lang="" altLang="en-US" sz="2400" dirty="0">
+                <a:sym typeface="+mn-ea"/>
+              </a:rPr>
+              <a:t>next page</a:t>
+            </a:r>
+            <a:r>
+              <a:rPr lang="en-US" altLang="en-US" sz="2400" dirty="0">
+                <a:sym typeface="+mn-ea"/>
+              </a:rPr>
+              <a:t>. I write </a:t>
+            </a:r>
+            <a:r>
+              <a:rPr lang="" altLang="en-US" sz="2400" dirty="0">
+                <a:sym typeface="+mn-ea"/>
+              </a:rPr>
+              <a:t>memo as contents</a:t>
+            </a:r>
+            <a:r>
+              <a:rPr lang="en-US" altLang="en-US" sz="2400" dirty="0">
+                <a:sym typeface="+mn-ea"/>
+              </a:rPr>
+              <a:t> in this paper</a:t>
+            </a:r>
+            <a:r>
+              <a:rPr lang="" altLang="en-US" sz="2400" dirty="0">
+                <a:sym typeface="+mn-ea"/>
+              </a:rPr>
+              <a:t>. </a:t>
+            </a:r>
+            <a:endParaRPr lang="" altLang="en-US" sz="2400" dirty="0">
+              <a:sym typeface="+mn-ea"/>
+            </a:endParaRPr>
+          </a:p>
+          <a:p>
+            <a:pPr algn="l"/>
+            <a:r>
+              <a:rPr lang="" altLang="en-US" sz="2400" dirty="0">
+                <a:sym typeface="+mn-ea"/>
+              </a:rPr>
+              <a:t>This is</a:t>
+            </a:r>
+            <a:r>
+              <a:rPr lang="en-US" altLang="en-US" sz="2400" dirty="0">
+                <a:sym typeface="+mn-ea"/>
+              </a:rPr>
+              <a:t> support document.</a:t>
             </a:r>
             <a:endParaRPr lang="en-US" altLang="en-US" sz="2400" dirty="0">
               <a:sym typeface="+mn-ea"/>
@@ -4095,157 +4155,6 @@
           </a:p>
           <a:p>
             <a:pPr algn="l"/>
-            <a:r>
-              <a:rPr lang="en-US" altLang="en-US" sz="2400" dirty="0">
-                <a:sym typeface="+mn-ea"/>
-              </a:rPr>
-              <a:t>So I write memo in this paper as support document.</a:t>
-            </a:r>
-            <a:endParaRPr lang="" altLang="en-US" sz="2400" dirty="0">
-              <a:sym typeface="+mn-ea"/>
-            </a:endParaRPr>
-          </a:p>
-          <a:p>
-            <a:pPr algn="l"/>
-            <a:endParaRPr lang="" altLang="en-US" sz="2400" dirty="0">
-              <a:sym typeface="+mn-ea"/>
-            </a:endParaRPr>
-          </a:p>
-          <a:p>
-            <a:pPr algn="l"/>
-            <a:r>
-              <a:rPr lang="" altLang="en-US" sz="2400" dirty="0">
-                <a:sym typeface="+mn-ea"/>
-              </a:rPr>
-              <a:t>------------------------------------- contant 2</a:t>
-            </a:r>
-            <a:endParaRPr lang="" altLang="en-US" sz="2400" dirty="0">
-              <a:sym typeface="+mn-ea"/>
-            </a:endParaRPr>
-          </a:p>
-          <a:p>
-            <a:pPr algn="l"/>
-            <a:r>
-              <a:rPr lang="" altLang="en-US" sz="2400" dirty="0">
-                <a:sym typeface="+mn-ea"/>
-              </a:rPr>
-              <a:t>・</a:t>
-            </a:r>
-            <a:r>
-              <a:rPr lang="en-US" altLang="en-US" sz="2400" dirty="0">
-                <a:sym typeface="+mn-ea"/>
-              </a:rPr>
-              <a:t> Where are </a:t>
-            </a:r>
-            <a:r>
-              <a:rPr lang="" altLang="en-US" sz="2400" dirty="0">
-                <a:sym typeface="+mn-ea"/>
-              </a:rPr>
-              <a:t>each </a:t>
-            </a:r>
-            <a:r>
-              <a:rPr lang="" altLang="en-US" sz="2400" dirty="0">
-                <a:solidFill>
-                  <a:srgbClr val="00B0F0"/>
-                </a:solidFill>
-                <a:sym typeface="+mn-ea"/>
-              </a:rPr>
-              <a:t>proxy / port </a:t>
-            </a:r>
-            <a:r>
-              <a:rPr lang="" altLang="en-US" sz="2400" dirty="0">
-                <a:sym typeface="+mn-ea"/>
-              </a:rPr>
-              <a:t>s</a:t>
-            </a:r>
-            <a:r>
-              <a:rPr lang="en-US" altLang="en-US" sz="2400" dirty="0">
-                <a:sym typeface="+mn-ea"/>
-              </a:rPr>
-              <a:t>etting files</a:t>
-            </a:r>
-            <a:r>
-              <a:rPr lang="" altLang="en-US" sz="2400" dirty="0">
-                <a:sym typeface="+mn-ea"/>
-              </a:rPr>
-              <a:t>...?</a:t>
-            </a:r>
-            <a:endParaRPr lang="" altLang="en-US" sz="2400" dirty="0">
-              <a:sym typeface="+mn-ea"/>
-            </a:endParaRPr>
-          </a:p>
-          <a:p>
-            <a:pPr algn="l"/>
-            <a:r>
-              <a:rPr lang="en-US" altLang="en-US" sz="2400" dirty="0">
-                <a:sym typeface="+mn-ea"/>
-              </a:rPr>
-              <a:t>- &gt; </a:t>
-            </a:r>
-            <a:r>
-              <a:rPr lang="" altLang="en-US" sz="2400" dirty="0">
-                <a:sym typeface="+mn-ea"/>
-              </a:rPr>
-              <a:t>mvn, </a:t>
-            </a:r>
-            <a:r>
-              <a:rPr lang="" altLang="en-US"/>
-              <a:t>git,</a:t>
-            </a:r>
-            <a:r>
-              <a:rPr lang="" altLang="en-US" sz="2400" dirty="0">
-                <a:sym typeface="+mn-ea"/>
-              </a:rPr>
-              <a:t> apache, tomcat(liferay), coucudb, </a:t>
-            </a:r>
-            <a:endParaRPr lang="" altLang="en-US" sz="2400" dirty="0">
-              <a:sym typeface="+mn-ea"/>
-            </a:endParaRPr>
-          </a:p>
-          <a:p>
-            <a:pPr algn="l"/>
-            <a:r>
-              <a:rPr lang="" altLang="en-US" sz="2400" dirty="0">
-                <a:sym typeface="+mn-ea"/>
-              </a:rPr>
-              <a:t>・</a:t>
-            </a:r>
-            <a:r>
-              <a:rPr lang="en-US" altLang="en-US" sz="2400" dirty="0">
-                <a:sym typeface="+mn-ea"/>
-              </a:rPr>
-              <a:t> and </a:t>
-            </a:r>
-            <a:r>
-              <a:rPr lang="" altLang="en-US" sz="2400" dirty="0">
-                <a:sym typeface="+mn-ea"/>
-              </a:rPr>
-              <a:t>major application's</a:t>
-            </a:r>
-            <a:r>
-              <a:rPr lang="en-US" altLang="en-US" sz="2400" dirty="0">
-                <a:sym typeface="+mn-ea"/>
-              </a:rPr>
-              <a:t> binary files(exec files)</a:t>
-            </a:r>
-            <a:r>
-              <a:rPr lang="" altLang="en-US" sz="2400" dirty="0">
-                <a:sym typeface="+mn-ea"/>
-              </a:rPr>
-              <a:t>...?</a:t>
-            </a:r>
-            <a:endParaRPr lang="" altLang="en-US" sz="2400" dirty="0">
-              <a:sym typeface="+mn-ea"/>
-            </a:endParaRPr>
-          </a:p>
-          <a:p>
-            <a:pPr algn="l"/>
-            <a:r>
-              <a:rPr lang="en-US" altLang="en-US" sz="2400" dirty="0">
-                <a:sym typeface="+mn-ea"/>
-              </a:rPr>
-              <a:t>                             </a:t>
-            </a:r>
             <a:endParaRPr lang="en-US" altLang="en-US" sz="2400" dirty="0">
               <a:sym typeface="+mn-ea"/>
             </a:endParaRPr>
@@ -4256,7 +4165,13 @@
               <a:rPr lang="en-US" altLang="en-US" sz="2400" dirty="0">
                 <a:sym typeface="+mn-ea"/>
               </a:rPr>
-              <a:t>------------------------------------ contant 1</a:t>
+              <a:t>------------------------------------- contant </a:t>
+            </a:r>
+            <a:r>
+              <a:rPr lang="" altLang="en-US" sz="2400" dirty="0">
+                <a:sym typeface="+mn-ea"/>
+              </a:rPr>
+              <a:t>1</a:t>
             </a:r>
             <a:endParaRPr lang="en-US" altLang="en-US" sz="2400" dirty="0">
               <a:sym typeface="+mn-ea"/>
@@ -4268,19 +4183,7 @@
               <a:rPr lang="en-US" altLang="en-US" sz="2400" dirty="0">
                 <a:sym typeface="+mn-ea"/>
               </a:rPr>
-              <a:t>・ How it work when did I install on linux?</a:t>
-            </a:r>
-            <a:endParaRPr lang="en-US" altLang="en-US" sz="2400" dirty="0">
-              <a:sym typeface="+mn-ea"/>
-            </a:endParaRPr>
-          </a:p>
-          <a:p>
-            <a:pPr algn="l"/>
-            <a:r>
-              <a:rPr lang="en-US" altLang="en-US" sz="2400" dirty="0">
-                <a:sym typeface="+mn-ea"/>
-              </a:rPr>
-              <a:t>・ </a:t>
+              <a:t>・ Where are each </a:t>
             </a:r>
             <a:r>
               <a:rPr lang="en-US" altLang="en-US" sz="2400" dirty="0">
@@ -4289,13 +4192,95 @@
                 </a:solidFill>
                 <a:sym typeface="+mn-ea"/>
               </a:rPr>
-              <a:t>Where</a:t>
+              <a:t>proxy / port </a:t>
             </a:r>
             <a:r>
               <a:rPr lang="en-US" altLang="en-US" sz="2400" dirty="0">
                 <a:sym typeface="+mn-ea"/>
               </a:rPr>
-              <a:t> are </a:t>
+              <a:t>setting files...?</a:t>
+            </a:r>
+            <a:endParaRPr lang="en-US" altLang="en-US" sz="2400" dirty="0">
+              <a:sym typeface="+mn-ea"/>
+            </a:endParaRPr>
+          </a:p>
+          <a:p>
+            <a:pPr algn="l"/>
+            <a:r>
+              <a:rPr lang="en-US" altLang="en-US" sz="2400" dirty="0">
+                <a:sym typeface="+mn-ea"/>
+              </a:rPr>
+              <a:t>- &gt; mvn, </a:t>
+            </a:r>
+            <a:r>
+              <a:rPr lang="en-US" altLang="en-US"/>
+              <a:t>git,</a:t>
+            </a:r>
+            <a:r>
+              <a:rPr lang="en-US" altLang="en-US" sz="2400" dirty="0">
+                <a:sym typeface="+mn-ea"/>
+              </a:rPr>
+              <a:t> apache, tomcat(liferay), coucudb, </a:t>
+            </a:r>
+            <a:endParaRPr lang="en-US" altLang="en-US" sz="2400" dirty="0">
+              <a:sym typeface="+mn-ea"/>
+            </a:endParaRPr>
+          </a:p>
+          <a:p>
+            <a:pPr algn="l"/>
+            <a:r>
+              <a:rPr lang="en-US" altLang="en-US" sz="2400" dirty="0">
+                <a:sym typeface="+mn-ea"/>
+              </a:rPr>
+              <a:t>・ and major application's binary files(exec files)...?</a:t>
+            </a:r>
+            <a:endParaRPr lang="en-US" altLang="en-US" sz="2400" dirty="0">
+              <a:sym typeface="+mn-ea"/>
+            </a:endParaRPr>
+          </a:p>
+          <a:p>
+            <a:pPr algn="l"/>
+            <a:r>
+              <a:rPr lang="en-US" altLang="en-US" sz="2400" dirty="0">
+                <a:sym typeface="+mn-ea"/>
+              </a:rPr>
+              <a:t>                             </a:t>
+            </a:r>
+            <a:endParaRPr lang="en-US" altLang="en-US" sz="2400" dirty="0">
+              <a:sym typeface="+mn-ea"/>
+            </a:endParaRPr>
+          </a:p>
+          <a:p>
+            <a:pPr algn="l"/>
+            <a:r>
+              <a:rPr lang="en-US" altLang="en-US" sz="2400" dirty="0">
+                <a:sym typeface="+mn-ea"/>
+              </a:rPr>
+              <a:t>------------------------------------ contant 1</a:t>
+            </a:r>
+            <a:endParaRPr lang="en-US" altLang="en-US" sz="2400" dirty="0">
+              <a:sym typeface="+mn-ea"/>
+            </a:endParaRPr>
+          </a:p>
+          <a:p>
+            <a:pPr algn="l"/>
+            <a:r>
+              <a:rPr lang="en-US" altLang="en-US" sz="2400" dirty="0">
+                <a:sym typeface="+mn-ea"/>
+              </a:rPr>
+              <a:t>・ How it work when did I install on linux?</a:t>
+            </a:r>
+            <a:endParaRPr lang="en-US" altLang="en-US" sz="2400" dirty="0">
+              <a:sym typeface="+mn-ea"/>
+            </a:endParaRPr>
+          </a:p>
+          <a:p>
+            <a:pPr algn="l"/>
+            <a:r>
+              <a:rPr lang="en-US" altLang="en-US" sz="2400" dirty="0">
+                <a:sym typeface="+mn-ea"/>
+              </a:rPr>
+              <a:t>・ </a:t>
             </a:r>
             <a:r>
               <a:rPr lang="en-US" altLang="en-US" sz="2400" dirty="0">
@@ -4304,6 +4289,21 @@
                 </a:solidFill>
                 <a:sym typeface="+mn-ea"/>
               </a:rPr>
+              <a:t>Where</a:t>
+            </a:r>
+            <a:r>
+              <a:rPr lang="en-US" altLang="en-US" sz="2400" dirty="0">
+                <a:sym typeface="+mn-ea"/>
+              </a:rPr>
+              <a:t> are </a:t>
+            </a:r>
+            <a:r>
+              <a:rPr lang="en-US" altLang="en-US" sz="2400" dirty="0">
+                <a:solidFill>
+                  <a:srgbClr val="00B0F0"/>
+                </a:solidFill>
+                <a:sym typeface="+mn-ea"/>
+              </a:rPr>
               <a:t>execfile</a:t>
             </a:r>
             <a:r>
@@ -4336,7 +4336,7 @@
               </a:rPr>
               <a:t> memo: /etc/init.d/ なら service関連, or $home/bin なら実行ファイル, /usr/local/binならコマンド. 実行形式が異なる. </a:t>
             </a:r>
-            <a:endParaRPr lang="" altLang="en-US" sz="2400" dirty="0">
+            <a:endParaRPr lang="en-US" altLang="en-US" sz="2400" dirty="0">
               <a:solidFill>
                 <a:schemeClr val="tx1"/>
               </a:solidFill>
@@ -4576,7 +4576,7 @@
         </p:nvGraphicFramePr>
         <p:xfrm>
           <a:off x="1939290" y="4175760"/>
-          <a:ext cx="8306435" cy="2518410"/>
+          <a:ext cx="8350250" cy="1741805"/>
         </p:xfrm>
         <a:graphic>
           <a:graphicData uri="http://schemas.openxmlformats.org/drawingml/2006/table">
@@ -4585,11 +4585,11 @@
                 <a:tableStyleId>{5C22544A-7EE6-4342-B048-85BDC9FD1C3A}</a:tableStyleId>
               </a:tblPr>
               <a:tblGrid>
-                <a:gridCol w="2206625"/>
-                <a:gridCol w="4048125"/>
-                <a:gridCol w="2051685"/>
+                <a:gridCol w="2218055"/>
+                <a:gridCol w="4069715"/>
+                <a:gridCol w="2062480"/>
               </a:tblGrid>
-              <a:tr h="915670">
+              <a:tr h="633095">
                 <a:tc>
                   <a:txBody>
                     <a:bodyPr/>
@@ -4639,7 +4639,7 @@
                   <a:tcPr/>
                 </a:tc>
               </a:tr>
-              <a:tr h="1602740">
+              <a:tr h="1108710">
                 <a:tc>
                   <a:txBody>
                     <a:bodyPr/>
@@ -5112,7 +5112,7 @@
         <p:spPr>
           <a:xfrm>
             <a:off x="1684655" y="63500"/>
-            <a:ext cx="6976745" cy="829945"/>
+            <a:ext cx="6423660" cy="829945"/>
           </a:xfrm>
           <a:prstGeom prst="rect">
             <a:avLst/>
@@ -5129,27 +5129,21 @@
               <a:rPr lang="en-US" altLang="en-US" sz="2400" dirty="0">
                 <a:sym typeface="+mn-ea"/>
               </a:rPr>
-              <a:t>Other Contants  </a:t>
-            </a:r>
-            <a:r>
-              <a:rPr lang="" altLang="en-US" sz="2400" dirty="0">
-                <a:sym typeface="+mn-ea"/>
-              </a:rPr>
-              <a:t>HOW THERE WORKED?  </a:t>
-            </a:r>
-            <a:endParaRPr lang="" altLang="en-US" sz="2400" dirty="0">
+              <a:t>Other Contants  HOW THERE WORKED?  </a:t>
+            </a:r>
+            <a:endParaRPr lang="en-US" altLang="en-US" sz="2400" dirty="0">
               <a:sym typeface="+mn-ea"/>
             </a:endParaRPr>
           </a:p>
           <a:p>
             <a:pPr algn="l"/>
             <a:r>
-              <a:rPr lang="" altLang="en-US" sz="2400" dirty="0">
-                <a:sym typeface="+mn-ea"/>
-              </a:rPr>
-              <a:t>MAKE, CONFIGURE,  DEAMON, SSH               </a:t>
-            </a:r>
-            <a:endParaRPr lang="" altLang="en-US" sz="2400" dirty="0">
+              <a:rPr lang="en-US" altLang="en-US" sz="2400" dirty="0">
+                <a:sym typeface="+mn-ea"/>
+              </a:rPr>
+              <a:t>DEAMON, SSH               </a:t>
+            </a:r>
+            <a:endParaRPr lang="en-US" altLang="en-US" sz="2400" dirty="0">
               <a:sym typeface="+mn-ea"/>
             </a:endParaRPr>
           </a:p>
@@ -5182,14 +5176,14 @@
       </p:grpSpPr>
       <p:sp>
         <p:nvSpPr>
-          <p:cNvPr id="3" name="Text Box 2"/>
+          <p:cNvPr id="2" name="Text Box 1"/>
           <p:cNvSpPr txBox="1"/>
           <p:nvPr/>
         </p:nvSpPr>
         <p:spPr>
           <a:xfrm>
-            <a:off x="7630795" y="6356350"/>
-            <a:ext cx="3491230" cy="645160"/>
+            <a:off x="31750" y="105410"/>
+            <a:ext cx="11696065" cy="7108825"/>
           </a:xfrm>
           <a:prstGeom prst="rect">
             <a:avLst/>
@@ -5197,51 +5191,393 @@
           <a:noFill/>
         </p:spPr>
         <p:txBody>
-          <a:bodyPr wrap="square" rtlCol="0" anchor="t">
+          <a:bodyPr wrap="square" rtlCol="0">
             <a:spAutoFit/>
           </a:bodyPr>
           <a:p>
-            <a:pPr algn="r"/>
-            <a:r>
-              <a:rPr lang="en-US" altLang="en-US">
-                <a:sym typeface="+mn-ea"/>
-              </a:rPr>
-              <a:t>written by daito keigo</a:t>
-            </a:r>
-            <a:endParaRPr lang="en-US" altLang="en-US">
+            <a:pPr algn="l"/>
+            <a:endParaRPr lang="" altLang="en-US" sz="2400" dirty="0">
+              <a:sym typeface="+mn-ea"/>
+            </a:endParaRPr>
+          </a:p>
+          <a:p>
+            <a:pPr algn="l"/>
+            <a:endParaRPr lang="" altLang="en-US" sz="2400" dirty="0">
+              <a:sym typeface="+mn-ea"/>
+            </a:endParaRPr>
+          </a:p>
+          <a:p>
+            <a:pPr algn="l"/>
+            <a:endParaRPr lang="" altLang="en-US" sz="2400" dirty="0">
+              <a:sym typeface="+mn-ea"/>
+            </a:endParaRPr>
+          </a:p>
+          <a:p>
+            <a:pPr algn="l"/>
+            <a:r>
+              <a:rPr lang="" altLang="en-US" sz="2400" dirty="0">
+                <a:sym typeface="+mn-ea"/>
+              </a:rPr>
+              <a:t>Content</a:t>
+            </a:r>
+            <a:r>
+              <a:rPr lang="en-US" altLang="en-US" sz="2400" dirty="0">
+                <a:sym typeface="+mn-ea"/>
+              </a:rPr>
+              <a:t> </a:t>
+            </a:r>
+            <a:r>
+              <a:rPr lang="" altLang="en-US" sz="2400" dirty="0">
+                <a:sym typeface="+mn-ea"/>
+              </a:rPr>
+              <a:t>1 P1~P2</a:t>
+            </a:r>
+            <a:endParaRPr lang="en-US" altLang="en-US" sz="2400" dirty="0">
+              <a:sym typeface="+mn-ea"/>
+            </a:endParaRPr>
+          </a:p>
+          <a:p>
+            <a:pPr marL="342900" indent="-342900" algn="l">
+              <a:buFont typeface="Arial" panose="02080604020202020204" pitchFamily="34" charset="0"/>
+              <a:buChar char="•"/>
+            </a:pPr>
+            <a:r>
+              <a:rPr lang="en-US" altLang="en-US" sz="2400" dirty="0">
+                <a:sym typeface="+mn-ea"/>
+              </a:rPr>
+              <a:t> Where are each </a:t>
+            </a:r>
+            <a:r>
+              <a:rPr lang="en-US" altLang="en-US" sz="2400" dirty="0">
+                <a:solidFill>
+                  <a:srgbClr val="00B0F0"/>
+                </a:solidFill>
+                <a:sym typeface="+mn-ea"/>
+              </a:rPr>
+              <a:t>setting file</a:t>
+            </a:r>
+            <a:r>
+              <a:rPr lang="" altLang="en-US" sz="2400" dirty="0">
+                <a:solidFill>
+                  <a:srgbClr val="00B0F0"/>
+                </a:solidFill>
+                <a:sym typeface="+mn-ea"/>
+              </a:rPr>
+              <a:t>..? (port and proxy, ) 		---p1</a:t>
+            </a:r>
+            <a:endParaRPr lang="" altLang="en-US" sz="2400" dirty="0">
               <a:solidFill>
-                <a:schemeClr val="tx1"/>
+                <a:srgbClr val="00B0F0"/>
               </a:solidFill>
-            </a:endParaRPr>
-          </a:p>
-          <a:p>
-            <a:pPr algn="r"/>
-            <a:endParaRPr lang="en-US"/>
-          </a:p>
-        </p:txBody>
-      </p:sp>
-      <p:sp>
-        <p:nvSpPr>
-          <p:cNvPr id="7" name="Text Box 6"/>
-          <p:cNvSpPr txBox="1"/>
-          <p:nvPr/>
-        </p:nvSpPr>
-        <p:spPr>
-          <a:xfrm>
-            <a:off x="-52705" y="975995"/>
-            <a:ext cx="11617960" cy="6000750"/>
-          </a:xfrm>
-          <a:prstGeom prst="rect">
-            <a:avLst/>
-          </a:prstGeom>
-          <a:noFill/>
-        </p:spPr>
-        <p:txBody>
-          <a:bodyPr wrap="square" rtlCol="0" anchor="t">
-            <a:spAutoFit/>
-          </a:bodyPr>
+              <a:sym typeface="+mn-ea"/>
+            </a:endParaRPr>
+          </a:p>
+          <a:p>
+            <a:pPr marL="342900" indent="-342900" algn="l">
+              <a:buFont typeface="Arial" panose="02080604020202020204" pitchFamily="34" charset="0"/>
+              <a:buChar char="•"/>
+            </a:pPr>
+            <a:r>
+              <a:rPr lang="en-US" altLang="en-US" sz="2400" dirty="0">
+                <a:sym typeface="+mn-ea"/>
+              </a:rPr>
+              <a:t> </a:t>
+            </a:r>
+            <a:r>
+              <a:rPr lang="" altLang="en-US" sz="2400" dirty="0">
+                <a:sym typeface="+mn-ea"/>
+              </a:rPr>
+              <a:t>How its applications start...? And look?				---p1</a:t>
+            </a:r>
+            <a:endParaRPr lang="" altLang="en-US" sz="2400" dirty="0">
+              <a:sym typeface="+mn-ea"/>
+            </a:endParaRPr>
+          </a:p>
+          <a:p>
+            <a:pPr marL="342900" indent="-342900" algn="l">
+              <a:buFont typeface="Arial" panose="02080604020202020204" pitchFamily="34" charset="0"/>
+              <a:buChar char="•"/>
+            </a:pPr>
+            <a:r>
+              <a:rPr lang="en-US" altLang="en-US" sz="2400" dirty="0">
+                <a:sym typeface="+mn-ea"/>
+              </a:rPr>
+              <a:t> Where are each log file...?					</a:t>
+            </a:r>
+            <a:r>
+              <a:rPr lang="" altLang="en-US" sz="2400" dirty="0">
+                <a:sym typeface="+mn-ea"/>
+              </a:rPr>
+              <a:t>	</a:t>
+            </a:r>
+            <a:r>
+              <a:rPr lang="en-US" altLang="en-US" sz="2400" dirty="0">
+                <a:sym typeface="+mn-ea"/>
+              </a:rPr>
+              <a:t>---p1,2</a:t>
+            </a:r>
+            <a:endParaRPr lang="en-US" altLang="en-US" sz="2400" dirty="0">
+              <a:sym typeface="+mn-ea"/>
+            </a:endParaRPr>
+          </a:p>
+          <a:p>
+            <a:pPr marL="342900" indent="-342900" algn="l">
+              <a:buFont typeface="Arial" panose="02080604020202020204" pitchFamily="34" charset="0"/>
+              <a:buChar char="•"/>
+            </a:pPr>
+            <a:r>
+              <a:rPr lang="en-US" altLang="en-US" sz="2400" dirty="0">
+                <a:sym typeface="+mn-ea"/>
+              </a:rPr>
+              <a:t> </a:t>
+            </a:r>
+            <a:r>
+              <a:rPr lang="" altLang="en-US" sz="2400" dirty="0">
+                <a:sym typeface="+mn-ea"/>
+              </a:rPr>
+              <a:t>Where each</a:t>
+            </a:r>
+            <a:r>
+              <a:rPr lang="en-US" altLang="en-US" sz="2400" dirty="0">
+                <a:sym typeface="+mn-ea"/>
+              </a:rPr>
+              <a:t> binary files(</a:t>
+            </a:r>
+            <a:r>
+              <a:rPr lang="en-US" altLang="en-US" sz="2400" dirty="0">
+                <a:solidFill>
+                  <a:srgbClr val="00B0F0"/>
+                </a:solidFill>
+                <a:sym typeface="+mn-ea"/>
+              </a:rPr>
+              <a:t>exec file</a:t>
+            </a:r>
+            <a:r>
+              <a:rPr lang="en-US" altLang="en-US" sz="2400" dirty="0">
+                <a:sym typeface="+mn-ea"/>
+              </a:rPr>
+              <a:t>)</a:t>
+            </a:r>
+            <a:r>
+              <a:rPr lang="en-US" altLang="en-US" sz="2400" dirty="0">
+                <a:sym typeface="+mn-ea"/>
+              </a:rPr>
+              <a:t>and </a:t>
+            </a:r>
+            <a:r>
+              <a:rPr lang="en-US" altLang="en-US" sz="2400" u="sng" dirty="0">
+                <a:effectLst/>
+                <a:sym typeface="+mn-ea"/>
+              </a:rPr>
+              <a:t>What type</a:t>
+            </a:r>
+            <a:r>
+              <a:rPr lang="en-US" altLang="en-US" sz="2400" dirty="0">
+                <a:solidFill>
+                  <a:srgbClr val="00B0F0"/>
+                </a:solidFill>
+                <a:sym typeface="+mn-ea"/>
+              </a:rPr>
+              <a:t>..?</a:t>
+            </a:r>
+            <a:r>
+              <a:rPr lang="" altLang="en-US" sz="2400" dirty="0">
+                <a:solidFill>
+                  <a:srgbClr val="00B0F0"/>
+                </a:solidFill>
+                <a:sym typeface="+mn-ea"/>
+              </a:rPr>
+              <a:t>		---p2</a:t>
+            </a:r>
+            <a:endParaRPr lang="en-US" altLang="en-US" sz="2400" dirty="0">
+              <a:sym typeface="+mn-ea"/>
+            </a:endParaRPr>
+          </a:p>
+          <a:p>
+            <a:pPr marL="342900" indent="-342900" algn="l"/>
+            <a:endParaRPr lang="en-US" altLang="en-US" sz="2400" dirty="0">
+              <a:sym typeface="+mn-ea"/>
+            </a:endParaRPr>
+          </a:p>
+          <a:p>
+            <a:pPr marL="342900" indent="-342900" algn="l"/>
+            <a:r>
+              <a:rPr lang="en-US" altLang="en-US" sz="2400" dirty="0">
+                <a:sym typeface="+mn-ea"/>
+              </a:rPr>
+              <a:t>                             </a:t>
+            </a:r>
+            <a:endParaRPr lang="en-US" altLang="en-US" sz="2400" dirty="0">
+              <a:sym typeface="+mn-ea"/>
+            </a:endParaRPr>
+          </a:p>
           <a:p>
             <a:pPr algn="l"/>
+            <a:r>
+              <a:rPr lang="" altLang="en-US" sz="2400" dirty="0">
+                <a:sym typeface="+mn-ea"/>
+              </a:rPr>
+              <a:t>C</a:t>
+            </a:r>
+            <a:r>
+              <a:rPr lang="en-US" altLang="en-US" sz="2400" dirty="0">
+                <a:sym typeface="+mn-ea"/>
+              </a:rPr>
+              <a:t>ontant </a:t>
+            </a:r>
+            <a:r>
+              <a:rPr lang="" altLang="en-US" sz="2400" dirty="0">
+                <a:sym typeface="+mn-ea"/>
+              </a:rPr>
+              <a:t>2 </a:t>
+            </a:r>
+            <a:r>
+              <a:rPr lang="en-US" altLang="en-US" sz="2400" dirty="0">
+                <a:sym typeface="+mn-ea"/>
+              </a:rPr>
+              <a:t>p3~p6</a:t>
+            </a:r>
+            <a:r>
+              <a:rPr lang="" altLang="en-US" sz="2400" dirty="0">
+                <a:sym typeface="+mn-ea"/>
+              </a:rPr>
+              <a:t>				</a:t>
+            </a:r>
+            <a:endParaRPr lang="" altLang="en-US" sz="2400" dirty="0">
+              <a:sym typeface="+mn-ea"/>
+            </a:endParaRPr>
+          </a:p>
+          <a:p>
+            <a:pPr marL="342900" lvl="0" indent="-342900" algn="l">
+              <a:buFont typeface="Arial" panose="02080604020202020204" pitchFamily="34" charset="0"/>
+              <a:buChar char="•"/>
+            </a:pPr>
+            <a:r>
+              <a:rPr lang="" altLang="en-US" sz="2400" dirty="0">
+                <a:sym typeface="+mn-ea"/>
+              </a:rPr>
+              <a:t>Major Installing way on Linux. (Step1~Step3)			---p3</a:t>
+            </a:r>
+            <a:endParaRPr lang="" altLang="en-US" sz="2400" dirty="0">
+              <a:sym typeface="+mn-ea"/>
+            </a:endParaRPr>
+          </a:p>
+          <a:p>
+            <a:pPr marL="800100" lvl="1" indent="-342900" algn="l">
+              <a:buFont typeface="Arial" panose="02080604020202020204" pitchFamily="34" charset="0"/>
+              <a:buChar char="•"/>
+            </a:pPr>
+            <a:r>
+              <a:rPr lang="" altLang="en-US" sz="2400" dirty="0">
+                <a:sym typeface="+mn-ea"/>
+              </a:rPr>
+              <a:t>Step1. DOWNLOAD                                          		---p4</a:t>
+            </a:r>
+            <a:endParaRPr lang="" altLang="en-US" sz="2400" dirty="0">
+              <a:sym typeface="+mn-ea"/>
+            </a:endParaRPr>
+          </a:p>
+          <a:p>
+            <a:pPr marL="800100" lvl="1" indent="-342900" algn="l">
+              <a:buFont typeface="Arial" panose="02080604020202020204" pitchFamily="34" charset="0"/>
+              <a:buChar char="•"/>
+            </a:pPr>
+            <a:r>
+              <a:rPr lang="" altLang="en-US" sz="2400" dirty="0">
+                <a:sym typeface="+mn-ea"/>
+              </a:rPr>
+              <a:t>Step2. BUILD/CONFIG				     		---p5</a:t>
+            </a:r>
+            <a:endParaRPr lang="" altLang="en-US" sz="2400" dirty="0">
+              <a:sym typeface="+mn-ea"/>
+            </a:endParaRPr>
+          </a:p>
+          <a:p>
+            <a:pPr marL="1257300" lvl="2" indent="-342900" algn="l">
+              <a:buFont typeface="Arial" panose="02080604020202020204" pitchFamily="34" charset="0"/>
+              <a:buChar char="•"/>
+            </a:pPr>
+            <a:r>
+              <a:rPr lang="" altLang="en-US" sz="2400" dirty="0">
+                <a:sym typeface="+mn-ea"/>
+              </a:rPr>
+              <a:t>What is (Make / configure / maven / make install)    ---p6	</a:t>
+            </a:r>
+            <a:endParaRPr lang="" altLang="en-US" sz="2400" dirty="0">
+              <a:sym typeface="+mn-ea"/>
+            </a:endParaRPr>
+          </a:p>
+          <a:p>
+            <a:pPr marL="800100" lvl="1" indent="-342900" algn="l">
+              <a:buFont typeface="Arial" panose="02080604020202020204" pitchFamily="34" charset="0"/>
+              <a:buChar char="•"/>
+            </a:pPr>
+            <a:r>
+              <a:rPr lang="" altLang="en-US" sz="2400" dirty="0">
+                <a:sym typeface="+mn-ea"/>
+              </a:rPr>
+              <a:t>Step3. INSTALL 					   　		--- P3</a:t>
+            </a:r>
+            <a:endParaRPr lang="" altLang="en-US" sz="2400" dirty="0">
+              <a:sym typeface="+mn-ea"/>
+            </a:endParaRPr>
+          </a:p>
+          <a:p>
+            <a:pPr marL="914400" lvl="1" indent="-457200" algn="l">
+              <a:buFont typeface="+mj-lt"/>
+              <a:buAutoNum type="arabicPeriod"/>
+            </a:pPr>
+            <a:r>
+              <a:rPr lang="" altLang="en-US" sz="2400" dirty="0">
+                <a:sym typeface="+mn-ea"/>
+              </a:rPr>
+              <a:t>Download</a:t>
+            </a:r>
+            <a:endParaRPr lang="en-US" altLang="en-US" sz="2400" dirty="0">
+              <a:sym typeface="+mn-ea"/>
+            </a:endParaRPr>
+          </a:p>
+          <a:p>
+            <a:pPr marL="342900" indent="-342900" algn="l">
+              <a:buFont typeface="Arial" panose="02080604020202020204" pitchFamily="34" charset="0"/>
+              <a:buChar char="•"/>
+            </a:pPr>
+            <a:r>
+              <a:rPr lang="en-US" altLang="en-US" sz="2400" dirty="0">
+                <a:solidFill>
+                  <a:srgbClr val="00B0F0"/>
+                </a:solidFill>
+                <a:sym typeface="+mn-ea"/>
+              </a:rPr>
+              <a:t> Where</a:t>
+            </a:r>
+            <a:r>
+              <a:rPr lang="en-US" altLang="en-US" sz="2400" dirty="0">
+                <a:sym typeface="+mn-ea"/>
+              </a:rPr>
+              <a:t> are </a:t>
+            </a:r>
+            <a:r>
+              <a:rPr lang="en-US" altLang="en-US" sz="2400" dirty="0">
+                <a:solidFill>
+                  <a:srgbClr val="00B0F0"/>
+                </a:solidFill>
+                <a:sym typeface="+mn-ea"/>
+              </a:rPr>
+              <a:t>execfile</a:t>
+            </a:r>
+            <a:r>
+              <a:rPr lang="en-US" altLang="en-US" sz="2400" dirty="0">
+                <a:sym typeface="+mn-ea"/>
+              </a:rPr>
+              <a:t> installed and What type?  </a:t>
+            </a:r>
+            <a:endParaRPr lang="en-US" altLang="en-US" sz="2400" dirty="0">
+              <a:sym typeface="+mn-ea"/>
+            </a:endParaRPr>
+          </a:p>
+          <a:p>
+            <a:pPr marL="342900" indent="-342900" algn="l"/>
             <a:endParaRPr lang="en-US" altLang="en-US" sz="2400" dirty="0">
               <a:solidFill>
                 <a:schemeClr val="tx1"/>
@@ -5249,204 +5585,18 @@
               <a:sym typeface="+mn-ea"/>
             </a:endParaRPr>
           </a:p>
-          <a:p>
-            <a:pPr algn="l"/>
-            <a:r>
-              <a:rPr lang="en-US" altLang="en-US" sz="2400" dirty="0">
-                <a:sym typeface="+mn-ea"/>
-              </a:rPr>
-              <a:t>メモです </a:t>
-            </a:r>
-            <a:endParaRPr lang="en-US" altLang="en-US" sz="2400" dirty="0">
-              <a:sym typeface="+mn-ea"/>
-            </a:endParaRPr>
-          </a:p>
-          <a:p>
-            <a:pPr algn="l"/>
-            <a:endParaRPr lang="en-US" altLang="en-US" sz="2400" dirty="0">
-              <a:solidFill>
-                <a:schemeClr val="tx1"/>
-              </a:solidFill>
-              <a:sym typeface="+mn-ea"/>
-            </a:endParaRPr>
-          </a:p>
-          <a:p>
-            <a:pPr algn="l"/>
-            <a:r>
-              <a:rPr lang="en-US" altLang="en-US" sz="2400" dirty="0">
-                <a:sym typeface="+mn-ea"/>
-              </a:rPr>
-              <a:t>1 -&gt; make</a:t>
-            </a:r>
-            <a:r>
-              <a:rPr lang="" altLang="en-US" sz="2400" dirty="0">
-                <a:sym typeface="+mn-ea"/>
-              </a:rPr>
-              <a:t>,makeinstall</a:t>
-            </a:r>
-            <a:r>
-              <a:rPr lang="en-US" altLang="en-US" sz="2400" dirty="0">
-                <a:sym typeface="+mn-ea"/>
-              </a:rPr>
-              <a:t>とconfigure</a:t>
-            </a:r>
-            <a:r>
-              <a:rPr lang="" altLang="en-US" sz="2400" dirty="0">
-                <a:sym typeface="+mn-ea"/>
-              </a:rPr>
-              <a:t>/maven</a:t>
-            </a:r>
-            <a:r>
-              <a:rPr lang="en-US" altLang="en-US" sz="2400" dirty="0">
-                <a:sym typeface="+mn-ea"/>
-              </a:rPr>
-              <a:t>、systemd. パッケージとsourceからのインストールの違い. package(something use apt or yum is all package) </a:t>
-            </a:r>
-            <a:endParaRPr lang="en-US" altLang="en-US" sz="2400" dirty="0">
-              <a:solidFill>
-                <a:schemeClr val="tx1"/>
-              </a:solidFill>
-              <a:sym typeface="+mn-ea"/>
-            </a:endParaRPr>
-          </a:p>
-          <a:p>
-            <a:pPr algn="l"/>
-            <a:r>
-              <a:rPr lang="en-US" altLang="en-US" sz="2400" dirty="0">
-                <a:sym typeface="+mn-ea"/>
-              </a:rPr>
-              <a:t>  </a:t>
-            </a:r>
-            <a:r>
-              <a:rPr lang="" altLang="en-US" sz="2400" dirty="0">
-                <a:sym typeface="+mn-ea"/>
-              </a:rPr>
-              <a:t>source ---------------------------------------------------------------</a:t>
-            </a:r>
-            <a:endParaRPr lang="" altLang="en-US" sz="2400" dirty="0">
-              <a:sym typeface="+mn-ea"/>
-            </a:endParaRPr>
-          </a:p>
-          <a:p>
-            <a:pPr algn="l"/>
-            <a:r>
-              <a:rPr lang="en-US" altLang="en-US" sz="2400" dirty="0">
-                <a:sym typeface="+mn-ea"/>
-              </a:rPr>
-              <a:t> ・git cloneならプロジェクト(フォルダとして). </a:t>
-            </a:r>
-            <a:endParaRPr lang="en-US" altLang="en-US" sz="2400" dirty="0">
-              <a:sym typeface="+mn-ea"/>
-            </a:endParaRPr>
-          </a:p>
-          <a:p>
-            <a:pPr algn="l"/>
-            <a:r>
-              <a:rPr lang="en-US" altLang="en-US" sz="2400" dirty="0">
-                <a:sym typeface="+mn-ea"/>
-              </a:rPr>
-              <a:t>   ・curlなら ファイル単体.  </a:t>
-            </a:r>
-            <a:endParaRPr lang="en-US" altLang="en-US" sz="2400" dirty="0">
-              <a:sym typeface="+mn-ea"/>
-            </a:endParaRPr>
-          </a:p>
-          <a:p>
-            <a:pPr algn="l"/>
-            <a:r>
-              <a:rPr lang="en-US" altLang="en-US" sz="2400" dirty="0">
-                <a:sym typeface="+mn-ea"/>
-              </a:rPr>
-              <a:t>   ・ビルドの方法は、 ソースコードによって異なる.</a:t>
-            </a:r>
-            <a:endParaRPr lang="en-US" altLang="en-US" sz="2400" dirty="0">
-              <a:sym typeface="+mn-ea"/>
-            </a:endParaRPr>
-          </a:p>
-          <a:p>
-            <a:pPr algn="l"/>
-            <a:r>
-              <a:rPr lang="en-US" altLang="en-US" sz="2400" dirty="0">
-                <a:sym typeface="+mn-ea"/>
-              </a:rPr>
-              <a:t> source ---------------------------------------------------------------</a:t>
-            </a:r>
-            <a:endParaRPr lang="en-US" altLang="en-US" sz="2400" dirty="0">
-              <a:sym typeface="+mn-ea"/>
-            </a:endParaRPr>
-          </a:p>
-          <a:p>
-            <a:pPr algn="l"/>
-            <a:endParaRPr lang="en-US" altLang="en-US" sz="2400" dirty="0">
-              <a:sym typeface="+mn-ea"/>
-            </a:endParaRPr>
-          </a:p>
-          <a:p>
-            <a:pPr algn="l"/>
-            <a:r>
-              <a:rPr lang="en-US" altLang="en-US" sz="2400" dirty="0">
-                <a:sym typeface="+mn-ea"/>
-              </a:rPr>
-              <a:t>package </a:t>
-            </a:r>
-            <a:r>
-              <a:rPr lang="" altLang="en-US" sz="2400" dirty="0">
-                <a:sym typeface="+mn-ea"/>
-              </a:rPr>
-              <a:t>-------------------------------------------------------</a:t>
-            </a:r>
-            <a:endParaRPr lang="" altLang="en-US" sz="2400" dirty="0">
-              <a:sym typeface="+mn-ea"/>
-            </a:endParaRPr>
-          </a:p>
-          <a:p>
-            <a:pPr algn="l"/>
-            <a:endParaRPr lang="en-US" altLang="en-US" sz="2400" dirty="0">
-              <a:sym typeface="+mn-ea"/>
-            </a:endParaRPr>
-          </a:p>
-          <a:p>
-            <a:pPr algn="l"/>
-            <a:r>
-              <a:rPr lang="en-US" altLang="en-US" sz="2400" dirty="0">
-                <a:sym typeface="+mn-ea"/>
-              </a:rPr>
-              <a:t>2 -&gt; </a:t>
-            </a:r>
-            <a:r>
-              <a:rPr lang="" altLang="en-US" sz="2400" dirty="0">
-                <a:sym typeface="+mn-ea"/>
-              </a:rPr>
-              <a:t>/etc/ にインストールされるものが</a:t>
-            </a:r>
-            <a:endParaRPr lang="en-US" altLang="en-US" sz="2400" dirty="0">
-              <a:sym typeface="+mn-ea"/>
-            </a:endParaRPr>
-          </a:p>
-          <a:p>
-            <a:pPr algn="l"/>
-            <a:endParaRPr lang="en-US" altLang="en-US" sz="2400" dirty="0">
-              <a:sym typeface="+mn-ea"/>
-            </a:endParaRPr>
-          </a:p>
-          <a:p>
-            <a:pPr algn="l"/>
-            <a:endParaRPr lang="en-US" altLang="en-US" sz="2400" dirty="0">
-              <a:sym typeface="+mn-ea"/>
-            </a:endParaRPr>
-          </a:p>
-        </p:txBody>
-      </p:sp>
-      <p:sp>
-        <p:nvSpPr>
-          <p:cNvPr id="5" name="Text Box 4"/>
+        </p:txBody>
+      </p:sp>
+      <p:sp>
+        <p:nvSpPr>
+          <p:cNvPr id="3" name="Text Box 2"/>
           <p:cNvSpPr txBox="1"/>
           <p:nvPr/>
         </p:nvSpPr>
         <p:spPr>
           <a:xfrm>
-            <a:off x="2494280" y="607695"/>
-            <a:ext cx="4646295" cy="368300"/>
+            <a:off x="7630795" y="6356350"/>
+            <a:ext cx="3491230" cy="645160"/>
           </a:xfrm>
           <a:prstGeom prst="rect">
             <a:avLst/>
@@ -5454,18 +5604,91 @@
           <a:noFill/>
         </p:spPr>
         <p:txBody>
+          <a:bodyPr wrap="square" rtlCol="0" anchor="t">
+            <a:spAutoFit/>
+          </a:bodyPr>
+          <a:p>
+            <a:pPr algn="r"/>
+            <a:r>
+              <a:rPr lang="en-US" altLang="en-US">
+                <a:sym typeface="+mn-ea"/>
+              </a:rPr>
+              <a:t>written by daito keigo</a:t>
+            </a:r>
+            <a:endParaRPr lang="en-US" altLang="en-US">
+              <a:solidFill>
+                <a:schemeClr val="tx1"/>
+              </a:solidFill>
+            </a:endParaRPr>
+          </a:p>
+          <a:p>
+            <a:pPr algn="r"/>
+            <a:endParaRPr lang="en-US"/>
+          </a:p>
+        </p:txBody>
+      </p:sp>
+      <p:sp>
+        <p:nvSpPr>
+          <p:cNvPr id="4" name="Slide Number Placeholder 3"/>
+          <p:cNvSpPr>
+            <a:spLocks noGrp="1"/>
+          </p:cNvSpPr>
+          <p:nvPr>
+            <p:ph type="sldNum" sz="quarter" idx="12"/>
+          </p:nvPr>
+        </p:nvSpPr>
+        <p:spPr>
+          <a:xfrm>
+            <a:off x="8716645" y="6356350"/>
+            <a:ext cx="2743200" cy="365125"/>
+          </a:xfrm>
+        </p:spPr>
+        <p:txBody>
+          <a:bodyPr/>
+          <a:p>
+            <a:fld id="{BE1039D9-3D1B-4CD3-B3BC-3050B19DE446}" type="slidenum">
+              <a:rPr kumimoji="1" lang="ja-JP" altLang="en-US" smtClean="0"/>
+            </a:fld>
+            <a:endParaRPr kumimoji="1" lang="ja-JP" altLang="en-US"/>
+          </a:p>
+        </p:txBody>
+      </p:sp>
+      <p:sp>
+        <p:nvSpPr>
+          <p:cNvPr id="5" name="Text Box 4"/>
+          <p:cNvSpPr txBox="1"/>
+          <p:nvPr/>
+        </p:nvSpPr>
+        <p:spPr>
+          <a:xfrm>
+            <a:off x="248285" y="105410"/>
+            <a:ext cx="2394585" cy="645160"/>
+          </a:xfrm>
+          <a:prstGeom prst="rect">
+            <a:avLst/>
+          </a:prstGeom>
+          <a:noFill/>
+        </p:spPr>
+        <p:txBody>
           <a:bodyPr wrap="none" rtlCol="0" anchor="t">
             <a:spAutoFit/>
           </a:bodyPr>
           <a:p>
-            <a:pPr algn="l"/>
-            <a:r>
-              <a:rPr lang="en-US" altLang="en-US" dirty="0">
-                <a:sym typeface="+mn-ea"/>
-              </a:rPr>
-              <a:t>How it work when did I install on linux?</a:t>
-            </a:r>
-            <a:endParaRPr lang="en-US"/>
+            <a:r>
+              <a:rPr lang="en-US" altLang="en-US" sz="3600">
+                <a:solidFill>
+                  <a:srgbClr val="00B0F0"/>
+                </a:solidFill>
+                <a:sym typeface="+mn-ea"/>
+              </a:rPr>
+              <a:t>CONTENT</a:t>
+            </a:r>
+            <a:endParaRPr lang="en-US" altLang="en-US" sz="3600">
+              <a:solidFill>
+                <a:srgbClr val="00B0F0"/>
+              </a:solidFill>
+              <a:sym typeface="+mn-ea"/>
+            </a:endParaRPr>
           </a:p>
         </p:txBody>
       </p:sp>
@@ -5502,8 +5725,8 @@
         </p:nvSpPr>
         <p:spPr>
           <a:xfrm>
-            <a:off x="1526540" y="-1962573"/>
-            <a:ext cx="9132147" cy="542290"/>
+            <a:off x="7630795" y="6356350"/>
+            <a:ext cx="3491230" cy="645160"/>
           </a:xfrm>
           <a:prstGeom prst="rect">
             <a:avLst/>
@@ -5511,16 +5734,26 @@
           <a:noFill/>
         </p:spPr>
         <p:txBody>
-          <a:bodyPr wrap="square" rtlCol="0">
+          <a:bodyPr wrap="square" rtlCol="0" anchor="t">
             <a:spAutoFit/>
           </a:bodyPr>
           <a:p>
-            <a:pPr algn="l">
-              <a:lnSpc>
-                <a:spcPct val="110000"/>
-              </a:lnSpc>
-            </a:pPr>
-            <a:endParaRPr lang="en-US" altLang="en-US" sz="2665"/>
+            <a:pPr algn="r"/>
+            <a:r>
+              <a:rPr lang="en-US" altLang="en-US">
+                <a:sym typeface="+mn-ea"/>
+              </a:rPr>
+              <a:t>written by daito keigo</a:t>
+            </a:r>
+            <a:endParaRPr lang="en-US" altLang="en-US">
+              <a:solidFill>
+                <a:schemeClr val="tx1"/>
+              </a:solidFill>
+            </a:endParaRPr>
+          </a:p>
+          <a:p>
+            <a:pPr algn="r"/>
+            <a:endParaRPr lang="en-US"/>
           </a:p>
         </p:txBody>
       </p:sp>
@@ -5532,8 +5765,8 @@
         </p:nvSpPr>
         <p:spPr>
           <a:xfrm>
-            <a:off x="2708275" y="481965"/>
-            <a:ext cx="6767830" cy="4742815"/>
+            <a:off x="-52705" y="4140200"/>
+            <a:ext cx="11617960" cy="2861310"/>
           </a:xfrm>
           <a:prstGeom prst="rect">
             <a:avLst/>
@@ -5541,210 +5774,6 @@
           <a:noFill/>
         </p:spPr>
         <p:txBody>
-          <a:bodyPr wrap="square" rtlCol="0">
-            <a:spAutoFit/>
-          </a:bodyPr>
-          <a:p>
-            <a:pPr indent="0">
-              <a:lnSpc>
-                <a:spcPct val="120000"/>
-              </a:lnSpc>
-              <a:buFont typeface="+mj-lt"/>
-              <a:buNone/>
-            </a:pPr>
-            <a:endParaRPr lang="en-US" altLang="en-US" sz="2800"/>
-          </a:p>
-          <a:p>
-            <a:pPr indent="0">
-              <a:lnSpc>
-                <a:spcPct val="120000"/>
-              </a:lnSpc>
-              <a:buFont typeface="+mj-lt"/>
-              <a:buNone/>
-            </a:pPr>
-            <a:r>
-              <a:rPr lang="en-US" altLang="en-US" sz="2800" dirty="0">
-                <a:sym typeface="+mn-ea"/>
-              </a:rPr>
-              <a:t>1-1. How it work when did I install    </a:t>
-            </a:r>
-            <a:endParaRPr lang="en-US" altLang="en-US" sz="2800" dirty="0">
-              <a:sym typeface="+mn-ea"/>
-            </a:endParaRPr>
-          </a:p>
-          <a:p>
-            <a:pPr indent="0">
-              <a:lnSpc>
-                <a:spcPct val="120000"/>
-              </a:lnSpc>
-              <a:buFont typeface="+mj-lt"/>
-              <a:buNone/>
-            </a:pPr>
-            <a:r>
-              <a:rPr lang="en-US" altLang="en-US" sz="2800" dirty="0">
-                <a:sym typeface="+mn-ea"/>
-              </a:rPr>
-              <a:t>       on linux?</a:t>
-            </a:r>
-            <a:endParaRPr lang="en-US" altLang="en-US" sz="2800" dirty="0">
-              <a:sym typeface="+mn-ea"/>
-            </a:endParaRPr>
-          </a:p>
-          <a:p>
-            <a:pPr marL="514350" indent="-514350">
-              <a:lnSpc>
-                <a:spcPct val="120000"/>
-              </a:lnSpc>
-              <a:buFont typeface="+mj-lt"/>
-              <a:buAutoNum type="arabicPeriod"/>
-            </a:pPr>
-            <a:endParaRPr lang="en-US" altLang="en-US" sz="2800"/>
-          </a:p>
-          <a:p>
-            <a:pPr marL="514350" indent="-514350">
-              <a:lnSpc>
-                <a:spcPct val="120000"/>
-              </a:lnSpc>
-              <a:buFont typeface="+mj-lt"/>
-              <a:buAutoNum type="arabicPeriod"/>
-            </a:pPr>
-            <a:r>
-              <a:rPr lang="en-US" altLang="en-US" sz="2800" dirty="0">
-                <a:sym typeface="+mn-ea"/>
-              </a:rPr>
-              <a:t>Where are each proxy / port setting files...?</a:t>
-            </a:r>
-            <a:endParaRPr lang="en-US" altLang="en-US" sz="2800" dirty="0">
-              <a:sym typeface="+mn-ea"/>
-            </a:endParaRPr>
-          </a:p>
-          <a:p>
-            <a:pPr marL="514350" indent="-514350">
-              <a:lnSpc>
-                <a:spcPct val="120000"/>
-              </a:lnSpc>
-              <a:buFont typeface="+mj-lt"/>
-              <a:buAutoNum type="arabicPeriod"/>
-            </a:pPr>
-            <a:r>
-              <a:rPr lang="en-US" altLang="en-US" sz="2800"/>
-              <a:t>Maked Folder and Pachage</a:t>
-            </a:r>
-            <a:endParaRPr lang="en-US" altLang="en-US" sz="2800"/>
-          </a:p>
-          <a:p>
-            <a:pPr marL="514350" indent="-514350">
-              <a:lnSpc>
-                <a:spcPct val="120000"/>
-              </a:lnSpc>
-              <a:buFont typeface="+mj-lt"/>
-              <a:buAutoNum type="arabicPeriod"/>
-            </a:pPr>
-            <a:endParaRPr lang="en-US" altLang="en-US" sz="2800"/>
-          </a:p>
-          <a:p>
-            <a:pPr marL="514350" indent="-514350">
-              <a:lnSpc>
-                <a:spcPct val="120000"/>
-              </a:lnSpc>
-              <a:buFont typeface="+mj-lt"/>
-              <a:buAutoNum type="arabicPeriod"/>
-            </a:pPr>
-            <a:endParaRPr lang="en-US" altLang="en-US" sz="2800"/>
-          </a:p>
-        </p:txBody>
-      </p:sp>
-      <p:sp>
-        <p:nvSpPr>
-          <p:cNvPr id="9" name="Slide Number Placeholder 8"/>
-          <p:cNvSpPr>
-            <a:spLocks noGrp="1"/>
-          </p:cNvSpPr>
-          <p:nvPr>
-            <p:ph type="sldNum" sz="quarter" idx="12"/>
-          </p:nvPr>
-        </p:nvSpPr>
-        <p:spPr/>
-        <p:txBody>
-          <a:bodyPr/>
-          <a:p>
-            <a:fld id="{BE1039D9-3D1B-4CD3-B3BC-3050B19DE446}" type="slidenum">
-              <a:rPr kumimoji="1" lang="ja-JP" altLang="en-US" smtClean="0">
-                <a:solidFill>
-                  <a:schemeClr val="tx1">
-                    <a:lumMod val="65000"/>
-                    <a:lumOff val="35000"/>
-                  </a:schemeClr>
-                </a:solidFill>
-              </a:rPr>
-            </a:fld>
-            <a:endParaRPr kumimoji="1" lang="ja-JP" altLang="en-US" smtClean="0">
-              <a:solidFill>
-                <a:schemeClr val="tx1">
-                  <a:lumMod val="65000"/>
-                  <a:lumOff val="35000"/>
-                </a:schemeClr>
-              </a:solidFill>
-            </a:endParaRPr>
-          </a:p>
-        </p:txBody>
-      </p:sp>
-      <p:sp>
-        <p:nvSpPr>
-          <p:cNvPr id="2" name="Text Box 1"/>
-          <p:cNvSpPr txBox="1"/>
-          <p:nvPr/>
-        </p:nvSpPr>
-        <p:spPr>
-          <a:xfrm>
-            <a:off x="819150" y="481965"/>
-            <a:ext cx="2394585" cy="645160"/>
-          </a:xfrm>
-          <a:prstGeom prst="rect">
-            <a:avLst/>
-          </a:prstGeom>
-          <a:noFill/>
-        </p:spPr>
-        <p:txBody>
-          <a:bodyPr wrap="none" rtlCol="0" anchor="t">
-            <a:spAutoFit/>
-          </a:bodyPr>
-          <a:p>
-            <a:r>
-              <a:rPr lang="en-US" altLang="en-US" sz="3600">
-                <a:solidFill>
-                  <a:srgbClr val="00B0F0"/>
-                </a:solidFill>
-                <a:sym typeface="+mn-ea"/>
-              </a:rPr>
-              <a:t>CONTENT</a:t>
-            </a:r>
-            <a:endParaRPr lang="en-US" altLang="en-US" sz="3600">
-              <a:solidFill>
-                <a:srgbClr val="00B0F0"/>
-              </a:solidFill>
-              <a:sym typeface="+mn-ea"/>
-            </a:endParaRPr>
-          </a:p>
-        </p:txBody>
-      </p:sp>
-      <p:sp>
-        <p:nvSpPr>
-          <p:cNvPr id="4" name="Text Box 3"/>
-          <p:cNvSpPr txBox="1"/>
-          <p:nvPr/>
-        </p:nvSpPr>
-        <p:spPr>
-          <a:xfrm>
-            <a:off x="26035" y="4529455"/>
-            <a:ext cx="12132945" cy="1938020"/>
-          </a:xfrm>
-          <a:prstGeom prst="rect">
-            <a:avLst/>
-          </a:prstGeom>
-          <a:noFill/>
-        </p:spPr>
-        <p:txBody>
           <a:bodyPr wrap="square" rtlCol="0" anchor="t">
             <a:spAutoFit/>
           </a:bodyPr>
@@ -5754,7 +5783,7 @@
               <a:rPr lang="en-US" altLang="en-US" sz="2000" dirty="0">
                 <a:sym typeface="+mn-ea"/>
               </a:rPr>
-              <a:t>・ this paper is based on ⇓</a:t>
+              <a:t> this paper is based on ⇓</a:t>
             </a:r>
             <a:endParaRPr lang="en-US" altLang="en-US" sz="2000" dirty="0">
               <a:sym typeface="+mn-ea"/>
@@ -5804,6 +5833,24 @@
               </a:rPr>
               <a:t>https://github.com/OpenChain-Project/Japan-WG-General/blob/master/Compliance-Tooling/FOSSology/Installation/install_from_source_debian_jp.md</a:t>
             </a:r>
+            <a:endParaRPr lang="en-US" altLang="en-US" sz="2000" dirty="0">
+              <a:sym typeface="+mn-ea"/>
+            </a:endParaRPr>
+          </a:p>
+          <a:p>
+            <a:pPr algn="l"/>
+            <a:endParaRPr lang="en-US" altLang="en-US" sz="2000" dirty="0">
+              <a:sym typeface="+mn-ea"/>
+            </a:endParaRPr>
+          </a:p>
+          <a:p>
+            <a:pPr algn="l"/>
+            <a:endParaRPr lang="en-US" altLang="en-US" sz="2000" dirty="0">
+              <a:sym typeface="+mn-ea"/>
+            </a:endParaRPr>
+          </a:p>
+          <a:p>
+            <a:pPr algn="l"/>
             <a:endParaRPr lang="en-US" altLang="en-US" sz="2000" dirty="0">
               <a:sym typeface="+mn-ea"/>
             </a:endParaRPr>
@@ -5837,22 +5884,21 @@
       </p:grpSpPr>
       <p:sp>
         <p:nvSpPr>
-          <p:cNvPr id="19" name="四角形: 角を丸くする 18"/>
+          <p:cNvPr id="28" name="正方形/長方形 88"/>
           <p:cNvSpPr/>
           <p:nvPr/>
         </p:nvSpPr>
         <p:spPr>
-          <a:xfrm>
-            <a:off x="4215130" y="1718945"/>
-            <a:ext cx="5987415" cy="3083560"/>
-          </a:xfrm>
-          <a:prstGeom prst="roundRect">
+          <a:xfrm rot="10800000" flipV="1">
+            <a:off x="9598660" y="1909445"/>
+            <a:ext cx="2028825" cy="2219325"/>
+          </a:xfrm>
+          <a:prstGeom prst="rect">
             <a:avLst/>
           </a:prstGeom>
           <a:solidFill>
-            <a:schemeClr val="accent4">
-              <a:lumMod val="20000"/>
-              <a:lumOff val="80000"/>
+            <a:schemeClr val="bg2">
+              <a:lumMod val="90000"/>
             </a:schemeClr>
           </a:solidFill>
         </p:spPr>
@@ -5874,12 +5920,10 @@
         </p:style>
         <p:txBody>
           <a:bodyPr rtlCol="0" anchor="ctr"/>
-          <a:lstStyle/>
-          <a:p>
-            <a:pPr algn="ctr"/>
-            <a:endParaRPr kumimoji="1" lang="ja-JP" altLang="en-US" sz="1355" dirty="0">
+          <a:p>
+            <a:endParaRPr lang="en-US" altLang="ja-JP" sz="1400" dirty="0">
               <a:solidFill>
-                <a:schemeClr val="accent1"/>
+                <a:schemeClr val="tx1"/>
               </a:solidFill>
             </a:endParaRPr>
           </a:p>
@@ -5887,20 +5931,20 @@
       </p:sp>
       <p:sp>
         <p:nvSpPr>
-          <p:cNvPr id="15" name="四角形: 角を丸くする 14"/>
+          <p:cNvPr id="19" name="四角形: 角を丸くする 18"/>
           <p:cNvSpPr/>
           <p:nvPr/>
         </p:nvSpPr>
         <p:spPr>
           <a:xfrm>
-            <a:off x="4523740" y="1833245"/>
-            <a:ext cx="2643505" cy="2707005"/>
+            <a:off x="3020060" y="1702435"/>
+            <a:ext cx="5987415" cy="3083560"/>
           </a:xfrm>
           <a:prstGeom prst="roundRect">
             <a:avLst/>
           </a:prstGeom>
           <a:solidFill>
-            <a:schemeClr val="accent1">
+            <a:schemeClr val="accent4">
               <a:lumMod val="20000"/>
               <a:lumOff val="80000"/>
             </a:schemeClr>
@@ -5927,20 +5971,24 @@
           <a:lstStyle/>
           <a:p>
             <a:pPr algn="ctr"/>
-            <a:endParaRPr kumimoji="1" lang="ja-JP" altLang="en-US" sz="1400" dirty="0"/>
-          </a:p>
-        </p:txBody>
-      </p:sp>
-      <p:sp>
-        <p:nvSpPr>
-          <p:cNvPr id="16" name="四角形: 角を丸くする 15"/>
+            <a:endParaRPr kumimoji="1" lang="ja-JP" altLang="en-US" sz="1355" dirty="0">
+              <a:solidFill>
+                <a:schemeClr val="accent1"/>
+              </a:solidFill>
+            </a:endParaRPr>
+          </a:p>
+        </p:txBody>
+      </p:sp>
+      <p:sp>
+        <p:nvSpPr>
+          <p:cNvPr id="15" name="四角形: 角を丸くする 14"/>
           <p:cNvSpPr/>
           <p:nvPr/>
         </p:nvSpPr>
         <p:spPr>
           <a:xfrm>
-            <a:off x="7325995" y="1947545"/>
-            <a:ext cx="2464435" cy="2593340"/>
+            <a:off x="3299460" y="1833245"/>
+            <a:ext cx="2643505" cy="2707005"/>
           </a:xfrm>
           <a:prstGeom prst="roundRect">
             <a:avLst/>
@@ -5973,28 +6021,28 @@
           <a:lstStyle/>
           <a:p>
             <a:pPr algn="ctr"/>
-            <a:endParaRPr kumimoji="1" lang="ja-JP" altLang="en-US" sz="1400"/>
-          </a:p>
-        </p:txBody>
-      </p:sp>
-      <p:sp>
-        <p:nvSpPr>
-          <p:cNvPr id="53" name="正方形/長方形 52"/>
+            <a:endParaRPr kumimoji="1" lang="ja-JP" altLang="en-US" sz="1400" dirty="0"/>
+          </a:p>
+        </p:txBody>
+      </p:sp>
+      <p:sp>
+        <p:nvSpPr>
+          <p:cNvPr id="16" name="四角形: 角を丸くする 15"/>
           <p:cNvSpPr/>
           <p:nvPr/>
         </p:nvSpPr>
         <p:spPr>
           <a:xfrm>
-            <a:off x="4861560" y="2719705"/>
-            <a:ext cx="2096770" cy="321310"/>
-          </a:xfrm>
-          <a:prstGeom prst="rect">
+            <a:off x="6132830" y="1833245"/>
+            <a:ext cx="2765425" cy="2707640"/>
+          </a:xfrm>
+          <a:prstGeom prst="roundRect">
             <a:avLst/>
           </a:prstGeom>
           <a:solidFill>
-            <a:schemeClr val="accent4">
-              <a:lumMod val="40000"/>
-              <a:lumOff val="60000"/>
+            <a:schemeClr val="accent1">
+              <a:lumMod val="20000"/>
+              <a:lumOff val="80000"/>
             </a:schemeClr>
           </a:solidFill>
         </p:spPr>
@@ -6019,98 +6067,20 @@
           <a:lstStyle/>
           <a:p>
             <a:pPr algn="ctr"/>
-            <a:r>
-              <a:rPr kumimoji="1" lang="" altLang="en-US" dirty="0">
-                <a:solidFill>
-                  <a:schemeClr val="tx1"/>
-                </a:solidFill>
-              </a:rPr>
-              <a:t>--</a:t>
-            </a:r>
-            <a:endParaRPr kumimoji="1" lang="" altLang="en-US" dirty="0">
-              <a:solidFill>
-                <a:schemeClr val="tx1"/>
-              </a:solidFill>
-            </a:endParaRPr>
-          </a:p>
-        </p:txBody>
-      </p:sp>
-      <p:sp>
-        <p:nvSpPr>
-          <p:cNvPr id="18" name="テキスト ボックス 17"/>
-          <p:cNvSpPr txBox="1"/>
-          <p:nvPr/>
-        </p:nvSpPr>
-        <p:spPr>
-          <a:xfrm flipH="1">
-            <a:off x="4809490" y="1864995"/>
-            <a:ext cx="1731645" cy="337185"/>
-          </a:xfrm>
-          <a:prstGeom prst="rect">
-            <a:avLst/>
-          </a:prstGeom>
-          <a:noFill/>
-        </p:spPr>
-        <p:txBody>
-          <a:bodyPr wrap="square" rtlCol="0">
-            <a:spAutoFit/>
-          </a:bodyPr>
-          <a:lstStyle/>
-          <a:p>
-            <a:pPr algn="ctr"/>
-            <a:r>
-              <a:rPr kumimoji="1" lang="en-US" altLang="ja-JP" sz="1600" dirty="0"/>
-              <a:t>Sw360 </a:t>
-            </a:r>
-            <a:endParaRPr kumimoji="1" lang="en-US" altLang="ja-JP" sz="1600" dirty="0"/>
-          </a:p>
-        </p:txBody>
-      </p:sp>
-      <p:sp>
-        <p:nvSpPr>
-          <p:cNvPr id="20" name="テキスト ボックス 19"/>
-          <p:cNvSpPr txBox="1"/>
-          <p:nvPr/>
-        </p:nvSpPr>
-        <p:spPr>
-          <a:xfrm flipH="1">
-            <a:off x="7733665" y="1905000"/>
-            <a:ext cx="1731645" cy="337185"/>
-          </a:xfrm>
-          <a:prstGeom prst="rect">
-            <a:avLst/>
-          </a:prstGeom>
-          <a:noFill/>
-        </p:spPr>
-        <p:txBody>
-          <a:bodyPr wrap="square" rtlCol="0">
-            <a:spAutoFit/>
-          </a:bodyPr>
-          <a:lstStyle/>
-          <a:p>
-            <a:pPr algn="ctr"/>
-            <a:r>
-              <a:rPr lang="en-US" altLang="ja-JP" sz="1600" dirty="0" err="1"/>
-              <a:t>F</a:t>
-            </a:r>
-            <a:r>
-              <a:rPr kumimoji="1" lang="en-US" altLang="ja-JP" sz="1600" dirty="0" err="1"/>
-              <a:t>ossology</a:t>
-            </a:r>
-            <a:endParaRPr kumimoji="1" lang="en-US" altLang="ja-JP" sz="1600" dirty="0" err="1"/>
-          </a:p>
-        </p:txBody>
-      </p:sp>
-      <p:sp>
-        <p:nvSpPr>
-          <p:cNvPr id="21" name="正方形/長方形 20"/>
+            <a:endParaRPr kumimoji="1" lang="ja-JP" altLang="en-US" sz="1400"/>
+          </a:p>
+        </p:txBody>
+      </p:sp>
+      <p:sp>
+        <p:nvSpPr>
+          <p:cNvPr id="53" name="正方形/長方形 52"/>
           <p:cNvSpPr/>
           <p:nvPr/>
         </p:nvSpPr>
         <p:spPr>
           <a:xfrm>
-            <a:off x="4861560" y="3657600"/>
-            <a:ext cx="1784350" cy="297180"/>
+            <a:off x="3637280" y="2750185"/>
+            <a:ext cx="2218690" cy="321310"/>
           </a:xfrm>
           <a:prstGeom prst="rect">
             <a:avLst/>
@@ -6143,7 +6113,15 @@
           <a:lstStyle/>
           <a:p>
             <a:pPr algn="ctr"/>
-            <a:endParaRPr kumimoji="1" lang="ja-JP" altLang="en-US" dirty="0">
+            <a:r>
+              <a:rPr kumimoji="1" lang="" altLang="en-US" sz="1400" dirty="0">
+                <a:solidFill>
+                  <a:schemeClr val="tx1"/>
+                </a:solidFill>
+              </a:rPr>
+              <a:t>--</a:t>
+            </a:r>
+            <a:endParaRPr kumimoji="1" lang="" altLang="en-US" sz="1400" dirty="0">
               <a:solidFill>
                 <a:schemeClr val="tx1"/>
               </a:solidFill>
@@ -6153,14 +6131,14 @@
       </p:sp>
       <p:sp>
         <p:nvSpPr>
-          <p:cNvPr id="27" name="テキスト ボックス 26"/>
+          <p:cNvPr id="18" name="テキスト ボックス 17"/>
           <p:cNvSpPr txBox="1"/>
           <p:nvPr/>
         </p:nvSpPr>
         <p:spPr>
           <a:xfrm flipH="1">
-            <a:off x="5229860" y="3531870"/>
-            <a:ext cx="1157605" cy="306705"/>
+            <a:off x="3585210" y="1864995"/>
+            <a:ext cx="1731645" cy="337185"/>
           </a:xfrm>
           <a:prstGeom prst="rect">
             <a:avLst/>
@@ -6173,28 +6151,112 @@
           </a:bodyPr>
           <a:lstStyle/>
           <a:p>
-            <a:r>
-              <a:rPr lang="en-US" altLang="ja-JP" sz="1400" dirty="0"/>
-              <a:t>C</a:t>
-            </a:r>
-            <a:r>
-              <a:rPr kumimoji="1" lang="en-US" altLang="ja-JP" sz="1400" dirty="0"/>
-              <a:t>ouchDB</a:t>
-            </a:r>
-            <a:endParaRPr kumimoji="1" lang="en-US" altLang="ja-JP" sz="1400" dirty="0"/>
-          </a:p>
-        </p:txBody>
-      </p:sp>
-      <p:sp>
-        <p:nvSpPr>
-          <p:cNvPr id="45" name="正方形/長方形 44"/>
+            <a:pPr algn="ctr"/>
+            <a:r>
+              <a:rPr kumimoji="1" lang="" altLang="en-US" sz="1600" u="sng" dirty="0">
+                <a:effectLst>
+                  <a:outerShdw blurRad="38100" dist="38100" dir="2700000" algn="tl">
+                    <a:srgbClr val="000000">
+                      <a:alpha val="43137"/>
+                    </a:srgbClr>
+                  </a:outerShdw>
+                </a:effectLst>
+              </a:rPr>
+              <a:t>s</a:t>
+            </a:r>
+            <a:r>
+              <a:rPr kumimoji="1" lang="en-US" altLang="ja-JP" sz="1600" u="sng" dirty="0">
+                <a:effectLst>
+                  <a:outerShdw blurRad="38100" dist="38100" dir="2700000" algn="tl">
+                    <a:srgbClr val="000000">
+                      <a:alpha val="43137"/>
+                    </a:srgbClr>
+                  </a:outerShdw>
+                </a:effectLst>
+              </a:rPr>
+              <a:t>w360 </a:t>
+            </a:r>
+            <a:endParaRPr kumimoji="1" lang="en-US" altLang="ja-JP" sz="1600" u="sng" dirty="0">
+              <a:effectLst>
+                <a:outerShdw blurRad="38100" dist="38100" dir="2700000" algn="tl">
+                  <a:srgbClr val="000000">
+                    <a:alpha val="43137"/>
+                  </a:srgbClr>
+                </a:outerShdw>
+              </a:effectLst>
+            </a:endParaRPr>
+          </a:p>
+        </p:txBody>
+      </p:sp>
+      <p:sp>
+        <p:nvSpPr>
+          <p:cNvPr id="20" name="テキスト ボックス 19"/>
+          <p:cNvSpPr txBox="1"/>
+          <p:nvPr/>
+        </p:nvSpPr>
+        <p:spPr>
+          <a:xfrm flipH="1">
+            <a:off x="6509385" y="1865630"/>
+            <a:ext cx="1731645" cy="337185"/>
+          </a:xfrm>
+          <a:prstGeom prst="rect">
+            <a:avLst/>
+          </a:prstGeom>
+          <a:noFill/>
+        </p:spPr>
+        <p:txBody>
+          <a:bodyPr wrap="square" rtlCol="0">
+            <a:spAutoFit/>
+          </a:bodyPr>
+          <a:lstStyle/>
+          <a:p>
+            <a:pPr algn="ctr"/>
+            <a:r>
+              <a:rPr lang="en-US" altLang="ja-JP" sz="1600" u="sng" dirty="0" err="1">
+                <a:effectLst>
+                  <a:outerShdw blurRad="38100" dist="38100" dir="2700000" algn="tl">
+                    <a:srgbClr val="000000">
+                      <a:alpha val="43137"/>
+                    </a:srgbClr>
+                  </a:outerShdw>
+                </a:effectLst>
+              </a:rPr>
+              <a:t>F</a:t>
+            </a:r>
+            <a:r>
+              <a:rPr kumimoji="1" lang="en-US" altLang="ja-JP" sz="1600" u="sng" dirty="0" err="1">
+                <a:effectLst>
+                  <a:outerShdw blurRad="38100" dist="38100" dir="2700000" algn="tl">
+                    <a:srgbClr val="000000">
+                      <a:alpha val="43137"/>
+                    </a:srgbClr>
+                  </a:outerShdw>
+                </a:effectLst>
+              </a:rPr>
+              <a:t>ossology</a:t>
+            </a:r>
+            <a:endParaRPr kumimoji="1" lang="en-US" altLang="ja-JP" sz="1600" u="sng" dirty="0" err="1">
+              <a:effectLst>
+                <a:outerShdw blurRad="38100" dist="38100" dir="2700000" algn="tl">
+                  <a:srgbClr val="000000">
+                    <a:alpha val="43137"/>
+                  </a:srgbClr>
+                </a:outerShdw>
+              </a:effectLst>
+            </a:endParaRPr>
+          </a:p>
+        </p:txBody>
+      </p:sp>
+      <p:sp>
+        <p:nvSpPr>
+          <p:cNvPr id="21" name="正方形/長方形 20"/>
           <p:cNvSpPr/>
           <p:nvPr/>
         </p:nvSpPr>
         <p:spPr>
           <a:xfrm>
-            <a:off x="7663815" y="3885565"/>
-            <a:ext cx="1784350" cy="297180"/>
+            <a:off x="3637280" y="3801110"/>
+            <a:ext cx="2219325" cy="297180"/>
           </a:xfrm>
           <a:prstGeom prst="rect">
             <a:avLst/>
@@ -6237,22 +6299,81 @@
       </p:sp>
       <p:sp>
         <p:nvSpPr>
-          <p:cNvPr id="26" name="円柱 25"/>
+          <p:cNvPr id="27" name="テキスト ボックス 26"/>
+          <p:cNvSpPr txBox="1"/>
+          <p:nvPr/>
+        </p:nvSpPr>
+        <p:spPr>
+          <a:xfrm flipH="1">
+            <a:off x="3959860" y="3568700"/>
+            <a:ext cx="1157605" cy="306705"/>
+          </a:xfrm>
+          <a:prstGeom prst="rect">
+            <a:avLst/>
+          </a:prstGeom>
+          <a:noFill/>
+        </p:spPr>
+        <p:txBody>
+          <a:bodyPr wrap="square" rtlCol="0">
+            <a:spAutoFit/>
+          </a:bodyPr>
+          <a:lstStyle/>
+          <a:p>
+            <a:r>
+              <a:rPr lang="en-US" altLang="ja-JP" sz="1400" u="sng" dirty="0">
+                <a:effectLst>
+                  <a:outerShdw blurRad="38100" dist="38100" dir="2700000" algn="tl">
+                    <a:srgbClr val="000000">
+                      <a:alpha val="43137"/>
+                    </a:srgbClr>
+                  </a:outerShdw>
+                </a:effectLst>
+              </a:rPr>
+              <a:t>C</a:t>
+            </a:r>
+            <a:r>
+              <a:rPr kumimoji="1" lang="en-US" altLang="ja-JP" sz="1400" u="sng" dirty="0">
+                <a:effectLst>
+                  <a:outerShdw blurRad="38100" dist="38100" dir="2700000" algn="tl">
+                    <a:srgbClr val="000000">
+                      <a:alpha val="43137"/>
+                    </a:srgbClr>
+                  </a:outerShdw>
+                </a:effectLst>
+              </a:rPr>
+              <a:t>ouchDB</a:t>
+            </a:r>
+            <a:endParaRPr kumimoji="1" lang="en-US" altLang="ja-JP" sz="1400" u="sng" dirty="0">
+              <a:effectLst>
+                <a:outerShdw blurRad="38100" dist="38100" dir="2700000" algn="tl">
+                  <a:srgbClr val="000000">
+                    <a:alpha val="43137"/>
+                  </a:srgbClr>
+                </a:outerShdw>
+              </a:effectLst>
+            </a:endParaRPr>
+          </a:p>
+        </p:txBody>
+      </p:sp>
+      <p:sp>
+        <p:nvSpPr>
+          <p:cNvPr id="45" name="正方形/長方形 44"/>
           <p:cNvSpPr/>
           <p:nvPr/>
         </p:nvSpPr>
         <p:spPr>
           <a:xfrm>
-            <a:off x="4803775" y="3641090"/>
-            <a:ext cx="203200" cy="141605"/>
-          </a:xfrm>
-          <a:prstGeom prst="can">
-            <a:avLst>
-              <a:gd name="adj" fmla="val 32598"/>
-            </a:avLst>
+            <a:off x="6519545" y="3801110"/>
+            <a:ext cx="2026285" cy="297180"/>
+          </a:xfrm>
+          <a:prstGeom prst="rect">
+            <a:avLst/>
           </a:prstGeom>
           <a:solidFill>
-            <a:schemeClr val="accent1"/>
+            <a:schemeClr val="accent4">
+              <a:lumMod val="40000"/>
+              <a:lumOff val="60000"/>
+            </a:schemeClr>
           </a:solidFill>
         </p:spPr>
         <p:style>
@@ -6276,59 +6397,32 @@
           <a:lstStyle/>
           <a:p>
             <a:pPr algn="ctr"/>
-            <a:endParaRPr kumimoji="1" lang="ja-JP" altLang="en-US" dirty="0"/>
-          </a:p>
-        </p:txBody>
-      </p:sp>
-      <p:sp>
-        <p:nvSpPr>
-          <p:cNvPr id="46" name="テキスト ボックス 45"/>
-          <p:cNvSpPr txBox="1"/>
-          <p:nvPr/>
-        </p:nvSpPr>
-        <p:spPr>
-          <a:xfrm flipH="1">
-            <a:off x="7875905" y="3629660"/>
-            <a:ext cx="1157605" cy="275590"/>
-          </a:xfrm>
-          <a:prstGeom prst="rect">
-            <a:avLst/>
-          </a:prstGeom>
-          <a:noFill/>
-        </p:spPr>
-        <p:txBody>
-          <a:bodyPr wrap="square" rtlCol="0">
-            <a:spAutoFit/>
-          </a:bodyPr>
-          <a:lstStyle/>
-          <a:p>
-            <a:r>
-              <a:rPr kumimoji="1" lang="en-US" altLang="ja-JP" sz="1200" dirty="0"/>
-              <a:t>PostgreSQL</a:t>
-            </a:r>
-            <a:endParaRPr kumimoji="1" lang="en-US" altLang="ja-JP" sz="1200" dirty="0"/>
-          </a:p>
-        </p:txBody>
-      </p:sp>
-      <p:sp>
-        <p:nvSpPr>
-          <p:cNvPr id="50" name="正方形/長方形 49"/>
+            <a:endParaRPr kumimoji="1" lang="ja-JP" altLang="en-US" dirty="0">
+              <a:solidFill>
+                <a:schemeClr val="tx1"/>
+              </a:solidFill>
+            </a:endParaRPr>
+          </a:p>
+        </p:txBody>
+      </p:sp>
+      <p:sp>
+        <p:nvSpPr>
+          <p:cNvPr id="26" name="円柱 25"/>
           <p:cNvSpPr/>
           <p:nvPr/>
         </p:nvSpPr>
         <p:spPr>
           <a:xfrm>
-            <a:off x="4843780" y="3297555"/>
-            <a:ext cx="2113915" cy="297180"/>
-          </a:xfrm>
-          <a:prstGeom prst="rect">
-            <a:avLst/>
+            <a:off x="3382010" y="3885565"/>
+            <a:ext cx="203200" cy="141605"/>
+          </a:xfrm>
+          <a:prstGeom prst="can">
+            <a:avLst>
+              <a:gd name="adj" fmla="val 32598"/>
+            </a:avLst>
           </a:prstGeom>
           <a:solidFill>
-            <a:schemeClr val="accent4">
-              <a:lumMod val="40000"/>
-              <a:lumOff val="60000"/>
-            </a:schemeClr>
+            <a:schemeClr val="accent1"/>
           </a:solidFill>
         </p:spPr>
         <p:style>
@@ -6352,6 +6446,98 @@
           <a:lstStyle/>
           <a:p>
             <a:pPr algn="ctr"/>
+            <a:endParaRPr kumimoji="1" lang="ja-JP" altLang="en-US" dirty="0"/>
+          </a:p>
+        </p:txBody>
+      </p:sp>
+      <p:sp>
+        <p:nvSpPr>
+          <p:cNvPr id="46" name="テキスト ボックス 45"/>
+          <p:cNvSpPr txBox="1"/>
+          <p:nvPr/>
+        </p:nvSpPr>
+        <p:spPr>
+          <a:xfrm flipH="1">
+            <a:off x="6800850" y="3583940"/>
+            <a:ext cx="1157605" cy="275590"/>
+          </a:xfrm>
+          <a:prstGeom prst="rect">
+            <a:avLst/>
+          </a:prstGeom>
+          <a:noFill/>
+        </p:spPr>
+        <p:txBody>
+          <a:bodyPr wrap="square" rtlCol="0">
+            <a:spAutoFit/>
+          </a:bodyPr>
+          <a:lstStyle/>
+          <a:p>
+            <a:r>
+              <a:rPr kumimoji="1" lang="en-US" altLang="ja-JP" sz="1200" u="sng" dirty="0">
+                <a:effectLst>
+                  <a:outerShdw blurRad="38100" dist="38100" dir="2700000" algn="tl">
+                    <a:srgbClr val="000000">
+                      <a:alpha val="43137"/>
+                    </a:srgbClr>
+                  </a:outerShdw>
+                </a:effectLst>
+              </a:rPr>
+              <a:t>PostgreSQL</a:t>
+            </a:r>
+            <a:endParaRPr kumimoji="1" lang="en-US" altLang="ja-JP" sz="1200" u="sng" dirty="0">
+              <a:effectLst>
+                <a:outerShdw blurRad="38100" dist="38100" dir="2700000" algn="tl">
+                  <a:srgbClr val="000000">
+                    <a:alpha val="43137"/>
+                  </a:srgbClr>
+                </a:outerShdw>
+              </a:effectLst>
+            </a:endParaRPr>
+          </a:p>
+        </p:txBody>
+      </p:sp>
+      <p:sp>
+        <p:nvSpPr>
+          <p:cNvPr id="50" name="正方形/長方形 49"/>
+          <p:cNvSpPr/>
+          <p:nvPr/>
+        </p:nvSpPr>
+        <p:spPr>
+          <a:xfrm>
+            <a:off x="3619500" y="3297555"/>
+            <a:ext cx="2237105" cy="297180"/>
+          </a:xfrm>
+          <a:prstGeom prst="rect">
+            <a:avLst/>
+          </a:prstGeom>
+          <a:solidFill>
+            <a:schemeClr val="accent4">
+              <a:lumMod val="40000"/>
+              <a:lumOff val="60000"/>
+            </a:schemeClr>
+          </a:solidFill>
+        </p:spPr>
+        <p:style>
+          <a:lnRef idx="2">
+            <a:schemeClr val="accent1">
+              <a:shade val="50000"/>
+            </a:schemeClr>
+          </a:lnRef>
+          <a:fillRef idx="1">
+            <a:schemeClr val="accent1"/>
+          </a:fillRef>
+          <a:effectRef idx="0">
+            <a:schemeClr val="accent1"/>
+          </a:effectRef>
+          <a:fontRef idx="minor">
+            <a:schemeClr val="lt1"/>
+          </a:fontRef>
+        </p:style>
+        <p:txBody>
+          <a:bodyPr rtlCol="0" anchor="ctr"/>
+          <a:lstStyle/>
+          <a:p>
+            <a:pPr algn="ctr"/>
             <a:endParaRPr kumimoji="1" lang="ja-JP" altLang="en-US" dirty="0">
               <a:solidFill>
                 <a:schemeClr val="tx1"/>
@@ -6368,7 +6554,7 @@
         </p:nvSpPr>
         <p:spPr>
           <a:xfrm flipH="1">
-            <a:off x="5266690" y="3020060"/>
+            <a:off x="4042410" y="3050540"/>
             <a:ext cx="1157605" cy="306705"/>
           </a:xfrm>
           <a:prstGeom prst="rect">
@@ -6383,10 +6569,26 @@
           <a:lstStyle/>
           <a:p>
             <a:r>
-              <a:rPr kumimoji="1" lang="en-US" altLang="ja-JP" sz="1400" dirty="0"/>
+              <a:rPr kumimoji="1" lang="en-US" altLang="ja-JP" sz="1400" u="sng" dirty="0">
+                <a:effectLst>
+                  <a:outerShdw blurRad="38100" dist="38100" dir="2700000" algn="tl">
+                    <a:srgbClr val="000000">
+                      <a:alpha val="43137"/>
+                    </a:srgbClr>
+                  </a:outerShdw>
+                </a:effectLst>
+              </a:rPr>
               <a:t>Tomcat</a:t>
             </a:r>
-            <a:endParaRPr kumimoji="1" lang="en-US" altLang="ja-JP" sz="1400" dirty="0"/>
+            <a:endParaRPr kumimoji="1" lang="en-US" altLang="ja-JP" sz="1400" u="sng" dirty="0">
+              <a:effectLst>
+                <a:outerShdw blurRad="38100" dist="38100" dir="2700000" algn="tl">
+                  <a:srgbClr val="000000">
+                    <a:alpha val="43137"/>
+                  </a:srgbClr>
+                </a:outerShdw>
+              </a:effectLst>
+            </a:endParaRPr>
           </a:p>
         </p:txBody>
       </p:sp>
@@ -6398,7 +6600,7 @@
         </p:nvSpPr>
         <p:spPr>
           <a:xfrm flipH="1">
-            <a:off x="5266690" y="2506980"/>
+            <a:off x="4243070" y="2506980"/>
             <a:ext cx="1157605" cy="306705"/>
           </a:xfrm>
           <a:prstGeom prst="rect">
@@ -6413,10 +6615,32 @@
           <a:lstStyle/>
           <a:p>
             <a:r>
-              <a:rPr kumimoji="1" lang="en-US" altLang="ja-JP" sz="1400" dirty="0"/>
+              <a:rPr kumimoji="1" lang="en-US" altLang="ja-JP" sz="1400" u="sng" dirty="0">
+                <a:solidFill>
+                  <a:schemeClr val="tx1"/>
+                </a:solidFill>
+                <a:effectLst>
+                  <a:outerShdw blurRad="38100" dist="38100" dir="2700000" algn="tl">
+                    <a:srgbClr val="000000">
+                      <a:alpha val="43137"/>
+                    </a:srgbClr>
+                  </a:outerShdw>
+                </a:effectLst>
+              </a:rPr>
               <a:t>Liferay</a:t>
             </a:r>
-            <a:endParaRPr kumimoji="1" lang="en-US" altLang="ja-JP" sz="1400" dirty="0"/>
+            <a:endParaRPr kumimoji="1" lang="en-US" altLang="ja-JP" sz="1400" u="sng" dirty="0">
+              <a:solidFill>
+                <a:schemeClr val="tx1"/>
+              </a:solidFill>
+              <a:effectLst>
+                <a:outerShdw blurRad="38100" dist="38100" dir="2700000" algn="tl">
+                  <a:srgbClr val="000000">
+                    <a:alpha val="43137"/>
+                  </a:srgbClr>
+                </a:outerShdw>
+              </a:effectLst>
+            </a:endParaRPr>
           </a:p>
         </p:txBody>
       </p:sp>
@@ -6428,8 +6652,8 @@
         </p:nvSpPr>
         <p:spPr>
           <a:xfrm flipH="1">
-            <a:off x="308134" y="1319782"/>
-            <a:ext cx="2369820" cy="337185"/>
+            <a:off x="121444" y="1552827"/>
+            <a:ext cx="2369820" cy="368300"/>
           </a:xfrm>
           <a:prstGeom prst="rect">
             <a:avLst/>
@@ -6447,7 +6671,7 @@
           <a:lstStyle/>
           <a:p>
             <a:r>
-              <a:rPr kumimoji="1" lang="" altLang="en-US" sz="1600" dirty="0">
+              <a:rPr kumimoji="1" lang="en-US" altLang="en-US" dirty="0">
                 <a:solidFill>
                   <a:srgbClr val="00B050"/>
                 </a:solidFill>
@@ -6455,7 +6679,7 @@
               </a:rPr>
               <a:t>PORT / PROXY</a:t>
             </a:r>
-            <a:endParaRPr kumimoji="1" lang="" altLang="en-US" sz="1600" dirty="0">
+            <a:endParaRPr kumimoji="1" lang="en-US" altLang="en-US" dirty="0">
               <a:solidFill>
                 <a:srgbClr val="00B050"/>
               </a:solidFill>
@@ -6489,7 +6713,7 @@
         </p:blipFill>
         <p:spPr>
           <a:xfrm>
-            <a:off x="4721225" y="3192780"/>
+            <a:off x="3299460" y="3286125"/>
             <a:ext cx="320040" cy="320040"/>
           </a:xfrm>
           <a:prstGeom prst="rect">
@@ -6522,7 +6746,7 @@
         </p:blipFill>
         <p:spPr>
           <a:xfrm>
-            <a:off x="4766945" y="2583815"/>
+            <a:off x="3299460" y="2684780"/>
             <a:ext cx="386715" cy="386715"/>
           </a:xfrm>
           <a:prstGeom prst="rect">
@@ -6538,7 +6762,7 @@
         </p:nvSpPr>
         <p:spPr>
           <a:xfrm>
-            <a:off x="7465060" y="3801110"/>
+            <a:off x="6240780" y="3885565"/>
             <a:ext cx="203200" cy="141605"/>
           </a:xfrm>
           <a:prstGeom prst="can">
@@ -6583,7 +6807,7 @@
         </p:nvSpPr>
         <p:spPr>
           <a:xfrm>
-            <a:off x="4504690" y="2178050"/>
+            <a:off x="3354705" y="2153920"/>
             <a:ext cx="2662555" cy="460375"/>
           </a:xfrm>
           <a:prstGeom prst="rect">
@@ -6640,8 +6864,8 @@
         </p:nvSpPr>
         <p:spPr>
           <a:xfrm flipH="1">
-            <a:off x="10616416" y="3954859"/>
-            <a:ext cx="1403515" cy="953135"/>
+            <a:off x="9650095" y="3391535"/>
+            <a:ext cx="2200910" cy="737235"/>
           </a:xfrm>
           <a:prstGeom prst="rect">
             <a:avLst/>
@@ -6655,6 +6879,13 @@
           <a:lstStyle/>
           <a:p>
             <a:r>
+              <a:rPr kumimoji="1" lang="" altLang="en-US" sz="1400" dirty="0"/>
+              <a:t>PostgreSQL</a:t>
+            </a:r>
+            <a:endParaRPr kumimoji="1" lang="en-US" altLang="ja-JP" sz="1400" dirty="0"/>
+          </a:p>
+          <a:p>
+            <a:r>
               <a:rPr kumimoji="1" lang="en-US" altLang="ja-JP" sz="1400" dirty="0"/>
               <a:t>IPADDR/5298/</a:t>
             </a:r>
@@ -6665,14 +6896,6 @@
             <a:endParaRPr kumimoji="1" lang="en-US" altLang="ja-JP" sz="1400" dirty="0"/>
           </a:p>
           <a:p>
-            <a:r>
-              <a:rPr kumimoji="1" lang="ja-JP" altLang="en-US" sz="1400" dirty="0"/>
-              <a:t>ブラウザより設定</a:t>
-            </a:r>
-            <a:r>
-              <a:rPr kumimoji="1" lang="en-US" altLang="ja-JP" sz="1400" dirty="0"/>
-              <a:t>できる</a:t>
-            </a:r>
             <a:endParaRPr kumimoji="1" lang="en-US" altLang="ja-JP" sz="1400" dirty="0"/>
           </a:p>
         </p:txBody>
@@ -6685,8 +6908,8 @@
         </p:nvSpPr>
         <p:spPr>
           <a:xfrm flipH="1">
-            <a:off x="10540620" y="2507073"/>
-            <a:ext cx="1403515" cy="306705"/>
+            <a:off x="9598660" y="2108200"/>
+            <a:ext cx="2065020" cy="521970"/>
           </a:xfrm>
           <a:prstGeom prst="rect">
             <a:avLst/>
@@ -6700,8 +6923,35 @@
           <a:lstStyle/>
           <a:p>
             <a:r>
+              <a:rPr kumimoji="1" lang="" altLang="en-US" sz="1400" u="sng" dirty="0">
+                <a:effectLst>
+                  <a:outerShdw blurRad="38100" dist="38100" dir="2700000" algn="tl">
+                    <a:srgbClr val="000000">
+                      <a:alpha val="43137"/>
+                    </a:srgbClr>
+                  </a:outerShdw>
+                </a:effectLst>
+              </a:rPr>
+              <a:t>sw360 </a:t>
+            </a:r>
+            <a:endParaRPr kumimoji="1" lang="" altLang="en-US" sz="1400" dirty="0"/>
+          </a:p>
+          <a:p>
+            <a:r>
+              <a:rPr kumimoji="1" lang="" altLang="en-US" sz="1400" dirty="0"/>
+              <a:t>https://</a:t>
+            </a:r>
+            <a:r>
               <a:rPr kumimoji="1" lang="en-US" altLang="ja-JP" sz="1400" dirty="0"/>
-              <a:t>IPADDR/8080</a:t>
+              <a:t>IPADDR</a:t>
+            </a:r>
+            <a:r>
+              <a:rPr kumimoji="1" lang="" altLang="en-US" sz="1400" dirty="0"/>
+              <a:t>:</a:t>
+            </a:r>
+            <a:r>
+              <a:rPr kumimoji="1" lang="en-US" altLang="ja-JP" sz="1400" dirty="0"/>
+              <a:t>8080</a:t>
             </a:r>
             <a:endParaRPr kumimoji="1" lang="en-US" altLang="ja-JP" sz="1400" dirty="0"/>
           </a:p>
@@ -6715,8 +6965,8 @@
         </p:nvSpPr>
         <p:spPr>
           <a:xfrm flipH="1">
-            <a:off x="10616330" y="3345582"/>
-            <a:ext cx="1403515" cy="306705"/>
+            <a:off x="9649860" y="2744237"/>
+            <a:ext cx="1403515" cy="521970"/>
           </a:xfrm>
           <a:prstGeom prst="rect">
             <a:avLst/>
@@ -6730,6 +6980,35 @@
           <a:lstStyle/>
           <a:p>
             <a:r>
+              <a:rPr kumimoji="1" lang="" altLang="en-US" sz="1400" u="sng" dirty="0">
+                <a:effectLst>
+                  <a:outerShdw blurRad="38100" dist="38100" dir="2700000" algn="tl">
+                    <a:srgbClr val="000000">
+                      <a:alpha val="43137"/>
+                    </a:srgbClr>
+                  </a:outerShdw>
+                </a:effectLst>
+                <a:sym typeface="+mn-ea"/>
+              </a:rPr>
+              <a:t>Fossology</a:t>
+            </a:r>
+            <a:r>
+              <a:rPr kumimoji="1" lang="en-US" altLang="en-US" sz="1400" u="sng" dirty="0">
+                <a:effectLst>
+                  <a:outerShdw blurRad="38100" dist="38100" dir="2700000" algn="tl">
+                    <a:srgbClr val="000000">
+                      <a:alpha val="43137"/>
+                    </a:srgbClr>
+                  </a:outerShdw>
+                </a:effectLst>
+                <a:sym typeface="+mn-ea"/>
+              </a:rPr>
+              <a:t> </a:t>
+            </a:r>
+            <a:endParaRPr kumimoji="1" lang="en-US" altLang="ja-JP" sz="1400" dirty="0"/>
+          </a:p>
+          <a:p>
+            <a:r>
               <a:rPr kumimoji="1" lang="en-US" altLang="ja-JP" sz="1400" dirty="0"/>
               <a:t>IPADDR/</a:t>
             </a:r>
@@ -6749,8 +7028,8 @@
         </p:nvSpPr>
         <p:spPr>
           <a:xfrm>
-            <a:off x="7664450" y="3271520"/>
-            <a:ext cx="1784350" cy="297180"/>
+            <a:off x="6440170" y="3271520"/>
+            <a:ext cx="2311400" cy="297180"/>
           </a:xfrm>
           <a:prstGeom prst="rect">
             <a:avLst/>
@@ -6799,7 +7078,7 @@
         </p:nvSpPr>
         <p:spPr>
           <a:xfrm flipH="1">
-            <a:off x="8053070" y="3071495"/>
+            <a:off x="6936740" y="3050540"/>
             <a:ext cx="1157605" cy="275590"/>
           </a:xfrm>
           <a:prstGeom prst="rect">
@@ -6814,10 +7093,26 @@
           <a:lstStyle/>
           <a:p>
             <a:r>
-              <a:rPr kumimoji="1" lang="en-US" altLang="ja-JP" sz="1200" dirty="0"/>
+              <a:rPr kumimoji="1" lang="en-US" altLang="ja-JP" sz="1200" u="sng" dirty="0">
+                <a:effectLst>
+                  <a:outerShdw blurRad="38100" dist="38100" dir="2700000" algn="tl">
+                    <a:srgbClr val="000000">
+                      <a:alpha val="43137"/>
+                    </a:srgbClr>
+                  </a:outerShdw>
+                </a:effectLst>
+              </a:rPr>
               <a:t>Apatch2</a:t>
             </a:r>
-            <a:endParaRPr kumimoji="1" lang="en-US" altLang="ja-JP" sz="1200" dirty="0"/>
+            <a:endParaRPr kumimoji="1" lang="en-US" altLang="ja-JP" sz="1200" u="sng" dirty="0">
+              <a:effectLst>
+                <a:outerShdw blurRad="38100" dist="38100" dir="2700000" algn="tl">
+                  <a:srgbClr val="000000">
+                    <a:alpha val="43137"/>
+                  </a:srgbClr>
+                </a:outerShdw>
+              </a:effectLst>
+            </a:endParaRPr>
           </a:p>
         </p:txBody>
       </p:sp>
@@ -6846,7 +7141,7 @@
         </p:blipFill>
         <p:spPr>
           <a:xfrm>
-            <a:off x="7399020" y="3228975"/>
+            <a:off x="6109335" y="3239770"/>
             <a:ext cx="334645" cy="334645"/>
           </a:xfrm>
           <a:prstGeom prst="rect">
@@ -6862,8 +7157,8 @@
         </p:nvSpPr>
         <p:spPr>
           <a:xfrm flipH="1">
-            <a:off x="4843780" y="3332480"/>
-            <a:ext cx="2889250" cy="306705"/>
+            <a:off x="3619500" y="3292475"/>
+            <a:ext cx="2237740" cy="306705"/>
           </a:xfrm>
           <a:prstGeom prst="rect">
             <a:avLst/>
@@ -6876,19 +7171,24 @@
           </a:bodyPr>
           <a:lstStyle/>
           <a:p>
-            <a:r>
-              <a:rPr kumimoji="1" lang="en-US" altLang="ja-JP" sz="1400" dirty="0"/>
-              <a:t>$tomcat/bin/ </a:t>
-            </a:r>
-            <a:r>
-              <a:rPr kumimoji="1" lang="en-US" altLang="en-US" sz="1400" dirty="0"/>
-              <a:t>(manual)</a:t>
-            </a:r>
-            <a:r>
-              <a:rPr kumimoji="1" lang="en-US" altLang="ja-JP" sz="1400" dirty="0"/>
-              <a:t> </a:t>
-            </a:r>
-            <a:endParaRPr kumimoji="1" lang="en-US" altLang="ja-JP" sz="1400" dirty="0"/>
+            <a:pPr algn="ctr"/>
+            <a:r>
+              <a:rPr kumimoji="1" lang="" altLang="en-US" sz="1400" dirty="0">
+                <a:solidFill>
+                  <a:schemeClr val="bg2">
+                    <a:lumMod val="25000"/>
+                  </a:schemeClr>
+                </a:solidFill>
+              </a:rPr>
+              <a:t>--</a:t>
+            </a:r>
+            <a:endParaRPr kumimoji="1" lang="" altLang="en-US" sz="1400" dirty="0">
+              <a:solidFill>
+                <a:schemeClr val="bg2">
+                  <a:lumMod val="25000"/>
+                </a:schemeClr>
+              </a:solidFill>
+            </a:endParaRPr>
           </a:p>
         </p:txBody>
       </p:sp>
@@ -6900,8 +7200,8 @@
         </p:nvSpPr>
         <p:spPr>
           <a:xfrm flipH="1">
-            <a:off x="4766945" y="3678555"/>
-            <a:ext cx="2559050" cy="306705"/>
+            <a:off x="3585210" y="3822065"/>
+            <a:ext cx="2431415" cy="306705"/>
           </a:xfrm>
           <a:prstGeom prst="rect">
             <a:avLst/>
@@ -6915,34 +7215,55 @@
           <a:lstStyle/>
           <a:p>
             <a:r>
-              <a:rPr kumimoji="1" lang="en-US" altLang="en-US" sz="1400" dirty="0" err="1"/>
-              <a:t>S</a:t>
-            </a:r>
-            <a:r>
-              <a:rPr kumimoji="1" lang="en-US" altLang="ja-JP" sz="1400" dirty="0" err="1"/>
-              <a:t>ystemd</a:t>
-            </a:r>
-            <a:r>
-              <a:rPr kumimoji="1" lang="en-US" altLang="en-US" sz="1400" dirty="0" err="1"/>
+              <a:rPr kumimoji="1" lang="" altLang="en-US" sz="1400" dirty="0" err="1">
+                <a:solidFill>
+                  <a:schemeClr val="bg2">
+                    <a:lumMod val="25000"/>
+                  </a:schemeClr>
+                </a:solidFill>
+              </a:rPr>
+              <a:t>/etc/init.d/couchdb</a:t>
+            </a:r>
+            <a:r>
+              <a:rPr kumimoji="1" lang="en-US" altLang="en-US" sz="1400" dirty="0" err="1">
+                <a:solidFill>
+                  <a:schemeClr val="bg2">
+                    <a:lumMod val="25000"/>
+                  </a:schemeClr>
+                </a:solidFill>
+              </a:rPr>
               <a:t>(a</a:t>
             </a:r>
             <a:r>
               <a:rPr lang="en-US" altLang="ja-JP" sz="1400" dirty="0">
+                <a:solidFill>
+                  <a:schemeClr val="bg2">
+                    <a:lumMod val="25000"/>
+                  </a:schemeClr>
+                </a:solidFill>
                 <a:sym typeface="+mn-ea"/>
               </a:rPr>
               <a:t>uto</a:t>
             </a:r>
             <a:r>
-              <a:rPr lang="en-US" altLang="en-US" sz="1400" dirty="0">
-                <a:sym typeface="+mn-ea"/>
-              </a:rPr>
-              <a:t>:systemd</a:t>
-            </a:r>
-            <a:r>
-              <a:rPr kumimoji="1" lang="en-US" altLang="en-US" sz="1400" dirty="0" err="1"/>
-              <a:t>) </a:t>
-            </a:r>
-            <a:endParaRPr kumimoji="1" lang="en-US" altLang="en-US" sz="1400" dirty="0" err="1"/>
+              <a:rPr lang="" altLang="en-US" sz="1400" dirty="0">
+                <a:solidFill>
+                  <a:schemeClr val="bg2">
+                    <a:lumMod val="25000"/>
+                  </a:schemeClr>
+                </a:solidFill>
+                <a:sym typeface="+mn-ea"/>
+              </a:rPr>
+              <a:t>)</a:t>
+            </a:r>
+            <a:endParaRPr kumimoji="1" lang="" altLang="en-US" sz="1400" dirty="0">
+              <a:solidFill>
+                <a:schemeClr val="bg2">
+                  <a:lumMod val="25000"/>
+                </a:schemeClr>
+              </a:solidFill>
+              <a:sym typeface="+mn-ea"/>
+            </a:endParaRPr>
           </a:p>
         </p:txBody>
       </p:sp>
@@ -6954,7 +7275,7 @@
         </p:nvSpPr>
         <p:spPr>
           <a:xfrm flipH="1">
-            <a:off x="7545070" y="3907155"/>
+            <a:off x="6504940" y="3811905"/>
             <a:ext cx="2181225" cy="275590"/>
           </a:xfrm>
           <a:prstGeom prst="rect">
@@ -6992,8 +7313,8 @@
         </p:nvSpPr>
         <p:spPr>
           <a:xfrm rot="10800000" flipV="1">
-            <a:off x="307975" y="1626235"/>
-            <a:ext cx="2369820" cy="3778250"/>
+            <a:off x="218440" y="1889760"/>
+            <a:ext cx="2272665" cy="2984500"/>
           </a:xfrm>
           <a:prstGeom prst="rect">
             <a:avLst/>
@@ -7034,14 +7355,14 @@
       </p:sp>
       <p:sp>
         <p:nvSpPr>
-          <p:cNvPr id="3" name="テキスト ボックス 114"/>
+          <p:cNvPr id="4" name="Text Box 3"/>
           <p:cNvSpPr txBox="1"/>
           <p:nvPr/>
         </p:nvSpPr>
         <p:spPr>
-          <a:xfrm flipH="1">
-            <a:off x="10540606" y="3652763"/>
-            <a:ext cx="1403515" cy="306705"/>
+          <a:xfrm>
+            <a:off x="2837180" y="5453380"/>
+            <a:ext cx="3105785" cy="829945"/>
           </a:xfrm>
           <a:prstGeom prst="rect">
             <a:avLst/>
@@ -7049,28 +7370,160 @@
           <a:noFill/>
         </p:spPr>
         <p:txBody>
-          <a:bodyPr wrap="square" rtlCol="0">
+          <a:bodyPr wrap="square" rtlCol="0" anchor="t">
             <a:spAutoFit/>
           </a:bodyPr>
           <a:p>
             <a:r>
-              <a:rPr kumimoji="1" lang="en-US" altLang="ja-JP" sz="1400" dirty="0"/>
-              <a:t>:8080</a:t>
-            </a:r>
-            <a:endParaRPr kumimoji="1" lang="en-US" altLang="ja-JP" sz="1400" dirty="0"/>
-          </a:p>
-        </p:txBody>
-      </p:sp>
-      <p:sp>
-        <p:nvSpPr>
-          <p:cNvPr id="4" name="Text Box 3"/>
+              <a:rPr lang="" altLang="en-US" sz="1200" dirty="0">
+                <a:solidFill>
+                  <a:schemeClr val="bg2">
+                    <a:lumMod val="25000"/>
+                  </a:schemeClr>
+                </a:solidFill>
+                <a:sym typeface="+mn-ea"/>
+              </a:rPr>
+              <a:t>*2</a:t>
+            </a:r>
+            <a:endParaRPr lang="" altLang="en-US" sz="1200" dirty="0">
+              <a:solidFill>
+                <a:schemeClr val="bg2">
+                  <a:lumMod val="25000"/>
+                </a:schemeClr>
+              </a:solidFill>
+              <a:sym typeface="+mn-ea"/>
+            </a:endParaRPr>
+          </a:p>
+          <a:p>
+            <a:r>
+              <a:rPr lang="" altLang="en-US" sz="1200" dirty="0">
+                <a:solidFill>
+                  <a:schemeClr val="bg2">
+                    <a:lumMod val="25000"/>
+                  </a:schemeClr>
+                </a:solidFill>
+                <a:sym typeface="+mn-ea"/>
+              </a:rPr>
+              <a:t>$</a:t>
+            </a:r>
+            <a:r>
+              <a:rPr lang="en-US" altLang="en-US" sz="1200" dirty="0">
+                <a:solidFill>
+                  <a:schemeClr val="bg2">
+                    <a:lumMod val="25000"/>
+                  </a:schemeClr>
+                </a:solidFill>
+                <a:sym typeface="+mn-ea"/>
+              </a:rPr>
+              <a:t>CATALINA_HOME:</a:t>
+            </a:r>
+            <a:endParaRPr lang="en-US" altLang="en-US" sz="1200" dirty="0">
+              <a:solidFill>
+                <a:schemeClr val="bg2">
+                  <a:lumMod val="25000"/>
+                </a:schemeClr>
+              </a:solidFill>
+              <a:sym typeface="+mn-ea"/>
+            </a:endParaRPr>
+          </a:p>
+          <a:p>
+            <a:r>
+              <a:rPr lang="en-US" altLang="en-US" sz="1200" dirty="0">
+                <a:solidFill>
+                  <a:schemeClr val="bg2">
+                    <a:lumMod val="25000"/>
+                  </a:schemeClr>
+                </a:solidFill>
+                <a:sym typeface="+mn-ea"/>
+              </a:rPr>
+              <a:t>liferay ga</a:t>
+            </a:r>
+            <a:r>
+              <a:rPr lang="" altLang="en-US" sz="1200" dirty="0">
+                <a:solidFill>
+                  <a:schemeClr val="bg2">
+                    <a:lumMod val="25000"/>
+                  </a:schemeClr>
+                </a:solidFill>
+                <a:sym typeface="+mn-ea"/>
+              </a:rPr>
+              <a:t>: exist n </a:t>
+            </a:r>
+            <a:r>
+              <a:rPr lang="en-US" altLang="en-US" sz="1200" dirty="0">
+                <a:solidFill>
+                  <a:schemeClr val="bg2">
+                    <a:lumMod val="25000"/>
+                  </a:schemeClr>
+                </a:solidFill>
+                <a:sym typeface="+mn-ea"/>
+              </a:rPr>
+              <a:t>liferay </a:t>
+            </a:r>
+            <a:r>
+              <a:rPr lang="" altLang="en-US" sz="1200" dirty="0">
+                <a:solidFill>
+                  <a:schemeClr val="bg2">
+                    <a:lumMod val="25000"/>
+                  </a:schemeClr>
+                </a:solidFill>
+                <a:sym typeface="+mn-ea"/>
+              </a:rPr>
+              <a:t>folder.</a:t>
+            </a:r>
+            <a:r>
+              <a:rPr lang="en-US" altLang="en-US" sz="1200" dirty="0">
+                <a:solidFill>
+                  <a:schemeClr val="bg2">
+                    <a:lumMod val="25000"/>
+                  </a:schemeClr>
+                </a:solidFill>
+                <a:sym typeface="+mn-ea"/>
+              </a:rPr>
+              <a:t>       </a:t>
+            </a:r>
+            <a:endParaRPr lang="en-US" altLang="en-US" sz="1200" dirty="0">
+              <a:solidFill>
+                <a:schemeClr val="bg2">
+                  <a:lumMod val="25000"/>
+                </a:schemeClr>
+              </a:solidFill>
+              <a:sym typeface="+mn-ea"/>
+            </a:endParaRPr>
+          </a:p>
+          <a:p>
+            <a:r>
+              <a:rPr lang="en-US" altLang="en-US" sz="1200" dirty="0">
+                <a:solidFill>
+                  <a:schemeClr val="bg2">
+                    <a:lumMod val="25000"/>
+                  </a:schemeClr>
+                </a:solidFill>
+                <a:sym typeface="+mn-ea"/>
+              </a:rPr>
+              <a:t> </a:t>
+            </a:r>
+            <a:endParaRPr lang="en-US" altLang="en-US" sz="1200" dirty="0">
+              <a:solidFill>
+                <a:schemeClr val="bg2">
+                  <a:lumMod val="25000"/>
+                </a:schemeClr>
+              </a:solidFill>
+              <a:sym typeface="+mn-ea"/>
+            </a:endParaRPr>
+          </a:p>
+        </p:txBody>
+      </p:sp>
+      <p:sp>
+        <p:nvSpPr>
+          <p:cNvPr id="6" name="テキスト ボックス 82"/>
           <p:cNvSpPr txBox="1"/>
           <p:nvPr/>
         </p:nvSpPr>
         <p:spPr>
-          <a:xfrm>
-            <a:off x="308610" y="5694045"/>
-            <a:ext cx="3105785" cy="829945"/>
+          <a:xfrm flipH="1">
+            <a:off x="6439535" y="3266440"/>
+            <a:ext cx="2554605" cy="306705"/>
           </a:xfrm>
           <a:prstGeom prst="rect">
             <a:avLst/>
@@ -7078,83 +7531,32 @@
           <a:noFill/>
         </p:spPr>
         <p:txBody>
-          <a:bodyPr wrap="square" rtlCol="0" anchor="t">
+          <a:bodyPr wrap="square" rtlCol="0">
             <a:spAutoFit/>
           </a:bodyPr>
           <a:p>
             <a:r>
-              <a:rPr lang="en-US" altLang="en-US" sz="1200" dirty="0">
-                <a:sym typeface="+mn-ea"/>
-              </a:rPr>
-              <a:t>CATALINA_HOME</a:t>
-            </a:r>
-            <a:r>
-              <a:rPr lang="" altLang="en-US" sz="1200" dirty="0">
-                <a:sym typeface="+mn-ea"/>
-              </a:rPr>
-              <a:t>:</a:t>
-            </a:r>
-            <a:endParaRPr lang="en-US" altLang="en-US" sz="1200" dirty="0">
-              <a:sym typeface="+mn-ea"/>
-            </a:endParaRPr>
-          </a:p>
-          <a:p>
-            <a:r>
-              <a:rPr lang="en-US" altLang="en-US" sz="1200" dirty="0">
-                <a:sym typeface="+mn-ea"/>
-              </a:rPr>
-              <a:t>liferay ga</a:t>
-            </a:r>
-            <a:r>
-              <a:rPr lang="" altLang="en-US" sz="1200" dirty="0">
-                <a:sym typeface="+mn-ea"/>
-              </a:rPr>
-              <a:t>: </a:t>
-            </a:r>
-            <a:r>
-              <a:rPr lang="en-US" altLang="en-US" sz="1200" dirty="0">
-                <a:sym typeface="+mn-ea"/>
-              </a:rPr>
-              <a:t>liferayフォルダの中に付属</a:t>
-            </a:r>
-            <a:endParaRPr lang="en-US" altLang="en-US" sz="1200" dirty="0">
-              <a:sym typeface="+mn-ea"/>
-            </a:endParaRPr>
-          </a:p>
-          <a:p>
-            <a:r>
-              <a:rPr lang="en-US" altLang="en-US" sz="1200" dirty="0">
-                <a:sym typeface="+mn-ea"/>
-              </a:rPr>
-              <a:t>	       </a:t>
-            </a:r>
-            <a:endParaRPr lang="en-US" altLang="en-US" sz="1200" dirty="0">
-              <a:sym typeface="+mn-ea"/>
-            </a:endParaRPr>
-          </a:p>
-          <a:p>
-            <a:r>
-              <a:rPr lang="en-US" altLang="en-US" sz="1200" dirty="0">
-                <a:sym typeface="+mn-ea"/>
-              </a:rPr>
-              <a:t> </a:t>
-            </a:r>
-            <a:endParaRPr lang="en-US" altLang="en-US" sz="1200" dirty="0">
-              <a:sym typeface="+mn-ea"/>
-            </a:endParaRPr>
-          </a:p>
-        </p:txBody>
-      </p:sp>
-      <p:sp>
-        <p:nvSpPr>
-          <p:cNvPr id="6" name="テキスト ボックス 82"/>
+              <a:rPr kumimoji="1" sz="1400" dirty="0"/>
+              <a:t>/usr/sbin/apache</a:t>
+            </a:r>
+            <a:r>
+              <a:rPr kumimoji="1" lang="" sz="1400" dirty="0"/>
+              <a:t>ctl(auto)</a:t>
+            </a:r>
+            <a:endParaRPr kumimoji="1" sz="1400" dirty="0"/>
+          </a:p>
+        </p:txBody>
+      </p:sp>
+      <p:sp>
+        <p:nvSpPr>
+          <p:cNvPr id="8" name="テキスト ボックス 82"/>
           <p:cNvSpPr txBox="1"/>
           <p:nvPr/>
         </p:nvSpPr>
         <p:spPr>
           <a:xfrm flipH="1">
-            <a:off x="7875905" y="3293110"/>
-            <a:ext cx="1915160" cy="306705"/>
+            <a:off x="6202680" y="2202815"/>
+            <a:ext cx="2625090" cy="521970"/>
           </a:xfrm>
           <a:prstGeom prst="rect">
             <a:avLst/>
@@ -7167,23 +7569,31 @@
           </a:bodyPr>
           <a:p>
             <a:r>
-              <a:rPr kumimoji="1" lang="en-US" altLang="ja-JP" sz="1400" dirty="0"/>
-              <a:t>systemd(auto)</a:t>
-            </a:r>
-            <a:endParaRPr kumimoji="1" lang="en-US" altLang="ja-JP" sz="1400" dirty="0"/>
-          </a:p>
-        </p:txBody>
-      </p:sp>
-      <p:sp>
-        <p:nvSpPr>
-          <p:cNvPr id="8" name="テキスト ボックス 82"/>
+              <a:rPr kumimoji="1" lang="en-US" altLang="en-US" sz="1400" dirty="0"/>
+              <a:t>/etc/init.d/fossology.service </a:t>
+            </a:r>
+            <a:r>
+              <a:rPr lang="en-US" altLang="en-US" sz="1400" dirty="0">
+                <a:sym typeface="+mn-ea"/>
+              </a:rPr>
+              <a:t>(manual)</a:t>
+            </a:r>
+            <a:endParaRPr kumimoji="1" lang="en-US" altLang="en-US" sz="1400" dirty="0">
+              <a:sym typeface="+mn-ea"/>
+            </a:endParaRPr>
+          </a:p>
+        </p:txBody>
+      </p:sp>
+      <p:sp>
+        <p:nvSpPr>
+          <p:cNvPr id="13" name="Text Box 12"/>
           <p:cNvSpPr txBox="1"/>
           <p:nvPr/>
         </p:nvSpPr>
         <p:spPr>
-          <a:xfrm flipH="1">
-            <a:off x="7297420" y="2286635"/>
-            <a:ext cx="2268220" cy="460375"/>
+          <a:xfrm>
+            <a:off x="3816985" y="1382395"/>
+            <a:ext cx="5205730" cy="398780"/>
           </a:xfrm>
           <a:prstGeom prst="rect">
             <a:avLst/>
@@ -7191,108 +7601,20 @@
           <a:noFill/>
         </p:spPr>
         <p:txBody>
-          <a:bodyPr wrap="square" rtlCol="0">
-            <a:spAutoFit/>
-          </a:bodyPr>
-          <a:p>
-            <a:r>
-              <a:rPr kumimoji="1" lang="en-US" altLang="en-US" sz="1200" dirty="0"/>
-              <a:t>/etc/init.d/fossology.service </a:t>
-            </a:r>
-            <a:r>
-              <a:rPr lang="en-US" altLang="en-US" sz="1200" dirty="0">
-                <a:sym typeface="+mn-ea"/>
-              </a:rPr>
-              <a:t>(manual:</a:t>
-            </a:r>
-            <a:r>
-              <a:rPr lang="en-US" altLang="en-US" sz="1200" dirty="0">
-                <a:solidFill>
-                  <a:srgbClr val="7030A0"/>
-                </a:solidFill>
-                <a:sym typeface="+mn-ea"/>
-              </a:rPr>
-              <a:t>systemd</a:t>
-            </a:r>
-            <a:r>
-              <a:rPr lang="en-US" altLang="en-US" sz="1200" dirty="0">
-                <a:sym typeface="+mn-ea"/>
-              </a:rPr>
-              <a:t>)</a:t>
-            </a:r>
-            <a:endParaRPr kumimoji="1" lang="en-US" altLang="en-US" sz="1200" dirty="0">
-              <a:sym typeface="+mn-ea"/>
-            </a:endParaRPr>
-          </a:p>
-        </p:txBody>
-      </p:sp>
-      <p:sp>
-        <p:nvSpPr>
-          <p:cNvPr id="13" name="Text Box 12"/>
-          <p:cNvSpPr txBox="1"/>
-          <p:nvPr/>
-        </p:nvSpPr>
-        <p:spPr>
-          <a:xfrm>
-            <a:off x="5041265" y="1382395"/>
-            <a:ext cx="5205730" cy="368300"/>
-          </a:xfrm>
-          <a:prstGeom prst="rect">
-            <a:avLst/>
-          </a:prstGeom>
-          <a:noFill/>
-        </p:spPr>
-        <p:txBody>
           <a:bodyPr wrap="square" rtlCol="0" anchor="t">
             <a:spAutoFit/>
           </a:bodyPr>
           <a:p>
             <a:r>
-              <a:rPr lang="en-US" altLang="en-US" dirty="0">
+              <a:rPr lang="en-US" altLang="en-US" sz="2000" dirty="0">
                 <a:solidFill>
                   <a:srgbClr val="00B050"/>
                 </a:solidFill>
                 <a:sym typeface="+mn-ea"/>
               </a:rPr>
-              <a:t>execed file</a:t>
-            </a:r>
-            <a:r>
-              <a:rPr lang="" altLang="en-US" dirty="0">
-                <a:solidFill>
-                  <a:srgbClr val="00B050"/>
-                </a:solidFill>
-                <a:sym typeface="+mn-ea"/>
-              </a:rPr>
-              <a:t> </a:t>
-            </a:r>
-            <a:r>
-              <a:rPr lang="en-US" altLang="en-US" dirty="0">
-                <a:solidFill>
-                  <a:srgbClr val="00B050"/>
-                </a:solidFill>
-                <a:sym typeface="+mn-ea"/>
-              </a:rPr>
-              <a:t>(auto or manual </a:t>
-            </a:r>
-            <a:r>
-              <a:rPr lang="" altLang="en-US" dirty="0">
-                <a:solidFill>
-                  <a:srgbClr val="00B050"/>
-                </a:solidFill>
-                <a:sym typeface="+mn-ea"/>
-              </a:rPr>
-              <a:t>/ by name</a:t>
-            </a:r>
-            <a:r>
-              <a:rPr lang="en-US" altLang="en-US" dirty="0">
-                <a:solidFill>
-                  <a:srgbClr val="00B050"/>
-                </a:solidFill>
-                <a:sym typeface="+mn-ea"/>
-              </a:rPr>
-              <a:t>)</a:t>
-            </a:r>
-            <a:endParaRPr lang="en-US" altLang="en-US" dirty="0">
+              <a:t>execed file (auto or manual)</a:t>
+            </a:r>
+            <a:endParaRPr lang="en-US" altLang="en-US" sz="2000" dirty="0">
               <a:solidFill>
                 <a:srgbClr val="00B050"/>
               </a:solidFill>
@@ -7303,46 +7625,13 @@
       </p:sp>
       <p:sp>
         <p:nvSpPr>
-          <p:cNvPr id="14" name="Text Box 13"/>
-          <p:cNvSpPr txBox="1"/>
-          <p:nvPr/>
-        </p:nvSpPr>
-        <p:spPr>
-          <a:xfrm>
-            <a:off x="159544" y="6408355"/>
-            <a:ext cx="7166610" cy="254000"/>
-          </a:xfrm>
-          <a:prstGeom prst="rect">
-            <a:avLst/>
-          </a:prstGeom>
-          <a:noFill/>
-        </p:spPr>
-        <p:txBody>
-          <a:bodyPr wrap="none" rtlCol="0" anchor="t">
-            <a:spAutoFit/>
-          </a:bodyPr>
-          <a:p>
-            <a:r>
-              <a:rPr lang="en-US" altLang="en-US" sz="1055" dirty="0">
-                <a:sym typeface="+mn-ea"/>
-              </a:rPr>
-              <a:t> systemdとついているものは、自動で設定されsystemctl statusで見れる. ついていないと psでしか確認できない</a:t>
-            </a:r>
-            <a:endParaRPr lang="en-US" altLang="en-US" sz="1055" dirty="0">
-              <a:sym typeface="+mn-ea"/>
-            </a:endParaRPr>
-          </a:p>
-        </p:txBody>
-      </p:sp>
-      <p:sp>
-        <p:nvSpPr>
           <p:cNvPr id="17" name="テキスト ボックス 93"/>
           <p:cNvSpPr txBox="1"/>
           <p:nvPr/>
         </p:nvSpPr>
         <p:spPr>
           <a:xfrm flipH="1">
-            <a:off x="4305935" y="4803140"/>
+            <a:off x="5316855" y="4803140"/>
             <a:ext cx="2499995" cy="300355"/>
           </a:xfrm>
           <a:prstGeom prst="rect">
@@ -7360,17 +7649,17 @@
           </a:bodyPr>
           <a:p>
             <a:r>
-              <a:rPr kumimoji="1" lang="" altLang="en-US" sz="1355" dirty="0">
+              <a:rPr kumimoji="1" lang="en-US" altLang="en-US" sz="1355" dirty="0">
                 <a:solidFill>
-                  <a:schemeClr val="tx1"/>
+                  <a:srgbClr val="00B050"/>
                 </a:solidFill>
                 <a:effectLst/>
               </a:rPr>
               <a:t>LOG</a:t>
             </a:r>
-            <a:endParaRPr kumimoji="1" lang="" altLang="en-US" sz="1355" dirty="0">
+            <a:endParaRPr kumimoji="1" lang="en-US" altLang="en-US" sz="1355" dirty="0">
               <a:solidFill>
-                <a:schemeClr val="tx1"/>
+                <a:srgbClr val="00B050"/>
               </a:solidFill>
               <a:effectLst/>
             </a:endParaRPr>
@@ -7385,7 +7674,7 @@
         </p:nvSpPr>
         <p:spPr>
           <a:xfrm rot="10800000" flipV="1">
-            <a:off x="4384040" y="5059680"/>
+            <a:off x="5394960" y="5059680"/>
             <a:ext cx="6232525" cy="1223645"/>
           </a:xfrm>
           <a:prstGeom prst="rect">
@@ -7432,7 +7721,7 @@
         </p:nvSpPr>
         <p:spPr>
           <a:xfrm>
-            <a:off x="4384040" y="5103495"/>
+            <a:off x="5452110" y="5059680"/>
             <a:ext cx="6044565" cy="1344930"/>
           </a:xfrm>
           <a:prstGeom prst="rect">
@@ -7530,7 +7819,7 @@
         </p:nvSpPr>
         <p:spPr>
           <a:xfrm flipH="1">
-            <a:off x="8694420" y="1112520"/>
+            <a:off x="7590155" y="1053465"/>
             <a:ext cx="2008505" cy="306705"/>
           </a:xfrm>
           <a:prstGeom prst="rect">
@@ -7544,14 +7833,10 @@
           </a:bodyPr>
           <a:p>
             <a:r>
-              <a:rPr kumimoji="1" lang="" altLang="en-US" sz="1400" dirty="0"/>
-              <a:t>D</a:t>
-            </a:r>
-            <a:r>
               <a:rPr kumimoji="1" lang="en-US" altLang="en-US" sz="1400" dirty="0"/>
-              <a:t>atabase</a:t>
-            </a:r>
-            <a:endParaRPr kumimoji="1" lang="" altLang="en-US" sz="1400" dirty="0"/>
+              <a:t>Database</a:t>
+            </a:r>
+            <a:endParaRPr kumimoji="1" lang="en-US" altLang="en-US" sz="1400" dirty="0"/>
           </a:p>
         </p:txBody>
       </p:sp>
@@ -7590,7 +7875,7 @@
         <p:spPr>
           <a:xfrm>
             <a:off x="1663065" y="14605"/>
-            <a:ext cx="5782310" cy="1038860"/>
+            <a:ext cx="7728585" cy="1038860"/>
           </a:xfrm>
           <a:prstGeom prst="rect">
             <a:avLst/>
@@ -7598,7 +7883,7 @@
           <a:noFill/>
         </p:spPr>
         <p:txBody>
-          <a:bodyPr wrap="none" rtlCol="0" anchor="t">
+          <a:bodyPr wrap="square" rtlCol="0" anchor="t">
             <a:spAutoFit/>
           </a:bodyPr>
           <a:p>
@@ -7614,7 +7899,7 @@
                 </a:solidFill>
                 <a:sym typeface="+mn-ea"/>
               </a:rPr>
-              <a:t>Setting</a:t>
+              <a:t>Setting, exected files </a:t>
             </a:r>
             <a:r>
               <a:rPr lang="" altLang="en-US" sz="2800" dirty="0">
@@ -7623,7 +7908,7 @@
                 </a:solidFill>
                 <a:sym typeface="+mn-ea"/>
               </a:rPr>
-              <a:t>, </a:t>
+              <a:t>andl</a:t>
             </a:r>
             <a:r>
               <a:rPr lang="en-US" altLang="en-US" sz="2800" dirty="0">
@@ -7632,18 +7917,9 @@
                 </a:solidFill>
                 <a:sym typeface="+mn-ea"/>
               </a:rPr>
-              <a:t>exected files </a:t>
-            </a:r>
-            <a:r>
-              <a:rPr lang="" altLang="en-US" sz="2800" dirty="0">
-                <a:solidFill>
-                  <a:srgbClr val="00B0F0"/>
-                </a:solidFill>
-                <a:sym typeface="+mn-ea"/>
-              </a:rPr>
-              <a:t>AND</a:t>
-            </a:r>
-            <a:endParaRPr lang="" altLang="en-US" sz="2800" dirty="0">
+              <a:t>og folders </a:t>
+            </a:r>
+            <a:endParaRPr lang="en-US" altLang="en-US" sz="2800" dirty="0">
               <a:solidFill>
                 <a:srgbClr val="00B0F0"/>
               </a:solidFill>
@@ -7657,24 +7933,24 @@
               </a:lnSpc>
             </a:pPr>
             <a:r>
+              <a:rPr lang="" altLang="en-US" sz="2800" dirty="0">
+                <a:solidFill>
+                  <a:srgbClr val="00B0F0"/>
+                </a:solidFill>
+                <a:sym typeface="+mn-ea"/>
+              </a:rPr>
+              <a:t>				for</a:t>
+            </a:r>
+            <a:r>
               <a:rPr lang="en-US" altLang="en-US" sz="2800" dirty="0">
                 <a:solidFill>
                   <a:srgbClr val="00B0F0"/>
                 </a:solidFill>
                 <a:sym typeface="+mn-ea"/>
               </a:rPr>
-              <a:t>Log folders </a:t>
-            </a:r>
-            <a:r>
-              <a:rPr lang="" altLang="en-US" sz="2800" dirty="0">
-                <a:solidFill>
-                  <a:srgbClr val="00B0F0"/>
-                </a:solidFill>
-                <a:sym typeface="+mn-ea"/>
-              </a:rPr>
-              <a:t>of fossology, sw360</a:t>
-            </a:r>
-            <a:endParaRPr lang="" altLang="en-US" sz="2800" dirty="0">
+              <a:t> fossology, sw360</a:t>
+            </a:r>
+            <a:endParaRPr lang="en-US" altLang="en-US" sz="2800" dirty="0">
               <a:solidFill>
                 <a:srgbClr val="00B0F0"/>
               </a:solidFill>
@@ -7708,7 +7984,7 @@
         </p:blipFill>
         <p:spPr>
           <a:xfrm>
-            <a:off x="3832860" y="1105535"/>
+            <a:off x="2781935" y="1105535"/>
             <a:ext cx="411480" cy="254635"/>
           </a:xfrm>
           <a:prstGeom prst="rect">
@@ -7741,7 +8017,7 @@
         </p:blipFill>
         <p:spPr>
           <a:xfrm>
-            <a:off x="6168390" y="980440"/>
+            <a:off x="5117465" y="980440"/>
             <a:ext cx="401955" cy="401955"/>
           </a:xfrm>
           <a:prstGeom prst="rect">
@@ -7757,8 +8033,8 @@
         </p:nvSpPr>
         <p:spPr>
           <a:xfrm>
-            <a:off x="8248015" y="1112520"/>
-            <a:ext cx="365125" cy="247015"/>
+            <a:off x="7235825" y="1068070"/>
+            <a:ext cx="278765" cy="247015"/>
           </a:xfrm>
           <a:prstGeom prst="can">
             <a:avLst>
@@ -7801,8 +8077,8 @@
         </p:nvSpPr>
         <p:spPr>
           <a:xfrm flipH="1">
-            <a:off x="4168775" y="1053465"/>
-            <a:ext cx="1628140" cy="460375"/>
+            <a:off x="3117850" y="1053465"/>
+            <a:ext cx="2522855" cy="275590"/>
           </a:xfrm>
           <a:prstGeom prst="rect">
             <a:avLst/>
@@ -7815,20 +8091,8 @@
           </a:bodyPr>
           <a:p>
             <a:r>
-              <a:rPr kumimoji="1" lang="" altLang="en-US" sz="1200" dirty="0"/>
-              <a:t>W</a:t>
-            </a:r>
-            <a:r>
               <a:rPr kumimoji="1" lang="en-US" altLang="en-US" sz="1200" dirty="0"/>
-              <a:t>eb </a:t>
-            </a:r>
-            <a:r>
-              <a:rPr kumimoji="1" lang="" altLang="en-US" sz="1200" dirty="0"/>
-              <a:t>application</a:t>
-            </a:r>
-            <a:r>
-              <a:rPr kumimoji="1" lang="en-US" altLang="en-US" sz="1200" dirty="0"/>
-              <a:t> server</a:t>
+              <a:t>Web application server</a:t>
             </a:r>
             <a:endParaRPr kumimoji="1" lang="en-US" altLang="en-US" sz="1200" dirty="0"/>
           </a:p>
@@ -7842,7 +8106,7 @@
         </p:nvSpPr>
         <p:spPr>
           <a:xfrm flipH="1">
-            <a:off x="6570345" y="1053465"/>
+            <a:off x="5519420" y="1053465"/>
             <a:ext cx="1619250" cy="306705"/>
           </a:xfrm>
           <a:prstGeom prst="rect">
@@ -7856,10 +8120,10 @@
           </a:bodyPr>
           <a:p>
             <a:r>
-              <a:rPr kumimoji="1" lang="" altLang="en-US" sz="1400" dirty="0"/>
+              <a:rPr kumimoji="1" lang="en-US" altLang="en-US" sz="1400" dirty="0"/>
               <a:t>Front end</a:t>
             </a:r>
-            <a:endParaRPr kumimoji="1" lang="" altLang="en-US" sz="1400" dirty="0"/>
+            <a:endParaRPr kumimoji="1" lang="en-US" altLang="en-US" sz="1400" dirty="0"/>
           </a:p>
         </p:txBody>
       </p:sp>
@@ -7871,8 +8135,8 @@
         </p:nvSpPr>
         <p:spPr>
           <a:xfrm>
-            <a:off x="404495" y="1746250"/>
-            <a:ext cx="2540000" cy="3753485"/>
+            <a:off x="218440" y="1885315"/>
+            <a:ext cx="2540000" cy="3107690"/>
           </a:xfrm>
           <a:prstGeom prst="rect">
             <a:avLst/>
@@ -7953,16 +8217,17 @@
             <a:r>
               <a:rPr lang="en-US" altLang="en-US" sz="1400" dirty="0">
                 <a:solidFill>
-                  <a:srgbClr val="FF0000"/>
+                  <a:schemeClr val="tx1"/>
                 </a:solidFill>
                 <a:sym typeface="+mn-ea"/>
               </a:rPr>
-              <a:t>--</a:t>
-            </a:r>
-            <a:endParaRPr lang="en-US" altLang="en-US" sz="1400" u="sng" dirty="0">
+              <a:t>/etc/apache2</a:t>
+            </a:r>
+            <a:endParaRPr lang="en-US" altLang="en-US" sz="1400" dirty="0">
               <a:solidFill>
-                <a:schemeClr val="tx1"/>
+                <a:srgbClr val="FF0000"/>
               </a:solidFill>
+              <a:sym typeface="+mn-ea"/>
             </a:endParaRPr>
           </a:p>
           <a:p>
@@ -8012,13 +8277,6 @@
             </a:endParaRPr>
           </a:p>
           <a:p>
-            <a:endParaRPr lang="en-US" altLang="ja-JP" sz="1400" dirty="0">
-              <a:solidFill>
-                <a:schemeClr val="tx1"/>
-              </a:solidFill>
-            </a:endParaRPr>
-          </a:p>
-          <a:p>
             <a:r>
               <a:rPr lang="en-US" altLang="ja-JP" sz="1400" u="sng" dirty="0">
                 <a:effectLst>
@@ -8051,18 +8309,11 @@
           </a:p>
           <a:p>
             <a:r>
-              <a:rPr lang="" altLang="en-US" sz="1400" dirty="0">
+              <a:rPr lang="en-US" altLang="en-US" sz="1400" dirty="0">
                 <a:sym typeface="+mn-ea"/>
               </a:rPr>
               <a:t>/etc/</a:t>
             </a:r>
-            <a:endParaRPr lang="en-US" altLang="ja-JP" sz="1400" dirty="0">
-              <a:solidFill>
-                <a:schemeClr val="tx1"/>
-              </a:solidFill>
-            </a:endParaRPr>
-          </a:p>
-          <a:p>
             <a:endParaRPr lang="en-US" altLang="ja-JP" sz="1400" dirty="0">
               <a:solidFill>
                 <a:schemeClr val="tx1"/>
@@ -8103,37 +8354,6 @@
             </a:endParaRPr>
           </a:p>
           <a:p>
-            <a:r>
-              <a:rPr lang="en-US" altLang="ja-JP" sz="1400" dirty="0" err="1">
-                <a:sym typeface="+mn-ea"/>
-              </a:rPr>
-              <a:t>Apatch</a:t>
-            </a:r>
-            <a:endParaRPr lang="en-US" altLang="ja-JP" sz="1400" dirty="0">
-              <a:solidFill>
-                <a:schemeClr val="tx1"/>
-              </a:solidFill>
-            </a:endParaRPr>
-          </a:p>
-          <a:p>
-            <a:r>
-              <a:rPr lang="en-US" altLang="ja-JP" sz="1400" dirty="0">
-                <a:sym typeface="+mn-ea"/>
-              </a:rPr>
-              <a:t>$</a:t>
-            </a:r>
-            <a:r>
-              <a:rPr lang="en-US" altLang="ja-JP" sz="1400" dirty="0" err="1">
-                <a:sym typeface="+mn-ea"/>
-              </a:rPr>
-              <a:t>Apatch</a:t>
-            </a:r>
-            <a:r>
-              <a:rPr lang="en-US" altLang="ja-JP" sz="1400" dirty="0">
-                <a:sym typeface="+mn-ea"/>
-              </a:rPr>
-              <a:t>/conf</a:t>
-            </a:r>
             <a:endParaRPr lang="en-US" altLang="ja-JP" sz="1400" dirty="0">
               <a:sym typeface="+mn-ea"/>
             </a:endParaRPr>
@@ -8165,7 +8385,7 @@
         </p:blipFill>
         <p:spPr>
           <a:xfrm>
-            <a:off x="7755890" y="1885315"/>
+            <a:off x="6531610" y="1885315"/>
             <a:ext cx="297180" cy="297180"/>
           </a:xfrm>
           <a:prstGeom prst="rect">
@@ -8173,6 +8393,272 @@
           </a:prstGeom>
         </p:spPr>
       </p:pic>
+      <p:sp>
+        <p:nvSpPr>
+          <p:cNvPr id="29" name="テキスト ボックス 65"/>
+          <p:cNvSpPr txBox="1"/>
+          <p:nvPr/>
+        </p:nvSpPr>
+        <p:spPr>
+          <a:xfrm flipH="1">
+            <a:off x="9650254" y="1548382"/>
+            <a:ext cx="2369820" cy="337185"/>
+          </a:xfrm>
+          <a:prstGeom prst="rect">
+            <a:avLst/>
+          </a:prstGeom>
+          <a:noFill/>
+        </p:spPr>
+        <p:txBody>
+          <a:bodyPr wrap="square" rtlCol="0">
+            <a:spAutoFit/>
+            <a:scene3d>
+              <a:camera prst="orthographicFront"/>
+              <a:lightRig rig="threePt" dir="t"/>
+            </a:scene3d>
+          </a:bodyPr>
+          <a:p>
+            <a:r>
+              <a:rPr kumimoji="1" lang="" altLang="en-US" sz="1600" dirty="0">
+                <a:solidFill>
+                  <a:srgbClr val="00B050"/>
+                </a:solidFill>
+                <a:effectLst/>
+              </a:rPr>
+              <a:t>URL (you can see)</a:t>
+            </a:r>
+            <a:endParaRPr kumimoji="1" lang="" altLang="en-US" sz="1600" dirty="0">
+              <a:solidFill>
+                <a:srgbClr val="00B050"/>
+              </a:solidFill>
+              <a:effectLst/>
+            </a:endParaRPr>
+          </a:p>
+        </p:txBody>
+      </p:sp>
+      <p:sp>
+        <p:nvSpPr>
+          <p:cNvPr id="30" name="Text Box 29"/>
+          <p:cNvSpPr txBox="1"/>
+          <p:nvPr/>
+        </p:nvSpPr>
+        <p:spPr>
+          <a:xfrm>
+            <a:off x="121285" y="5429885"/>
+            <a:ext cx="2899410" cy="1383665"/>
+          </a:xfrm>
+          <a:prstGeom prst="rect">
+            <a:avLst/>
+          </a:prstGeom>
+          <a:noFill/>
+        </p:spPr>
+        <p:txBody>
+          <a:bodyPr wrap="square" rtlCol="0" anchor="t">
+            <a:spAutoFit/>
+          </a:bodyPr>
+          <a:p>
+            <a:r>
+              <a:rPr lang="" altLang="en-US" sz="1200" dirty="0">
+                <a:solidFill>
+                  <a:schemeClr val="bg2">
+                    <a:lumMod val="25000"/>
+                  </a:schemeClr>
+                </a:solidFill>
+                <a:sym typeface="+mn-ea"/>
+              </a:rPr>
+              <a:t>*1</a:t>
+            </a:r>
+            <a:endParaRPr lang="" altLang="en-US" sz="1200" dirty="0">
+              <a:solidFill>
+                <a:schemeClr val="bg2">
+                  <a:lumMod val="25000"/>
+                </a:schemeClr>
+              </a:solidFill>
+              <a:sym typeface="+mn-ea"/>
+            </a:endParaRPr>
+          </a:p>
+          <a:p>
+            <a:r>
+              <a:rPr lang="" altLang="en-US" sz="1200" dirty="0">
+                <a:solidFill>
+                  <a:schemeClr val="bg2">
+                    <a:lumMod val="25000"/>
+                  </a:schemeClr>
+                </a:solidFill>
+                <a:sym typeface="+mn-ea"/>
+              </a:rPr>
+              <a:t>using system of systemd are  </a:t>
+            </a:r>
+            <a:endParaRPr lang="" altLang="en-US" sz="1200" dirty="0">
+              <a:solidFill>
+                <a:schemeClr val="bg2">
+                  <a:lumMod val="25000"/>
+                </a:schemeClr>
+              </a:solidFill>
+              <a:sym typeface="+mn-ea"/>
+            </a:endParaRPr>
+          </a:p>
+          <a:p>
+            <a:r>
+              <a:rPr lang="" altLang="en-US" sz="1200" dirty="0">
+                <a:solidFill>
+                  <a:schemeClr val="bg2">
+                    <a:lumMod val="25000"/>
+                  </a:schemeClr>
+                </a:solidFill>
+                <a:sym typeface="+mn-ea"/>
+              </a:rPr>
+              <a:t> Couchdb, Apache2, PostgreSQL,</a:t>
+            </a:r>
+            <a:endParaRPr lang="" altLang="en-US" sz="1200" dirty="0">
+              <a:solidFill>
+                <a:schemeClr val="bg2">
+                  <a:lumMod val="25000"/>
+                </a:schemeClr>
+              </a:solidFill>
+              <a:sym typeface="+mn-ea"/>
+            </a:endParaRPr>
+          </a:p>
+          <a:p>
+            <a:r>
+              <a:rPr lang="" altLang="en-US" sz="1200" dirty="0">
+                <a:solidFill>
+                  <a:schemeClr val="bg2">
+                    <a:lumMod val="25000"/>
+                  </a:schemeClr>
+                </a:solidFill>
+                <a:sym typeface="+mn-ea"/>
+              </a:rPr>
+              <a:t> Fossology. </a:t>
+            </a:r>
+            <a:endParaRPr lang="" altLang="en-US" sz="1200" dirty="0">
+              <a:solidFill>
+                <a:schemeClr val="bg2">
+                  <a:lumMod val="25000"/>
+                </a:schemeClr>
+              </a:solidFill>
+              <a:sym typeface="+mn-ea"/>
+            </a:endParaRPr>
+          </a:p>
+          <a:p>
+            <a:r>
+              <a:rPr lang="" altLang="en-US" sz="1200" dirty="0">
+                <a:solidFill>
+                  <a:schemeClr val="bg2">
+                    <a:lumMod val="25000"/>
+                  </a:schemeClr>
+                </a:solidFill>
+                <a:sym typeface="+mn-ea"/>
+              </a:rPr>
+              <a:t>Without Fossology, sw360(Liferay = tomcatt), default is manual.</a:t>
+            </a:r>
+            <a:endParaRPr lang="" altLang="en-US" sz="1200" dirty="0">
+              <a:solidFill>
+                <a:schemeClr val="bg2">
+                  <a:lumMod val="25000"/>
+                </a:schemeClr>
+              </a:solidFill>
+              <a:sym typeface="+mn-ea"/>
+            </a:endParaRPr>
+          </a:p>
+          <a:p>
+            <a:r>
+              <a:rPr lang="" altLang="en-US" sz="1200" dirty="0">
+                <a:solidFill>
+                  <a:schemeClr val="bg2">
+                    <a:lumMod val="25000"/>
+                  </a:schemeClr>
+                </a:solidFill>
+                <a:sym typeface="+mn-ea"/>
+              </a:rPr>
+              <a:t>How it work of systemd=&gt; </a:t>
+            </a:r>
+            <a:endParaRPr lang="" altLang="en-US" sz="1200" dirty="0">
+              <a:solidFill>
+                <a:schemeClr val="bg2">
+                  <a:lumMod val="25000"/>
+                </a:schemeClr>
+              </a:solidFill>
+              <a:sym typeface="+mn-ea"/>
+            </a:endParaRPr>
+          </a:p>
+        </p:txBody>
+      </p:sp>
+      <p:sp>
+        <p:nvSpPr>
+          <p:cNvPr id="31" name="Text Box 30"/>
+          <p:cNvSpPr txBox="1"/>
+          <p:nvPr/>
+        </p:nvSpPr>
+        <p:spPr>
+          <a:xfrm>
+            <a:off x="2837180" y="6188710"/>
+            <a:ext cx="2524125" cy="521970"/>
+          </a:xfrm>
+          <a:prstGeom prst="rect">
+            <a:avLst/>
+          </a:prstGeom>
+          <a:noFill/>
+        </p:spPr>
+        <p:txBody>
+          <a:bodyPr wrap="none" rtlCol="0" anchor="t">
+            <a:spAutoFit/>
+          </a:bodyPr>
+          <a:p>
+            <a:r>
+              <a:rPr lang="" altLang="en-US" sz="1400" dirty="0">
+                <a:solidFill>
+                  <a:schemeClr val="bg2">
+                    <a:lumMod val="25000"/>
+                  </a:schemeClr>
+                </a:solidFill>
+                <a:sym typeface="+mn-ea"/>
+              </a:rPr>
+              <a:t>*3.</a:t>
+            </a:r>
+            <a:endParaRPr lang="" altLang="en-US" sz="1400" dirty="0">
+              <a:solidFill>
+                <a:schemeClr val="bg2">
+                  <a:lumMod val="25000"/>
+                </a:schemeClr>
+              </a:solidFill>
+              <a:sym typeface="+mn-ea"/>
+            </a:endParaRPr>
+          </a:p>
+          <a:p>
+            <a:r>
+              <a:rPr lang="" altLang="en-US" sz="1400" dirty="0">
+                <a:solidFill>
+                  <a:schemeClr val="bg2">
+                    <a:lumMod val="25000"/>
+                  </a:schemeClr>
+                </a:solidFill>
+                <a:sym typeface="+mn-ea"/>
+              </a:rPr>
+              <a:t> </a:t>
+            </a:r>
+            <a:r>
+              <a:rPr lang="en-US" altLang="en-US" sz="1400" dirty="0">
+                <a:solidFill>
+                  <a:schemeClr val="bg2">
+                    <a:lumMod val="25000"/>
+                  </a:schemeClr>
+                </a:solidFill>
+                <a:sym typeface="+mn-ea"/>
+              </a:rPr>
+              <a:t>sw360(Liferay = tomcatt)</a:t>
+            </a:r>
+            <a:endParaRPr lang="en-US" altLang="en-US" sz="1400" dirty="0">
+              <a:solidFill>
+                <a:schemeClr val="bg2">
+                  <a:lumMod val="25000"/>
+                </a:schemeClr>
+              </a:solidFill>
+              <a:sym typeface="+mn-ea"/>
+            </a:endParaRPr>
+          </a:p>
+        </p:txBody>
+      </p:sp>
     </p:spTree>
   </p:cSld>
   <p:clrMapOvr>
@@ -8206,8 +8692,8 @@
         </p:nvSpPr>
         <p:spPr>
           <a:xfrm>
-            <a:off x="1166495" y="1116330"/>
-            <a:ext cx="4570095" cy="5113020"/>
+            <a:off x="820420" y="953770"/>
+            <a:ext cx="4786630" cy="5605780"/>
           </a:xfrm>
           <a:prstGeom prst="rect">
             <a:avLst/>
@@ -8251,8 +8737,8 @@
         </p:nvSpPr>
         <p:spPr>
           <a:xfrm flipH="1">
-            <a:off x="2829831" y="766735"/>
-            <a:ext cx="1637687" cy="300355"/>
+            <a:off x="878840" y="523875"/>
+            <a:ext cx="5172710" cy="521970"/>
           </a:xfrm>
           <a:prstGeom prst="rect">
             <a:avLst/>
@@ -8269,9 +8755,9 @@
           </a:bodyPr>
           <a:p>
             <a:r>
-              <a:rPr kumimoji="1" lang="en-US" altLang="ja-JP" sz="1355" dirty="0" err="1">
+              <a:rPr kumimoji="1" lang="en-US" altLang="ja-JP" sz="2800" dirty="0" err="1">
                 <a:solidFill>
-                  <a:schemeClr val="tx1"/>
+                  <a:srgbClr val="00B050"/>
                 </a:solidFill>
                 <a:effectLst>
                   <a:outerShdw blurRad="38100" dist="19050" dir="2700000" algn="tl" rotWithShape="0">
@@ -8284,9 +8770,9 @@
               <a:t>Maked</a:t>
             </a:r>
             <a:r>
-              <a:rPr kumimoji="1" lang="en-US" altLang="ja-JP" sz="1355" dirty="0">
+              <a:rPr kumimoji="1" lang="en-US" altLang="ja-JP" sz="2800" dirty="0">
                 <a:solidFill>
-                  <a:schemeClr val="tx1"/>
+                  <a:srgbClr val="00B050"/>
                 </a:solidFill>
                 <a:effectLst>
                   <a:outerShdw blurRad="38100" dist="19050" dir="2700000" algn="tl" rotWithShape="0">
@@ -8296,11 +8782,26 @@
                   </a:outerShdw>
                 </a:effectLst>
               </a:rPr>
-              <a:t> folder</a:t>
-            </a:r>
-            <a:endParaRPr kumimoji="1" lang="en-US" altLang="ja-JP" sz="1355" dirty="0">
+              <a:t> </a:t>
+            </a:r>
+            <a:r>
+              <a:rPr kumimoji="1" lang="" altLang="en-US" sz="2800" dirty="0">
+                <a:solidFill>
+                  <a:srgbClr val="00B050"/>
+                </a:solidFill>
+                <a:effectLst>
+                  <a:outerShdw blurRad="38100" dist="19050" dir="2700000" algn="tl" rotWithShape="0">
+                    <a:schemeClr val="dk1">
+                      <a:alpha val="40000"/>
+                    </a:schemeClr>
+                  </a:outerShdw>
+                </a:effectLst>
+              </a:rPr>
+              <a:t>setting/binary files</a:t>
+            </a:r>
+            <a:endParaRPr kumimoji="1" lang="" altLang="en-US" sz="2800" dirty="0">
               <a:solidFill>
-                <a:schemeClr val="tx1"/>
+                <a:srgbClr val="00B050"/>
               </a:solidFill>
               <a:effectLst>
                 <a:outerShdw blurRad="38100" dist="19050" dir="2700000" algn="tl" rotWithShape="0">
@@ -8315,19 +8816,730 @@
       </p:sp>
       <p:sp>
         <p:nvSpPr>
-          <p:cNvPr id="2" name="テキスト ボックス 102"/>
-          <p:cNvSpPr txBox="1"/>
+          <p:cNvPr id="5" name="正方形/長方形 97"/>
+          <p:cNvSpPr/>
           <p:nvPr/>
         </p:nvSpPr>
         <p:spPr>
-          <a:xfrm flipH="1">
-            <a:off x="1224915" y="1116330"/>
-            <a:ext cx="5468620" cy="5754370"/>
+          <a:xfrm>
+            <a:off x="5712460" y="953770"/>
+            <a:ext cx="5871845" cy="5560695"/>
+          </a:xfrm>
+          <a:prstGeom prst="rect">
+            <a:avLst/>
+          </a:prstGeom>
+          <a:solidFill>
+            <a:schemeClr val="accent2">
+              <a:lumMod val="20000"/>
+              <a:lumOff val="80000"/>
+            </a:schemeClr>
+          </a:solidFill>
+        </p:spPr>
+        <p:style>
+          <a:lnRef idx="2">
+            <a:schemeClr val="accent1">
+              <a:shade val="50000"/>
+            </a:schemeClr>
+          </a:lnRef>
+          <a:fillRef idx="1">
+            <a:schemeClr val="accent1"/>
+          </a:fillRef>
+          <a:effectRef idx="0">
+            <a:schemeClr val="accent1"/>
+          </a:effectRef>
+          <a:fontRef idx="minor">
+            <a:schemeClr val="lt1"/>
+          </a:fontRef>
+        </p:style>
+        <p:txBody>
+          <a:bodyPr rtlCol="0" anchor="ctr"/>
+          <a:p>
+            <a:pPr algn="ctr"/>
+            <a:endParaRPr kumimoji="1" lang="ja-JP" altLang="en-US" sz="1355" dirty="0"/>
+          </a:p>
+        </p:txBody>
+      </p:sp>
+      <p:sp>
+        <p:nvSpPr>
+          <p:cNvPr id="4" name="正方形/長方形 35"/>
+          <p:cNvSpPr/>
+          <p:nvPr/>
+        </p:nvSpPr>
+        <p:spPr>
+          <a:xfrm>
+            <a:off x="5712460" y="954405"/>
+            <a:ext cx="5742305" cy="5631180"/>
           </a:xfrm>
           <a:prstGeom prst="rect">
             <a:avLst/>
           </a:prstGeom>
           <a:noFill/>
+          <a:ln>
+            <a:solidFill>
+              <a:schemeClr val="bg1">
+                <a:lumMod val="85000"/>
+              </a:schemeClr>
+            </a:solidFill>
+          </a:ln>
+          <a:extLst>
+            <a:ext uri="{909E8E84-426E-40DD-AFC4-6F175D3DCCD1}">
+              <a14:hiddenFill xmlns:a14="http://schemas.microsoft.com/office/drawing/2010/main">
+                <a:solidFill>
+                  <a:schemeClr val="accent4">
+                    <a:lumMod val="40000"/>
+                    <a:lumOff val="60000"/>
+                  </a:schemeClr>
+                </a:solidFill>
+              </a14:hiddenFill>
+            </a:ext>
+          </a:extLst>
+        </p:spPr>
+        <p:style>
+          <a:lnRef idx="2">
+            <a:schemeClr val="dk1"/>
+          </a:lnRef>
+          <a:fillRef idx="1">
+            <a:schemeClr val="lt1"/>
+          </a:fillRef>
+          <a:effectRef idx="0">
+            <a:schemeClr val="dk1"/>
+          </a:effectRef>
+          <a:fontRef idx="minor">
+            <a:schemeClr val="dk1"/>
+          </a:fontRef>
+        </p:style>
+        <p:txBody>
+          <a:bodyPr wrap="square">
+            <a:spAutoFit/>
+          </a:bodyPr>
+          <a:p>
+            <a:endParaRPr kumimoji="0" lang="en-US" altLang="en-US" dirty="0">
+              <a:solidFill>
+                <a:schemeClr val="tx1">
+                  <a:lumMod val="85000"/>
+                  <a:lumOff val="15000"/>
+                </a:schemeClr>
+              </a:solidFill>
+              <a:latin typeface="Arial Unicode MS"/>
+            </a:endParaRPr>
+          </a:p>
+          <a:p>
+            <a:r>
+              <a:rPr kumimoji="0" lang="en-US" altLang="en-US" dirty="0">
+                <a:solidFill>
+                  <a:schemeClr val="tx1">
+                    <a:lumMod val="85000"/>
+                    <a:lumOff val="15000"/>
+                  </a:schemeClr>
+                </a:solidFill>
+                <a:latin typeface="Arial Unicode MS"/>
+              </a:rPr>
+              <a:t> /etc : </a:t>
+            </a:r>
+            <a:r>
+              <a:rPr kumimoji="0" lang="en-US" altLang="en-US" u="sng" dirty="0">
+                <a:solidFill>
+                  <a:schemeClr val="tx1">
+                    <a:lumMod val="85000"/>
+                    <a:lumOff val="15000"/>
+                  </a:schemeClr>
+                </a:solidFill>
+                <a:latin typeface="Arial Unicode MS"/>
+              </a:rPr>
+              <a:t>almost all setting</a:t>
+            </a:r>
+            <a:r>
+              <a:rPr kumimoji="0" lang="en-US" altLang="en-US" dirty="0">
+                <a:solidFill>
+                  <a:schemeClr val="tx1">
+                    <a:lumMod val="85000"/>
+                    <a:lumOff val="15000"/>
+                  </a:schemeClr>
+                </a:solidFill>
+                <a:latin typeface="Arial Unicode MS"/>
+              </a:rPr>
+              <a:t>-files is here. (</a:t>
+            </a:r>
+            <a:r>
+              <a:rPr kumimoji="0" lang="" altLang="en-US" dirty="0">
+                <a:solidFill>
+                  <a:schemeClr val="tx1">
+                    <a:lumMod val="85000"/>
+                    <a:lumOff val="15000"/>
+                  </a:schemeClr>
+                </a:solidFill>
+                <a:latin typeface="Arial Unicode MS"/>
+              </a:rPr>
+              <a:t>There may are</a:t>
+            </a:r>
+            <a:r>
+              <a:rPr kumimoji="0" lang="en-US" altLang="en-US" dirty="0">
+                <a:solidFill>
+                  <a:schemeClr val="tx1">
+                    <a:lumMod val="85000"/>
+                    <a:lumOff val="15000"/>
+                  </a:schemeClr>
+                </a:solidFill>
+                <a:latin typeface="Arial Unicode MS"/>
+              </a:rPr>
+              <a:t> under </a:t>
+            </a:r>
+            <a:r>
+              <a:rPr kumimoji="0" lang="" altLang="en-US" dirty="0">
+                <a:solidFill>
+                  <a:schemeClr val="tx1">
+                    <a:lumMod val="85000"/>
+                    <a:lumOff val="15000"/>
+                  </a:schemeClr>
+                </a:solidFill>
+                <a:latin typeface="Arial Unicode MS"/>
+              </a:rPr>
+              <a:t>in sub</a:t>
+            </a:r>
+            <a:r>
+              <a:rPr kumimoji="0" lang="en-US" altLang="en-US" dirty="0">
+                <a:solidFill>
+                  <a:schemeClr val="tx1">
+                    <a:lumMod val="85000"/>
+                    <a:lumOff val="15000"/>
+                  </a:schemeClr>
+                </a:solidFill>
+                <a:latin typeface="Arial Unicode MS"/>
+              </a:rPr>
+              <a:t>folder </a:t>
+            </a:r>
+            <a:r>
+              <a:rPr kumimoji="0" lang="" altLang="en-US" dirty="0">
+                <a:solidFill>
+                  <a:schemeClr val="tx1">
+                    <a:lumMod val="85000"/>
+                    <a:lumOff val="15000"/>
+                  </a:schemeClr>
+                </a:solidFill>
+                <a:latin typeface="Arial Unicode MS"/>
+              </a:rPr>
+              <a:t>or</a:t>
+            </a:r>
+            <a:r>
+              <a:rPr kumimoji="0" lang="en-US" altLang="en-US" dirty="0">
+                <a:solidFill>
+                  <a:schemeClr val="tx1">
+                    <a:lumMod val="85000"/>
+                    <a:lumOff val="15000"/>
+                  </a:schemeClr>
+                </a:solidFill>
+                <a:latin typeface="Arial Unicode MS"/>
+              </a:rPr>
+              <a:t> in /usr/etc.)</a:t>
+            </a:r>
+            <a:endParaRPr kumimoji="0" lang="en-US" altLang="en-US" dirty="0">
+              <a:solidFill>
+                <a:schemeClr val="tx1">
+                  <a:lumMod val="85000"/>
+                  <a:lumOff val="15000"/>
+                </a:schemeClr>
+              </a:solidFill>
+              <a:latin typeface="Arial Unicode MS"/>
+            </a:endParaRPr>
+          </a:p>
+          <a:p>
+            <a:r>
+              <a:rPr lang="en-US" altLang="en-US" dirty="0">
+                <a:solidFill>
+                  <a:schemeClr val="tx1">
+                    <a:lumMod val="85000"/>
+                    <a:lumOff val="15000"/>
+                  </a:schemeClr>
+                </a:solidFill>
+                <a:latin typeface="Arial Unicode MS"/>
+                <a:sym typeface="+mn-ea"/>
+              </a:rPr>
+              <a:t> /bin  : basic cmd (</a:t>
+            </a:r>
+            <a:r>
+              <a:rPr lang="en-US" altLang="en-US" u="sng" dirty="0">
+                <a:solidFill>
+                  <a:schemeClr val="tx1">
+                    <a:lumMod val="85000"/>
+                    <a:lumOff val="15000"/>
+                  </a:schemeClr>
+                </a:solidFill>
+                <a:latin typeface="Arial Unicode MS"/>
+                <a:sym typeface="+mn-ea"/>
+              </a:rPr>
+              <a:t>system controal</a:t>
+            </a:r>
+            <a:r>
+              <a:rPr lang="en-US" altLang="en-US" dirty="0">
+                <a:solidFill>
+                  <a:schemeClr val="tx1">
+                    <a:lumMod val="85000"/>
+                    <a:lumOff val="15000"/>
+                  </a:schemeClr>
+                </a:solidFill>
+                <a:latin typeface="Arial Unicode MS"/>
+                <a:sym typeface="+mn-ea"/>
+              </a:rPr>
+              <a:t>)</a:t>
+            </a:r>
+            <a:endParaRPr kumimoji="0" lang="en-US" altLang="en-US" dirty="0">
+              <a:solidFill>
+                <a:schemeClr val="tx1">
+                  <a:lumMod val="85000"/>
+                  <a:lumOff val="15000"/>
+                </a:schemeClr>
+              </a:solidFill>
+              <a:latin typeface="Arial Unicode MS"/>
+            </a:endParaRPr>
+          </a:p>
+          <a:p>
+            <a:endParaRPr kumimoji="0" lang="en-US" altLang="en-US" dirty="0">
+              <a:solidFill>
+                <a:schemeClr val="tx1">
+                  <a:lumMod val="85000"/>
+                  <a:lumOff val="15000"/>
+                </a:schemeClr>
+              </a:solidFill>
+              <a:latin typeface="Arial Unicode MS"/>
+            </a:endParaRPr>
+          </a:p>
+          <a:p>
+            <a:r>
+              <a:rPr kumimoji="0" lang="en-US" altLang="en-US" dirty="0">
+                <a:solidFill>
+                  <a:schemeClr val="tx1">
+                    <a:lumMod val="85000"/>
+                    <a:lumOff val="15000"/>
+                  </a:schemeClr>
+                </a:solidFill>
+                <a:latin typeface="Arial Unicode MS"/>
+              </a:rPr>
+              <a:t>/usr : program and library </a:t>
+            </a:r>
+            <a:r>
+              <a:rPr kumimoji="0" lang="" altLang="en-US" dirty="0">
+                <a:solidFill>
+                  <a:schemeClr val="tx1">
+                    <a:lumMod val="85000"/>
+                    <a:lumOff val="15000"/>
+                  </a:schemeClr>
+                </a:solidFill>
+                <a:latin typeface="Arial Unicode MS"/>
+              </a:rPr>
+              <a:t>for</a:t>
+            </a:r>
+            <a:r>
+              <a:rPr kumimoji="0" lang="en-US" altLang="en-US" dirty="0">
+                <a:solidFill>
+                  <a:schemeClr val="tx1">
+                    <a:lumMod val="85000"/>
+                    <a:lumOff val="15000"/>
+                  </a:schemeClr>
+                </a:solidFill>
+                <a:latin typeface="Arial Unicode MS"/>
+              </a:rPr>
+              <a:t> </a:t>
+            </a:r>
+            <a:r>
+              <a:rPr kumimoji="0" lang="en-US" altLang="en-US" u="sng" dirty="0">
+                <a:solidFill>
+                  <a:schemeClr val="tx1">
+                    <a:lumMod val="85000"/>
+                    <a:lumOff val="15000"/>
+                  </a:schemeClr>
+                </a:solidFill>
+                <a:latin typeface="Arial Unicode MS"/>
+              </a:rPr>
+              <a:t>each user</a:t>
+            </a:r>
+            <a:r>
+              <a:rPr kumimoji="0" lang="" altLang="en-US" dirty="0">
+                <a:solidFill>
+                  <a:schemeClr val="tx1">
+                    <a:lumMod val="85000"/>
+                    <a:lumOff val="15000"/>
+                  </a:schemeClr>
+                </a:solidFill>
+                <a:latin typeface="Arial Unicode MS"/>
+              </a:rPr>
+              <a:t>.</a:t>
+            </a:r>
+            <a:r>
+              <a:rPr kumimoji="0" lang="en-US" altLang="en-US" dirty="0">
+                <a:solidFill>
+                  <a:schemeClr val="tx1">
+                    <a:lumMod val="85000"/>
+                    <a:lumOff val="15000"/>
+                  </a:schemeClr>
+                </a:solidFill>
+                <a:latin typeface="Arial Unicode MS"/>
+              </a:rPr>
+              <a:t> </a:t>
+            </a:r>
+            <a:endParaRPr kumimoji="0" lang="en-US" altLang="en-US" dirty="0">
+              <a:solidFill>
+                <a:schemeClr val="tx1">
+                  <a:lumMod val="85000"/>
+                  <a:lumOff val="15000"/>
+                </a:schemeClr>
+              </a:solidFill>
+              <a:latin typeface="Arial Unicode MS"/>
+            </a:endParaRPr>
+          </a:p>
+          <a:p>
+            <a:r>
+              <a:rPr kumimoji="0" lang="en-US" altLang="en-US" dirty="0">
+                <a:solidFill>
+                  <a:schemeClr val="tx1">
+                    <a:lumMod val="85000"/>
+                    <a:lumOff val="15000"/>
+                  </a:schemeClr>
+                </a:solidFill>
+                <a:latin typeface="Arial Unicode MS"/>
+              </a:rPr>
+              <a:t> | /bin :  Basic command </a:t>
+            </a:r>
+            <a:r>
+              <a:rPr kumimoji="0" lang="" altLang="en-US" dirty="0">
+                <a:solidFill>
+                  <a:schemeClr val="tx1">
+                    <a:lumMod val="85000"/>
+                    <a:lumOff val="15000"/>
+                  </a:schemeClr>
+                </a:solidFill>
+                <a:latin typeface="Arial Unicode MS"/>
+              </a:rPr>
+              <a:t>for each </a:t>
+            </a:r>
+            <a:r>
+              <a:rPr kumimoji="0" lang="en-US" altLang="en-US" dirty="0">
+                <a:solidFill>
+                  <a:schemeClr val="tx1">
+                    <a:lumMod val="85000"/>
+                    <a:lumOff val="15000"/>
+                  </a:schemeClr>
+                </a:solidFill>
+                <a:latin typeface="Arial Unicode MS"/>
+              </a:rPr>
+              <a:t>user.</a:t>
+            </a:r>
+            <a:endParaRPr kumimoji="0" lang="en-US" altLang="en-US" dirty="0">
+              <a:solidFill>
+                <a:schemeClr val="tx1">
+                  <a:lumMod val="85000"/>
+                  <a:lumOff val="15000"/>
+                </a:schemeClr>
+              </a:solidFill>
+              <a:latin typeface="Arial Unicode MS"/>
+            </a:endParaRPr>
+          </a:p>
+          <a:p>
+            <a:r>
+              <a:rPr kumimoji="0" lang="en-US" altLang="en-US" dirty="0">
+                <a:solidFill>
+                  <a:schemeClr val="tx1">
+                    <a:lumMod val="85000"/>
+                    <a:lumOff val="15000"/>
+                  </a:schemeClr>
+                </a:solidFill>
+                <a:latin typeface="Arial Unicode MS"/>
+              </a:rPr>
+              <a:t> | /usr/local: </a:t>
+            </a:r>
+            <a:endParaRPr kumimoji="0" lang="en-US" altLang="en-US" dirty="0">
+              <a:solidFill>
+                <a:schemeClr val="tx1">
+                  <a:lumMod val="85000"/>
+                  <a:lumOff val="15000"/>
+                </a:schemeClr>
+              </a:solidFill>
+              <a:latin typeface="Arial Unicode MS"/>
+            </a:endParaRPr>
+          </a:p>
+          <a:p>
+            <a:r>
+              <a:rPr kumimoji="0" lang="en-US" altLang="en-US" dirty="0">
+                <a:solidFill>
+                  <a:schemeClr val="tx1">
+                    <a:lumMod val="85000"/>
+                    <a:lumOff val="15000"/>
+                  </a:schemeClr>
+                </a:solidFill>
+                <a:latin typeface="Arial Unicode MS"/>
+              </a:rPr>
+              <a:t> | /usr/local/bin/</a:t>
+            </a:r>
+            <a:endParaRPr kumimoji="0" lang="en-US" altLang="en-US" dirty="0">
+              <a:solidFill>
+                <a:schemeClr val="tx1">
+                  <a:lumMod val="85000"/>
+                  <a:lumOff val="15000"/>
+                </a:schemeClr>
+              </a:solidFill>
+              <a:latin typeface="Arial Unicode MS"/>
+            </a:endParaRPr>
+          </a:p>
+          <a:p>
+            <a:r>
+              <a:rPr kumimoji="0" lang="en-US" altLang="en-US" dirty="0">
+                <a:solidFill>
+                  <a:schemeClr val="tx1">
+                    <a:lumMod val="85000"/>
+                    <a:lumOff val="15000"/>
+                  </a:schemeClr>
+                </a:solidFill>
+                <a:latin typeface="Arial Unicode MS"/>
+              </a:rPr>
+              <a:t> | /usr/local/etc/ </a:t>
+            </a:r>
+            <a:endParaRPr kumimoji="0" lang="en-US" altLang="en-US" dirty="0">
+              <a:solidFill>
+                <a:schemeClr val="tx1">
+                  <a:lumMod val="85000"/>
+                  <a:lumOff val="15000"/>
+                </a:schemeClr>
+              </a:solidFill>
+              <a:latin typeface="Arial Unicode MS"/>
+            </a:endParaRPr>
+          </a:p>
+          <a:p>
+            <a:endParaRPr kumimoji="0" lang="en-US" altLang="en-US" dirty="0">
+              <a:solidFill>
+                <a:schemeClr val="tx1">
+                  <a:lumMod val="85000"/>
+                  <a:lumOff val="15000"/>
+                </a:schemeClr>
+              </a:solidFill>
+              <a:latin typeface="Arial Unicode MS"/>
+            </a:endParaRPr>
+          </a:p>
+          <a:p>
+            <a:endParaRPr kumimoji="0" lang="en-US" altLang="en-US" dirty="0">
+              <a:solidFill>
+                <a:schemeClr val="tx1">
+                  <a:lumMod val="85000"/>
+                  <a:lumOff val="15000"/>
+                </a:schemeClr>
+              </a:solidFill>
+              <a:latin typeface="Arial Unicode MS"/>
+            </a:endParaRPr>
+          </a:p>
+          <a:p>
+            <a:r>
+              <a:rPr kumimoji="0" lang="en-US" altLang="en-US" dirty="0">
+                <a:solidFill>
+                  <a:schemeClr val="tx1">
+                    <a:lumMod val="85000"/>
+                    <a:lumOff val="15000"/>
+                  </a:schemeClr>
+                </a:solidFill>
+                <a:latin typeface="Arial Unicode MS"/>
+              </a:rPr>
+              <a:t> /var  :  tempolatory files as a log file.</a:t>
+            </a:r>
+            <a:endParaRPr kumimoji="0" lang="en-US" altLang="en-US" dirty="0">
+              <a:solidFill>
+                <a:schemeClr val="tx1">
+                  <a:lumMod val="85000"/>
+                  <a:lumOff val="15000"/>
+                </a:schemeClr>
+              </a:solidFill>
+              <a:latin typeface="Arial Unicode MS"/>
+            </a:endParaRPr>
+          </a:p>
+          <a:p>
+            <a:r>
+              <a:rPr kumimoji="0" lang="en-US" altLang="en-US" dirty="0">
+                <a:solidFill>
+                  <a:schemeClr val="tx1">
+                    <a:lumMod val="85000"/>
+                    <a:lumOff val="15000"/>
+                  </a:schemeClr>
+                </a:solidFill>
+                <a:latin typeface="Arial Unicode MS"/>
+              </a:rPr>
+              <a:t> /var/log : </a:t>
+            </a:r>
+            <a:r>
+              <a:rPr kumimoji="0" lang="" altLang="en-US" dirty="0">
+                <a:solidFill>
+                  <a:schemeClr val="tx1">
+                    <a:lumMod val="85000"/>
+                    <a:lumOff val="15000"/>
+                  </a:schemeClr>
+                </a:solidFill>
+                <a:latin typeface="Arial Unicode MS"/>
+              </a:rPr>
+              <a:t>Tempolatory logs.</a:t>
+            </a:r>
+            <a:r>
+              <a:rPr kumimoji="0" lang="en-US" altLang="en-US" dirty="0">
+                <a:solidFill>
+                  <a:schemeClr val="tx1">
+                    <a:lumMod val="85000"/>
+                    <a:lumOff val="15000"/>
+                  </a:schemeClr>
+                </a:solidFill>
+                <a:latin typeface="Arial Unicode MS"/>
+              </a:rPr>
+              <a:t> </a:t>
+            </a:r>
+            <a:endParaRPr kumimoji="0" lang="en-US" altLang="en-US" dirty="0">
+              <a:solidFill>
+                <a:schemeClr val="tx1">
+                  <a:lumMod val="85000"/>
+                  <a:lumOff val="15000"/>
+                </a:schemeClr>
+              </a:solidFill>
+              <a:latin typeface="Arial Unicode MS"/>
+            </a:endParaRPr>
+          </a:p>
+          <a:p>
+            <a:endParaRPr kumimoji="0" lang="en-US" altLang="en-US" dirty="0">
+              <a:solidFill>
+                <a:schemeClr val="tx1">
+                  <a:lumMod val="85000"/>
+                  <a:lumOff val="15000"/>
+                </a:schemeClr>
+              </a:solidFill>
+              <a:latin typeface="Arial Unicode MS"/>
+            </a:endParaRPr>
+          </a:p>
+          <a:p>
+            <a:r>
+              <a:rPr kumimoji="0" lang="en-US" altLang="en-US" dirty="0">
+                <a:solidFill>
+                  <a:schemeClr val="tx1">
+                    <a:lumMod val="85000"/>
+                    <a:lumOff val="15000"/>
+                  </a:schemeClr>
+                </a:solidFill>
+                <a:latin typeface="Arial Unicode MS"/>
+              </a:rPr>
+              <a:t> /lib, /usr/local/lib: be placed files    </a:t>
+            </a:r>
+            <a:endParaRPr kumimoji="0" lang="en-US" altLang="en-US" dirty="0">
+              <a:solidFill>
+                <a:schemeClr val="tx1">
+                  <a:lumMod val="85000"/>
+                  <a:lumOff val="15000"/>
+                </a:schemeClr>
+              </a:solidFill>
+              <a:latin typeface="Arial Unicode MS"/>
+            </a:endParaRPr>
+          </a:p>
+          <a:p>
+            <a:r>
+              <a:rPr kumimoji="0" lang="en-US" altLang="en-US" dirty="0">
+                <a:solidFill>
+                  <a:schemeClr val="tx1">
+                    <a:lumMod val="85000"/>
+                    <a:lumOff val="15000"/>
+                  </a:schemeClr>
+                </a:solidFill>
+                <a:latin typeface="Arial Unicode MS"/>
+              </a:rPr>
+              <a:t>  required when user exec some   </a:t>
+            </a:r>
+            <a:endParaRPr kumimoji="0" lang="en-US" altLang="en-US" dirty="0">
+              <a:solidFill>
+                <a:schemeClr val="tx1">
+                  <a:lumMod val="85000"/>
+                  <a:lumOff val="15000"/>
+                </a:schemeClr>
+              </a:solidFill>
+              <a:latin typeface="Arial Unicode MS"/>
+            </a:endParaRPr>
+          </a:p>
+          <a:p>
+            <a:r>
+              <a:rPr kumimoji="0" lang="en-US" altLang="en-US" dirty="0">
+                <a:solidFill>
+                  <a:schemeClr val="tx1">
+                    <a:lumMod val="85000"/>
+                    <a:lumOff val="15000"/>
+                  </a:schemeClr>
+                </a:solidFill>
+                <a:latin typeface="Arial Unicode MS"/>
+              </a:rPr>
+              <a:t>  commands.</a:t>
+            </a:r>
+            <a:endParaRPr kumimoji="0" lang="en-US" altLang="en-US" dirty="0">
+              <a:solidFill>
+                <a:schemeClr val="tx1">
+                  <a:lumMod val="85000"/>
+                  <a:lumOff val="15000"/>
+                </a:schemeClr>
+              </a:solidFill>
+              <a:latin typeface="Arial Unicode MS"/>
+            </a:endParaRPr>
+          </a:p>
+          <a:p>
+            <a:r>
+              <a:rPr lang="en-US" altLang="en-US" dirty="0">
+                <a:solidFill>
+                  <a:schemeClr val="tx1">
+                    <a:lumMod val="85000"/>
+                    <a:lumOff val="15000"/>
+                  </a:schemeClr>
+                </a:solidFill>
+                <a:latin typeface="Arial Unicode MS"/>
+                <a:sym typeface="+mn-ea"/>
+              </a:rPr>
+              <a:t>/tmp :   </a:t>
+            </a:r>
+            <a:endParaRPr kumimoji="0" lang="en-US" altLang="en-US" dirty="0">
+              <a:solidFill>
+                <a:schemeClr val="tx1">
+                  <a:lumMod val="85000"/>
+                  <a:lumOff val="15000"/>
+                </a:schemeClr>
+              </a:solidFill>
+              <a:latin typeface="Arial Unicode MS"/>
+            </a:endParaRPr>
+          </a:p>
+          <a:p>
+            <a:r>
+              <a:rPr lang="en-US" altLang="en-US" dirty="0">
+                <a:solidFill>
+                  <a:schemeClr val="tx1">
+                    <a:lumMod val="85000"/>
+                    <a:lumOff val="15000"/>
+                  </a:schemeClr>
+                </a:solidFill>
+                <a:latin typeface="Arial Unicode MS"/>
+                <a:sym typeface="+mn-ea"/>
+              </a:rPr>
+              <a:t> /sbin: </a:t>
+            </a:r>
+            <a:endParaRPr kumimoji="0" lang="en-US" altLang="en-US" dirty="0">
+              <a:solidFill>
+                <a:schemeClr val="tx1">
+                  <a:lumMod val="85000"/>
+                  <a:lumOff val="15000"/>
+                </a:schemeClr>
+              </a:solidFill>
+              <a:latin typeface="Arial Unicode MS"/>
+              <a:sym typeface="+mn-ea"/>
+            </a:endParaRPr>
+          </a:p>
+        </p:txBody>
+      </p:sp>
+      <p:sp>
+        <p:nvSpPr>
+          <p:cNvPr id="2" name="テキスト ボックス 102"/>
+          <p:cNvSpPr txBox="1"/>
+          <p:nvPr/>
+        </p:nvSpPr>
+        <p:spPr>
+          <a:xfrm flipH="1">
+            <a:off x="820420" y="760095"/>
+            <a:ext cx="5468620" cy="5754370"/>
+          </a:xfrm>
+          <a:prstGeom prst="rect">
+            <a:avLst/>
+          </a:prstGeom>
+          <a:noFill/>
         </p:spPr>
         <p:txBody>
           <a:bodyPr wrap="square" rtlCol="0">
@@ -8335,7 +9547,7 @@
           </a:bodyPr>
           <a:p>
             <a:r>
-              <a:rPr lang="" altLang="ja-JP" sz="1600" dirty="0"/>
+              <a:rPr lang="en-US" altLang="ja-JP" sz="1600" dirty="0"/>
               <a:t>  	       </a:t>
             </a:r>
             <a:r>
@@ -8346,231 +9558,291 @@
           </a:p>
           <a:p>
             <a:r>
+              <a:rPr lang="en-US" altLang="en-US" sz="1600" dirty="0">
+                <a:sym typeface="+mn-ea"/>
+              </a:rPr>
+              <a:t>etc/	</a:t>
+            </a:r>
+            <a:endParaRPr lang="en-US" altLang="en-US" sz="1600" dirty="0"/>
+          </a:p>
+          <a:p>
+            <a:r>
+              <a:rPr lang="en-US" altLang="en-US" sz="1600" dirty="0">
+                <a:sym typeface="+mn-ea"/>
+              </a:rPr>
+              <a:t>  |-fossology.conf		Fossology</a:t>
+            </a:r>
+            <a:endParaRPr lang="en-US" altLang="ja-JP" sz="1600" dirty="0"/>
+          </a:p>
+          <a:p>
+            <a:r>
+              <a:rPr lang="en-US" altLang="ja-JP" sz="1600" dirty="0"/>
+              <a:t>  </a:t>
+            </a:r>
+            <a:r>
+              <a:rPr lang="" altLang="en-US" sz="1600" dirty="0"/>
+              <a:t>|-</a:t>
+            </a:r>
+            <a:r>
               <a:rPr lang="en-US" altLang="ja-JP" sz="1600" dirty="0" err="1">
+                <a:sym typeface="+mn-ea"/>
+              </a:rPr>
+              <a:t>init.d</a:t>
+            </a:r>
+            <a:r>
+              <a:rPr lang="en-US" altLang="en-US" sz="1600" dirty="0" err="1">
+                <a:sym typeface="+mn-ea"/>
+              </a:rPr>
+              <a:t>/</a:t>
+            </a:r>
+            <a:r>
+              <a:rPr lang="" altLang="en-US" sz="1600" dirty="0" err="1">
+                <a:sym typeface="+mn-ea"/>
+              </a:rPr>
+              <a:t>			</a:t>
+            </a:r>
+            <a:r>
+              <a:rPr lang="en-US" altLang="ja-JP" sz="1600" dirty="0">
+                <a:sym typeface="+mn-ea"/>
+              </a:rPr>
+              <a:t>                                 </a:t>
+            </a:r>
+            <a:endParaRPr lang="en-US" altLang="ja-JP" sz="1600" dirty="0"/>
+          </a:p>
+          <a:p>
+            <a:r>
+              <a:rPr lang="en-US" altLang="ja-JP" sz="1600" dirty="0"/>
+              <a:t>    |-</a:t>
+            </a:r>
+            <a:r>
+              <a:rPr lang="en-US" altLang="ja-JP" sz="1600" dirty="0" err="1"/>
+              <a:t>postgresql.service</a:t>
+            </a:r>
+            <a:r>
+              <a:rPr lang="en-US" altLang="ja-JP" sz="1600" dirty="0"/>
+              <a:t>           </a:t>
+            </a:r>
+            <a:r>
+              <a:rPr lang="en-US" altLang="en-US" sz="1600" dirty="0"/>
+              <a:t>PostgreSql</a:t>
+            </a:r>
+            <a:r>
+              <a:rPr lang="en-US" altLang="ja-JP" sz="1600" dirty="0"/>
+              <a:t>  </a:t>
+            </a:r>
+            <a:endParaRPr lang="en-US" altLang="ja-JP" sz="1600" dirty="0"/>
+          </a:p>
+          <a:p>
+            <a:r>
+              <a:rPr lang="en-US" altLang="ja-JP" sz="1600" dirty="0"/>
+              <a:t>    |-</a:t>
+            </a:r>
+            <a:r>
+              <a:rPr lang="en-US" altLang="ja-JP" sz="1600" dirty="0" err="1"/>
+              <a:t>couchdb.service             </a:t>
+            </a:r>
+            <a:r>
+              <a:rPr lang="en-US" altLang="en-US" sz="1600" dirty="0" err="1"/>
+              <a:t>CouchDB</a:t>
+            </a:r>
+            <a:endParaRPr lang="en-US" altLang="ja-JP" sz="1600" dirty="0" err="1"/>
+          </a:p>
+          <a:p>
+            <a:r>
+              <a:rPr lang="en-US" altLang="en-US" sz="1600" dirty="0"/>
+              <a:t>    |-fossology.service            Fossology</a:t>
+            </a:r>
+            <a:endParaRPr lang="en-US" altLang="ja-JP" sz="1600" dirty="0"/>
+          </a:p>
+          <a:p>
+            <a:r>
+              <a:rPr lang="en-US" altLang="en-US" sz="1600" dirty="0"/>
+              <a:t>    |-apache2.                        Apache2</a:t>
+            </a:r>
+            <a:endParaRPr lang="en-US" altLang="ja-JP" sz="1600" dirty="0"/>
+          </a:p>
+          <a:p>
+            <a:r>
+              <a:rPr lang="en-US" altLang="en-US" sz="1600" dirty="0"/>
+              <a:t>usr/local/</a:t>
+            </a:r>
+            <a:endParaRPr lang="en-US" altLang="en-US" sz="1600" dirty="0"/>
+          </a:p>
+          <a:p>
+            <a:r>
+              <a:rPr lang="en-US" altLang="en-US" sz="1600" dirty="0"/>
+              <a:t>  |-etc/</a:t>
+            </a:r>
+            <a:endParaRPr lang="en-US" altLang="en-US" sz="1600" dirty="0"/>
+          </a:p>
+          <a:p>
+            <a:r>
+              <a:rPr lang="en-US" altLang="en-US" sz="1600" dirty="0">
                 <a:solidFill>
                   <a:schemeClr val="tx1"/>
                 </a:solidFill>
               </a:rPr>
-              <a:t>etc</a:t>
-            </a:r>
-            <a:r>
-              <a:rPr lang="en-US" altLang="ja-JP" sz="1600" dirty="0">
+              <a:t>    |-couchdb                     Couchdb</a:t>
+            </a:r>
+            <a:endParaRPr lang="en-US" altLang="en-US" sz="1600" dirty="0"/>
+          </a:p>
+          <a:p>
+            <a:r>
+              <a:rPr lang="en-US" altLang="en-US" sz="1600" dirty="0"/>
+              <a:t>    |-init.d/couchdb            Couchdb</a:t>
+            </a:r>
+            <a:endParaRPr lang="en-US" altLang="en-US" sz="1600" dirty="0"/>
+          </a:p>
+          <a:p>
+            <a:r>
+              <a:rPr lang="en-US" altLang="en-US" sz="1600" dirty="0"/>
+              <a:t>  |-bin/</a:t>
+            </a:r>
+            <a:endParaRPr lang="en-US" altLang="en-US" sz="1600" dirty="0"/>
+          </a:p>
+          <a:p>
+            <a:r>
+              <a:rPr lang="en-US" altLang="en-US" sz="1600" dirty="0"/>
+              <a:t>    |-composer                   Composer(php tool)</a:t>
+            </a:r>
+            <a:endParaRPr lang="en-US" altLang="en-US" sz="1600" dirty="0"/>
+          </a:p>
+          <a:p>
+            <a:r>
+              <a:rPr lang="en-US" altLang="en-US" sz="1600" dirty="0">
+                <a:sym typeface="+mn-ea"/>
+              </a:rPr>
+              <a:t>    |-thrift                           Thrift</a:t>
+            </a:r>
+            <a:endParaRPr lang="en-US" altLang="en-US" sz="1600" dirty="0">
+              <a:solidFill>
+                <a:schemeClr val="tx1"/>
+              </a:solidFill>
+            </a:endParaRPr>
+          </a:p>
+          <a:p>
+            <a:r>
+              <a:rPr lang="en-US" altLang="en-US" sz="1600" dirty="0">
                 <a:solidFill>
                   <a:schemeClr val="tx1"/>
                 </a:solidFill>
               </a:rPr>
-              <a:t>/</a:t>
-            </a:r>
-            <a:r>
-              <a:rPr lang="en-US" altLang="ja-JP" sz="1600" dirty="0" err="1">
+              <a:t>  </a:t>
+            </a:r>
+            <a:r>
+              <a:rPr lang="" altLang="en-US" sz="1600" dirty="0">
                 <a:solidFill>
                   <a:schemeClr val="tx1"/>
                 </a:solidFill>
               </a:rPr>
-              <a:t>init.d</a:t>
-            </a:r>
-            <a:r>
-              <a:rPr lang="en-US" altLang="en-US" sz="1600" dirty="0" err="1">
+              <a:t>|-sbin/</a:t>
+            </a:r>
+            <a:endParaRPr lang="" altLang="en-US" sz="1600" dirty="0">
+              <a:solidFill>
+                <a:schemeClr val="tx1"/>
+              </a:solidFill>
+            </a:endParaRPr>
+          </a:p>
+          <a:p>
+            <a:r>
+              <a:rPr lang="" altLang="en-US" sz="1600" dirty="0">
                 <a:solidFill>
                   <a:schemeClr val="tx1"/>
                 </a:solidFill>
               </a:rPr>
-              <a:t>/</a:t>
-            </a:r>
-            <a:r>
-              <a:rPr lang="en-US" altLang="ja-JP" sz="1600" dirty="0"/>
-              <a:t>	 </a:t>
-            </a:r>
-            <a:r>
-              <a:rPr lang="en-US" altLang="en-US" sz="1600" dirty="0"/>
-              <a:t>(deamon)</a:t>
-            </a:r>
-            <a:r>
-              <a:rPr lang="en-US" altLang="ja-JP" sz="1600" dirty="0"/>
-              <a:t>                                   </a:t>
-            </a:r>
-            <a:endParaRPr lang="en-US" altLang="ja-JP" sz="1600" dirty="0"/>
-          </a:p>
-          <a:p>
-            <a:r>
-              <a:rPr lang="en-US" altLang="ja-JP" sz="1600" dirty="0"/>
-              <a:t>|-</a:t>
-            </a:r>
-            <a:r>
-              <a:rPr lang="en-US" altLang="ja-JP" sz="1600" dirty="0" err="1"/>
-              <a:t>postgresql.service</a:t>
-            </a:r>
-            <a:r>
-              <a:rPr lang="en-US" altLang="ja-JP" sz="1600" dirty="0"/>
-              <a:t>           </a:t>
-            </a:r>
-            <a:r>
-              <a:rPr lang="en-US" altLang="en-US" sz="1600" dirty="0"/>
-              <a:t>PostgreSql</a:t>
-            </a:r>
-            <a:r>
-              <a:rPr lang="en-US" altLang="ja-JP" sz="1600" dirty="0"/>
-              <a:t>  </a:t>
-            </a:r>
-            <a:endParaRPr lang="en-US" altLang="ja-JP" sz="1600" dirty="0"/>
-          </a:p>
-          <a:p>
-            <a:r>
-              <a:rPr lang="en-US" altLang="ja-JP" sz="1600" dirty="0"/>
-              <a:t>|-</a:t>
-            </a:r>
-            <a:r>
-              <a:rPr lang="en-US" altLang="ja-JP" sz="1600" dirty="0" err="1"/>
-              <a:t>couchdb.service             </a:t>
-            </a:r>
-            <a:r>
-              <a:rPr lang="en-US" altLang="en-US" sz="1600" dirty="0" err="1"/>
-              <a:t>CouchDB</a:t>
-            </a:r>
-            <a:endParaRPr lang="en-US" altLang="ja-JP" sz="1600" dirty="0" err="1"/>
-          </a:p>
-          <a:p>
-            <a:r>
-              <a:rPr lang="en-US" altLang="en-US" sz="1600" dirty="0"/>
-              <a:t>|-fossology.service            Fossology</a:t>
-            </a:r>
-            <a:endParaRPr lang="en-US" altLang="ja-JP" sz="1600" dirty="0"/>
-          </a:p>
-          <a:p>
-            <a:r>
-              <a:rPr lang="en-US" altLang="en-US" sz="1600" dirty="0"/>
-              <a:t>|-apache2.                        Apache2</a:t>
-            </a:r>
-            <a:endParaRPr lang="en-US" altLang="ja-JP" sz="1600" dirty="0"/>
-          </a:p>
-          <a:p>
-            <a:endParaRPr lang="en-US" altLang="ja-JP" sz="1600" dirty="0"/>
-          </a:p>
-          <a:p>
-            <a:r>
-              <a:rPr lang="en-US" altLang="en-US" sz="1600" dirty="0"/>
-              <a:t>etc/</a:t>
-            </a:r>
-            <a:endParaRPr lang="en-US" altLang="en-US" sz="1600" dirty="0"/>
-          </a:p>
-          <a:p>
-            <a:r>
-              <a:rPr lang="en-US" altLang="en-US" sz="1600" dirty="0"/>
-              <a:t>  |-fossology</a:t>
-            </a:r>
-            <a:endParaRPr lang="en-US" altLang="en-US" sz="1600" dirty="0"/>
-          </a:p>
-          <a:p>
-            <a:r>
-              <a:rPr lang="en-US" altLang="en-US" sz="1600" dirty="0"/>
-              <a:t>  |-fossology.conf</a:t>
-            </a:r>
-            <a:endParaRPr lang="en-US" altLang="ja-JP" sz="1600" dirty="0"/>
-          </a:p>
-          <a:p>
-            <a:endParaRPr lang="en-US" altLang="en-US" sz="1600" dirty="0"/>
-          </a:p>
-          <a:p>
-            <a:r>
-              <a:rPr lang="en-US" altLang="en-US" sz="1600" dirty="0"/>
-              <a:t>usr/local/</a:t>
-            </a:r>
-            <a:endParaRPr lang="en-US" altLang="en-US" sz="1600" dirty="0"/>
-          </a:p>
-          <a:p>
-            <a:r>
-              <a:rPr lang="en-US" altLang="en-US" sz="1600" dirty="0"/>
-              <a:t>  |-etc/</a:t>
-            </a:r>
-            <a:endParaRPr lang="en-US" altLang="en-US" sz="1600" dirty="0"/>
-          </a:p>
-          <a:p>
-            <a:r>
-              <a:rPr lang="en-US" altLang="en-US" sz="1600" dirty="0">
-                <a:solidFill>
-                  <a:schemeClr val="tx1">
-                    <a:lumMod val="65000"/>
-                    <a:lumOff val="35000"/>
-                  </a:schemeClr>
-                </a:solidFill>
-              </a:rPr>
-              <a:t>    |-couchdb                     Couchdb</a:t>
+              <a:t>    |-apachectl	 	Apache2</a:t>
             </a:r>
             <a:endParaRPr lang="en-US" altLang="en-US" sz="1600" dirty="0">
               <a:solidFill>
-                <a:schemeClr val="tx1">
-                  <a:lumMod val="65000"/>
-                  <a:lumOff val="35000"/>
-                </a:schemeClr>
+                <a:schemeClr val="tx1"/>
               </a:solidFill>
             </a:endParaRPr>
           </a:p>
           <a:p>
             <a:r>
-              <a:rPr lang="en-US" altLang="en-US" sz="1600" dirty="0">
+              <a:rPr lang="" altLang="en-US" sz="1600" dirty="0">
                 <a:solidFill>
-                  <a:schemeClr val="tx1">
-                    <a:lumMod val="65000"/>
-                    <a:lumOff val="35000"/>
-                  </a:schemeClr>
+                  <a:schemeClr val="tx1"/>
                 </a:solidFill>
               </a:rPr>
-              <a:t>    |-fossology/Db.conf      Fossology</a:t>
+              <a:t>  </a:t>
+            </a:r>
+            <a:endParaRPr lang="" altLang="en-US" sz="1600" dirty="0">
+              <a:solidFill>
+                <a:schemeClr val="tx1"/>
+              </a:solidFill>
+            </a:endParaRPr>
+          </a:p>
+          <a:p>
+            <a:r>
+              <a:rPr lang="" altLang="en-US" sz="1600" dirty="0">
+                <a:solidFill>
+                  <a:schemeClr val="tx1"/>
+                </a:solidFill>
+              </a:rPr>
+              <a:t>       ----  sw360=tomcat=liferay  ---</a:t>
+            </a:r>
+            <a:endParaRPr lang="en-US" altLang="en-US" sz="1600" dirty="0">
+              <a:solidFill>
+                <a:schemeClr val="tx1"/>
+              </a:solidFill>
+            </a:endParaRPr>
+          </a:p>
+          <a:p>
+            <a:r>
+              <a:rPr lang="" altLang="en-US" sz="1600" dirty="0"/>
+              <a:t>~/</a:t>
+            </a:r>
+            <a:r>
+              <a:rPr lang="en-US" altLang="en-US" sz="1600" dirty="0"/>
+              <a:t>liferay-portal-</a:t>
+            </a:r>
+            <a:r>
+              <a:rPr lang="" altLang="en-US" sz="1600" dirty="0"/>
+              <a:t>{your version}</a:t>
+            </a:r>
+            <a:r>
+              <a:rPr lang="en-US" altLang="en-US" sz="1600" dirty="0"/>
+              <a:t>/</a:t>
+            </a:r>
+            <a:r>
+              <a:rPr lang="" altLang="en-US" sz="1600" dirty="0"/>
+              <a:t>	</a:t>
             </a:r>
             <a:endParaRPr lang="en-US" altLang="en-US" sz="1600" dirty="0"/>
           </a:p>
           <a:p>
             <a:r>
               <a:rPr lang="en-US" altLang="en-US" sz="1600" dirty="0"/>
-              <a:t>    |-init.d/couchdb            Couchdb</a:t>
-            </a:r>
-            <a:endParaRPr lang="en-US" altLang="en-US" sz="1600" dirty="0"/>
-          </a:p>
-          <a:p>
+              <a:t>  </a:t>
+            </a:r>
+            <a:r>
+              <a:rPr lang="" altLang="en-US" sz="1600" dirty="0"/>
+              <a:t>|-</a:t>
+            </a:r>
             <a:r>
               <a:rPr lang="en-US" altLang="en-US" sz="1600" dirty="0"/>
-              <a:t>  |-bin/</a:t>
-            </a:r>
-            <a:endParaRPr lang="en-US" altLang="en-US" sz="1600" dirty="0"/>
-          </a:p>
-          <a:p>
-            <a:r>
-              <a:rPr lang="en-US" altLang="en-US" sz="1600" dirty="0"/>
-              <a:t>    |-composer                   Composer(php tool)</a:t>
-            </a:r>
-            <a:endParaRPr lang="en-US" altLang="en-US" sz="1600" dirty="0"/>
-          </a:p>
-          <a:p>
-            <a:r>
-              <a:rPr lang="en-US" altLang="en-US" sz="1600" dirty="0">
-                <a:sym typeface="+mn-ea"/>
-              </a:rPr>
-              <a:t>    |-thrift                           Thrift</a:t>
-            </a:r>
-            <a:endParaRPr lang="en-US" altLang="en-US" sz="1600" dirty="0"/>
-          </a:p>
-          <a:p>
-            <a:r>
-              <a:rPr lang="en-US" altLang="en-US" sz="1600" dirty="0">
-                <a:solidFill>
-                  <a:schemeClr val="tx1">
-                    <a:lumMod val="65000"/>
-                    <a:lumOff val="35000"/>
-                  </a:schemeClr>
-                </a:solidFill>
-              </a:rPr>
-              <a:t>    |-couchcb                     Couchdb</a:t>
-            </a:r>
-            <a:endParaRPr lang="en-US" altLang="en-US" sz="1600" dirty="0"/>
-          </a:p>
-          <a:p>
-            <a:endParaRPr lang="en-US" altLang="ja-JP" sz="1600" dirty="0"/>
-          </a:p>
-          <a:p>
-            <a:endParaRPr lang="en-US" altLang="en-US" sz="1600" dirty="0"/>
-          </a:p>
-          <a:p>
-            <a:endParaRPr lang="en-US" altLang="en-US" sz="1600" dirty="0"/>
+              <a:t>tomcat-</a:t>
+            </a:r>
+            <a:r>
+              <a:rPr lang="" altLang="en-US" sz="1600" dirty="0"/>
+              <a:t>{your version]	</a:t>
+            </a:r>
+            <a:endParaRPr lang="" altLang="en-US" sz="1600" dirty="0"/>
+          </a:p>
+          <a:p>
+            <a:r>
+              <a:rPr lang="" altLang="en-US" sz="1600" dirty="0"/>
+              <a:t>    |-bin/ 			</a:t>
+            </a:r>
+            <a:endParaRPr lang="" altLang="en-US" sz="1600" dirty="0"/>
+          </a:p>
+          <a:p>
+            <a:r>
+              <a:rPr lang="" altLang="en-US" sz="1600" dirty="0"/>
+              <a:t>    |-conf/</a:t>
+            </a:r>
+            <a:endParaRPr lang="" altLang="en-US" sz="1600" dirty="0"/>
           </a:p>
         </p:txBody>
       </p:sp>
@@ -8584,7 +9856,12 @@
             <p:ph type="sldNum" sz="quarter" idx="12"/>
           </p:nvPr>
         </p:nvSpPr>
-        <p:spPr/>
+        <p:spPr>
+          <a:xfrm>
+            <a:off x="9153525" y="6514465"/>
+            <a:ext cx="2743200" cy="365125"/>
+          </a:xfrm>
+        </p:spPr>
         <p:txBody>
           <a:bodyPr/>
           <a:p>
@@ -8624,18 +9901,9 @@
                 </a:solidFill>
                 <a:sym typeface="+mn-ea"/>
               </a:rPr>
-              <a:t>Major maked folder </a:t>
-            </a:r>
-            <a:r>
-              <a:rPr lang="" altLang="en-US" sz="2400" dirty="0">
-                <a:solidFill>
-                  <a:srgbClr val="00B0F0"/>
-                </a:solidFill>
-                <a:sym typeface="+mn-ea"/>
-              </a:rPr>
-              <a:t>And Linux File construdtion.</a:t>
-            </a:r>
-            <a:endParaRPr lang="" altLang="en-US" sz="2400" dirty="0">
+              <a:t>Major maked folder And Linux File construdtion.</a:t>
+            </a:r>
+            <a:endParaRPr lang="en-US" altLang="en-US" sz="2400" dirty="0">
               <a:solidFill>
                 <a:srgbClr val="00B0F0"/>
               </a:solidFill>
@@ -8646,391 +9914,89 @@
       </p:sp>
       <p:sp>
         <p:nvSpPr>
-          <p:cNvPr id="4" name="正方形/長方形 35"/>
-          <p:cNvSpPr/>
+          <p:cNvPr id="6" name="Text Box 5"/>
+          <p:cNvSpPr txBox="1"/>
           <p:nvPr/>
         </p:nvSpPr>
         <p:spPr>
           <a:xfrm>
-            <a:off x="6693535" y="523875"/>
-            <a:ext cx="5448300" cy="7016115"/>
+            <a:off x="5712460" y="523875"/>
+            <a:ext cx="3644265" cy="398780"/>
           </a:xfrm>
           <a:prstGeom prst="rect">
             <a:avLst/>
           </a:prstGeom>
-        </p:spPr>
-        <p:txBody>
-          <a:bodyPr wrap="square">
+          <a:noFill/>
+        </p:spPr>
+        <p:txBody>
+          <a:bodyPr wrap="none" rtlCol="0" anchor="t">
             <a:spAutoFit/>
           </a:bodyPr>
           <a:p>
             <a:r>
-              <a:rPr kumimoji="0" lang="en-US" altLang="en-US" dirty="0">
+              <a:rPr lang="en-US" altLang="en-US" sz="2000" dirty="0">
+                <a:ln>
+                  <a:solidFill>
+                    <a:srgbClr val="7030A0"/>
+                  </a:solidFill>
+                </a:ln>
+                <a:solidFill>
+                  <a:srgbClr val="00B050"/>
+                </a:solidFill>
+                <a:latin typeface="Arial Unicode MS"/>
+                <a:sym typeface="+mn-ea"/>
+              </a:rPr>
+              <a:t>Linux Construction Folders </a:t>
+            </a:r>
+            <a:endParaRPr lang="en-US" altLang="en-US" sz="2000" dirty="0">
+              <a:ln>
                 <a:solidFill>
                   <a:srgbClr val="7030A0"/>
                 </a:solidFill>
-                <a:latin typeface="Arial Unicode MS"/>
-              </a:rPr>
-              <a:t>Linux Construction Folders </a:t>
-            </a:r>
-            <a:endParaRPr kumimoji="0" lang="en-US" altLang="en-US" dirty="0">
+              </a:ln>
               <a:solidFill>
-                <a:srgbClr val="7030A0"/>
+                <a:srgbClr val="00B050"/>
               </a:solidFill>
               <a:latin typeface="Arial Unicode MS"/>
-            </a:endParaRPr>
-          </a:p>
-          <a:p>
-            <a:r>
-              <a:rPr kumimoji="0" lang="en-US" altLang="en-US" dirty="0">
-                <a:solidFill>
-                  <a:srgbClr val="7030A0"/>
-                </a:solidFill>
-                <a:latin typeface="Arial Unicode MS"/>
-              </a:rPr>
-              <a:t> </a:t>
-            </a:r>
-            <a:r>
-              <a:rPr kumimoji="0" lang="" altLang="en-US" dirty="0">
-                <a:solidFill>
-                  <a:srgbClr val="7030A0"/>
-                </a:solidFill>
-                <a:latin typeface="Arial Unicode MS"/>
-              </a:rPr>
-              <a:t>/</a:t>
-            </a:r>
-            <a:r>
-              <a:rPr kumimoji="0" lang="en-US" altLang="en-US" dirty="0">
-                <a:solidFill>
-                  <a:srgbClr val="7030A0"/>
-                </a:solidFill>
-                <a:latin typeface="Arial Unicode MS"/>
-              </a:rPr>
-              <a:t>etc : </a:t>
-            </a:r>
-            <a:r>
-              <a:rPr kumimoji="0" lang="" altLang="en-US" dirty="0">
-                <a:solidFill>
-                  <a:srgbClr val="7030A0"/>
-                </a:solidFill>
-                <a:latin typeface="Arial Unicode MS"/>
-              </a:rPr>
-              <a:t>almost all setting-files is here. (It may be made under some-folder, and placed in /usr/etc.)</a:t>
-            </a:r>
-            <a:endParaRPr kumimoji="0" lang="" altLang="en-US" dirty="0">
-              <a:solidFill>
-                <a:srgbClr val="7030A0"/>
-              </a:solidFill>
-              <a:latin typeface="Arial Unicode MS"/>
-            </a:endParaRPr>
-          </a:p>
+              <a:sym typeface="+mn-ea"/>
+            </a:endParaRPr>
+          </a:p>
+        </p:txBody>
+      </p:sp>
+      <p:sp>
+        <p:nvSpPr>
+          <p:cNvPr id="7" name="Text Box 6"/>
+          <p:cNvSpPr txBox="1"/>
+          <p:nvPr/>
+        </p:nvSpPr>
+        <p:spPr>
+          <a:xfrm>
+            <a:off x="-560070" y="1653540"/>
+            <a:ext cx="1438910" cy="368300"/>
+          </a:xfrm>
+          <a:prstGeom prst="rect">
+            <a:avLst/>
+          </a:prstGeom>
+          <a:noFill/>
+        </p:spPr>
+        <p:txBody>
+          <a:bodyPr wrap="none" rtlCol="0" anchor="t">
+            <a:spAutoFit/>
+          </a:bodyPr>
           <a:p>
             <a:r>
               <a:rPr lang="en-US" altLang="en-US" dirty="0">
-                <a:solidFill>
-                  <a:srgbClr val="7030A0"/>
-                </a:solidFill>
-                <a:latin typeface="Arial Unicode MS"/>
-                <a:sym typeface="+mn-ea"/>
-              </a:rPr>
-              <a:t> /bin  : basic cmd (system controal)</a:t>
-            </a:r>
-            <a:endParaRPr kumimoji="0" lang="" altLang="en-US" dirty="0">
-              <a:solidFill>
-                <a:srgbClr val="7030A0"/>
-              </a:solidFill>
-              <a:latin typeface="Arial Unicode MS"/>
-            </a:endParaRPr>
-          </a:p>
-          <a:p>
-            <a:endParaRPr kumimoji="0" lang="en-US" altLang="en-US" dirty="0">
-              <a:solidFill>
-                <a:srgbClr val="7030A0"/>
-              </a:solidFill>
-              <a:latin typeface="Arial Unicode MS"/>
-            </a:endParaRPr>
-          </a:p>
-          <a:p>
-            <a:r>
-              <a:rPr kumimoji="0" lang="" altLang="en-US" dirty="0">
-                <a:solidFill>
-                  <a:srgbClr val="7030A0"/>
-                </a:solidFill>
-                <a:latin typeface="Arial Unicode MS"/>
-              </a:rPr>
-              <a:t>/usr : program and library datas(are made when you compile) are used by each user </a:t>
-            </a:r>
-            <a:endParaRPr kumimoji="0" lang="" altLang="en-US" dirty="0">
-              <a:solidFill>
-                <a:srgbClr val="7030A0"/>
-              </a:solidFill>
-              <a:latin typeface="Arial Unicode MS"/>
-            </a:endParaRPr>
-          </a:p>
-          <a:p>
-            <a:r>
-              <a:rPr kumimoji="0" lang="" altLang="en-US" dirty="0">
-                <a:solidFill>
-                  <a:srgbClr val="7030A0"/>
-                </a:solidFill>
-                <a:latin typeface="Arial Unicode MS"/>
-              </a:rPr>
-              <a:t> | /bin :  Basic command usied by user.</a:t>
-            </a:r>
-            <a:endParaRPr kumimoji="0" lang="" altLang="en-US" dirty="0">
-              <a:solidFill>
-                <a:srgbClr val="7030A0"/>
-              </a:solidFill>
-              <a:latin typeface="Arial Unicode MS"/>
-            </a:endParaRPr>
-          </a:p>
-          <a:p>
-            <a:r>
-              <a:rPr kumimoji="0" lang="" altLang="en-US" dirty="0">
-                <a:solidFill>
-                  <a:srgbClr val="7030A0"/>
-                </a:solidFill>
-                <a:latin typeface="Arial Unicode MS"/>
-              </a:rPr>
-              <a:t> | /usr/local: </a:t>
-            </a:r>
-            <a:endParaRPr kumimoji="0" lang="" altLang="en-US" dirty="0">
-              <a:solidFill>
-                <a:srgbClr val="7030A0"/>
-              </a:solidFill>
-              <a:latin typeface="Arial Unicode MS"/>
-            </a:endParaRPr>
-          </a:p>
-          <a:p>
-            <a:r>
-              <a:rPr kumimoji="0" lang="" altLang="en-US" dirty="0">
-                <a:solidFill>
-                  <a:srgbClr val="7030A0"/>
-                </a:solidFill>
-                <a:latin typeface="Arial Unicode MS"/>
-              </a:rPr>
-              <a:t> | /usr/local/bin/</a:t>
-            </a:r>
-            <a:endParaRPr kumimoji="0" lang="" altLang="en-US" dirty="0">
-              <a:solidFill>
-                <a:srgbClr val="7030A0"/>
-              </a:solidFill>
-              <a:latin typeface="Arial Unicode MS"/>
-            </a:endParaRPr>
-          </a:p>
-          <a:p>
-            <a:r>
-              <a:rPr kumimoji="0" lang="" altLang="en-US" dirty="0">
-                <a:solidFill>
-                  <a:srgbClr val="7030A0"/>
-                </a:solidFill>
-                <a:latin typeface="Arial Unicode MS"/>
-              </a:rPr>
-              <a:t> | /usr/local/bin/</a:t>
-            </a:r>
-            <a:endParaRPr kumimoji="0" lang="" altLang="en-US" dirty="0">
-              <a:solidFill>
-                <a:srgbClr val="7030A0"/>
-              </a:solidFill>
-              <a:latin typeface="Arial Unicode MS"/>
-            </a:endParaRPr>
-          </a:p>
-          <a:p>
-            <a:r>
-              <a:rPr kumimoji="0" lang="" altLang="en-US" dirty="0">
-                <a:solidFill>
-                  <a:srgbClr val="7030A0"/>
-                </a:solidFill>
-                <a:latin typeface="Arial Unicode MS"/>
-              </a:rPr>
-              <a:t> | /usr/local/etc/ </a:t>
-            </a:r>
-            <a:endParaRPr kumimoji="0" lang="en-US" altLang="en-US" dirty="0">
-              <a:solidFill>
-                <a:srgbClr val="7030A0"/>
-              </a:solidFill>
-              <a:latin typeface="Arial Unicode MS"/>
-            </a:endParaRPr>
-          </a:p>
-          <a:p>
-            <a:endParaRPr kumimoji="0" lang="en-US" altLang="en-US" dirty="0">
-              <a:solidFill>
-                <a:srgbClr val="7030A0"/>
-              </a:solidFill>
-              <a:latin typeface="Arial Unicode MS"/>
-            </a:endParaRPr>
-          </a:p>
-          <a:p>
-            <a:endParaRPr kumimoji="0" lang="en-US" altLang="en-US" dirty="0">
-              <a:solidFill>
-                <a:srgbClr val="7030A0"/>
-              </a:solidFill>
-              <a:latin typeface="Arial Unicode MS"/>
-            </a:endParaRPr>
-          </a:p>
-          <a:p>
-            <a:r>
-              <a:rPr kumimoji="0" lang="" altLang="en-US" dirty="0">
-                <a:solidFill>
-                  <a:srgbClr val="7030A0"/>
-                </a:solidFill>
-                <a:latin typeface="Arial Unicode MS"/>
-              </a:rPr>
-              <a:t>(next_page)</a:t>
-            </a:r>
-            <a:endParaRPr kumimoji="0" lang="en-US" altLang="en-US" dirty="0">
-              <a:solidFill>
-                <a:srgbClr val="7030A0"/>
-              </a:solidFill>
-              <a:latin typeface="Arial Unicode MS"/>
-            </a:endParaRPr>
-          </a:p>
-          <a:p>
-            <a:r>
-              <a:rPr kumimoji="0" lang="en-US" altLang="en-US" dirty="0">
-                <a:solidFill>
-                  <a:srgbClr val="7030A0"/>
-                </a:solidFill>
-                <a:latin typeface="Arial Unicode MS"/>
-              </a:rPr>
-              <a:t> /var  </a:t>
-            </a:r>
-            <a:r>
-              <a:rPr kumimoji="0" lang="" altLang="en-US" dirty="0">
-                <a:solidFill>
-                  <a:srgbClr val="7030A0"/>
-                </a:solidFill>
-                <a:latin typeface="Arial Unicode MS"/>
-              </a:rPr>
-              <a:t>:  tempolatory files as a log file.(But 再起動しても消えない.)</a:t>
-            </a:r>
-            <a:endParaRPr kumimoji="0" lang="" altLang="en-US" dirty="0">
-              <a:solidFill>
-                <a:srgbClr val="7030A0"/>
-              </a:solidFill>
-              <a:latin typeface="Arial Unicode MS"/>
-            </a:endParaRPr>
-          </a:p>
-          <a:p>
-            <a:r>
-              <a:rPr kumimoji="0" lang="" altLang="en-US" dirty="0">
-                <a:solidFill>
-                  <a:srgbClr val="7030A0"/>
-                </a:solidFill>
-                <a:latin typeface="Arial Unicode MS"/>
-              </a:rPr>
-              <a:t> /var/log: </a:t>
-            </a:r>
-            <a:endParaRPr kumimoji="0" lang="" altLang="en-US" dirty="0">
-              <a:solidFill>
-                <a:srgbClr val="7030A0"/>
-              </a:solidFill>
-              <a:latin typeface="Arial Unicode MS"/>
-            </a:endParaRPr>
-          </a:p>
-          <a:p>
-            <a:r>
-              <a:rPr kumimoji="0" lang="" altLang="en-US" dirty="0">
-                <a:solidFill>
-                  <a:srgbClr val="7030A0"/>
-                </a:solidFill>
-                <a:latin typeface="Arial Unicode MS"/>
-              </a:rPr>
-              <a:t>Other: </a:t>
-            </a:r>
-            <a:endParaRPr kumimoji="0" lang="" altLang="en-US" dirty="0">
-              <a:solidFill>
-                <a:srgbClr val="7030A0"/>
-              </a:solidFill>
-              <a:latin typeface="Arial Unicode MS"/>
-            </a:endParaRPr>
-          </a:p>
-          <a:p>
-            <a:r>
-              <a:rPr kumimoji="0" lang="" altLang="en-US" dirty="0">
-                <a:solidFill>
-                  <a:srgbClr val="7030A0"/>
-                </a:solidFill>
-                <a:latin typeface="Arial Unicode MS"/>
-              </a:rPr>
-              <a:t> /lib, /usr/local/lib: be placed files    </a:t>
-            </a:r>
-            <a:endParaRPr kumimoji="0" lang="" altLang="en-US" dirty="0">
-              <a:solidFill>
-                <a:srgbClr val="7030A0"/>
-              </a:solidFill>
-              <a:latin typeface="Arial Unicode MS"/>
-            </a:endParaRPr>
-          </a:p>
-          <a:p>
-            <a:r>
-              <a:rPr kumimoji="0" lang="" altLang="en-US" dirty="0">
-                <a:solidFill>
-                  <a:srgbClr val="7030A0"/>
-                </a:solidFill>
-                <a:latin typeface="Arial Unicode MS"/>
-              </a:rPr>
-              <a:t>  required when user exec some   </a:t>
-            </a:r>
-            <a:endParaRPr kumimoji="0" lang="" altLang="en-US" dirty="0">
-              <a:solidFill>
-                <a:srgbClr val="7030A0"/>
-              </a:solidFill>
-              <a:latin typeface="Arial Unicode MS"/>
-            </a:endParaRPr>
-          </a:p>
-          <a:p>
-            <a:r>
-              <a:rPr kumimoji="0" lang="" altLang="en-US" dirty="0">
-                <a:solidFill>
-                  <a:srgbClr val="7030A0"/>
-                </a:solidFill>
-                <a:latin typeface="Arial Unicode MS"/>
-              </a:rPr>
-              <a:t>  commands.</a:t>
-            </a:r>
-            <a:endParaRPr kumimoji="0" lang="" altLang="en-US" dirty="0">
-              <a:solidFill>
-                <a:srgbClr val="7030A0"/>
-              </a:solidFill>
-              <a:latin typeface="Arial Unicode MS"/>
-            </a:endParaRPr>
-          </a:p>
-          <a:p>
-            <a:r>
-              <a:rPr lang="en-US" altLang="en-US" dirty="0">
-                <a:solidFill>
-                  <a:srgbClr val="7030A0"/>
-                </a:solidFill>
-                <a:latin typeface="Arial Unicode MS"/>
-                <a:sym typeface="+mn-ea"/>
-              </a:rPr>
-              <a:t>/tmp :   </a:t>
-            </a:r>
-            <a:endParaRPr kumimoji="0" lang="en-US" altLang="en-US" dirty="0">
-              <a:solidFill>
-                <a:srgbClr val="7030A0"/>
-              </a:solidFill>
-              <a:latin typeface="Arial Unicode MS"/>
-            </a:endParaRPr>
-          </a:p>
-          <a:p>
-            <a:r>
-              <a:rPr lang="en-US" altLang="en-US" dirty="0">
-                <a:solidFill>
-                  <a:srgbClr val="7030A0"/>
-                </a:solidFill>
-                <a:latin typeface="Arial Unicode MS"/>
-                <a:sym typeface="+mn-ea"/>
-              </a:rPr>
-              <a:t> /sbin: </a:t>
-            </a:r>
-            <a:endParaRPr kumimoji="0" lang="" altLang="en-US" dirty="0">
-              <a:solidFill>
-                <a:srgbClr val="7030A0"/>
-              </a:solidFill>
-              <a:latin typeface="Arial Unicode MS"/>
-            </a:endParaRPr>
+                <a:sym typeface="+mn-ea"/>
+              </a:rPr>
+              <a:t>(deamon)</a:t>
+            </a:r>
+            <a:r>
+              <a:rPr lang="en-US" altLang="ja-JP" dirty="0">
+                <a:sym typeface="+mn-ea"/>
+              </a:rPr>
+              <a:t>  </a:t>
+            </a:r>
+            <a:endParaRPr lang="en-US"/>
           </a:p>
         </p:txBody>
       </p:sp>
@@ -9043,1123 +10009,6 @@
 </file>
 
 <file path=ppt/slides/slide6.xml><?xml version="1.0" encoding="utf-8"?>
-<p:sld xmlns:a="http://schemas.openxmlformats.org/drawingml/2006/main" xmlns:r="http://schemas.openxmlformats.org/officeDocument/2006/relationships" xmlns:p="http://schemas.openxmlformats.org/presentationml/2006/main">
-  <p:cSld>
-    <p:spTree>
-      <p:nvGrpSpPr>
-        <p:cNvPr id="1" name=""/>
-        <p:cNvGrpSpPr/>
-        <p:nvPr/>
-      </p:nvGrpSpPr>
-      <p:grpSpPr>
-        <a:xfrm>
-          <a:off x="0" y="0"/>
-          <a:ext cx="0" cy="0"/>
-          <a:chOff x="0" y="0"/>
-          <a:chExt cx="0" cy="0"/>
-        </a:xfrm>
-      </p:grpSpPr>
-      <p:sp>
-        <p:nvSpPr>
-          <p:cNvPr id="3" name="Slide Number Placeholder 2"/>
-          <p:cNvSpPr>
-            <a:spLocks noGrp="1"/>
-          </p:cNvSpPr>
-          <p:nvPr>
-            <p:ph type="sldNum" sz="quarter" idx="12"/>
-          </p:nvPr>
-        </p:nvSpPr>
-        <p:spPr/>
-        <p:txBody>
-          <a:bodyPr/>
-          <a:p>
-            <a:fld id="{BE1039D9-3D1B-4CD3-B3BC-3050B19DE446}" type="slidenum">
-              <a:rPr kumimoji="1" lang="ja-JP" altLang="en-US" smtClean="0"/>
-            </a:fld>
-            <a:endParaRPr kumimoji="1" lang="ja-JP" altLang="en-US"/>
-          </a:p>
-        </p:txBody>
-      </p:sp>
-      <p:sp>
-        <p:nvSpPr>
-          <p:cNvPr id="14" name="Text Box 13"/>
-          <p:cNvSpPr txBox="1"/>
-          <p:nvPr/>
-        </p:nvSpPr>
-        <p:spPr>
-          <a:xfrm>
-            <a:off x="1684655" y="63500"/>
-            <a:ext cx="9507855" cy="460375"/>
-          </a:xfrm>
-          <a:prstGeom prst="rect">
-            <a:avLst/>
-          </a:prstGeom>
-          <a:noFill/>
-        </p:spPr>
-        <p:txBody>
-          <a:bodyPr wrap="none" rtlCol="0" anchor="t">
-            <a:spAutoFit/>
-          </a:bodyPr>
-          <a:p>
-            <a:pPr algn="l"/>
-            <a:r>
-              <a:rPr lang="" altLang="en-US" sz="2400" dirty="0">
-                <a:solidFill>
-                  <a:srgbClr val="00B0F0"/>
-                </a:solidFill>
-                <a:sym typeface="+mn-ea"/>
-              </a:rPr>
-              <a:t>Major Package in sw360(part in fossology), and what is used </a:t>
-            </a:r>
-            <a:endParaRPr lang="" altLang="en-US" sz="2400" dirty="0">
-              <a:solidFill>
-                <a:srgbClr val="00B0F0"/>
-              </a:solidFill>
-              <a:sym typeface="+mn-ea"/>
-            </a:endParaRPr>
-          </a:p>
-        </p:txBody>
-      </p:sp>
-      <p:sp>
-        <p:nvSpPr>
-          <p:cNvPr id="15" name="Text Box 14"/>
-          <p:cNvSpPr txBox="1"/>
-          <p:nvPr/>
-        </p:nvSpPr>
-        <p:spPr>
-          <a:xfrm>
-            <a:off x="647700" y="836295"/>
-            <a:ext cx="6135370" cy="4276725"/>
-          </a:xfrm>
-          <a:prstGeom prst="rect">
-            <a:avLst/>
-          </a:prstGeom>
-          <a:noFill/>
-        </p:spPr>
-        <p:txBody>
-          <a:bodyPr wrap="square" rtlCol="0" anchor="t">
-            <a:spAutoFit/>
-          </a:bodyPr>
-          <a:p>
-            <a:pPr algn="ctr"/>
-            <a:r>
-              <a:rPr lang="en-US" altLang="ja-JP" sz="1600" dirty="0">
-                <a:latin typeface="Arial Unicode MS"/>
-                <a:sym typeface="+mn-ea"/>
-              </a:rPr>
-              <a:t>--- All ---</a:t>
-            </a:r>
-            <a:endParaRPr kumimoji="0" lang="en-US" altLang="ja-JP" sz="1600" dirty="0">
-              <a:latin typeface="Arial Unicode MS"/>
-            </a:endParaRPr>
-          </a:p>
-          <a:p>
-            <a:r>
-              <a:rPr lang="en-US" altLang="ja-JP" sz="1600" dirty="0">
-                <a:latin typeface="Arial Unicode MS"/>
-                <a:sym typeface="+mn-ea"/>
-              </a:rPr>
-              <a:t>g</a:t>
-            </a:r>
-            <a:r>
-              <a:rPr lang="en-US" altLang="ja-JP" sz="1600" dirty="0">
-                <a:ln>
-                  <a:noFill/>
-                </a:ln>
-                <a:effectLst/>
-                <a:latin typeface="Arial Unicode MS"/>
-                <a:sym typeface="+mn-ea"/>
-              </a:rPr>
-              <a:t>it, java(jdk-1.8.x), php, </a:t>
-            </a:r>
-            <a:r>
-              <a:rPr lang="en-US" altLang="ja-JP" sz="1600" dirty="0">
-                <a:latin typeface="Arial Unicode MS"/>
-                <a:sym typeface="+mn-ea"/>
-              </a:rPr>
-              <a:t>g++, pkg-config, make</a:t>
-            </a:r>
-            <a:r>
-              <a:rPr lang="" altLang="en-US" sz="1600" dirty="0">
-                <a:latin typeface="Arial Unicode MS"/>
-                <a:sym typeface="+mn-ea"/>
-              </a:rPr>
-              <a:t>, </a:t>
-            </a:r>
-            <a:r>
-              <a:rPr lang="en-US" altLang="ja-JP" sz="1600" dirty="0">
-                <a:ln>
-                  <a:noFill/>
-                </a:ln>
-                <a:effectLst/>
-                <a:latin typeface="Arial Unicode MS"/>
-                <a:sym typeface="+mn-ea"/>
-              </a:rPr>
-              <a:t>maven. </a:t>
-            </a:r>
-            <a:endParaRPr kumimoji="0" lang="en-US" altLang="ja-JP" sz="1600" b="0" i="0" u="none" strike="noStrike" cap="none" normalizeH="0" baseline="0" dirty="0">
-              <a:ln>
-                <a:noFill/>
-              </a:ln>
-              <a:solidFill>
-                <a:schemeClr val="tx1"/>
-              </a:solidFill>
-              <a:effectLst/>
-              <a:latin typeface="Arial Unicode MS"/>
-            </a:endParaRPr>
-          </a:p>
-          <a:p>
-            <a:endParaRPr kumimoji="0" lang="en-US" altLang="ja-JP" sz="1600" b="0" i="0" u="none" strike="noStrike" cap="none" normalizeH="0" baseline="0" dirty="0">
-              <a:ln>
-                <a:noFill/>
-              </a:ln>
-              <a:solidFill>
-                <a:schemeClr val="tx1"/>
-              </a:solidFill>
-              <a:effectLst/>
-              <a:latin typeface="Arial Unicode MS"/>
-            </a:endParaRPr>
-          </a:p>
-          <a:p>
-            <a:r>
-              <a:rPr lang="en-US" altLang="ja-JP" sz="1600" dirty="0">
-                <a:ln>
-                  <a:noFill/>
-                </a:ln>
-                <a:solidFill>
-                  <a:srgbClr val="7030A0"/>
-                </a:solidFill>
-                <a:effectLst/>
-                <a:latin typeface="Arial Unicode MS"/>
-                <a:sym typeface="+mn-ea"/>
-              </a:rPr>
-              <a:t>*thrift</a:t>
-            </a:r>
-            <a:r>
-              <a:rPr lang="" altLang="en-US" sz="1600" dirty="0">
-                <a:ln>
-                  <a:noFill/>
-                </a:ln>
-                <a:solidFill>
-                  <a:srgbClr val="7030A0"/>
-                </a:solidFill>
-                <a:effectLst/>
-                <a:latin typeface="Arial Unicode MS"/>
-                <a:sym typeface="+mn-ea"/>
-              </a:rPr>
-              <a:t>(</a:t>
-            </a:r>
-            <a:r>
-              <a:rPr lang="en-US" altLang="ja-JP" sz="1600" dirty="0">
-                <a:latin typeface="Arial Unicode MS"/>
-                <a:sym typeface="+mn-ea"/>
-              </a:rPr>
-              <a:t>o</a:t>
-            </a:r>
-            <a:r>
-              <a:rPr lang="en-US" altLang="ja-JP" sz="1600" dirty="0">
-                <a:ln>
-                  <a:noFill/>
-                </a:ln>
-                <a:effectLst/>
-                <a:latin typeface="Arial Unicode MS"/>
-                <a:sym typeface="+mn-ea"/>
-              </a:rPr>
-              <a:t>ption</a:t>
-            </a:r>
-            <a:r>
-              <a:rPr lang="" altLang="en-US" sz="1600" dirty="0">
-                <a:ln>
-                  <a:noFill/>
-                </a:ln>
-                <a:solidFill>
-                  <a:srgbClr val="7030A0"/>
-                </a:solidFill>
-                <a:effectLst/>
-                <a:latin typeface="Arial Unicode MS"/>
-                <a:sym typeface="+mn-ea"/>
-              </a:rPr>
-              <a:t>)</a:t>
-            </a:r>
-            <a:endParaRPr kumimoji="0" lang="en-US" altLang="ja-JP" sz="1600" b="0" i="0" u="none" strike="noStrike" cap="none" normalizeH="0" baseline="0" dirty="0">
-              <a:ln>
-                <a:noFill/>
-              </a:ln>
-              <a:solidFill>
-                <a:srgbClr val="7030A0"/>
-              </a:solidFill>
-              <a:effectLst/>
-              <a:latin typeface="Arial Unicode MS"/>
-            </a:endParaRPr>
-          </a:p>
-          <a:p>
-            <a:r>
-              <a:rPr lang="en-US" altLang="ja-JP" sz="1600" dirty="0">
-                <a:solidFill>
-                  <a:srgbClr val="7030A0"/>
-                </a:solidFill>
-                <a:latin typeface="Arial Unicode MS"/>
-                <a:sym typeface="+mn-ea"/>
-              </a:rPr>
-              <a:t> -</a:t>
-            </a:r>
-            <a:r>
-              <a:rPr lang="ja-JP" altLang="ja-JP" sz="1600" dirty="0">
-                <a:ln>
-                  <a:noFill/>
-                </a:ln>
-                <a:effectLst/>
-                <a:latin typeface="Arial Unicode MS"/>
-                <a:sym typeface="+mn-ea"/>
-              </a:rPr>
-              <a:t>build-essential</a:t>
-            </a:r>
-            <a:endParaRPr kumimoji="0" lang="en-US" altLang="ja-JP" sz="1600" b="0" i="0" u="none" strike="noStrike" cap="none" normalizeH="0" baseline="0" dirty="0">
-              <a:ln>
-                <a:noFill/>
-              </a:ln>
-              <a:solidFill>
-                <a:schemeClr val="tx1"/>
-              </a:solidFill>
-              <a:effectLst/>
-              <a:latin typeface="Arial Unicode MS"/>
-            </a:endParaRPr>
-          </a:p>
-          <a:p>
-            <a:r>
-              <a:rPr lang="en-US" altLang="ja-JP" sz="1600" dirty="0">
-                <a:latin typeface="Arial Unicode MS"/>
-                <a:sym typeface="+mn-ea"/>
-              </a:rPr>
-              <a:t> -</a:t>
-            </a:r>
-            <a:r>
-              <a:rPr lang="ja-JP" altLang="ja-JP" sz="1600" dirty="0">
-                <a:ln>
-                  <a:noFill/>
-                </a:ln>
-                <a:effectLst/>
-                <a:latin typeface="Arial Unicode MS"/>
-                <a:sym typeface="+mn-ea"/>
-              </a:rPr>
-              <a:t>libboost</a:t>
-            </a:r>
-            <a:r>
-              <a:rPr lang="en-US" altLang="ja-JP" sz="1600" dirty="0">
-                <a:latin typeface="Arial Unicode MS"/>
-                <a:sym typeface="+mn-ea"/>
-              </a:rPr>
-              <a:t>(</a:t>
-            </a:r>
-            <a:r>
-              <a:rPr lang="ja-JP" altLang="ja-JP" sz="1600" dirty="0">
-                <a:ln>
-                  <a:noFill/>
-                </a:ln>
-                <a:effectLst/>
-                <a:latin typeface="Arial Unicode MS"/>
-                <a:sym typeface="+mn-ea"/>
-              </a:rPr>
-              <a:t>-dev</a:t>
-            </a:r>
-            <a:r>
-              <a:rPr lang="en-US" altLang="ja-JP" sz="1600" dirty="0">
-                <a:latin typeface="Arial Unicode MS"/>
-                <a:sym typeface="+mn-ea"/>
-              </a:rPr>
-              <a:t>,</a:t>
-            </a:r>
-            <a:r>
-              <a:rPr lang="ja-JP" altLang="ja-JP" sz="1600" dirty="0">
-                <a:ln>
-                  <a:noFill/>
-                </a:ln>
-                <a:effectLst/>
-                <a:latin typeface="Arial Unicode MS"/>
-                <a:sym typeface="+mn-ea"/>
-              </a:rPr>
-              <a:t>-test-dev</a:t>
-            </a:r>
-            <a:r>
-              <a:rPr lang="en-US" altLang="ja-JP" sz="1600" dirty="0">
-                <a:ln>
-                  <a:noFill/>
-                </a:ln>
-                <a:effectLst/>
-                <a:latin typeface="Arial Unicode MS"/>
-                <a:sym typeface="+mn-ea"/>
-              </a:rPr>
-              <a:t>,</a:t>
-            </a:r>
-            <a:r>
-              <a:rPr lang="ja-JP" altLang="ja-JP" sz="1600" dirty="0">
-                <a:ln>
-                  <a:noFill/>
-                </a:ln>
-                <a:effectLst/>
-                <a:latin typeface="Arial Unicode MS"/>
-                <a:sym typeface="+mn-ea"/>
-              </a:rPr>
-              <a:t>-program-options-dev</a:t>
-            </a:r>
-            <a:r>
-              <a:rPr lang="en-US" altLang="ja-JP" sz="1600" dirty="0">
-                <a:ln>
-                  <a:noFill/>
-                </a:ln>
-                <a:effectLst/>
-                <a:latin typeface="Arial Unicode MS"/>
-                <a:sym typeface="+mn-ea"/>
-              </a:rPr>
-              <a:t>)</a:t>
-            </a:r>
-            <a:endParaRPr kumimoji="0" lang="en-US" altLang="ja-JP" sz="1600" b="0" i="0" u="none" strike="noStrike" cap="none" normalizeH="0" baseline="0" dirty="0">
-              <a:ln>
-                <a:noFill/>
-              </a:ln>
-              <a:solidFill>
-                <a:schemeClr val="tx1"/>
-              </a:solidFill>
-              <a:effectLst/>
-              <a:latin typeface="Arial Unicode MS"/>
-            </a:endParaRPr>
-          </a:p>
-          <a:p>
-            <a:r>
-              <a:rPr lang="en-US" altLang="ja-JP" sz="1600" dirty="0">
-                <a:latin typeface="Arial Unicode MS"/>
-                <a:sym typeface="+mn-ea"/>
-              </a:rPr>
-              <a:t> -</a:t>
-            </a:r>
-            <a:r>
-              <a:rPr lang="ja-JP" altLang="ja-JP" sz="1600" dirty="0">
-                <a:ln>
-                  <a:noFill/>
-                </a:ln>
-                <a:effectLst/>
-                <a:latin typeface="Arial Unicode MS"/>
-                <a:sym typeface="+mn-ea"/>
-              </a:rPr>
-              <a:t>libevent-dev automake libtool </a:t>
-            </a:r>
-            <a:endParaRPr kumimoji="0" lang="en-US" altLang="ja-JP" sz="1600" b="0" i="0" u="none" strike="noStrike" cap="none" normalizeH="0" baseline="0" dirty="0">
-              <a:ln>
-                <a:noFill/>
-              </a:ln>
-              <a:solidFill>
-                <a:schemeClr val="tx1"/>
-              </a:solidFill>
-              <a:effectLst/>
-              <a:latin typeface="Arial Unicode MS"/>
-            </a:endParaRPr>
-          </a:p>
-          <a:p>
-            <a:r>
-              <a:rPr lang="en-US" altLang="ja-JP" sz="1600" dirty="0">
-                <a:latin typeface="Arial Unicode MS"/>
-                <a:sym typeface="+mn-ea"/>
-              </a:rPr>
-              <a:t> -</a:t>
-            </a:r>
-            <a:r>
-              <a:rPr lang="ja-JP" altLang="ja-JP" sz="1600" dirty="0">
-                <a:ln>
-                  <a:noFill/>
-                </a:ln>
-                <a:effectLst/>
-                <a:latin typeface="Arial Unicode MS"/>
-                <a:sym typeface="+mn-ea"/>
-              </a:rPr>
-              <a:t>flex bison pkg-config libssl-dev</a:t>
-            </a:r>
-            <a:r>
-              <a:rPr lang="ja-JP" altLang="ja-JP" sz="1600" dirty="0">
-                <a:ln>
-                  <a:noFill/>
-                </a:ln>
-                <a:effectLst/>
-                <a:sym typeface="+mn-ea"/>
-              </a:rPr>
-              <a:t> </a:t>
-            </a:r>
-            <a:r>
-              <a:rPr lang="en-US" altLang="ja-JP" sz="1600" dirty="0">
-                <a:latin typeface="Arial Unicode MS"/>
-                <a:sym typeface="+mn-ea"/>
-              </a:rPr>
-              <a:t> </a:t>
-            </a:r>
-            <a:endParaRPr kumimoji="0" lang="en-US" altLang="ja-JP" sz="1600" dirty="0">
-              <a:latin typeface="Arial Unicode MS"/>
-            </a:endParaRPr>
-          </a:p>
-          <a:p>
-            <a:r>
-              <a:rPr lang="en-US" altLang="ja-JP" sz="1600" dirty="0">
-                <a:ln>
-                  <a:noFill/>
-                </a:ln>
-                <a:effectLst/>
-                <a:latin typeface="Arial Unicode MS"/>
-                <a:sym typeface="+mn-ea"/>
-              </a:rPr>
-              <a:t>  ----------------------------------------</a:t>
-            </a:r>
-            <a:endParaRPr kumimoji="0" lang="en-US" altLang="ja-JP" sz="1600" b="0" i="0" u="none" strike="noStrike" cap="none" normalizeH="0" baseline="0" dirty="0">
-              <a:ln>
-                <a:noFill/>
-              </a:ln>
-              <a:effectLst/>
-              <a:latin typeface="Arial Unicode MS"/>
-            </a:endParaRPr>
-          </a:p>
-          <a:p>
-            <a:r>
-              <a:rPr lang="en-US" altLang="ja-JP" sz="1600" dirty="0" err="1">
-                <a:ln>
-                  <a:noFill/>
-                </a:ln>
-                <a:solidFill>
-                  <a:schemeClr val="accent2">
-                    <a:lumMod val="60000"/>
-                    <a:lumOff val="40000"/>
-                  </a:schemeClr>
-                </a:solidFill>
-                <a:effectLst/>
-                <a:latin typeface="Arial Unicode MS"/>
-                <a:sym typeface="+mn-ea"/>
-              </a:rPr>
-              <a:t>Couchdb</a:t>
-            </a:r>
-            <a:r>
-              <a:rPr lang="en-US" altLang="ja-JP" sz="1600" dirty="0">
-                <a:ln>
-                  <a:noFill/>
-                </a:ln>
-                <a:effectLst/>
-                <a:latin typeface="Arial Unicode MS"/>
-                <a:sym typeface="+mn-ea"/>
-              </a:rPr>
-              <a:t> </a:t>
-            </a:r>
-            <a:r>
-              <a:rPr lang="" altLang="en-US" sz="1600" dirty="0">
-                <a:ln>
-                  <a:noFill/>
-                </a:ln>
-                <a:effectLst/>
-                <a:latin typeface="Arial Unicode MS"/>
-                <a:sym typeface="+mn-ea"/>
-              </a:rPr>
-              <a:t>: Database</a:t>
-            </a:r>
-            <a:endParaRPr kumimoji="0" lang="en-US" altLang="ja-JP" sz="1600" b="0" i="0" u="none" strike="noStrike" cap="none" normalizeH="0" baseline="0" dirty="0">
-              <a:ln>
-                <a:noFill/>
-              </a:ln>
-              <a:solidFill>
-                <a:schemeClr val="tx1"/>
-              </a:solidFill>
-              <a:effectLst/>
-              <a:latin typeface="Arial Unicode MS"/>
-            </a:endParaRPr>
-          </a:p>
-          <a:p>
-            <a:r>
-              <a:rPr lang="en-US" altLang="ja-JP" sz="1600" dirty="0">
-                <a:ln>
-                  <a:noFill/>
-                </a:ln>
-                <a:effectLst/>
-                <a:latin typeface="Arial Unicode MS"/>
-                <a:sym typeface="+mn-ea"/>
-              </a:rPr>
-              <a:t> -</a:t>
-            </a:r>
-            <a:r>
-              <a:rPr lang="ja-JP" altLang="ja-JP" sz="1600" dirty="0">
-                <a:ln>
-                  <a:noFill/>
-                </a:ln>
-                <a:effectLst/>
-                <a:latin typeface="Arial Unicode MS"/>
-                <a:sym typeface="+mn-ea"/>
-              </a:rPr>
-              <a:t>g++</a:t>
-            </a:r>
-            <a:r>
-              <a:rPr lang="ja-JP" altLang="ja-JP" sz="1600" dirty="0">
-                <a:ln>
-                  <a:noFill/>
-                </a:ln>
-                <a:effectLst/>
-                <a:sym typeface="+mn-ea"/>
-              </a:rPr>
-              <a:t> </a:t>
-            </a:r>
-            <a:endParaRPr kumimoji="0" lang="en-US" altLang="ja-JP" sz="1600" b="0" i="0" u="none" strike="noStrike" cap="none" normalizeH="0" baseline="0" dirty="0">
-              <a:ln>
-                <a:noFill/>
-              </a:ln>
-              <a:solidFill>
-                <a:schemeClr val="tx1"/>
-              </a:solidFill>
-              <a:effectLst/>
-            </a:endParaRPr>
-          </a:p>
-          <a:p>
-            <a:r>
-              <a:rPr lang="en-US" altLang="ja-JP" sz="1600" dirty="0">
-                <a:ln>
-                  <a:noFill/>
-                </a:ln>
-                <a:effectLst/>
-                <a:latin typeface="Arial Unicode MS"/>
-                <a:sym typeface="+mn-ea"/>
-              </a:rPr>
-              <a:t> -e</a:t>
-            </a:r>
-            <a:r>
-              <a:rPr lang="ja-JP" altLang="ja-JP" sz="1600" dirty="0">
-                <a:ln>
-                  <a:noFill/>
-                </a:ln>
-                <a:effectLst/>
-                <a:latin typeface="Arial Unicode MS"/>
-                <a:sym typeface="+mn-ea"/>
-              </a:rPr>
-              <a:t>rlang</a:t>
-            </a:r>
-            <a:r>
-              <a:rPr lang="en-US" altLang="ja-JP" sz="1600" dirty="0">
-                <a:ln>
-                  <a:noFill/>
-                </a:ln>
-                <a:effectLst/>
-                <a:latin typeface="Arial Unicode MS"/>
-                <a:sym typeface="+mn-ea"/>
-              </a:rPr>
-              <a:t>(</a:t>
-            </a:r>
-            <a:r>
-              <a:rPr lang="ja-JP" altLang="ja-JP" sz="1600" dirty="0">
-                <a:ln>
-                  <a:noFill/>
-                </a:ln>
-                <a:effectLst/>
-                <a:latin typeface="Arial Unicode MS"/>
-                <a:sym typeface="+mn-ea"/>
-              </a:rPr>
-              <a:t>-base</a:t>
-            </a:r>
-            <a:r>
-              <a:rPr lang="en-US" altLang="ja-JP" sz="1600" dirty="0">
-                <a:ln>
-                  <a:noFill/>
-                </a:ln>
-                <a:effectLst/>
-                <a:latin typeface="Arial Unicode MS"/>
-                <a:sym typeface="+mn-ea"/>
-              </a:rPr>
-              <a:t>,</a:t>
-            </a:r>
-            <a:r>
-              <a:rPr lang="ja-JP" altLang="en-US" sz="1600" dirty="0">
-                <a:ln>
-                  <a:noFill/>
-                </a:ln>
-                <a:effectLst/>
-                <a:latin typeface="Arial Unicode MS"/>
-                <a:sym typeface="+mn-ea"/>
-              </a:rPr>
-              <a:t> </a:t>
-            </a:r>
-            <a:r>
-              <a:rPr lang="ja-JP" altLang="ja-JP" sz="1600" dirty="0">
-                <a:ln>
-                  <a:noFill/>
-                </a:ln>
-                <a:effectLst/>
-                <a:latin typeface="Arial Unicode MS"/>
-                <a:sym typeface="+mn-ea"/>
-              </a:rPr>
-              <a:t>-dev</a:t>
-            </a:r>
-            <a:r>
-              <a:rPr lang="en-US" altLang="ja-JP" sz="1600" dirty="0">
-                <a:ln>
-                  <a:noFill/>
-                </a:ln>
-                <a:effectLst/>
-                <a:latin typeface="Arial Unicode MS"/>
-                <a:sym typeface="+mn-ea"/>
-              </a:rPr>
-              <a:t>,</a:t>
-            </a:r>
-            <a:r>
-              <a:rPr lang="ja-JP" altLang="ja-JP" sz="1600" dirty="0">
-                <a:ln>
-                  <a:noFill/>
-                </a:ln>
-                <a:effectLst/>
-                <a:latin typeface="Arial Unicode MS"/>
-                <a:sym typeface="+mn-ea"/>
-              </a:rPr>
-              <a:t>-eunit</a:t>
-            </a:r>
-            <a:r>
-              <a:rPr lang="en-US" altLang="ja-JP" sz="1600" dirty="0">
-                <a:ln>
-                  <a:noFill/>
-                </a:ln>
-                <a:effectLst/>
-                <a:latin typeface="Arial Unicode MS"/>
-                <a:sym typeface="+mn-ea"/>
-              </a:rPr>
-              <a:t>, </a:t>
-            </a:r>
-            <a:r>
-              <a:rPr lang="ja-JP" altLang="ja-JP" sz="1600" dirty="0">
-                <a:ln>
-                  <a:noFill/>
-                </a:ln>
-                <a:effectLst/>
-                <a:latin typeface="Arial Unicode MS"/>
-                <a:sym typeface="+mn-ea"/>
-              </a:rPr>
-              <a:t>-nox</a:t>
-            </a:r>
-            <a:r>
-              <a:rPr lang="en-US" altLang="ja-JP" sz="1600" dirty="0">
-                <a:sym typeface="+mn-ea"/>
-              </a:rPr>
-              <a:t>)</a:t>
-            </a:r>
-            <a:endParaRPr kumimoji="0" lang="en-US" altLang="ja-JP" sz="1600" b="0" i="0" u="none" strike="noStrike" cap="none" normalizeH="0" baseline="0" dirty="0">
-              <a:ln>
-                <a:noFill/>
-              </a:ln>
-              <a:solidFill>
-                <a:schemeClr val="tx1"/>
-              </a:solidFill>
-              <a:effectLst/>
-              <a:latin typeface="Arial" panose="02080604020202020204" pitchFamily="34" charset="0"/>
-            </a:endParaRPr>
-          </a:p>
-          <a:p>
-            <a:r>
-              <a:rPr lang="en-US" altLang="ja-JP" sz="1600" dirty="0">
-                <a:ln>
-                  <a:noFill/>
-                </a:ln>
-                <a:solidFill>
-                  <a:srgbClr val="7030A0"/>
-                </a:solidFill>
-                <a:effectLst/>
-                <a:latin typeface="Arial Unicode MS"/>
-                <a:sym typeface="+mn-ea"/>
-              </a:rPr>
-              <a:t> -*</a:t>
-            </a:r>
-            <a:r>
-              <a:rPr lang="ja-JP" altLang="ja-JP" sz="1600" dirty="0">
-                <a:ln>
-                  <a:noFill/>
-                </a:ln>
-                <a:solidFill>
-                  <a:srgbClr val="7030A0"/>
-                </a:solidFill>
-                <a:effectLst/>
-                <a:latin typeface="Arial Unicode MS"/>
-                <a:sym typeface="+mn-ea"/>
-              </a:rPr>
-              <a:t>libmozjs185-dev</a:t>
-            </a:r>
-            <a:endParaRPr kumimoji="0" lang="en-US" altLang="ja-JP" sz="1600" b="0" i="0" cap="none" normalizeH="0" baseline="0" dirty="0">
-              <a:ln>
-                <a:noFill/>
-              </a:ln>
-              <a:solidFill>
-                <a:srgbClr val="7030A0"/>
-              </a:solidFill>
-              <a:effectLst/>
-              <a:latin typeface="Arial Unicode MS"/>
-            </a:endParaRPr>
-          </a:p>
-          <a:p>
-            <a:r>
-              <a:rPr lang="en-US" altLang="ja-JP" sz="1600" dirty="0">
-                <a:latin typeface="Arial Unicode MS"/>
-                <a:sym typeface="+mn-ea"/>
-              </a:rPr>
-              <a:t> -l</a:t>
-            </a:r>
-            <a:r>
-              <a:rPr lang="ja-JP" altLang="ja-JP" sz="1600" dirty="0">
-                <a:ln>
-                  <a:noFill/>
-                </a:ln>
-                <a:effectLst/>
-                <a:latin typeface="Arial Unicode MS"/>
-                <a:sym typeface="+mn-ea"/>
-              </a:rPr>
-              <a:t>ibicu</a:t>
-            </a:r>
-            <a:r>
-              <a:rPr lang="en-US" altLang="ja-JP" sz="1600" dirty="0">
-                <a:ln>
-                  <a:noFill/>
-                </a:ln>
-                <a:effectLst/>
-                <a:latin typeface="Arial Unicode MS"/>
-                <a:sym typeface="+mn-ea"/>
-              </a:rPr>
-              <a:t>(</a:t>
-            </a:r>
-            <a:r>
-              <a:rPr lang="ja-JP" altLang="ja-JP" sz="1600" dirty="0">
-                <a:ln>
-                  <a:noFill/>
-                </a:ln>
-                <a:effectLst/>
-                <a:latin typeface="Arial Unicode MS"/>
-                <a:sym typeface="+mn-ea"/>
-              </a:rPr>
-              <a:t>-dev</a:t>
-            </a:r>
-            <a:r>
-              <a:rPr lang="en-US" altLang="ja-JP" sz="1600" dirty="0">
-                <a:ln>
-                  <a:noFill/>
-                </a:ln>
-                <a:effectLst/>
-                <a:latin typeface="Arial Unicode MS"/>
-                <a:sym typeface="+mn-ea"/>
-              </a:rPr>
-              <a:t>, </a:t>
-            </a:r>
-            <a:r>
-              <a:rPr lang="ja-JP" altLang="ja-JP" sz="1600" dirty="0">
-                <a:ln>
-                  <a:noFill/>
-                </a:ln>
-                <a:effectLst/>
-                <a:latin typeface="Arial Unicode MS"/>
-                <a:sym typeface="+mn-ea"/>
-              </a:rPr>
-              <a:t>4-gnutls-dev</a:t>
-            </a:r>
-            <a:r>
-              <a:rPr lang="en-US" altLang="ja-JP" sz="1600" dirty="0">
-                <a:ln>
-                  <a:noFill/>
-                </a:ln>
-                <a:effectLst/>
-                <a:latin typeface="Arial Unicode MS"/>
-                <a:sym typeface="+mn-ea"/>
-              </a:rPr>
-              <a:t>)</a:t>
-            </a:r>
-            <a:r>
-              <a:rPr lang="ja-JP" altLang="ja-JP" sz="1600" dirty="0">
-                <a:ln>
-                  <a:noFill/>
-                </a:ln>
-                <a:effectLst/>
-                <a:latin typeface="Arial Unicode MS"/>
-                <a:sym typeface="+mn-ea"/>
-              </a:rPr>
-              <a:t> </a:t>
-            </a:r>
-            <a:endParaRPr kumimoji="0" lang="en-US" altLang="ja-JP" sz="1600" b="0" i="0" u="none" strike="noStrike" cap="none" normalizeH="0" baseline="0" dirty="0">
-              <a:ln>
-                <a:noFill/>
-              </a:ln>
-              <a:solidFill>
-                <a:schemeClr val="tx1"/>
-              </a:solidFill>
-              <a:effectLst/>
-              <a:latin typeface="Arial Unicode MS"/>
-            </a:endParaRPr>
-          </a:p>
-          <a:p>
-            <a:r>
-              <a:rPr lang="en-US" altLang="ja-JP" sz="1600" dirty="0">
-                <a:ln>
-                  <a:noFill/>
-                </a:ln>
-                <a:effectLst/>
-                <a:latin typeface="Arial Unicode MS"/>
-                <a:sym typeface="+mn-ea"/>
-              </a:rPr>
-              <a:t> - </a:t>
-            </a:r>
-            <a:r>
-              <a:rPr lang="ja-JP" altLang="ja-JP" sz="1600" dirty="0">
-                <a:ln>
-                  <a:noFill/>
-                </a:ln>
-                <a:effectLst/>
-                <a:latin typeface="Arial Unicode MS"/>
-                <a:sym typeface="+mn-ea"/>
-              </a:rPr>
-              <a:t>libtool</a:t>
-            </a:r>
-            <a:r>
-              <a:rPr lang="ja-JP" altLang="ja-JP" sz="1600" dirty="0">
-                <a:ln>
-                  <a:noFill/>
-                </a:ln>
-                <a:effectLst/>
-                <a:sym typeface="+mn-ea"/>
-              </a:rPr>
-              <a:t> </a:t>
-            </a:r>
-            <a:endParaRPr kumimoji="0" lang="en-US" altLang="ja-JP" sz="1600" dirty="0"/>
-          </a:p>
-          <a:p>
-            <a:r>
-              <a:rPr lang="en-US" altLang="ja-JP" sz="1600" dirty="0">
-                <a:ln>
-                  <a:noFill/>
-                </a:ln>
-                <a:solidFill>
-                  <a:schemeClr val="accent2">
-                    <a:lumMod val="60000"/>
-                    <a:lumOff val="40000"/>
-                  </a:schemeClr>
-                </a:solidFill>
-                <a:effectLst/>
-                <a:latin typeface="Arial" panose="02080604020202020204" pitchFamily="34" charset="0"/>
-                <a:sym typeface="+mn-ea"/>
-              </a:rPr>
-              <a:t>Tomcat</a:t>
-            </a:r>
-            <a:r>
-              <a:rPr lang="en-US" altLang="ja-JP" sz="1600" dirty="0">
-                <a:ln>
-                  <a:noFill/>
-                </a:ln>
-                <a:effectLst/>
-                <a:latin typeface="Arial" panose="02080604020202020204" pitchFamily="34" charset="0"/>
-                <a:sym typeface="+mn-ea"/>
-              </a:rPr>
-              <a:t>(7.x,8.x) </a:t>
-            </a:r>
-            <a:endParaRPr kumimoji="0" lang="en-US" altLang="ja-JP" sz="1600" b="0" i="0" u="none" strike="noStrike" cap="none" normalizeH="0" baseline="0" dirty="0">
-              <a:ln>
-                <a:noFill/>
-              </a:ln>
-              <a:solidFill>
-                <a:schemeClr val="tx1"/>
-              </a:solidFill>
-              <a:effectLst/>
-              <a:latin typeface="Arial" panose="02080604020202020204" pitchFamily="34" charset="0"/>
-            </a:endParaRPr>
-          </a:p>
-          <a:p>
-            <a:r>
-              <a:rPr lang="en-US" altLang="ja-JP" sz="1600" dirty="0">
-                <a:ln>
-                  <a:noFill/>
-                </a:ln>
-                <a:solidFill>
-                  <a:srgbClr val="7030A0"/>
-                </a:solidFill>
-                <a:effectLst/>
-                <a:latin typeface="Arial" panose="02080604020202020204" pitchFamily="34" charset="0"/>
-                <a:sym typeface="+mn-ea"/>
-              </a:rPr>
-              <a:t> </a:t>
-            </a:r>
-            <a:r>
-              <a:rPr lang="en-US" altLang="ja-JP" sz="1600" dirty="0">
-                <a:ln>
-                  <a:noFill/>
-                </a:ln>
-                <a:effectLst/>
-                <a:latin typeface="Arial" panose="02080604020202020204" pitchFamily="34" charset="0"/>
-                <a:sym typeface="+mn-ea"/>
-              </a:rPr>
-              <a:t>-</a:t>
-            </a:r>
-            <a:r>
-              <a:rPr lang="en-US" altLang="ja-JP" sz="1600" dirty="0" err="1">
-                <a:ln>
-                  <a:noFill/>
-                </a:ln>
-                <a:effectLst/>
-                <a:latin typeface="Arial" panose="02080604020202020204" pitchFamily="34" charset="0"/>
-                <a:sym typeface="+mn-ea"/>
-              </a:rPr>
-              <a:t>jdk</a:t>
-            </a:r>
-            <a:endParaRPr lang="en-US" altLang="ja-JP" sz="1600" dirty="0">
-              <a:ln>
-                <a:noFill/>
-              </a:ln>
-              <a:solidFill>
-                <a:srgbClr val="7030A0"/>
-              </a:solidFill>
-              <a:effectLst/>
-              <a:latin typeface="Arial" panose="02080604020202020204" pitchFamily="34" charset="0"/>
-              <a:sym typeface="+mn-ea"/>
-            </a:endParaRPr>
-          </a:p>
-        </p:txBody>
-      </p:sp>
-      <p:sp>
-        <p:nvSpPr>
-          <p:cNvPr id="16" name="Text Box 15"/>
-          <p:cNvSpPr txBox="1"/>
-          <p:nvPr/>
-        </p:nvSpPr>
-        <p:spPr>
-          <a:xfrm>
-            <a:off x="6061710" y="4483100"/>
-            <a:ext cx="5840095" cy="1568450"/>
-          </a:xfrm>
-          <a:prstGeom prst="rect">
-            <a:avLst/>
-          </a:prstGeom>
-          <a:noFill/>
-        </p:spPr>
-        <p:txBody>
-          <a:bodyPr wrap="square" rtlCol="0" anchor="t">
-            <a:spAutoFit/>
-          </a:bodyPr>
-          <a:p>
-            <a:r>
-              <a:rPr lang="en-US" altLang="en-US" sz="1600" dirty="0">
-                <a:sym typeface="+mn-ea"/>
-              </a:rPr>
-              <a:t>--- Required application ---------------------------------</a:t>
-            </a:r>
-            <a:endParaRPr lang="en-US" altLang="en-US" sz="1600" dirty="0">
-              <a:sym typeface="+mn-ea"/>
-            </a:endParaRPr>
-          </a:p>
-          <a:p>
-            <a:r>
-              <a:rPr lang="en-US" altLang="en-US" sz="1600" dirty="0">
-                <a:sym typeface="+mn-ea"/>
-              </a:rPr>
-              <a:t>[Fossolog]:</a:t>
-            </a:r>
-            <a:endParaRPr lang="en-US" altLang="en-US" sz="1600" dirty="0">
-              <a:sym typeface="+mn-ea"/>
-            </a:endParaRPr>
-          </a:p>
-          <a:p>
-            <a:r>
-              <a:rPr lang="en-US" altLang="en-US" sz="1600" dirty="0">
-                <a:sym typeface="+mn-ea"/>
-              </a:rPr>
-              <a:t>・apache - </a:t>
-            </a:r>
-            <a:endParaRPr lang="en-US" altLang="en-US" sz="1600" dirty="0">
-              <a:sym typeface="+mn-ea"/>
-            </a:endParaRPr>
-          </a:p>
-          <a:p>
-            <a:r>
-              <a:rPr lang="en-US" altLang="en-US" sz="1600" dirty="0">
-                <a:sym typeface="+mn-ea"/>
-              </a:rPr>
-              <a:t>・postgresql - </a:t>
-            </a:r>
-            <a:endParaRPr lang="en-US" altLang="en-US" sz="1600" dirty="0">
-              <a:sym typeface="+mn-ea"/>
-            </a:endParaRPr>
-          </a:p>
-          <a:p>
-            <a:endParaRPr lang="en-US" altLang="en-US" sz="1600" dirty="0">
-              <a:sym typeface="+mn-ea"/>
-            </a:endParaRPr>
-          </a:p>
-          <a:p>
-            <a:endParaRPr lang="en-US" altLang="en-US" sz="1600" dirty="0">
-              <a:sym typeface="+mn-ea"/>
-            </a:endParaRPr>
-          </a:p>
-        </p:txBody>
-      </p:sp>
-      <p:sp>
-        <p:nvSpPr>
-          <p:cNvPr id="17" name="Text Box 16"/>
-          <p:cNvSpPr txBox="1"/>
-          <p:nvPr/>
-        </p:nvSpPr>
-        <p:spPr>
-          <a:xfrm>
-            <a:off x="8563610" y="4698365"/>
-            <a:ext cx="2540000" cy="1076325"/>
-          </a:xfrm>
-          <a:prstGeom prst="rect">
-            <a:avLst/>
-          </a:prstGeom>
-          <a:noFill/>
-        </p:spPr>
-        <p:txBody>
-          <a:bodyPr wrap="square" rtlCol="0" anchor="t">
-            <a:spAutoFit/>
-          </a:bodyPr>
-          <a:p>
-            <a:r>
-              <a:rPr lang="en-US" altLang="en-US" sz="1600" dirty="0">
-                <a:sym typeface="+mn-ea"/>
-              </a:rPr>
-              <a:t>[sw360]</a:t>
-            </a:r>
-            <a:endParaRPr lang="en-US" altLang="en-US" sz="1600" dirty="0">
-              <a:sym typeface="+mn-ea"/>
-            </a:endParaRPr>
-          </a:p>
-          <a:p>
-            <a:r>
-              <a:rPr lang="en-US" altLang="en-US" sz="1600" dirty="0">
-                <a:sym typeface="+mn-ea"/>
-              </a:rPr>
-              <a:t>・Lifeway - </a:t>
-            </a:r>
-            <a:endParaRPr lang="en-US" altLang="en-US" sz="1600" dirty="0">
-              <a:sym typeface="+mn-ea"/>
-            </a:endParaRPr>
-          </a:p>
-          <a:p>
-            <a:r>
-              <a:rPr lang="en-US" altLang="en-US" sz="1600" dirty="0">
-                <a:sym typeface="+mn-ea"/>
-              </a:rPr>
-              <a:t>・couchdb</a:t>
-            </a:r>
-            <a:endParaRPr lang="en-US" altLang="en-US" sz="1600" dirty="0">
-              <a:sym typeface="+mn-ea"/>
-            </a:endParaRPr>
-          </a:p>
-          <a:p>
-            <a:r>
-              <a:rPr lang="en-US" altLang="en-US" sz="1600" dirty="0">
-                <a:sym typeface="+mn-ea"/>
-              </a:rPr>
-              <a:t>・tomcat</a:t>
-            </a:r>
-            <a:endParaRPr lang="en-US" altLang="en-US" sz="1600" dirty="0">
-              <a:sym typeface="+mn-ea"/>
-            </a:endParaRPr>
-          </a:p>
-        </p:txBody>
-      </p:sp>
-    </p:spTree>
-  </p:cSld>
-  <p:clrMapOvr>
-    <a:masterClrMapping/>
-  </p:clrMapOvr>
-</p:sld>
-</file>
-
-<file path=ppt/slides/slide7.xml><?xml version="1.0" encoding="utf-8"?>
 <p:sld xmlns:a="http://schemas.openxmlformats.org/drawingml/2006/main" xmlns:r="http://schemas.openxmlformats.org/officeDocument/2006/relationships" xmlns:p="http://schemas.openxmlformats.org/presentationml/2006/main">
   <p:cSld>
     <p:spTree>
@@ -10192,7 +10041,7 @@
         </p:blipFill>
         <p:spPr>
           <a:xfrm>
-            <a:off x="5093335" y="3020060"/>
+            <a:off x="4992370" y="3449955"/>
             <a:ext cx="7095490" cy="2906395"/>
           </a:xfrm>
           <a:prstGeom prst="rect">
@@ -10238,8 +10087,8 @@
         </p:nvSpPr>
         <p:spPr>
           <a:xfrm>
-            <a:off x="787400" y="667385"/>
-            <a:ext cx="9537700" cy="6554470"/>
+            <a:off x="241935" y="667385"/>
+            <a:ext cx="11370310" cy="7724140"/>
           </a:xfrm>
           <a:prstGeom prst="rect">
             <a:avLst/>
@@ -10252,13 +10101,13 @@
           </a:bodyPr>
           <a:p>
             <a:r>
-              <a:rPr lang="en-US" altLang="en-US" sz="2000" dirty="0">
+              <a:rPr lang="en-US" altLang="en-US" sz="2400" dirty="0">
                 <a:sym typeface="+mn-ea"/>
               </a:rPr>
               <a:t>On LINUX,  install is used  </a:t>
             </a:r>
             <a:r>
-              <a:rPr lang="en-US" altLang="en-US" sz="2000" dirty="0">
+              <a:rPr lang="en-US" altLang="en-US" sz="2400" dirty="0">
                 <a:solidFill>
                   <a:srgbClr val="FF0000"/>
                 </a:solidFill>
@@ -10267,13 +10116,13 @@
               <a:t>package-install</a:t>
             </a:r>
             <a:r>
-              <a:rPr lang="en-US" altLang="en-US" sz="2000" dirty="0">
+              <a:rPr lang="en-US" altLang="en-US" sz="2400" dirty="0">
                 <a:sym typeface="+mn-ea"/>
               </a:rPr>
               <a:t> or </a:t>
             </a:r>
             <a:r>
-              <a:rPr lang="en-US" altLang="en-US" sz="2000" dirty="0">
+              <a:rPr lang="en-US" altLang="en-US" sz="2400" dirty="0">
                 <a:solidFill>
                   <a:srgbClr val="FF0000"/>
                 </a:solidFill>
@@ -10282,190 +10131,194 @@
               <a:t>source-install </a:t>
             </a:r>
             <a:r>
-              <a:rPr lang="en-US" altLang="en-US" sz="2000" dirty="0">
+              <a:rPr lang="en-US" altLang="en-US" sz="2400" dirty="0">
                 <a:sym typeface="+mn-ea"/>
               </a:rPr>
               <a:t>Installe. </a:t>
             </a:r>
-            <a:endParaRPr lang="en-US" altLang="en-US" sz="2000" dirty="0">
+            <a:endParaRPr lang="en-US" altLang="en-US" sz="2400" dirty="0">
               <a:sym typeface="+mn-ea"/>
             </a:endParaRPr>
           </a:p>
           <a:p>
             <a:r>
-              <a:rPr lang="en-US" altLang="en-US" sz="2000" dirty="0">
+              <a:rPr lang="en-US" altLang="en-US" sz="2400" dirty="0">
                 <a:sym typeface="+mn-ea"/>
               </a:rPr>
               <a:t>Package install is </a:t>
             </a:r>
-            <a:endParaRPr lang="en-US" altLang="en-US" sz="2000" dirty="0">
+            <a:endParaRPr lang="en-US" altLang="en-US" sz="2400" dirty="0">
               <a:sym typeface="+mn-ea"/>
             </a:endParaRPr>
           </a:p>
           <a:p>
             <a:r>
-              <a:rPr lang="en-US" altLang="en-US" sz="2000" dirty="0">
+              <a:rPr lang="en-US" altLang="en-US" sz="2400" dirty="0">
                 <a:sym typeface="+mn-ea"/>
               </a:rPr>
               <a:t> package  : It is complimently, </a:t>
             </a:r>
-            <a:endParaRPr lang="en-US" altLang="en-US" sz="2000" dirty="0">
+            <a:endParaRPr lang="en-US" altLang="en-US" sz="2400" dirty="0">
               <a:sym typeface="+mn-ea"/>
             </a:endParaRPr>
           </a:p>
           <a:p>
             <a:r>
-              <a:rPr lang="en-US" altLang="en-US" sz="2000" dirty="0">
+              <a:rPr lang="en-US" altLang="en-US" sz="2400" dirty="0">
                 <a:sym typeface="+mn-ea"/>
               </a:rPr>
               <a:t> source     : </a:t>
             </a:r>
-            <a:endParaRPr lang="en-US" altLang="en-US" sz="2000" dirty="0">
+            <a:endParaRPr lang="en-US" altLang="en-US" sz="2400" dirty="0">
               <a:sym typeface="+mn-ea"/>
             </a:endParaRPr>
           </a:p>
           <a:p>
-            <a:endParaRPr lang="en-US" altLang="en-US" sz="2000" dirty="0">
+            <a:endParaRPr lang="en-US" altLang="en-US" sz="2400" dirty="0">
               <a:sym typeface="+mn-ea"/>
             </a:endParaRPr>
           </a:p>
           <a:p>
             <a:r>
-              <a:rPr lang="en-US" altLang="en-US" sz="2000" dirty="0">
-                <a:sym typeface="+mn-ea"/>
-              </a:rPr>
-              <a:t>Figure1  show you installing from source.  (fossology / sw360 </a:t>
-            </a:r>
+              <a:rPr lang="en-US" altLang="en-US" sz="2400" dirty="0">
+                <a:sym typeface="+mn-ea"/>
+              </a:rPr>
+              <a:t>Figure1  show you installing from source.  (fossology / sw360 / ) </a:t>
+            </a:r>
+            <a:endParaRPr lang="en-US" altLang="en-US" sz="2400" dirty="0">
+              <a:sym typeface="+mn-ea"/>
+            </a:endParaRPr>
+          </a:p>
+          <a:p>
+            <a:r>
+              <a:rPr lang="en-US" altLang="en-US" sz="2400" dirty="0">
+                <a:sym typeface="+mn-ea"/>
+              </a:rPr>
+              <a:t>souce-install is consist of 3 steps. </a:t>
+            </a:r>
+            <a:endParaRPr lang="en-US" altLang="en-US" sz="2400" dirty="0">
+              <a:sym typeface="+mn-ea"/>
+            </a:endParaRPr>
+          </a:p>
+          <a:p>
+            <a:r>
+              <a:rPr lang="en-US" altLang="en-US" sz="2400" dirty="0">
+                <a:sym typeface="+mn-ea"/>
+              </a:rPr>
+              <a:t>・step1 is download</a:t>
+            </a:r>
+            <a:endParaRPr lang="en-US" altLang="en-US" sz="2400" dirty="0">
+              <a:sym typeface="+mn-ea"/>
+            </a:endParaRPr>
+          </a:p>
+          <a:p>
+            <a:r>
+              <a:rPr lang="en-US" altLang="en-US" sz="2400" dirty="0">
+                <a:sym typeface="+mn-ea"/>
+              </a:rPr>
+              <a:t>・step2 is build and config</a:t>
+            </a:r>
+            <a:endParaRPr lang="en-US" altLang="en-US" sz="2400" dirty="0">
+              <a:sym typeface="+mn-ea"/>
+            </a:endParaRPr>
+          </a:p>
+          <a:p>
+            <a:r>
+              <a:rPr lang="en-US" altLang="en-US" sz="2400" dirty="0">
+                <a:sym typeface="+mn-ea"/>
+              </a:rPr>
+              <a:t>・step3 is installing. </a:t>
+            </a:r>
+            <a:endParaRPr lang="en-US" altLang="en-US" sz="2400" dirty="0">
+              <a:sym typeface="+mn-ea"/>
+            </a:endParaRPr>
+          </a:p>
+          <a:p>
             <a:r>
               <a:rPr lang="" altLang="en-US" sz="2000" dirty="0">
-                <a:sym typeface="+mn-ea"/>
-              </a:rPr>
-              <a:t>/ </a:t>
-            </a:r>
-            <a:r>
-              <a:rPr lang="en-US" altLang="en-US" sz="2000" dirty="0">
-                <a:sym typeface="+mn-ea"/>
-              </a:rPr>
-              <a:t>) </a:t>
-            </a:r>
-            <a:endParaRPr lang="en-US" altLang="en-US" sz="2000" dirty="0">
+                <a:solidFill>
+                  <a:schemeClr val="tx1"/>
+                </a:solidFill>
+                <a:sym typeface="+mn-ea"/>
+              </a:rPr>
+              <a:t>Step2 is used configure、make、</a:t>
+            </a:r>
+            <a:endParaRPr lang="" altLang="en-US" sz="2000" dirty="0">
+              <a:solidFill>
+                <a:schemeClr val="tx1"/>
+              </a:solidFill>
               <a:sym typeface="+mn-ea"/>
             </a:endParaRPr>
           </a:p>
           <a:p>
             <a:r>
-              <a:rPr lang="en-US" altLang="en-US" sz="2000" dirty="0">
-                <a:sym typeface="+mn-ea"/>
-              </a:rPr>
-              <a:t>souce-install is consist of 3 steps. </a:t>
-            </a:r>
-            <a:endParaRPr lang="en-US" altLang="en-US" sz="2000" dirty="0">
+              <a:rPr lang="" altLang="en-US" sz="2000" dirty="0">
+                <a:solidFill>
+                  <a:schemeClr val="tx1"/>
+                </a:solidFill>
+                <a:sym typeface="+mn-ea"/>
+              </a:rPr>
+              <a:t>make install commands.</a:t>
+            </a:r>
+            <a:endParaRPr lang="en-US" altLang="en-US" sz="2400" dirty="0">
+              <a:solidFill>
+                <a:srgbClr val="00B050"/>
+              </a:solidFill>
               <a:sym typeface="+mn-ea"/>
             </a:endParaRPr>
           </a:p>
           <a:p>
-            <a:r>
-              <a:rPr lang="en-US" altLang="en-US" sz="2000" dirty="0">
-                <a:sym typeface="+mn-ea"/>
-              </a:rPr>
-              <a:t>・step1 is download</a:t>
-            </a:r>
-            <a:endParaRPr lang="en-US" altLang="en-US" sz="2000" dirty="0">
+            <a:endParaRPr lang="en-US" altLang="en-US" sz="2400" dirty="0">
+              <a:solidFill>
+                <a:srgbClr val="00B050"/>
+              </a:solidFill>
               <a:sym typeface="+mn-ea"/>
             </a:endParaRPr>
           </a:p>
           <a:p>
             <a:r>
-              <a:rPr lang="en-US" altLang="en-US" sz="2000" dirty="0">
-                <a:sym typeface="+mn-ea"/>
-              </a:rPr>
-              <a:t>・step2 is build and config</a:t>
-            </a:r>
-            <a:endParaRPr lang="en-US" altLang="en-US" sz="2000" dirty="0">
+              <a:rPr lang="en-US" altLang="en-US" sz="2400" dirty="0">
+                <a:solidFill>
+                  <a:srgbClr val="00B050"/>
+                </a:solidFill>
+                <a:sym typeface="+mn-ea"/>
+              </a:rPr>
+              <a:t>Next page is explain each steps. </a:t>
+            </a:r>
+            <a:endParaRPr lang="en-US" altLang="en-US" sz="2400" dirty="0">
+              <a:solidFill>
+                <a:srgbClr val="00B050"/>
+              </a:solidFill>
               <a:sym typeface="+mn-ea"/>
             </a:endParaRPr>
           </a:p>
           <a:p>
-            <a:r>
-              <a:rPr lang="en-US" altLang="en-US" sz="2000" dirty="0">
-                <a:sym typeface="+mn-ea"/>
-              </a:rPr>
-              <a:t>・step3 is installing. </a:t>
-            </a:r>
-            <a:endParaRPr lang="en-US" altLang="en-US" sz="2000" dirty="0">
+            <a:endParaRPr lang="en-US" altLang="en-US" sz="2400" dirty="0">
+              <a:solidFill>
+                <a:srgbClr val="00B050"/>
+              </a:solidFill>
               <a:sym typeface="+mn-ea"/>
             </a:endParaRPr>
           </a:p>
           <a:p>
-            <a:r>
-              <a:rPr lang="en-US" altLang="en-US" sz="2000" dirty="0">
-                <a:sym typeface="+mn-ea"/>
-              </a:rPr>
-              <a:t>・Next page is explain each steps. </a:t>
-            </a:r>
-            <a:endParaRPr lang="en-US" altLang="en-US" sz="2000" dirty="0">
+            <a:endParaRPr lang="en-US" altLang="en-US" sz="2400" dirty="0">
               <a:sym typeface="+mn-ea"/>
             </a:endParaRPr>
           </a:p>
           <a:p>
-            <a:endParaRPr lang="en-US" altLang="en-US" sz="2000" dirty="0">
-              <a:sym typeface="+mn-ea"/>
-            </a:endParaRPr>
-          </a:p>
-          <a:p>
-            <a:r>
-              <a:rPr lang="en-US" altLang="en-US" sz="2000" dirty="0">
-                <a:sym typeface="+mn-ea"/>
-              </a:rPr>
-              <a:t>package  : It is complimently</a:t>
-            </a:r>
-            <a:endParaRPr lang="en-US" altLang="en-US" sz="2000" dirty="0">
-              <a:sym typeface="+mn-ea"/>
-            </a:endParaRPr>
-          </a:p>
-          <a:p>
-            <a:r>
-              <a:rPr lang="en-US" altLang="en-US" sz="2000" dirty="0">
-                <a:sym typeface="+mn-ea"/>
-              </a:rPr>
-              <a:t>souce    </a:t>
-            </a:r>
-            <a:endParaRPr lang="en-US" altLang="en-US" sz="2000" dirty="0">
-              <a:sym typeface="+mn-ea"/>
-            </a:endParaRPr>
-          </a:p>
-          <a:p>
-            <a:endParaRPr kumimoji="1" lang="en-US" altLang="en-US" sz="2000" dirty="0"/>
-          </a:p>
-          <a:p>
-            <a:endParaRPr kumimoji="1" lang="en-US" altLang="en-US" sz="2000" dirty="0"/>
-          </a:p>
-          <a:p>
-            <a:r>
-              <a:rPr kumimoji="1" lang="en-US" altLang="en-US" sz="2000" dirty="0"/>
-              <a:t>Pls confirm table1 written under. </a:t>
-            </a:r>
-            <a:endParaRPr kumimoji="1" lang="en-US" altLang="en-US" sz="2000" dirty="0"/>
-          </a:p>
-          <a:p>
-            <a:r>
-              <a:rPr kumimoji="1" lang="en-US" altLang="en-US" sz="2000" dirty="0"/>
-              <a:t>This is major programs used fossology and sw360. </a:t>
-            </a:r>
-            <a:endParaRPr kumimoji="1" lang="en-US" altLang="en-US" sz="2000" dirty="0"/>
-          </a:p>
-          <a:p>
-            <a:r>
-              <a:rPr kumimoji="1" lang="en-US" altLang="en-US" sz="2000" dirty="0"/>
-              <a:t> ・sw360 - couchdb / apache / </a:t>
-            </a:r>
-            <a:endParaRPr kumimoji="1" lang="en-US" altLang="en-US" sz="2000" dirty="0"/>
-          </a:p>
-          <a:p>
-            <a:endParaRPr kumimoji="1" lang="en-US" altLang="en-US" sz="2000" dirty="0"/>
-          </a:p>
-          <a:p>
-            <a:endParaRPr kumimoji="1" lang="en-US" altLang="en-US" sz="2000" dirty="0"/>
+            <a:endParaRPr kumimoji="1" lang="en-US" altLang="en-US" sz="2400" dirty="0"/>
+          </a:p>
+          <a:p>
+            <a:endParaRPr kumimoji="1" lang="en-US" altLang="en-US" sz="2400" dirty="0"/>
+          </a:p>
+          <a:p>
+            <a:endParaRPr kumimoji="1" lang="en-US" altLang="en-US" sz="2400" dirty="0"/>
+          </a:p>
+          <a:p>
+            <a:endParaRPr kumimoji="1" lang="en-US" altLang="en-US" sz="2400" dirty="0"/>
+          </a:p>
+          <a:p>
+            <a:endParaRPr kumimoji="1" lang="en-US" altLang="en-US" sz="2400" dirty="0"/>
           </a:p>
         </p:txBody>
       </p:sp>
@@ -10477,8 +10330,8 @@
         </p:nvSpPr>
         <p:spPr>
           <a:xfrm>
-            <a:off x="6278880" y="5105400"/>
-            <a:ext cx="3424555" cy="245110"/>
+            <a:off x="6278880" y="6356350"/>
+            <a:ext cx="4708525" cy="306705"/>
           </a:xfrm>
           <a:prstGeom prst="rect">
             <a:avLst/>
@@ -10491,12 +10344,12 @@
           </a:bodyPr>
           <a:p>
             <a:r>
-              <a:rPr lang="en-US" altLang="en-US" sz="1000" dirty="0">
+              <a:rPr lang="en-US" altLang="en-US" sz="1400" dirty="0">
                 <a:sym typeface="+mn-ea"/>
               </a:rPr>
               <a:t>figure 1 way of sourceCode's download and install.</a:t>
             </a:r>
-            <a:endParaRPr lang="en-US" altLang="en-US" sz="1000" dirty="0">
+            <a:endParaRPr lang="en-US" altLang="en-US" sz="1400" dirty="0">
               <a:sym typeface="+mn-ea"/>
             </a:endParaRPr>
           </a:p>
@@ -10537,6 +10390,46 @@
           </a:p>
         </p:txBody>
       </p:sp>
+      <p:sp>
+        <p:nvSpPr>
+          <p:cNvPr id="6" name="Text Box 5"/>
+          <p:cNvSpPr txBox="1"/>
+          <p:nvPr/>
+        </p:nvSpPr>
+        <p:spPr>
+          <a:xfrm>
+            <a:off x="241935" y="22225"/>
+            <a:ext cx="8412480" cy="645160"/>
+          </a:xfrm>
+          <a:prstGeom prst="rect">
+            <a:avLst/>
+          </a:prstGeom>
+          <a:noFill/>
+        </p:spPr>
+        <p:txBody>
+          <a:bodyPr wrap="none" rtlCol="0" anchor="t">
+            <a:spAutoFit/>
+          </a:bodyPr>
+          <a:p>
+            <a:pPr algn="l"/>
+            <a:r>
+              <a:rPr lang="en-US" altLang="en-US" sz="3600" dirty="0">
+                <a:solidFill>
+                  <a:srgbClr val="00B0F0"/>
+                </a:solidFill>
+                <a:sym typeface="+mn-ea"/>
+              </a:rPr>
+              <a:t>Major Installing way on Linux.		</a:t>
+            </a:r>
+            <a:endParaRPr lang="en-US" altLang="en-US" sz="3600" dirty="0">
+              <a:solidFill>
+                <a:srgbClr val="00B0F0"/>
+              </a:solidFill>
+              <a:sym typeface="+mn-ea"/>
+            </a:endParaRPr>
+          </a:p>
+        </p:txBody>
+      </p:sp>
     </p:spTree>
   </p:cSld>
   <p:clrMapOvr>
@@ -10545,7 +10438,7 @@
 </p:sld>
 </file>
 
-<file path=ppt/slides/slide8.xml><?xml version="1.0" encoding="utf-8"?>
+<file path=ppt/slides/slide7.xml><?xml version="1.0" encoding="utf-8"?>
 <p:sld xmlns:a="http://schemas.openxmlformats.org/drawingml/2006/main" xmlns:r="http://schemas.openxmlformats.org/officeDocument/2006/relationships" xmlns:p="http://schemas.openxmlformats.org/presentationml/2006/main">
   <p:cSld>
     <p:spTree>
@@ -10608,7 +10501,7 @@
         </p:blipFill>
         <p:spPr>
           <a:xfrm>
-            <a:off x="2949575" y="910590"/>
+            <a:off x="5256530" y="910590"/>
             <a:ext cx="6814185" cy="2791460"/>
           </a:xfrm>
           <a:prstGeom prst="rect">
@@ -10624,8 +10517,8 @@
         </p:nvSpPr>
         <p:spPr>
           <a:xfrm rot="20640000">
-            <a:off x="3531870" y="3270250"/>
-            <a:ext cx="729615" cy="318135"/>
+            <a:off x="6137910" y="3308985"/>
+            <a:ext cx="734695" cy="302260"/>
           </a:xfrm>
           <a:prstGeom prst="rightArrow">
             <a:avLst/>
@@ -10662,7 +10555,7 @@
           <p:nvPr/>
         </p:nvGraphicFramePr>
         <p:xfrm>
-          <a:off x="1062355" y="3780155"/>
+          <a:off x="969010" y="3875405"/>
           <a:ext cx="10253980" cy="2575560"/>
         </p:xfrm>
         <a:graphic>
@@ -10992,7 +10885,7 @@
         </p:nvSpPr>
         <p:spPr>
           <a:xfrm>
-            <a:off x="8216265" y="6399530"/>
+            <a:off x="9570720" y="6450965"/>
             <a:ext cx="2133600" cy="476250"/>
           </a:xfrm>
         </p:spPr>
@@ -11047,14 +10940,14 @@
       </p:sp>
       <p:sp>
         <p:nvSpPr>
-          <p:cNvPr id="7" name="Text Box 6"/>
+          <p:cNvPr id="5" name="Text Box 4"/>
           <p:cNvSpPr txBox="1"/>
           <p:nvPr/>
         </p:nvSpPr>
         <p:spPr>
-          <a:xfrm rot="6720000">
-            <a:off x="340360" y="5633720"/>
-            <a:ext cx="1011555" cy="368300"/>
+          <a:xfrm>
+            <a:off x="252730" y="1398905"/>
+            <a:ext cx="5857875" cy="1814830"/>
           </a:xfrm>
           <a:prstGeom prst="rect">
             <a:avLst/>
@@ -11067,51 +10960,31 @@
           </a:bodyPr>
           <a:p>
             <a:r>
-              <a:rPr lang="en-US">
-                <a:latin typeface="东文宋体" charset="0"/>
-                <a:ea typeface="东文宋体" charset="0"/>
-              </a:rPr>
-              <a:t>↑</a:t>
-            </a:r>
-            <a:endParaRPr lang="en-US">
-              <a:latin typeface="东文宋体" charset="0"/>
-              <a:ea typeface="东文宋体" charset="0"/>
-            </a:endParaRPr>
-          </a:p>
-        </p:txBody>
-      </p:sp>
-      <p:sp>
-        <p:nvSpPr>
-          <p:cNvPr id="8" name="Text Box 7"/>
-          <p:cNvSpPr txBox="1"/>
-          <p:nvPr/>
-        </p:nvSpPr>
-        <p:spPr>
-          <a:xfrm rot="6720000">
-            <a:off x="340360" y="6063615"/>
-            <a:ext cx="1011555" cy="368300"/>
-          </a:xfrm>
-          <a:prstGeom prst="rect">
-            <a:avLst/>
-          </a:prstGeom>
-          <a:noFill/>
-        </p:spPr>
-        <p:txBody>
-          <a:bodyPr wrap="square" rtlCol="0" anchor="t">
-            <a:spAutoFit/>
-          </a:bodyPr>
-          <a:p>
-            <a:r>
-              <a:rPr lang="en-US">
-                <a:latin typeface="东文宋体" charset="0"/>
-                <a:ea typeface="东文宋体" charset="0"/>
-              </a:rPr>
-              <a:t>↑</a:t>
-            </a:r>
-            <a:endParaRPr lang="en-US">
-              <a:latin typeface="东文宋体" charset="0"/>
-              <a:ea typeface="东文宋体" charset="0"/>
-            </a:endParaRPr>
+              <a:rPr lang="en-US" sz="1600"/>
+              <a:t>1.download(git clone, curl, etc):</a:t>
+            </a:r>
+            <a:endParaRPr lang="en-US" sz="1600"/>
+          </a:p>
+          <a:p>
+            <a:r>
+              <a:rPr lang="en-US" sz="1600"/>
+              <a:t> This download sourceCode to local (default currentDir) from repository of internet. You should download 前提プロ グラ ム(fossology give auto install script. sw360</a:t>
+            </a:r>
+            <a:endParaRPr lang="en-US" sz="1600"/>
+          </a:p>
+          <a:p>
+            <a:r>
+              <a:rPr lang="en-US" sz="1600"/>
+              <a:t>don't give. pls show under URL ). Same program may be required to unzip. before</a:t>
+            </a:r>
+            <a:endParaRPr lang="en-US" sz="1600"/>
+          </a:p>
+          <a:p>
+            <a:r>
+              <a:rPr lang="en-US" sz="1600"/>
+              <a:t>you build</a:t>
+            </a:r>
+            <a:endParaRPr lang="en-US" sz="1600"/>
           </a:p>
         </p:txBody>
       </p:sp>
@@ -11123,7 +10996,7 @@
 </p:sld>
 </file>
 
-<file path=ppt/slides/slide9.xml><?xml version="1.0" encoding="utf-8"?>
+<file path=ppt/slides/slide8.xml><?xml version="1.0" encoding="utf-8"?>
 <p:sld xmlns:a="http://schemas.openxmlformats.org/drawingml/2006/main" xmlns:r="http://schemas.openxmlformats.org/officeDocument/2006/relationships" xmlns:p="http://schemas.openxmlformats.org/presentationml/2006/main">
   <p:cSld>
     <p:spTree>
@@ -11170,45 +11043,6 @@
           </a:p>
         </p:txBody>
       </p:sp>
-      <p:sp>
-        <p:nvSpPr>
-          <p:cNvPr id="53" name="Right Arrow 52"/>
-          <p:cNvSpPr/>
-          <p:nvPr/>
-        </p:nvSpPr>
-        <p:spPr>
-          <a:xfrm rot="19800000">
-            <a:off x="5162550" y="3347085"/>
-            <a:ext cx="509905" cy="335915"/>
-          </a:xfrm>
-          <a:prstGeom prst="rightArrow">
-            <a:avLst/>
-          </a:prstGeom>
-        </p:spPr>
-        <p:style>
-          <a:lnRef idx="2">
-            <a:schemeClr val="accent2">
-              <a:shade val="50000"/>
-            </a:schemeClr>
-          </a:lnRef>
-          <a:fillRef idx="1">
-            <a:schemeClr val="accent2"/>
-          </a:fillRef>
-          <a:effectRef idx="0">
-            <a:schemeClr val="accent2"/>
-          </a:effectRef>
-          <a:fontRef idx="minor">
-            <a:schemeClr val="lt1"/>
-          </a:fontRef>
-        </p:style>
-        <p:txBody>
-          <a:bodyPr rtlCol="0" anchor="ctr"/>
-          <a:p>
-            <a:pPr algn="ctr"/>
-            <a:endParaRPr lang="en-US"/>
-          </a:p>
-        </p:txBody>
-      </p:sp>
       <p:graphicFrame>
         <p:nvGraphicFramePr>
           <p:cNvPr id="2" name="Table 1"/>
@@ -11216,8 +11050,8 @@
           <p:nvPr/>
         </p:nvGraphicFramePr>
         <p:xfrm>
-          <a:off x="1939290" y="4175760"/>
-          <a:ext cx="8306435" cy="2518410"/>
+          <a:off x="568325" y="4136390"/>
+          <a:ext cx="11264265" cy="2518410"/>
         </p:xfrm>
         <a:graphic>
           <a:graphicData uri="http://schemas.openxmlformats.org/drawingml/2006/table">
@@ -11226,9 +11060,9 @@
                 <a:tableStyleId>{5C22544A-7EE6-4342-B048-85BDC9FD1C3A}</a:tableStyleId>
               </a:tblPr>
               <a:tblGrid>
-                <a:gridCol w="2206625"/>
-                <a:gridCol w="4048125"/>
-                <a:gridCol w="2051685"/>
+                <a:gridCol w="2336165"/>
+                <a:gridCol w="6386195"/>
+                <a:gridCol w="2541905"/>
               </a:tblGrid>
               <a:tr h="439420">
                 <a:tc>
@@ -11306,7 +11140,15 @@
                       <a:pPr>
                         <a:buNone/>
                       </a:pPr>
-                      <a:endParaRPr lang="en-US" altLang="en-US"/>
+                      <a:r>
+                        <a:rPr lang="en-US" altLang="en-US"/>
+                        <a:t>A tool for easily building programs </a:t>
+                      </a:r>
+                      <a:r>
+                        <a:rPr lang="" altLang="en-US"/>
+                        <a:t>mainly compiled programming language.(ex.C or C++)</a:t>
+                      </a:r>
+                      <a:endParaRPr lang="" altLang="en-US"/>
                     </a:p>
                   </a:txBody>
                   <a:tcPr/>
@@ -11352,6 +11194,12 @@
                       <a:pPr>
                         <a:buNone/>
                       </a:pPr>
+                      <a:r>
+                        <a:rPr lang="en-US" altLang="en-US" sz="1800">
+                          <a:sym typeface="+mn-ea"/>
+                        </a:rPr>
+                        <a:t>A tool for easily building programs mainly compiled programming language.(ex.C or C++)</a:t>
+                      </a:r>
                       <a:endParaRPr lang="en-US" altLang="en-US"/>
                     </a:p>
                   </a:txBody>
@@ -11512,7 +11360,7 @@
         </p:blipFill>
         <p:spPr>
           <a:xfrm>
-            <a:off x="2953385" y="1363980"/>
+            <a:off x="5911850" y="1213485"/>
             <a:ext cx="6285865" cy="2574925"/>
           </a:xfrm>
           <a:prstGeom prst="rect">
@@ -11527,8 +11375,8 @@
           <p:nvPr/>
         </p:nvSpPr>
         <p:spPr>
-          <a:xfrm rot="20640000">
-            <a:off x="4963160" y="3526790"/>
+          <a:xfrm rot="19380000">
+            <a:off x="7893050" y="3519805"/>
             <a:ext cx="729615" cy="318135"/>
           </a:xfrm>
           <a:prstGeom prst="rightArrow">
@@ -11556,6 +11404,488 @@
           <a:p>
             <a:pPr algn="ctr"/>
             <a:endParaRPr lang="en-US"/>
+          </a:p>
+        </p:txBody>
+      </p:sp>
+      <p:sp>
+        <p:nvSpPr>
+          <p:cNvPr id="5" name="Text Box 4"/>
+          <p:cNvSpPr txBox="1"/>
+          <p:nvPr/>
+        </p:nvSpPr>
+        <p:spPr>
+          <a:xfrm>
+            <a:off x="108585" y="1127125"/>
+            <a:ext cx="5901055" cy="3291840"/>
+          </a:xfrm>
+          <a:prstGeom prst="rect">
+            <a:avLst/>
+          </a:prstGeom>
+          <a:noFill/>
+        </p:spPr>
+        <p:txBody>
+          <a:bodyPr wrap="square" rtlCol="0" anchor="t">
+            <a:spAutoFit/>
+          </a:bodyPr>
+          <a:p>
+            <a:r>
+              <a:rPr lang="en-US" sz="1600"/>
+              <a:t>2.build: (maven, make / make install, configure, and some scripts)</a:t>
+            </a:r>
+            <a:endParaRPr lang="en-US" sz="1600"/>
+          </a:p>
+          <a:p>
+            <a:r>
+              <a:rPr lang="en-US" sz="1600"/>
+              <a:t>Compile and make binay files. Binary files is called when user exec program. But kernel may call binary file auto(ex.systemd, clon). Build tool(program) is too many. some build tool move under programing</a:t>
+            </a:r>
+            <a:endParaRPr lang="en-US" sz="1600"/>
+          </a:p>
+          <a:p>
+            <a:r>
+              <a:rPr lang="en-US" sz="1600"/>
+              <a:t>languuage(ex.maven)-&gt;make(maven)の仕組みへ. NOTE: excluding make, some programm is not included 3.イ ンスト ールは含ま ず</a:t>
+            </a:r>
+            <a:endParaRPr lang="en-US" sz="1600"/>
+          </a:p>
+          <a:p>
+            <a:r>
+              <a:rPr lang="en-US" sz="1600"/>
+              <a:t>に、4..execへいく こ と ができ る (fossology and sw360 use make)</a:t>
+            </a:r>
+            <a:endParaRPr lang="en-US" sz="1600"/>
+          </a:p>
+          <a:p>
+            <a:r>
+              <a:rPr lang="en-US" sz="1600"/>
+              <a:t>When program use systemd, you may tipe systemctl cmd. -&gt; systemdのし く みへ</a:t>
+            </a:r>
+            <a:endParaRPr lang="en-US" sz="1600"/>
+          </a:p>
+        </p:txBody>
+      </p:sp>
+    </p:spTree>
+  </p:cSld>
+  <p:clrMapOvr>
+    <a:masterClrMapping/>
+  </p:clrMapOvr>
+</p:sld>
+</file>
+
+<file path=ppt/slides/slide9.xml><?xml version="1.0" encoding="utf-8"?>
+<p:sld xmlns:a="http://schemas.openxmlformats.org/drawingml/2006/main" xmlns:r="http://schemas.openxmlformats.org/officeDocument/2006/relationships" xmlns:p="http://schemas.openxmlformats.org/presentationml/2006/main">
+  <p:cSld>
+    <p:spTree>
+      <p:nvGrpSpPr>
+        <p:cNvPr id="1" name=""/>
+        <p:cNvGrpSpPr/>
+        <p:nvPr/>
+      </p:nvGrpSpPr>
+      <p:grpSpPr>
+        <a:xfrm>
+          <a:off x="0" y="0"/>
+          <a:ext cx="0" cy="0"/>
+          <a:chOff x="0" y="0"/>
+          <a:chExt cx="0" cy="0"/>
+        </a:xfrm>
+      </p:grpSpPr>
+      <p:sp>
+        <p:nvSpPr>
+          <p:cNvPr id="14" name="Text Box 13"/>
+          <p:cNvSpPr txBox="1"/>
+          <p:nvPr/>
+        </p:nvSpPr>
+        <p:spPr>
+          <a:xfrm>
+            <a:off x="2575560" y="269240"/>
+            <a:ext cx="247650" cy="337185"/>
+          </a:xfrm>
+          <a:prstGeom prst="rect">
+            <a:avLst/>
+          </a:prstGeom>
+          <a:noFill/>
+        </p:spPr>
+        <p:txBody>
+          <a:bodyPr wrap="none" rtlCol="0" anchor="t">
+            <a:spAutoFit/>
+          </a:bodyPr>
+          <a:p>
+            <a:r>
+              <a:rPr lang="en-US" altLang="en-US" sz="1600" dirty="0">
+                <a:sym typeface="+mn-ea"/>
+              </a:rPr>
+              <a:t> </a:t>
+            </a:r>
+            <a:endParaRPr lang="en-US" altLang="en-US" sz="1600" dirty="0">
+              <a:sym typeface="+mn-ea"/>
+            </a:endParaRPr>
+          </a:p>
+        </p:txBody>
+      </p:sp>
+      <p:sp>
+        <p:nvSpPr>
+          <p:cNvPr id="2" name="正方形/長方形 57"/>
+          <p:cNvSpPr/>
+          <p:nvPr/>
+        </p:nvSpPr>
+        <p:spPr>
+          <a:xfrm>
+            <a:off x="6898005" y="5316855"/>
+            <a:ext cx="3018790" cy="1238250"/>
+          </a:xfrm>
+          <a:prstGeom prst="rect">
+            <a:avLst/>
+          </a:prstGeom>
+          <a:solidFill>
+            <a:schemeClr val="accent1">
+              <a:lumMod val="20000"/>
+              <a:lumOff val="80000"/>
+            </a:schemeClr>
+          </a:solidFill>
+        </p:spPr>
+        <p:style>
+          <a:lnRef idx="2">
+            <a:schemeClr val="accent1">
+              <a:shade val="50000"/>
+            </a:schemeClr>
+          </a:lnRef>
+          <a:fillRef idx="1">
+            <a:schemeClr val="accent1"/>
+          </a:fillRef>
+          <a:effectRef idx="0">
+            <a:schemeClr val="accent1"/>
+          </a:effectRef>
+          <a:fontRef idx="minor">
+            <a:schemeClr val="lt1"/>
+          </a:fontRef>
+        </p:style>
+        <p:txBody>
+          <a:bodyPr rtlCol="0" anchor="ctr"/>
+          <a:p>
+            <a:pPr algn="ctr"/>
+            <a:endParaRPr kumimoji="1" lang="ja-JP" altLang="en-US"/>
+          </a:p>
+        </p:txBody>
+      </p:sp>
+      <p:pic>
+        <p:nvPicPr>
+          <p:cNvPr id="3" name="グラフィックス 24" descr="クラウドからダウンロード"/>
+          <p:cNvPicPr>
+            <a:picLocks noChangeAspect="1"/>
+          </p:cNvPicPr>
+          <p:nvPr/>
+        </p:nvPicPr>
+        <p:blipFill>
+          <a:blip r:embed="rId1">
+            <a:extLst>
+              <a:ext uri="{28A0092B-C50C-407E-A947-70E740481C1C}">
+                <a14:useLocalDpi xmlns:a14="http://schemas.microsoft.com/office/drawing/2010/main" val="0"/>
+              </a:ext>
+              <a:ext uri="{96DAC541-7B7A-43D3-8B79-37D633B846F1}">
+                <asvg:svgBlip xmlns:asvg="http://schemas.microsoft.com/office/drawing/2016/SVG/main" r:embed="rId2"/>
+              </a:ext>
+            </a:extLst>
+          </a:blip>
+          <a:stretch>
+            <a:fillRect/>
+          </a:stretch>
+        </p:blipFill>
+        <p:spPr>
+          <a:xfrm>
+            <a:off x="8495030" y="5394960"/>
+            <a:ext cx="322580" cy="322580"/>
+          </a:xfrm>
+          <a:prstGeom prst="rect">
+            <a:avLst/>
+          </a:prstGeom>
+        </p:spPr>
+      </p:pic>
+      <p:sp>
+        <p:nvSpPr>
+          <p:cNvPr id="4" name="雲 26"/>
+          <p:cNvSpPr/>
+          <p:nvPr/>
+        </p:nvSpPr>
+        <p:spPr>
+          <a:xfrm>
+            <a:off x="9060180" y="4650740"/>
+            <a:ext cx="528955" cy="311785"/>
+          </a:xfrm>
+          <a:prstGeom prst="cloud">
+            <a:avLst/>
+          </a:prstGeom>
+          <a:solidFill>
+            <a:schemeClr val="accent1">
+              <a:lumMod val="60000"/>
+              <a:lumOff val="40000"/>
+            </a:schemeClr>
+          </a:solidFill>
+        </p:spPr>
+        <p:style>
+          <a:lnRef idx="2">
+            <a:schemeClr val="accent1">
+              <a:shade val="50000"/>
+            </a:schemeClr>
+          </a:lnRef>
+          <a:fillRef idx="1">
+            <a:schemeClr val="accent1"/>
+          </a:fillRef>
+          <a:effectRef idx="0">
+            <a:schemeClr val="accent1"/>
+          </a:effectRef>
+          <a:fontRef idx="minor">
+            <a:schemeClr val="lt1"/>
+          </a:fontRef>
+        </p:style>
+        <p:txBody>
+          <a:bodyPr rtlCol="0" anchor="ctr"/>
+          <a:p>
+            <a:pPr algn="ctr"/>
+            <a:endParaRPr kumimoji="1" lang="ja-JP" altLang="en-US"/>
+          </a:p>
+        </p:txBody>
+      </p:sp>
+      <p:cxnSp>
+        <p:nvCxnSpPr>
+          <p:cNvPr id="6" name="コネクタ: 曲線 28"/>
+          <p:cNvCxnSpPr/>
+          <p:nvPr/>
+        </p:nvCxnSpPr>
+        <p:spPr>
+          <a:xfrm rot="5400000" flipV="1">
+            <a:off x="9009380" y="5123180"/>
+            <a:ext cx="478790" cy="419100"/>
+          </a:xfrm>
+          <a:prstGeom prst="curvedConnector3">
+            <a:avLst>
+              <a:gd name="adj1" fmla="val 50133"/>
+            </a:avLst>
+          </a:prstGeom>
+          <a:ln>
+            <a:tailEnd type="triangle"/>
+          </a:ln>
+        </p:spPr>
+        <p:style>
+          <a:lnRef idx="1">
+            <a:schemeClr val="accent1"/>
+          </a:lnRef>
+          <a:fillRef idx="0">
+            <a:schemeClr val="accent1"/>
+          </a:fillRef>
+          <a:effectRef idx="0">
+            <a:schemeClr val="accent1"/>
+          </a:effectRef>
+          <a:fontRef idx="minor">
+            <a:schemeClr val="tx1"/>
+          </a:fontRef>
+        </p:style>
+      </p:cxnSp>
+      <p:sp>
+        <p:nvSpPr>
+          <p:cNvPr id="7" name="テキスト ボックス 25"/>
+          <p:cNvSpPr txBox="1"/>
+          <p:nvPr/>
+        </p:nvSpPr>
+        <p:spPr>
+          <a:xfrm flipH="1">
+            <a:off x="7139305" y="5119370"/>
+            <a:ext cx="3392805" cy="275590"/>
+          </a:xfrm>
+          <a:prstGeom prst="rect">
+            <a:avLst/>
+          </a:prstGeom>
+          <a:noFill/>
+        </p:spPr>
+        <p:txBody>
+          <a:bodyPr wrap="square" rtlCol="0">
+            <a:spAutoFit/>
+          </a:bodyPr>
+          <a:p>
+            <a:r>
+              <a:rPr kumimoji="1" lang="en-US" altLang="en-US" sz="1200" dirty="0"/>
+              <a:t>git clone</a:t>
+            </a:r>
+            <a:endParaRPr kumimoji="1" lang="en-US" altLang="en-US" sz="1200" dirty="0"/>
+          </a:p>
+        </p:txBody>
+      </p:sp>
+      <p:pic>
+        <p:nvPicPr>
+          <p:cNvPr id="8" name="グラフィックス 48" descr="ブラウザー ウィンドウ"/>
+          <p:cNvPicPr>
+            <a:picLocks noChangeAspect="1"/>
+          </p:cNvPicPr>
+          <p:nvPr/>
+        </p:nvPicPr>
+        <p:blipFill>
+          <a:blip r:embed="rId3">
+            <a:extLst>
+              <a:ext uri="{28A0092B-C50C-407E-A947-70E740481C1C}">
+                <a14:useLocalDpi xmlns:a14="http://schemas.microsoft.com/office/drawing/2010/main" val="0"/>
+              </a:ext>
+              <a:ext uri="{96DAC541-7B7A-43D3-8B79-37D633B846F1}">
+                <asvg:svgBlip xmlns:asvg="http://schemas.microsoft.com/office/drawing/2016/SVG/main" r:embed="rId4"/>
+              </a:ext>
+            </a:extLst>
+          </a:blip>
+          <a:stretch>
+            <a:fillRect/>
+          </a:stretch>
+        </p:blipFill>
+        <p:spPr>
+          <a:xfrm>
+            <a:off x="6648450" y="5041265"/>
+            <a:ext cx="494030" cy="494030"/>
+          </a:xfrm>
+          <a:prstGeom prst="rect">
+            <a:avLst/>
+          </a:prstGeom>
+        </p:spPr>
+      </p:pic>
+      <p:sp>
+        <p:nvSpPr>
+          <p:cNvPr id="10" name="Text Box 9"/>
+          <p:cNvSpPr txBox="1"/>
+          <p:nvPr/>
+        </p:nvSpPr>
+        <p:spPr>
+          <a:xfrm>
+            <a:off x="1748790" y="869950"/>
+            <a:ext cx="9167495" cy="3969385"/>
+          </a:xfrm>
+          <a:prstGeom prst="rect">
+            <a:avLst/>
+          </a:prstGeom>
+          <a:noFill/>
+        </p:spPr>
+        <p:txBody>
+          <a:bodyPr wrap="square" rtlCol="0" anchor="t">
+            <a:spAutoFit/>
+          </a:bodyPr>
+          <a:p>
+            <a:r>
+              <a:rPr lang="en-US" altLang="en-US"/>
+              <a:t>・</a:t>
+            </a:r>
+            <a:r>
+              <a:rPr lang="" altLang="en-US"/>
+              <a:t>MAKE</a:t>
+            </a:r>
+            <a:r>
+              <a:rPr lang="en-US" altLang="en-US"/>
+              <a:t>: </a:t>
+            </a:r>
+            <a:endParaRPr lang="en-US" altLang="en-US"/>
+          </a:p>
+          <a:p>
+            <a:r>
+              <a:rPr lang="en-US" altLang="en-US"/>
+              <a:t> </a:t>
+            </a:r>
+            <a:r>
+              <a:rPr lang="" altLang="en-US"/>
+              <a:t>	</a:t>
+            </a:r>
+            <a:endParaRPr lang="en-US" altLang="en-US"/>
+          </a:p>
+          <a:p>
+            <a:endParaRPr lang="en-US" altLang="en-US"/>
+          </a:p>
+          <a:p>
+            <a:endParaRPr lang="en-US" altLang="en-US"/>
+          </a:p>
+          <a:p>
+            <a:r>
+              <a:rPr lang="en-US" altLang="en-US"/>
+              <a:t>・</a:t>
+            </a:r>
+            <a:r>
+              <a:rPr lang="" altLang="en-US"/>
+              <a:t>CONFIGURE</a:t>
+            </a:r>
+            <a:r>
+              <a:rPr lang="en-US" altLang="en-US"/>
+              <a:t>:</a:t>
+            </a:r>
+            <a:endParaRPr lang="en-US" altLang="en-US"/>
+          </a:p>
+          <a:p>
+            <a:endParaRPr lang="en-US" altLang="en-US"/>
+          </a:p>
+          <a:p>
+            <a:endParaRPr lang="en-US" altLang="en-US"/>
+          </a:p>
+          <a:p>
+            <a:endParaRPr lang="en-US" altLang="en-US"/>
+          </a:p>
+          <a:p>
+            <a:r>
+              <a:rPr lang="en-US" altLang="en-US"/>
+              <a:t>・</a:t>
+            </a:r>
+            <a:r>
+              <a:rPr lang="" altLang="en-US"/>
+              <a:t>MAKE INSTALLL </a:t>
+            </a:r>
+            <a:r>
+              <a:rPr lang="en-US" altLang="en-US"/>
+              <a:t>: </a:t>
+            </a:r>
+            <a:endParaRPr lang="en-US" altLang="en-US"/>
+          </a:p>
+          <a:p>
+            <a:endParaRPr lang="en-US" altLang="en-US"/>
+          </a:p>
+          <a:p>
+            <a:endParaRPr lang="en-US" altLang="en-US"/>
+          </a:p>
+          <a:p>
+            <a:endParaRPr lang="en-US" altLang="en-US"/>
+          </a:p>
+          <a:p>
+            <a:endParaRPr lang="" altLang="en-US"/>
+          </a:p>
+          <a:p>
+            <a:endParaRPr lang="" altLang="en-US"/>
+          </a:p>
+        </p:txBody>
+      </p:sp>
+      <p:sp>
+        <p:nvSpPr>
+          <p:cNvPr id="12" name="Text Box 11"/>
+          <p:cNvSpPr txBox="1"/>
+          <p:nvPr/>
+        </p:nvSpPr>
+        <p:spPr>
+          <a:xfrm>
+            <a:off x="1710055" y="114300"/>
+            <a:ext cx="1109345" cy="460375"/>
+          </a:xfrm>
+          <a:prstGeom prst="rect">
+            <a:avLst/>
+          </a:prstGeom>
+          <a:solidFill>
+            <a:schemeClr val="accent1"/>
+          </a:solidFill>
+          <a:ln>
+            <a:noFill/>
+          </a:ln>
+        </p:spPr>
+        <p:txBody>
+          <a:bodyPr wrap="none" rtlCol="0" anchor="t">
+            <a:spAutoFit/>
+          </a:bodyPr>
+          <a:p>
+            <a:pPr algn="l"/>
+            <a:r>
+              <a:rPr lang="" altLang="en-US" sz="2400" dirty="0">
+                <a:sym typeface="+mn-ea"/>
+              </a:rPr>
+              <a:t>BUILD</a:t>
+            </a:r>
+            <a:endParaRPr lang="" altLang="en-US" sz="2400" dirty="0">
+              <a:sym typeface="+mn-ea"/>
+            </a:endParaRPr>
           </a:p>
         </p:txBody>
       </p:sp>

--- a/sub.pptx
+++ b/sub.pptx
@@ -16,9 +16,8 @@
     <p:sldId id="275" r:id="rId9"/>
     <p:sldId id="260" r:id="rId10"/>
     <p:sldId id="262" r:id="rId11"/>
-    <p:sldId id="285" r:id="rId12"/>
-    <p:sldId id="277" r:id="rId13"/>
-    <p:sldId id="269" r:id="rId14"/>
+    <p:sldId id="277" r:id="rId12"/>
+    <p:sldId id="269" r:id="rId13"/>
   </p:sldIdLst>
   <p:sldSz cx="12192000" cy="6858000"/>
   <p:notesSz cx="6858000" cy="9144000"/>
@@ -565,76 +564,6 @@
         <p:txBody>
           <a:bodyPr/>
           <a:p>
-            <a:r>
-              <a:rPr lang="en-US" altLang="en-US"/>
-              <a:t>Pa</a:t>
-            </a:r>
-            <a:endParaRPr lang="en-US" altLang="en-US"/>
-          </a:p>
-        </p:txBody>
-      </p:sp>
-      <p:sp>
-        <p:nvSpPr>
-          <p:cNvPr id="4" name="Header Placeholder 3"/>
-          <p:cNvSpPr>
-            <a:spLocks noGrp="1"/>
-          </p:cNvSpPr>
-          <p:nvPr>
-            <p:ph type="hdr" sz="quarter"/>
-          </p:nvPr>
-        </p:nvSpPr>
-        <p:spPr/>
-        <p:txBody>
-          <a:bodyPr/>
-          <a:p>
-            <a:r>
-              <a:rPr lang="en-US"/>
-              <a:t>1.Insatall major way on linux</a:t>
-            </a:r>
-            <a:endParaRPr lang="en-US"/>
-          </a:p>
-        </p:txBody>
-      </p:sp>
-    </p:spTree>
-  </p:cSld>
-  <p:clrMapOvr>
-    <a:masterClrMapping/>
-  </p:clrMapOvr>
-</p:notes>
-</file>
-
-<file path=ppt/notesSlides/notesSlide11.xml><?xml version="1.0" encoding="utf-8"?>
-<p:notes xmlns:a="http://schemas.openxmlformats.org/drawingml/2006/main" xmlns:r="http://schemas.openxmlformats.org/officeDocument/2006/relationships" xmlns:p="http://schemas.openxmlformats.org/presentationml/2006/main">
-  <p:cSld>
-    <p:spTree>
-      <p:nvGrpSpPr>
-        <p:cNvPr id="1" name=""/>
-        <p:cNvGrpSpPr/>
-        <p:nvPr/>
-      </p:nvGrpSpPr>
-      <p:grpSpPr/>
-      <p:sp>
-        <p:nvSpPr>
-          <p:cNvPr id="2" name="Slide Image Placeholder 1"/>
-          <p:cNvSpPr/>
-          <p:nvPr>
-            <p:ph type="sldImg" idx="2"/>
-          </p:nvPr>
-        </p:nvSpPr>
-        <p:spPr/>
-      </p:sp>
-      <p:sp>
-        <p:nvSpPr>
-          <p:cNvPr id="3" name="Text Placeholder 2"/>
-          <p:cNvSpPr/>
-          <p:nvPr>
-            <p:ph type="body" idx="3"/>
-          </p:nvPr>
-        </p:nvSpPr>
-        <p:spPr/>
-        <p:txBody>
-          <a:bodyPr/>
-          <a:p>
             <a:endParaRPr lang="en-US"/>
           </a:p>
         </p:txBody>
@@ -1171,7 +1100,11 @@
         <p:txBody>
           <a:bodyPr/>
           <a:p>
-            <a:endParaRPr lang="en-US"/>
+            <a:r>
+              <a:rPr lang="en-US" altLang="en-US"/>
+              <a:t>Pa</a:t>
+            </a:r>
+            <a:endParaRPr lang="en-US" altLang="en-US"/>
           </a:p>
         </p:txBody>
       </p:sp>
@@ -4028,7 +3961,7 @@
         <p:spPr>
           <a:xfrm>
             <a:off x="248285" y="105410"/>
-            <a:ext cx="11696065" cy="6985635"/>
+            <a:ext cx="11696065" cy="3291840"/>
           </a:xfrm>
           <a:prstGeom prst="rect">
             <a:avLst/>
@@ -4044,7 +3977,7 @@
             <a:r>
               <a:rPr lang="en-US" altLang="en-US" sz="3200">
                 <a:solidFill>
-                  <a:srgbClr val="00B0F0"/>
+                  <a:schemeClr val="accent1"/>
                 </a:solidFill>
                 <a:sym typeface="+mn-ea"/>
               </a:rPr>
@@ -4052,7 +3985,7 @@
             </a:r>
             <a:endParaRPr lang="en-US" altLang="en-US" sz="3200">
               <a:solidFill>
-                <a:srgbClr val="00B0F0"/>
+                <a:schemeClr val="accent1"/>
               </a:solidFill>
               <a:sym typeface="+mn-ea"/>
             </a:endParaRPr>
@@ -4062,7 +3995,7 @@
             <a:r>
               <a:rPr lang="en-US" altLang="en-US" sz="3200">
                 <a:solidFill>
-                  <a:srgbClr val="00B0F0"/>
+                  <a:schemeClr val="accent1"/>
                 </a:solidFill>
                 <a:sym typeface="+mn-ea"/>
               </a:rPr>
@@ -4070,7 +4003,7 @@
             </a:r>
             <a:endParaRPr lang="en-US" altLang="en-US" sz="3200">
               <a:solidFill>
-                <a:srgbClr val="00B0F0"/>
+                <a:schemeClr val="accent1"/>
               </a:solidFill>
               <a:sym typeface="+mn-ea"/>
             </a:endParaRPr>
@@ -4078,6 +4011,9 @@
           <a:p>
             <a:pPr algn="l"/>
             <a:endParaRPr lang="en-US" altLang="en-US" sz="2400">
+              <a:solidFill>
+                <a:schemeClr val="accent1"/>
+              </a:solidFill>
               <a:sym typeface="+mn-ea"/>
             </a:endParaRPr>
           </a:p>
@@ -4085,53 +4021,80 @@
             <a:pPr algn="l"/>
             <a:r>
               <a:rPr lang="en-US" altLang="en-US" sz="2400" dirty="0">
+                <a:solidFill>
+                  <a:schemeClr val="accent1"/>
+                </a:solidFill>
                 <a:sym typeface="+mn-ea"/>
               </a:rPr>
               <a:t>During i install fossology and sw360, I feel </a:t>
             </a:r>
             <a:r>
               <a:rPr lang="" altLang="en-US" sz="2400" dirty="0">
+                <a:solidFill>
+                  <a:schemeClr val="accent1"/>
+                </a:solidFill>
                 <a:sym typeface="+mn-ea"/>
               </a:rPr>
               <a:t>some things that be</a:t>
             </a:r>
             <a:r>
               <a:rPr lang="en-US" altLang="en-US" sz="2400" dirty="0">
+                <a:solidFill>
+                  <a:schemeClr val="accent1"/>
+                </a:solidFill>
                 <a:sym typeface="+mn-ea"/>
               </a:rPr>
               <a:t> written </a:t>
             </a:r>
             <a:r>
               <a:rPr lang="" altLang="en-US" sz="2400" dirty="0">
+                <a:solidFill>
+                  <a:schemeClr val="accent1"/>
+                </a:solidFill>
                 <a:sym typeface="+mn-ea"/>
               </a:rPr>
               <a:t>next page</a:t>
             </a:r>
             <a:r>
               <a:rPr lang="en-US" altLang="en-US" sz="2400" dirty="0">
+                <a:solidFill>
+                  <a:schemeClr val="accent1"/>
+                </a:solidFill>
                 <a:sym typeface="+mn-ea"/>
               </a:rPr>
               <a:t>. I write </a:t>
             </a:r>
             <a:r>
               <a:rPr lang="" altLang="en-US" sz="2400" dirty="0">
+                <a:solidFill>
+                  <a:schemeClr val="accent1"/>
+                </a:solidFill>
                 <a:sym typeface="+mn-ea"/>
               </a:rPr>
               <a:t>memo as contents</a:t>
             </a:r>
             <a:r>
               <a:rPr lang="en-US" altLang="en-US" sz="2400" dirty="0">
+                <a:solidFill>
+                  <a:schemeClr val="accent1"/>
+                </a:solidFill>
                 <a:sym typeface="+mn-ea"/>
               </a:rPr>
               <a:t> in this paper</a:t>
             </a:r>
             <a:r>
               <a:rPr lang="" altLang="en-US" sz="2400" dirty="0">
+                <a:solidFill>
+                  <a:schemeClr val="accent1"/>
+                </a:solidFill>
                 <a:sym typeface="+mn-ea"/>
               </a:rPr>
               <a:t>. </a:t>
             </a:r>
             <a:endParaRPr lang="" altLang="en-US" sz="2400" dirty="0">
+              <a:solidFill>
+                <a:schemeClr val="accent1"/>
+              </a:solidFill>
               <a:sym typeface="+mn-ea"/>
             </a:endParaRPr>
           </a:p>
@@ -4139,206 +4102,43 @@
             <a:pPr algn="l"/>
             <a:r>
               <a:rPr lang="" altLang="en-US" sz="2400" dirty="0">
+                <a:solidFill>
+                  <a:schemeClr val="accent1"/>
+                </a:solidFill>
                 <a:sym typeface="+mn-ea"/>
               </a:rPr>
               <a:t>This is</a:t>
             </a:r>
             <a:r>
               <a:rPr lang="en-US" altLang="en-US" sz="2400" dirty="0">
+                <a:solidFill>
+                  <a:schemeClr val="accent1"/>
+                </a:solidFill>
                 <a:sym typeface="+mn-ea"/>
               </a:rPr>
               <a:t> support document.</a:t>
             </a:r>
             <a:endParaRPr lang="en-US" altLang="en-US" sz="2400" dirty="0">
+              <a:solidFill>
+                <a:schemeClr val="accent1"/>
+              </a:solidFill>
               <a:sym typeface="+mn-ea"/>
             </a:endParaRPr>
           </a:p>
           <a:p>
             <a:pPr algn="l"/>
             <a:endParaRPr lang="en-US" altLang="en-US" sz="2400" dirty="0">
+              <a:solidFill>
+                <a:schemeClr val="accent1"/>
+              </a:solidFill>
               <a:sym typeface="+mn-ea"/>
             </a:endParaRPr>
           </a:p>
           <a:p>
             <a:pPr algn="l"/>
-            <a:r>
-              <a:rPr lang="en-US" altLang="en-US" sz="2400" dirty="0">
-                <a:sym typeface="+mn-ea"/>
-              </a:rPr>
-              <a:t>------------------------------------- contant </a:t>
-            </a:r>
-            <a:r>
-              <a:rPr lang="" altLang="en-US" sz="2400" dirty="0">
-                <a:sym typeface="+mn-ea"/>
-              </a:rPr>
-              <a:t>1</a:t>
-            </a:r>
-            <a:endParaRPr lang="en-US" altLang="en-US" sz="2400" dirty="0">
-              <a:sym typeface="+mn-ea"/>
-            </a:endParaRPr>
-          </a:p>
-          <a:p>
-            <a:pPr algn="l"/>
-            <a:r>
-              <a:rPr lang="en-US" altLang="en-US" sz="2400" dirty="0">
-                <a:sym typeface="+mn-ea"/>
-              </a:rPr>
-              <a:t>・ Where are each </a:t>
-            </a:r>
-            <a:r>
-              <a:rPr lang="en-US" altLang="en-US" sz="2400" dirty="0">
-                <a:solidFill>
-                  <a:srgbClr val="00B0F0"/>
-                </a:solidFill>
-                <a:sym typeface="+mn-ea"/>
-              </a:rPr>
-              <a:t>proxy / port </a:t>
-            </a:r>
-            <a:r>
-              <a:rPr lang="en-US" altLang="en-US" sz="2400" dirty="0">
-                <a:sym typeface="+mn-ea"/>
-              </a:rPr>
-              <a:t>setting files...?</a:t>
-            </a:r>
-            <a:endParaRPr lang="en-US" altLang="en-US" sz="2400" dirty="0">
-              <a:sym typeface="+mn-ea"/>
-            </a:endParaRPr>
-          </a:p>
-          <a:p>
-            <a:pPr algn="l"/>
-            <a:r>
-              <a:rPr lang="en-US" altLang="en-US" sz="2400" dirty="0">
-                <a:sym typeface="+mn-ea"/>
-              </a:rPr>
-              <a:t>- &gt; mvn, </a:t>
-            </a:r>
-            <a:r>
-              <a:rPr lang="en-US" altLang="en-US"/>
-              <a:t>git,</a:t>
-            </a:r>
-            <a:r>
-              <a:rPr lang="en-US" altLang="en-US" sz="2400" dirty="0">
-                <a:sym typeface="+mn-ea"/>
-              </a:rPr>
-              <a:t> apache, tomcat(liferay), coucudb, </a:t>
-            </a:r>
-            <a:endParaRPr lang="en-US" altLang="en-US" sz="2400" dirty="0">
-              <a:sym typeface="+mn-ea"/>
-            </a:endParaRPr>
-          </a:p>
-          <a:p>
-            <a:pPr algn="l"/>
-            <a:r>
-              <a:rPr lang="en-US" altLang="en-US" sz="2400" dirty="0">
-                <a:sym typeface="+mn-ea"/>
-              </a:rPr>
-              <a:t>・ and major application's binary files(exec files)...?</a:t>
-            </a:r>
-            <a:endParaRPr lang="en-US" altLang="en-US" sz="2400" dirty="0">
-              <a:sym typeface="+mn-ea"/>
-            </a:endParaRPr>
-          </a:p>
-          <a:p>
-            <a:pPr algn="l"/>
-            <a:r>
-              <a:rPr lang="en-US" altLang="en-US" sz="2400" dirty="0">
-                <a:sym typeface="+mn-ea"/>
-              </a:rPr>
-              <a:t>                             </a:t>
-            </a:r>
-            <a:endParaRPr lang="en-US" altLang="en-US" sz="2400" dirty="0">
-              <a:sym typeface="+mn-ea"/>
-            </a:endParaRPr>
-          </a:p>
-          <a:p>
-            <a:pPr algn="l"/>
-            <a:r>
-              <a:rPr lang="en-US" altLang="en-US" sz="2400" dirty="0">
-                <a:sym typeface="+mn-ea"/>
-              </a:rPr>
-              <a:t>------------------------------------ contant 1</a:t>
-            </a:r>
-            <a:endParaRPr lang="en-US" altLang="en-US" sz="2400" dirty="0">
-              <a:sym typeface="+mn-ea"/>
-            </a:endParaRPr>
-          </a:p>
-          <a:p>
-            <a:pPr algn="l"/>
-            <a:r>
-              <a:rPr lang="en-US" altLang="en-US" sz="2400" dirty="0">
-                <a:sym typeface="+mn-ea"/>
-              </a:rPr>
-              <a:t>・ How it work when did I install on linux?</a:t>
-            </a:r>
-            <a:endParaRPr lang="en-US" altLang="en-US" sz="2400" dirty="0">
-              <a:sym typeface="+mn-ea"/>
-            </a:endParaRPr>
-          </a:p>
-          <a:p>
-            <a:pPr algn="l"/>
-            <a:r>
-              <a:rPr lang="en-US" altLang="en-US" sz="2400" dirty="0">
-                <a:sym typeface="+mn-ea"/>
-              </a:rPr>
-              <a:t>・ </a:t>
-            </a:r>
-            <a:r>
-              <a:rPr lang="en-US" altLang="en-US" sz="2400" dirty="0">
-                <a:solidFill>
-                  <a:srgbClr val="00B0F0"/>
-                </a:solidFill>
-                <a:sym typeface="+mn-ea"/>
-              </a:rPr>
-              <a:t>Where</a:t>
-            </a:r>
-            <a:r>
-              <a:rPr lang="en-US" altLang="en-US" sz="2400" dirty="0">
-                <a:sym typeface="+mn-ea"/>
-              </a:rPr>
-              <a:t> are </a:t>
-            </a:r>
-            <a:r>
-              <a:rPr lang="en-US" altLang="en-US" sz="2400" dirty="0">
-                <a:solidFill>
-                  <a:srgbClr val="00B0F0"/>
-                </a:solidFill>
-                <a:sym typeface="+mn-ea"/>
-              </a:rPr>
-              <a:t>execfile</a:t>
-            </a:r>
-            <a:r>
-              <a:rPr lang="en-US" altLang="en-US" sz="2400" dirty="0">
-                <a:sym typeface="+mn-ea"/>
-              </a:rPr>
-              <a:t> installed and What type?  </a:t>
-            </a:r>
-            <a:endParaRPr lang="en-US" altLang="en-US" sz="2400" dirty="0">
-              <a:sym typeface="+mn-ea"/>
-            </a:endParaRPr>
-          </a:p>
-          <a:p>
-            <a:pPr algn="l"/>
-            <a:r>
-              <a:rPr lang="en-US" altLang="en-US" sz="2400" dirty="0">
-                <a:sym typeface="+mn-ea"/>
-              </a:rPr>
-              <a:t> memo: どこに実行ファイルがインストールされて、どの形式なのか. </a:t>
-            </a:r>
-            <a:endParaRPr lang="en-US" altLang="en-US" sz="2400" dirty="0">
-              <a:sym typeface="+mn-ea"/>
-            </a:endParaRPr>
-          </a:p>
-          <a:p>
-            <a:pPr algn="l"/>
-            <a:r>
-              <a:rPr lang="en-US" altLang="en-US" sz="2400" dirty="0">
-                <a:sym typeface="+mn-ea"/>
-              </a:rPr>
-              <a:t> memo: /etc/init.d/ なら service関連, or $home/bin なら実行ファイル, /usr/local/binならコマンド. 実行形式が異なる. </a:t>
-            </a:r>
             <a:endParaRPr lang="en-US" altLang="en-US" sz="2400" dirty="0">
               <a:solidFill>
-                <a:schemeClr val="tx1"/>
+                <a:schemeClr val="accent1"/>
               </a:solidFill>
               <a:sym typeface="+mn-ea"/>
             </a:endParaRPr>
@@ -4436,590 +4236,6 @@
           <a:chExt cx="0" cy="0"/>
         </a:xfrm>
       </p:grpSpPr>
-      <p:sp>
-        <p:nvSpPr>
-          <p:cNvPr id="3" name="Text Box 2"/>
-          <p:cNvSpPr txBox="1"/>
-          <p:nvPr/>
-        </p:nvSpPr>
-        <p:spPr>
-          <a:xfrm>
-            <a:off x="1526540" y="-1962573"/>
-            <a:ext cx="9132147" cy="542290"/>
-          </a:xfrm>
-          <a:prstGeom prst="rect">
-            <a:avLst/>
-          </a:prstGeom>
-          <a:noFill/>
-        </p:spPr>
-        <p:txBody>
-          <a:bodyPr wrap="square" rtlCol="0">
-            <a:spAutoFit/>
-          </a:bodyPr>
-          <a:p>
-            <a:pPr algn="l">
-              <a:lnSpc>
-                <a:spcPct val="110000"/>
-              </a:lnSpc>
-            </a:pPr>
-            <a:endParaRPr lang="en-US" altLang="en-US" sz="2665"/>
-          </a:p>
-        </p:txBody>
-      </p:sp>
-      <p:sp>
-        <p:nvSpPr>
-          <p:cNvPr id="7" name="Text Box 6"/>
-          <p:cNvSpPr txBox="1"/>
-          <p:nvPr/>
-        </p:nvSpPr>
-        <p:spPr>
-          <a:xfrm>
-            <a:off x="1710055" y="114300"/>
-            <a:ext cx="1403985" cy="460375"/>
-          </a:xfrm>
-          <a:prstGeom prst="rect">
-            <a:avLst/>
-          </a:prstGeom>
-          <a:solidFill>
-            <a:schemeClr val="accent1"/>
-          </a:solidFill>
-          <a:ln>
-            <a:noFill/>
-          </a:ln>
-        </p:spPr>
-        <p:txBody>
-          <a:bodyPr wrap="none" rtlCol="0" anchor="t">
-            <a:spAutoFit/>
-          </a:bodyPr>
-          <a:p>
-            <a:pPr algn="l"/>
-            <a:r>
-              <a:rPr lang="en-US" altLang="en-US" sz="2400" dirty="0">
-                <a:sym typeface="+mn-ea"/>
-              </a:rPr>
-              <a:t>INSTALL</a:t>
-            </a:r>
-            <a:endParaRPr lang="en-US" altLang="en-US" sz="2400" dirty="0">
-              <a:sym typeface="+mn-ea"/>
-            </a:endParaRPr>
-          </a:p>
-        </p:txBody>
-      </p:sp>
-      <p:pic>
-        <p:nvPicPr>
-          <p:cNvPr id="52" name="Picture 51" descr="全体の様子"/>
-          <p:cNvPicPr>
-            <a:picLocks noChangeAspect="1"/>
-          </p:cNvPicPr>
-          <p:nvPr/>
-        </p:nvPicPr>
-        <p:blipFill>
-          <a:blip r:embed="rId1"/>
-          <a:stretch>
-            <a:fillRect/>
-          </a:stretch>
-        </p:blipFill>
-        <p:spPr>
-          <a:xfrm>
-            <a:off x="1939290" y="1087755"/>
-            <a:ext cx="6285865" cy="2574925"/>
-          </a:xfrm>
-          <a:prstGeom prst="rect">
-            <a:avLst/>
-          </a:prstGeom>
-        </p:spPr>
-      </p:pic>
-      <p:sp>
-        <p:nvSpPr>
-          <p:cNvPr id="53" name="Right Arrow 52"/>
-          <p:cNvSpPr/>
-          <p:nvPr/>
-        </p:nvSpPr>
-        <p:spPr>
-          <a:xfrm rot="19800000">
-            <a:off x="5469255" y="3221355"/>
-            <a:ext cx="509905" cy="335915"/>
-          </a:xfrm>
-          <a:prstGeom prst="rightArrow">
-            <a:avLst/>
-          </a:prstGeom>
-        </p:spPr>
-        <p:style>
-          <a:lnRef idx="2">
-            <a:schemeClr val="accent2">
-              <a:shade val="50000"/>
-            </a:schemeClr>
-          </a:lnRef>
-          <a:fillRef idx="1">
-            <a:schemeClr val="accent2"/>
-          </a:fillRef>
-          <a:effectRef idx="0">
-            <a:schemeClr val="accent2"/>
-          </a:effectRef>
-          <a:fontRef idx="minor">
-            <a:schemeClr val="lt1"/>
-          </a:fontRef>
-        </p:style>
-        <p:txBody>
-          <a:bodyPr rtlCol="0" anchor="ctr"/>
-          <a:p>
-            <a:pPr algn="ctr"/>
-            <a:endParaRPr lang="en-US"/>
-          </a:p>
-        </p:txBody>
-      </p:sp>
-      <p:graphicFrame>
-        <p:nvGraphicFramePr>
-          <p:cNvPr id="2" name="Table 1"/>
-          <p:cNvGraphicFramePr/>
-          <p:nvPr/>
-        </p:nvGraphicFramePr>
-        <p:xfrm>
-          <a:off x="1939290" y="4175760"/>
-          <a:ext cx="8350250" cy="1741805"/>
-        </p:xfrm>
-        <a:graphic>
-          <a:graphicData uri="http://schemas.openxmlformats.org/drawingml/2006/table">
-            <a:tbl>
-              <a:tblPr firstRow="1" bandRow="1">
-                <a:tableStyleId>{5C22544A-7EE6-4342-B048-85BDC9FD1C3A}</a:tableStyleId>
-              </a:tblPr>
-              <a:tblGrid>
-                <a:gridCol w="2218055"/>
-                <a:gridCol w="4069715"/>
-                <a:gridCol w="2062480"/>
-              </a:tblGrid>
-              <a:tr h="633095">
-                <a:tc>
-                  <a:txBody>
-                    <a:bodyPr/>
-                    <a:p>
-                      <a:pPr>
-                        <a:buNone/>
-                      </a:pPr>
-                      <a:r>
-                        <a:rPr lang="en-US" altLang="en-US"/>
-                        <a:t>Majorcommand</a:t>
-                      </a:r>
-                      <a:endParaRPr lang="en-US" altLang="en-US"/>
-                    </a:p>
-                  </a:txBody>
-                  <a:tcPr/>
-                </a:tc>
-                <a:tc>
-                  <a:txBody>
-                    <a:bodyPr/>
-                    <a:p>
-                      <a:pPr>
-                        <a:buNone/>
-                      </a:pPr>
-                      <a:r>
-                        <a:rPr lang="en-US" altLang="en-US"/>
-                        <a:t>command briefly explaination</a:t>
-                      </a:r>
-                      <a:endParaRPr lang="en-US" altLang="en-US"/>
-                    </a:p>
-                  </a:txBody>
-                  <a:tcPr/>
-                </a:tc>
-                <a:tc>
-                  <a:txBody>
-                    <a:bodyPr/>
-                    <a:p>
-                      <a:pPr>
-                        <a:buNone/>
-                      </a:pPr>
-                      <a:r>
-                        <a:rPr lang="en-US" altLang="en-US"/>
-                        <a:t>is used about</a:t>
-                      </a:r>
-                      <a:endParaRPr lang="en-US" altLang="en-US"/>
-                    </a:p>
-                  </a:txBody>
-                  <a:tcPr/>
-                </a:tc>
-              </a:tr>
-              <a:tr h="1108710">
-                <a:tc>
-                  <a:txBody>
-                    <a:bodyPr/>
-                    <a:p>
-                      <a:pPr>
-                        <a:buNone/>
-                      </a:pPr>
-                      <a:r>
-                        <a:rPr lang="en-US" altLang="en-US" sz="1800">
-                          <a:sym typeface="+mn-ea"/>
-                        </a:rPr>
-                        <a:t>make install</a:t>
-                      </a:r>
-                      <a:endParaRPr lang="en-US" altLang="en-US"/>
-                    </a:p>
-                  </a:txBody>
-                  <a:tcPr/>
-                </a:tc>
-                <a:tc>
-                  <a:txBody>
-                    <a:bodyPr/>
-                    <a:p>
-                      <a:pPr>
-                        <a:buNone/>
-                      </a:pPr>
-                      <a:endParaRPr lang="en-US" altLang="en-US"/>
-                    </a:p>
-                  </a:txBody>
-                  <a:tcPr/>
-                </a:tc>
-                <a:tc>
-                  <a:txBody>
-                    <a:bodyPr/>
-                    <a:p>
-                      <a:pPr>
-                        <a:buNone/>
-                      </a:pPr>
-                      <a:r>
-                        <a:rPr lang="en-US" altLang="en-US"/>
-                        <a:t>Liferay ・fossology ・</a:t>
-                      </a:r>
-                      <a:endParaRPr lang="en-US" altLang="en-US"/>
-                    </a:p>
-                  </a:txBody>
-                  <a:tcPr/>
-                </a:tc>
-              </a:tr>
-            </a:tbl>
-          </a:graphicData>
-        </a:graphic>
-      </p:graphicFrame>
-      <p:sp>
-        <p:nvSpPr>
-          <p:cNvPr id="4" name="Text Box 3"/>
-          <p:cNvSpPr txBox="1"/>
-          <p:nvPr/>
-        </p:nvSpPr>
-        <p:spPr>
-          <a:xfrm>
-            <a:off x="1543685" y="6431280"/>
-            <a:ext cx="8888730" cy="368300"/>
-          </a:xfrm>
-          <a:prstGeom prst="rect">
-            <a:avLst/>
-          </a:prstGeom>
-          <a:noFill/>
-        </p:spPr>
-        <p:txBody>
-          <a:bodyPr wrap="square" rtlCol="0" anchor="t">
-            <a:spAutoFit/>
-          </a:bodyPr>
-          <a:p>
-            <a:r>
-              <a:rPr lang="en-US" altLang="en-US">
-                <a:sym typeface="+mn-ea"/>
-              </a:rPr>
-              <a:t>		</a:t>
-            </a:r>
-            <a:endParaRPr lang="en-US" altLang="en-US">
-              <a:sym typeface="+mn-ea"/>
-            </a:endParaRPr>
-          </a:p>
-        </p:txBody>
-      </p:sp>
-    </p:spTree>
-  </p:cSld>
-  <p:clrMapOvr>
-    <a:masterClrMapping/>
-  </p:clrMapOvr>
-</p:sld>
-</file>
-
-<file path=ppt/slides/slide11.xml><?xml version="1.0" encoding="utf-8"?>
-<p:sld xmlns:a="http://schemas.openxmlformats.org/drawingml/2006/main" xmlns:r="http://schemas.openxmlformats.org/officeDocument/2006/relationships" xmlns:p="http://schemas.openxmlformats.org/presentationml/2006/main">
-  <p:cSld>
-    <p:spTree>
-      <p:nvGrpSpPr>
-        <p:cNvPr id="1" name=""/>
-        <p:cNvGrpSpPr/>
-        <p:nvPr/>
-      </p:nvGrpSpPr>
-      <p:grpSpPr>
-        <a:xfrm>
-          <a:off x="0" y="0"/>
-          <a:ext cx="0" cy="0"/>
-          <a:chOff x="0" y="0"/>
-          <a:chExt cx="0" cy="0"/>
-        </a:xfrm>
-      </p:grpSpPr>
-      <p:sp>
-        <p:nvSpPr>
-          <p:cNvPr id="8" name="テキスト ボックス 31"/>
-          <p:cNvSpPr txBox="1"/>
-          <p:nvPr/>
-        </p:nvSpPr>
-        <p:spPr>
-          <a:xfrm flipH="1">
-            <a:off x="1362551" y="2867118"/>
-            <a:ext cx="893921" cy="822960"/>
-          </a:xfrm>
-          <a:prstGeom prst="rect">
-            <a:avLst/>
-          </a:prstGeom>
-          <a:noFill/>
-        </p:spPr>
-        <p:txBody>
-          <a:bodyPr wrap="square" rtlCol="0">
-            <a:spAutoFit/>
-          </a:bodyPr>
-          <a:p>
-            <a:r>
-              <a:rPr kumimoji="1" lang="en-US" altLang="en-US" sz="675" dirty="0"/>
-              <a:t>1. 前提パッケージのインストール</a:t>
-            </a:r>
-            <a:endParaRPr kumimoji="1" lang="en-US" altLang="en-US" sz="675" dirty="0"/>
-          </a:p>
-          <a:p>
-            <a:r>
-              <a:rPr lang="en-US" altLang="en-US" sz="675" dirty="0">
-                <a:sym typeface="+mn-ea"/>
-              </a:rPr>
-              <a:t>git cloneやapt installを使う. 左を参照してください</a:t>
-            </a:r>
-            <a:endParaRPr kumimoji="1" lang="en-US" altLang="en-US" sz="675" dirty="0"/>
-          </a:p>
-          <a:p>
-            <a:endParaRPr kumimoji="1" lang="en-US" altLang="en-US" sz="675" dirty="0"/>
-          </a:p>
-        </p:txBody>
-      </p:sp>
-      <p:sp>
-        <p:nvSpPr>
-          <p:cNvPr id="11" name="テキスト ボックス 31"/>
-          <p:cNvSpPr txBox="1"/>
-          <p:nvPr/>
-        </p:nvSpPr>
-        <p:spPr>
-          <a:xfrm flipH="1">
-            <a:off x="2324100" y="2867118"/>
-            <a:ext cx="842486" cy="718185"/>
-          </a:xfrm>
-          <a:prstGeom prst="rect">
-            <a:avLst/>
-          </a:prstGeom>
-          <a:noFill/>
-        </p:spPr>
-        <p:txBody>
-          <a:bodyPr wrap="square" rtlCol="0">
-            <a:spAutoFit/>
-          </a:bodyPr>
-          <a:p>
-            <a:r>
-              <a:rPr kumimoji="1" lang="en-US" altLang="en-US" sz="675" dirty="0"/>
-              <a:t>2. ダウンロード</a:t>
-            </a:r>
-            <a:endParaRPr kumimoji="1" lang="en-US" altLang="en-US" sz="675" dirty="0"/>
-          </a:p>
-          <a:p>
-            <a:r>
-              <a:rPr kumimoji="1" lang="en-US" altLang="en-US" sz="675" dirty="0"/>
-              <a:t>・git cloneやapt installを使う.</a:t>
-            </a:r>
-            <a:endParaRPr kumimoji="1" lang="en-US" altLang="en-US" sz="675" dirty="0"/>
-          </a:p>
-          <a:p>
-            <a:endParaRPr kumimoji="1" lang="en-US" altLang="en-US" sz="675" dirty="0"/>
-          </a:p>
-          <a:p>
-            <a:endParaRPr kumimoji="1" lang="en-US" altLang="en-US" sz="675" dirty="0"/>
-          </a:p>
-        </p:txBody>
-      </p:sp>
-      <p:sp>
-        <p:nvSpPr>
-          <p:cNvPr id="12" name="テキスト ボックス 31"/>
-          <p:cNvSpPr txBox="1"/>
-          <p:nvPr/>
-        </p:nvSpPr>
-        <p:spPr>
-          <a:xfrm flipH="1">
-            <a:off x="3148013" y="2867118"/>
-            <a:ext cx="842486" cy="613410"/>
-          </a:xfrm>
-          <a:prstGeom prst="rect">
-            <a:avLst/>
-          </a:prstGeom>
-          <a:noFill/>
-        </p:spPr>
-        <p:txBody>
-          <a:bodyPr wrap="square" rtlCol="0">
-            <a:spAutoFit/>
-          </a:bodyPr>
-          <a:p>
-            <a:r>
-              <a:rPr kumimoji="1" lang="en-US" altLang="en-US" sz="675" dirty="0"/>
-              <a:t>2. ビルド(実行ファイルの作成)</a:t>
-            </a:r>
-            <a:endParaRPr kumimoji="1" lang="en-US" altLang="en-US" sz="675" dirty="0"/>
-          </a:p>
-          <a:p>
-            <a:endParaRPr kumimoji="1" lang="en-US" altLang="en-US" sz="675" dirty="0"/>
-          </a:p>
-          <a:p>
-            <a:endParaRPr kumimoji="1" lang="en-US" altLang="en-US" sz="675" dirty="0"/>
-          </a:p>
-          <a:p>
-            <a:endParaRPr kumimoji="1" lang="en-US" altLang="en-US" sz="675" dirty="0"/>
-          </a:p>
-        </p:txBody>
-      </p:sp>
-      <p:sp>
-        <p:nvSpPr>
-          <p:cNvPr id="14" name="Text Box 13"/>
-          <p:cNvSpPr txBox="1"/>
-          <p:nvPr/>
-        </p:nvSpPr>
-        <p:spPr>
-          <a:xfrm>
-            <a:off x="1362551" y="2739960"/>
-            <a:ext cx="828675" cy="195580"/>
-          </a:xfrm>
-          <a:prstGeom prst="rect">
-            <a:avLst/>
-          </a:prstGeom>
-          <a:noFill/>
-        </p:spPr>
-        <p:txBody>
-          <a:bodyPr wrap="none" rtlCol="0" anchor="t">
-            <a:spAutoFit/>
-          </a:bodyPr>
-          <a:p>
-            <a:r>
-              <a:rPr lang="en-US" altLang="en-US" sz="675" dirty="0">
-                <a:sym typeface="+mn-ea"/>
-              </a:rPr>
-              <a:t>* versionに注意</a:t>
-            </a:r>
-            <a:endParaRPr lang="en-US" altLang="en-US" sz="675" dirty="0">
-              <a:sym typeface="+mn-ea"/>
-            </a:endParaRPr>
-          </a:p>
-        </p:txBody>
-      </p:sp>
-      <p:sp>
-        <p:nvSpPr>
-          <p:cNvPr id="16" name="テキスト ボックス 31"/>
-          <p:cNvSpPr txBox="1"/>
-          <p:nvPr/>
-        </p:nvSpPr>
-        <p:spPr>
-          <a:xfrm flipH="1">
-            <a:off x="4040981" y="2803777"/>
-            <a:ext cx="1242536" cy="1087755"/>
-          </a:xfrm>
-          <a:prstGeom prst="rect">
-            <a:avLst/>
-          </a:prstGeom>
-          <a:noFill/>
-        </p:spPr>
-        <p:txBody>
-          <a:bodyPr wrap="square" rtlCol="0">
-            <a:spAutoFit/>
-          </a:bodyPr>
-          <a:p>
-            <a:r>
-              <a:rPr kumimoji="1" lang="en-US" altLang="en-US" sz="675" dirty="0"/>
-              <a:t>3 インストール</a:t>
-            </a:r>
-            <a:endParaRPr kumimoji="1" lang="en-US" altLang="en-US" sz="675" dirty="0"/>
-          </a:p>
-          <a:p>
-            <a:r>
-              <a:rPr kumimoji="1" lang="en-US" altLang="en-US" sz="600" dirty="0"/>
-              <a:t>コマンドなら</a:t>
-            </a:r>
-            <a:endParaRPr kumimoji="1" lang="en-US" altLang="en-US" sz="600" dirty="0"/>
-          </a:p>
-          <a:p>
-            <a:r>
-              <a:rPr kumimoji="1" lang="en-US" altLang="en-US" sz="600" dirty="0"/>
-              <a:t>/usr/local/bin</a:t>
-            </a:r>
-            <a:endParaRPr kumimoji="1" lang="en-US" altLang="en-US" sz="600" dirty="0"/>
-          </a:p>
-          <a:p>
-            <a:r>
-              <a:rPr kumimoji="1" lang="en-US" altLang="en-US" sz="600" dirty="0"/>
-              <a:t>/bin/</a:t>
-            </a:r>
-            <a:endParaRPr kumimoji="1" lang="en-US" altLang="en-US" sz="600" dirty="0"/>
-          </a:p>
-          <a:p>
-            <a:r>
-              <a:rPr kumimoji="1" lang="en-US" altLang="en-US" sz="600" dirty="0"/>
-              <a:t>/sbin ....のどれか</a:t>
-            </a:r>
-            <a:endParaRPr kumimoji="1" lang="en-US" altLang="en-US" sz="600" dirty="0"/>
-          </a:p>
-          <a:p>
-            <a:r>
-              <a:rPr kumimoji="1" lang="en-US" altLang="en-US" sz="675" dirty="0"/>
-              <a:t>デーモンなら</a:t>
-            </a:r>
-            <a:endParaRPr kumimoji="1" lang="en-US" altLang="en-US" sz="675" dirty="0"/>
-          </a:p>
-          <a:p>
-            <a:r>
-              <a:rPr kumimoji="1" lang="en-US" altLang="en-US" sz="675" dirty="0"/>
-              <a:t>/lib/systemd/system/</a:t>
-            </a:r>
-            <a:endParaRPr kumimoji="1" lang="en-US" altLang="en-US" sz="675" dirty="0"/>
-          </a:p>
-          <a:p>
-            <a:r>
-              <a:rPr kumimoji="1" lang="en-US" altLang="en-US" sz="675" dirty="0"/>
-              <a:t>... (下記参照)</a:t>
-            </a:r>
-            <a:endParaRPr kumimoji="1" lang="en-US" altLang="en-US" sz="675" dirty="0"/>
-          </a:p>
-          <a:p>
-            <a:endParaRPr kumimoji="1" lang="en-US" altLang="en-US" sz="675" dirty="0"/>
-          </a:p>
-          <a:p>
-            <a:endParaRPr kumimoji="1" lang="en-US" altLang="en-US" sz="675" dirty="0"/>
-          </a:p>
-        </p:txBody>
-      </p:sp>
-      <p:sp>
-        <p:nvSpPr>
-          <p:cNvPr id="18" name="Text Box 17"/>
-          <p:cNvSpPr txBox="1"/>
-          <p:nvPr/>
-        </p:nvSpPr>
-        <p:spPr>
-          <a:xfrm>
-            <a:off x="2368391" y="2739960"/>
-            <a:ext cx="828675" cy="195580"/>
-          </a:xfrm>
-          <a:prstGeom prst="rect">
-            <a:avLst/>
-          </a:prstGeom>
-          <a:noFill/>
-        </p:spPr>
-        <p:txBody>
-          <a:bodyPr wrap="none" rtlCol="0" anchor="t">
-            <a:spAutoFit/>
-          </a:bodyPr>
-          <a:p>
-            <a:r>
-              <a:rPr lang="en-US" altLang="en-US" sz="675" dirty="0">
-                <a:sym typeface="+mn-ea"/>
-              </a:rPr>
-              <a:t>* versionに注意</a:t>
-            </a:r>
-            <a:endParaRPr lang="en-US" altLang="en-US" sz="675" dirty="0">
-              <a:sym typeface="+mn-ea"/>
-            </a:endParaRPr>
-          </a:p>
-        </p:txBody>
-      </p:sp>
       <p:pic>
         <p:nvPicPr>
           <p:cNvPr id="21" name="グラフィックス 48" descr="ブラウザー ウィンドウ"/>
@@ -5105,14 +4321,14 @@
       </p:sp>
       <p:sp>
         <p:nvSpPr>
-          <p:cNvPr id="5" name="Text Box 4"/>
+          <p:cNvPr id="6" name="Text Box 5"/>
           <p:cNvSpPr txBox="1"/>
           <p:nvPr/>
         </p:nvSpPr>
         <p:spPr>
           <a:xfrm>
-            <a:off x="1684655" y="63500"/>
-            <a:ext cx="6423660" cy="829945"/>
+            <a:off x="819150" y="481965"/>
+            <a:ext cx="9093835" cy="645160"/>
           </a:xfrm>
           <a:prstGeom prst="rect">
             <a:avLst/>
@@ -5126,24 +4342,18 @@
           <a:p>
             <a:pPr algn="l"/>
             <a:r>
-              <a:rPr lang="en-US" altLang="en-US" sz="2400" dirty="0">
-                <a:sym typeface="+mn-ea"/>
-              </a:rPr>
-              <a:t>Other Contants  HOW THERE WORKED?  </a:t>
-            </a:r>
-            <a:endParaRPr lang="en-US" altLang="en-US" sz="2400" dirty="0">
-              <a:sym typeface="+mn-ea"/>
-            </a:endParaRPr>
-          </a:p>
-          <a:p>
-            <a:pPr algn="l"/>
-            <a:r>
-              <a:rPr lang="en-US" altLang="en-US" sz="2400" dirty="0">
-                <a:sym typeface="+mn-ea"/>
-              </a:rPr>
-              <a:t>DEAMON, SSH               </a:t>
-            </a:r>
-            <a:endParaRPr lang="en-US" altLang="en-US" sz="2400" dirty="0">
+              <a:rPr lang="en-US" altLang="en-US" sz="3600" dirty="0">
+                <a:solidFill>
+                  <a:schemeClr val="accent1"/>
+                </a:solidFill>
+                <a:sym typeface="+mn-ea"/>
+              </a:rPr>
+              <a:t>SSH on fossology and sw360.               </a:t>
+            </a:r>
+            <a:endParaRPr lang="en-US" altLang="en-US" sz="3600">
+              <a:solidFill>
+                <a:srgbClr val="00B0F0"/>
+              </a:solidFill>
               <a:sym typeface="+mn-ea"/>
             </a:endParaRPr>
           </a:p>
@@ -5677,7 +4887,7 @@
             <a:r>
               <a:rPr lang="en-US" altLang="en-US" sz="3600">
                 <a:solidFill>
-                  <a:srgbClr val="00B0F0"/>
+                  <a:schemeClr val="accent1"/>
                 </a:solidFill>
                 <a:sym typeface="+mn-ea"/>
               </a:rPr>
@@ -5685,7 +4895,7 @@
             </a:r>
             <a:endParaRPr lang="en-US" altLang="en-US" sz="3600">
               <a:solidFill>
-                <a:srgbClr val="00B0F0"/>
+                <a:schemeClr val="accent1"/>
               </a:solidFill>
               <a:sym typeface="+mn-ea"/>
             </a:endParaRPr>
@@ -7895,7 +7105,7 @@
             <a:r>
               <a:rPr lang="en-US" altLang="en-US" sz="2800" dirty="0">
                 <a:solidFill>
-                  <a:srgbClr val="00B0F0"/>
+                  <a:schemeClr val="accent1"/>
                 </a:solidFill>
                 <a:sym typeface="+mn-ea"/>
               </a:rPr>
@@ -7904,7 +7114,7 @@
             <a:r>
               <a:rPr lang="" altLang="en-US" sz="2800" dirty="0">
                 <a:solidFill>
-                  <a:srgbClr val="00B0F0"/>
+                  <a:schemeClr val="accent1"/>
                 </a:solidFill>
                 <a:sym typeface="+mn-ea"/>
               </a:rPr>
@@ -7913,7 +7123,7 @@
             <a:r>
               <a:rPr lang="en-US" altLang="en-US" sz="2800" dirty="0">
                 <a:solidFill>
-                  <a:srgbClr val="00B0F0"/>
+                  <a:schemeClr val="accent1"/>
                 </a:solidFill>
                 <a:sym typeface="+mn-ea"/>
               </a:rPr>
@@ -7921,7 +7131,7 @@
             </a:r>
             <a:endParaRPr lang="en-US" altLang="en-US" sz="2800" dirty="0">
               <a:solidFill>
-                <a:srgbClr val="00B0F0"/>
+                <a:schemeClr val="accent1"/>
               </a:solidFill>
               <a:sym typeface="+mn-ea"/>
             </a:endParaRPr>
@@ -7935,7 +7145,7 @@
             <a:r>
               <a:rPr lang="" altLang="en-US" sz="2800" dirty="0">
                 <a:solidFill>
-                  <a:srgbClr val="00B0F0"/>
+                  <a:schemeClr val="accent1"/>
                 </a:solidFill>
                 <a:sym typeface="+mn-ea"/>
               </a:rPr>
@@ -7944,7 +7154,7 @@
             <a:r>
               <a:rPr lang="en-US" altLang="en-US" sz="2800" dirty="0">
                 <a:solidFill>
-                  <a:srgbClr val="00B0F0"/>
+                  <a:schemeClr val="accent1"/>
                 </a:solidFill>
                 <a:sym typeface="+mn-ea"/>
               </a:rPr>
@@ -7952,7 +7162,7 @@
             </a:r>
             <a:endParaRPr lang="en-US" altLang="en-US" sz="2800" dirty="0">
               <a:solidFill>
-                <a:srgbClr val="00B0F0"/>
+                <a:schemeClr val="accent1"/>
               </a:solidFill>
               <a:sym typeface="+mn-ea"/>
             </a:endParaRPr>
@@ -9881,7 +9091,7 @@
         <p:spPr>
           <a:xfrm>
             <a:off x="1684655" y="63500"/>
-            <a:ext cx="7468870" cy="460375"/>
+            <a:ext cx="8686800" cy="521970"/>
           </a:xfrm>
           <a:prstGeom prst="rect">
             <a:avLst/>
@@ -9895,17 +9105,17 @@
           <a:p>
             <a:pPr algn="l"/>
             <a:r>
-              <a:rPr lang="en-US" altLang="en-US" sz="2400" dirty="0">
-                <a:solidFill>
-                  <a:srgbClr val="00B0F0"/>
+              <a:rPr lang="en-US" altLang="en-US" sz="2800" dirty="0">
+                <a:solidFill>
+                  <a:schemeClr val="accent1"/>
                 </a:solidFill>
                 <a:sym typeface="+mn-ea"/>
               </a:rPr>
               <a:t>Major maked folder And Linux File construdtion.</a:t>
             </a:r>
-            <a:endParaRPr lang="en-US" altLang="en-US" sz="2400" dirty="0">
+            <a:endParaRPr lang="en-US" altLang="en-US" sz="2800" dirty="0">
               <a:solidFill>
-                <a:srgbClr val="00B0F0"/>
+                <a:schemeClr val="accent1"/>
               </a:solidFill>
               <a:sym typeface="+mn-ea"/>
             </a:endParaRPr>
@@ -9971,7 +9181,7 @@
         </p:nvSpPr>
         <p:spPr>
           <a:xfrm>
-            <a:off x="-560070" y="1653540"/>
+            <a:off x="-120015" y="1720215"/>
             <a:ext cx="1438910" cy="368300"/>
           </a:xfrm>
           <a:prstGeom prst="rect">
@@ -10415,7 +9625,7 @@
             <a:r>
               <a:rPr lang="en-US" altLang="en-US" sz="3600" dirty="0">
                 <a:solidFill>
-                  <a:srgbClr val="00B0F0"/>
+                  <a:schemeClr val="accent1"/>
                 </a:solidFill>
                 <a:sym typeface="+mn-ea"/>
               </a:rPr>
@@ -10423,7 +9633,7 @@
             </a:r>
             <a:endParaRPr lang="en-US" altLang="en-US" sz="3600" dirty="0">
               <a:solidFill>
-                <a:srgbClr val="00B0F0"/>
+                <a:schemeClr val="accent1"/>
               </a:solidFill>
               <a:sym typeface="+mn-ea"/>
             </a:endParaRPr>
@@ -10509,45 +9719,6 @@
           </a:prstGeom>
         </p:spPr>
       </p:pic>
-      <p:sp>
-        <p:nvSpPr>
-          <p:cNvPr id="53" name="Right Arrow 52"/>
-          <p:cNvSpPr/>
-          <p:nvPr/>
-        </p:nvSpPr>
-        <p:spPr>
-          <a:xfrm rot="20640000">
-            <a:off x="6137910" y="3308985"/>
-            <a:ext cx="734695" cy="302260"/>
-          </a:xfrm>
-          <a:prstGeom prst="rightArrow">
-            <a:avLst/>
-          </a:prstGeom>
-        </p:spPr>
-        <p:style>
-          <a:lnRef idx="2">
-            <a:schemeClr val="accent2">
-              <a:shade val="50000"/>
-            </a:schemeClr>
-          </a:lnRef>
-          <a:fillRef idx="1">
-            <a:schemeClr val="accent2"/>
-          </a:fillRef>
-          <a:effectRef idx="0">
-            <a:schemeClr val="accent2"/>
-          </a:effectRef>
-          <a:fontRef idx="minor">
-            <a:schemeClr val="lt1"/>
-          </a:fontRef>
-        </p:style>
-        <p:txBody>
-          <a:bodyPr rtlCol="0" anchor="ctr"/>
-          <a:p>
-            <a:pPr algn="ctr"/>
-            <a:endParaRPr lang="en-US"/>
-          </a:p>
-        </p:txBody>
-      </p:sp>
       <p:graphicFrame>
         <p:nvGraphicFramePr>
           <p:cNvPr id="2" name="Table 1"/>
@@ -10555,8 +9726,8 @@
           <p:nvPr/>
         </p:nvGraphicFramePr>
         <p:xfrm>
-          <a:off x="969010" y="3875405"/>
-          <a:ext cx="10253980" cy="2575560"/>
+          <a:off x="305435" y="3875405"/>
+          <a:ext cx="11668125" cy="2460625"/>
         </p:xfrm>
         <a:graphic>
           <a:graphicData uri="http://schemas.openxmlformats.org/drawingml/2006/table">
@@ -10565,9 +9736,9 @@
                 <a:tableStyleId>{5C22544A-7EE6-4342-B048-85BDC9FD1C3A}</a:tableStyleId>
               </a:tblPr>
               <a:tblGrid>
-                <a:gridCol w="2191385"/>
-                <a:gridCol w="5578475"/>
-                <a:gridCol w="2484120"/>
+                <a:gridCol w="2205355"/>
+                <a:gridCol w="5607050"/>
+                <a:gridCol w="3855720"/>
               </a:tblGrid>
               <a:tr h="365760">
                 <a:tc>
@@ -10606,7 +9777,7 @@
                   <a:txBody>
                     <a:bodyPr/>
                     <a:p>
-                      <a:pPr>
+                      <a:pPr algn="ctr">
                         <a:buNone/>
                       </a:pPr>
                       <a:r>
@@ -10673,7 +9844,7 @@
                       </a:pPr>
                       <a:r>
                         <a:rPr lang="en-US" altLang="en-US"/>
-                        <a:t>Liferay ・fossology ・sw360・</a:t>
+                        <a:t>Liferay ・fossology ・sw360</a:t>
                       </a:r>
                       <a:endParaRPr lang="en-US" altLang="en-US"/>
                     </a:p>
@@ -10692,6 +9863,14 @@
                       <a:r>
                         <a:rPr lang="en-US" altLang="en-US"/>
                         <a:t>curl </a:t>
+                      </a:r>
+                      <a:r>
+                        <a:rPr lang="" altLang="en-US"/>
+                        <a:t>/ wget</a:t>
+                      </a:r>
+                      <a:r>
+                        <a:rPr lang="en-US" altLang="en-US"/>
+                        <a:t> </a:t>
                       </a:r>
                       <a:endParaRPr lang="en-US" altLang="en-US"/>
                     </a:p>
@@ -10733,7 +9912,30 @@
                       <a:pPr>
                         <a:buNone/>
                       </a:pPr>
-                      <a:endParaRPr lang="en-US" altLang="en-US"/>
+                      <a:r>
+                        <a:rPr lang="" altLang="en-US" sz="1800">
+                          <a:sym typeface="+mn-ea"/>
+                        </a:rPr>
+                        <a:t>others(</a:t>
+                      </a:r>
+                      <a:r>
+                        <a:rPr lang="" altLang="en-US" sz="1800">
+                          <a:solidFill>
+                            <a:srgbClr val="FF0000"/>
+                          </a:solidFill>
+                          <a:sym typeface="+mn-ea"/>
+                        </a:rPr>
+                        <a:t>downgrenade version</a:t>
+                      </a:r>
+                      <a:r>
+                        <a:rPr lang="" altLang="en-US" sz="1800">
+                          <a:sym typeface="+mn-ea"/>
+                        </a:rPr>
+                        <a:t>) </a:t>
+                      </a:r>
+                      <a:endParaRPr lang="" altLang="en-US" sz="1800">
+                        <a:sym typeface="+mn-ea"/>
+                      </a:endParaRPr>
                     </a:p>
                   </a:txBody>
                   <a:tcPr/>
@@ -10797,10 +9999,22 @@
                         <a:buNone/>
                       </a:pPr>
                       <a:r>
-                        <a:rPr lang="en-US" altLang="en-US"/>
-                        <a:t>couchdb/postgresql/maven/</a:t>
+                        <a:rPr lang="" altLang="en-US"/>
+                        <a:t>others (</a:t>
                       </a:r>
-                      <a:endParaRPr lang="en-US" altLang="en-US"/>
+                      <a:r>
+                        <a:rPr lang="" altLang="en-US">
+                          <a:solidFill>
+                            <a:srgbClr val="FF0000"/>
+                          </a:solidFill>
+                        </a:rPr>
+                        <a:t>leates version</a:t>
+                      </a:r>
+                      <a:r>
+                        <a:rPr lang="" altLang="en-US"/>
+                        <a:t>)</a:t>
+                      </a:r>
+                      <a:endParaRPr lang="" altLang="en-US"/>
                     </a:p>
                   </a:txBody>
                   <a:tcPr/>
@@ -10907,7 +10121,7 @@
         </p:nvSpPr>
         <p:spPr>
           <a:xfrm>
-            <a:off x="775970" y="265430"/>
+            <a:off x="869315" y="518795"/>
             <a:ext cx="2943860" cy="645160"/>
           </a:xfrm>
           <a:prstGeom prst="rect">
@@ -10923,7 +10137,7 @@
             <a:r>
               <a:rPr lang="en-US" altLang="en-US" sz="3600">
                 <a:solidFill>
-                  <a:srgbClr val="00B0F0"/>
+                  <a:schemeClr val="accent1"/>
                 </a:solidFill>
                 <a:sym typeface="+mn-ea"/>
               </a:rPr>
@@ -10931,7 +10145,7 @@
             </a:r>
             <a:endParaRPr lang="en-US" altLang="en-US" sz="3600">
               <a:solidFill>
-                <a:srgbClr val="00B0F0"/>
+                <a:schemeClr val="accent1"/>
               </a:solidFill>
               <a:sym typeface="+mn-ea"/>
             </a:endParaRPr>
@@ -10961,7 +10175,7 @@
           <a:p>
             <a:r>
               <a:rPr lang="en-US" sz="1600"/>
-              <a:t>1.download(git clone, curl, etc):</a:t>
+              <a:t>1.download:</a:t>
             </a:r>
             <a:endParaRPr lang="en-US" sz="1600"/>
           </a:p>
@@ -10985,6 +10199,45 @@
               <a:t>you build</a:t>
             </a:r>
             <a:endParaRPr lang="en-US" sz="1600"/>
+          </a:p>
+        </p:txBody>
+      </p:sp>
+      <p:sp>
+        <p:nvSpPr>
+          <p:cNvPr id="9" name="Right Arrow 8"/>
+          <p:cNvSpPr/>
+          <p:nvPr/>
+        </p:nvSpPr>
+        <p:spPr>
+          <a:xfrm rot="19380000">
+            <a:off x="5988050" y="3401060"/>
+            <a:ext cx="729615" cy="318135"/>
+          </a:xfrm>
+          <a:prstGeom prst="rightArrow">
+            <a:avLst/>
+          </a:prstGeom>
+        </p:spPr>
+        <p:style>
+          <a:lnRef idx="2">
+            <a:schemeClr val="accent2">
+              <a:shade val="50000"/>
+            </a:schemeClr>
+          </a:lnRef>
+          <a:fillRef idx="1">
+            <a:schemeClr val="accent2"/>
+          </a:fillRef>
+          <a:effectRef idx="0">
+            <a:schemeClr val="accent2"/>
+          </a:effectRef>
+          <a:fontRef idx="minor">
+            <a:schemeClr val="lt1"/>
+          </a:fontRef>
+        </p:style>
+        <p:txBody>
+          <a:bodyPr rtlCol="0" anchor="ctr"/>
+          <a:p>
+            <a:pPr algn="ctr"/>
+            <a:endParaRPr lang="en-US"/>
           </a:p>
         </p:txBody>
       </p:sp>
@@ -11050,7 +10303,7 @@
           <p:nvPr/>
         </p:nvGraphicFramePr>
         <p:xfrm>
-          <a:off x="568325" y="4136390"/>
+          <a:off x="460375" y="3869055"/>
           <a:ext cx="11264265" cy="2518410"/>
         </p:xfrm>
         <a:graphic>
@@ -11065,6 +10318,581 @@
                 <a:gridCol w="2541905"/>
               </a:tblGrid>
               <a:tr h="439420">
+                <a:tc>
+                  <a:txBody>
+                    <a:bodyPr/>
+                    <a:p>
+                      <a:pPr>
+                        <a:buNone/>
+                      </a:pPr>
+                      <a:r>
+                        <a:rPr lang="en-US" altLang="en-US"/>
+                        <a:t>Major </a:t>
+                      </a:r>
+                      <a:r>
+                        <a:rPr lang="" altLang="en-US"/>
+                        <a:t>C</a:t>
+                      </a:r>
+                      <a:r>
+                        <a:rPr lang="en-US" altLang="en-US"/>
+                        <a:t>ommand</a:t>
+                      </a:r>
+                      <a:endParaRPr lang="en-US" altLang="en-US"/>
+                    </a:p>
+                  </a:txBody>
+                  <a:tcPr/>
+                </a:tc>
+                <a:tc>
+                  <a:txBody>
+                    <a:bodyPr/>
+                    <a:p>
+                      <a:pPr>
+                        <a:buNone/>
+                      </a:pPr>
+                      <a:r>
+                        <a:rPr lang="en-US" altLang="en-US"/>
+                        <a:t>command briefly explaination</a:t>
+                      </a:r>
+                      <a:endParaRPr lang="en-US" altLang="en-US"/>
+                    </a:p>
+                  </a:txBody>
+                  <a:tcPr/>
+                </a:tc>
+                <a:tc>
+                  <a:txBody>
+                    <a:bodyPr/>
+                    <a:p>
+                      <a:pPr>
+                        <a:buNone/>
+                      </a:pPr>
+                      <a:r>
+                        <a:rPr lang="en-US" altLang="en-US"/>
+                        <a:t>is used about</a:t>
+                      </a:r>
+                      <a:endParaRPr lang="en-US" altLang="en-US"/>
+                    </a:p>
+                  </a:txBody>
+                  <a:tcPr/>
+                </a:tc>
+              </a:tr>
+              <a:tr h="769620">
+                <a:tc>
+                  <a:txBody>
+                    <a:bodyPr/>
+                    <a:p>
+                      <a:pPr algn="ctr">
+                        <a:buNone/>
+                      </a:pPr>
+                      <a:r>
+                        <a:rPr lang="en-US" altLang="en-US" sz="1800">
+                          <a:sym typeface="+mn-ea"/>
+                        </a:rPr>
+                        <a:t>make </a:t>
+                      </a:r>
+                      <a:endParaRPr lang="en-US" altLang="en-US"/>
+                    </a:p>
+                  </a:txBody>
+                  <a:tcPr/>
+                </a:tc>
+                <a:tc>
+                  <a:txBody>
+                    <a:bodyPr/>
+                    <a:p>
+                      <a:pPr>
+                        <a:buNone/>
+                      </a:pPr>
+                      <a:r>
+                        <a:rPr lang="en-US" altLang="en-US"/>
+                        <a:t>A tool for easily building programs </a:t>
+                      </a:r>
+                      <a:r>
+                        <a:rPr lang="" altLang="en-US"/>
+                        <a:t>mainly compiled programming language.(ex.C or C++). It is based on a MakeFile.</a:t>
+                      </a:r>
+                      <a:endParaRPr lang="" altLang="en-US"/>
+                    </a:p>
+                  </a:txBody>
+                  <a:tcPr/>
+                </a:tc>
+                <a:tc>
+                  <a:txBody>
+                    <a:bodyPr/>
+                    <a:p>
+                      <a:pPr>
+                        <a:buNone/>
+                      </a:pPr>
+                      <a:r>
+                        <a:rPr lang="" altLang="en-US"/>
+                        <a:t>F</a:t>
+                      </a:r>
+                      <a:r>
+                        <a:rPr lang="en-US" altLang="en-US"/>
+                        <a:t>ossology</a:t>
+                      </a:r>
+                      <a:endParaRPr lang="" altLang="en-US"/>
+                    </a:p>
+                  </a:txBody>
+                  <a:tcPr/>
+                </a:tc>
+              </a:tr>
+              <a:tr h="769620">
+                <a:tc>
+                  <a:txBody>
+                    <a:bodyPr/>
+                    <a:p>
+                      <a:pPr algn="ctr">
+                        <a:buNone/>
+                      </a:pPr>
+                      <a:r>
+                        <a:rPr lang="en-US" altLang="en-US"/>
+                        <a:t>configure</a:t>
+                      </a:r>
+                      <a:endParaRPr lang="en-US" altLang="en-US"/>
+                    </a:p>
+                  </a:txBody>
+                  <a:tcPr/>
+                </a:tc>
+                <a:tc>
+                  <a:txBody>
+                    <a:bodyPr/>
+                    <a:p>
+                      <a:pPr>
+                        <a:buNone/>
+                      </a:pPr>
+                      <a:r>
+                        <a:rPr lang="" altLang="en-US" sz="1800">
+                          <a:solidFill>
+                            <a:schemeClr val="tx1"/>
+                          </a:solidFill>
+                          <a:sym typeface="+mn-ea"/>
+                        </a:rPr>
+                        <a:t>A script for easily setting enviroments and libraly, and make MakeFile.環境の差異に対応する.</a:t>
+                      </a:r>
+                      <a:r>
+                        <a:rPr lang="en-US" altLang="en-US" sz="1800">
+                          <a:sym typeface="+mn-ea"/>
+                        </a:rPr>
+                        <a:t>It is based on a </a:t>
+                      </a:r>
+                      <a:r>
+                        <a:rPr lang="" altLang="en-US" sz="1800">
+                          <a:sym typeface="+mn-ea"/>
+                        </a:rPr>
+                        <a:t>configure script</a:t>
+                      </a:r>
+                      <a:r>
+                        <a:rPr lang="en-US" altLang="en-US" sz="1800">
+                          <a:sym typeface="+mn-ea"/>
+                        </a:rPr>
+                        <a:t>.</a:t>
+                      </a:r>
+                      <a:endParaRPr lang="" altLang="en-US" sz="1800">
+                        <a:solidFill>
+                          <a:schemeClr val="tx1"/>
+                        </a:solidFill>
+                        <a:sym typeface="+mn-ea"/>
+                      </a:endParaRPr>
+                    </a:p>
+                  </a:txBody>
+                  <a:tcPr/>
+                </a:tc>
+                <a:tc>
+                  <a:txBody>
+                    <a:bodyPr/>
+                    <a:p>
+                      <a:pPr>
+                        <a:buNone/>
+                      </a:pPr>
+                      <a:r>
+                        <a:rPr lang="" altLang="en-US"/>
+                        <a:t>-</a:t>
+                      </a:r>
+                      <a:endParaRPr lang="" altLang="en-US"/>
+                    </a:p>
+                  </a:txBody>
+                  <a:tcPr/>
+                </a:tc>
+              </a:tr>
+              <a:tr h="539750">
+                <a:tc>
+                  <a:txBody>
+                    <a:bodyPr/>
+                    <a:p>
+                      <a:pPr algn="ctr">
+                        <a:buNone/>
+                      </a:pPr>
+                      <a:r>
+                        <a:rPr lang="en-US" altLang="en-US"/>
+                        <a:t>mvn</a:t>
+                      </a:r>
+                      <a:endParaRPr lang="en-US" altLang="en-US"/>
+                    </a:p>
+                  </a:txBody>
+                  <a:tcPr/>
+                </a:tc>
+                <a:tc>
+                  <a:txBody>
+                    <a:bodyPr/>
+                    <a:p>
+                      <a:pPr>
+                        <a:buNone/>
+                      </a:pPr>
+                      <a:r>
+                        <a:rPr lang="" altLang="en-US"/>
+                        <a:t>A tool for easily building </a:t>
+                      </a:r>
+                      <a:r>
+                        <a:rPr lang="en-US" altLang="en-US" sz="1800">
+                          <a:sym typeface="+mn-ea"/>
+                        </a:rPr>
+                        <a:t> and installing</a:t>
+                      </a:r>
+                      <a:r>
+                        <a:rPr lang="" altLang="en-US"/>
+                        <a:t> groprams for </a:t>
+                      </a:r>
+                      <a:r>
+                        <a:rPr lang="" altLang="en-US">
+                          <a:solidFill>
+                            <a:srgbClr val="FF0000"/>
+                          </a:solidFill>
+                        </a:rPr>
+                        <a:t>Java </a:t>
+                      </a:r>
+                      <a:r>
+                        <a:rPr lang="" altLang="en-US"/>
+                        <a:t>language. </a:t>
+                      </a:r>
+                      <a:r>
+                        <a:rPr lang="en-US" altLang="en-US" sz="1800">
+                          <a:sym typeface="+mn-ea"/>
+                        </a:rPr>
+                        <a:t>It is based on a </a:t>
+                      </a:r>
+                      <a:r>
+                        <a:rPr lang="" altLang="en-US" sz="1800">
+                          <a:sym typeface="+mn-ea"/>
+                        </a:rPr>
+                        <a:t>pom.xml</a:t>
+                      </a:r>
+                      <a:r>
+                        <a:rPr lang="en-US" altLang="en-US" sz="1800">
+                          <a:sym typeface="+mn-ea"/>
+                        </a:rPr>
+                        <a:t>.</a:t>
+                      </a:r>
+                      <a:endParaRPr lang="" altLang="en-US"/>
+                    </a:p>
+                  </a:txBody>
+                  <a:tcPr/>
+                </a:tc>
+                <a:tc>
+                  <a:txBody>
+                    <a:bodyPr/>
+                    <a:p>
+                      <a:pPr>
+                        <a:buNone/>
+                      </a:pPr>
+                      <a:r>
+                        <a:rPr lang="" altLang="en-US"/>
+                        <a:t>sw360</a:t>
+                      </a:r>
+                      <a:endParaRPr lang="" altLang="en-US"/>
+                    </a:p>
+                  </a:txBody>
+                  <a:tcPr/>
+                </a:tc>
+              </a:tr>
+            </a:tbl>
+          </a:graphicData>
+        </a:graphic>
+      </p:graphicFrame>
+      <p:sp>
+        <p:nvSpPr>
+          <p:cNvPr id="6" name="Text Box 5"/>
+          <p:cNvSpPr txBox="1"/>
+          <p:nvPr/>
+        </p:nvSpPr>
+        <p:spPr>
+          <a:xfrm>
+            <a:off x="819150" y="481965"/>
+            <a:ext cx="3500120" cy="645160"/>
+          </a:xfrm>
+          <a:prstGeom prst="rect">
+            <a:avLst/>
+          </a:prstGeom>
+          <a:noFill/>
+        </p:spPr>
+        <p:txBody>
+          <a:bodyPr wrap="none" rtlCol="0" anchor="t">
+            <a:spAutoFit/>
+          </a:bodyPr>
+          <a:p>
+            <a:r>
+              <a:rPr lang="en-US" altLang="en-US" sz="3600">
+                <a:solidFill>
+                  <a:schemeClr val="accent1"/>
+                </a:solidFill>
+                <a:sym typeface="+mn-ea"/>
+              </a:rPr>
+              <a:t>BUILD/CONFIG</a:t>
+            </a:r>
+            <a:endParaRPr lang="en-US" altLang="en-US" sz="3600">
+              <a:solidFill>
+                <a:schemeClr val="accent1"/>
+              </a:solidFill>
+              <a:sym typeface="+mn-ea"/>
+            </a:endParaRPr>
+          </a:p>
+        </p:txBody>
+      </p:sp>
+      <p:pic>
+        <p:nvPicPr>
+          <p:cNvPr id="8" name="Picture 7" descr="全体の様子"/>
+          <p:cNvPicPr>
+            <a:picLocks noChangeAspect="1"/>
+          </p:cNvPicPr>
+          <p:nvPr/>
+        </p:nvPicPr>
+        <p:blipFill>
+          <a:blip r:embed="rId1"/>
+          <a:stretch>
+            <a:fillRect/>
+          </a:stretch>
+        </p:blipFill>
+        <p:spPr>
+          <a:xfrm>
+            <a:off x="5969000" y="757555"/>
+            <a:ext cx="6285865" cy="2574925"/>
+          </a:xfrm>
+          <a:prstGeom prst="rect">
+            <a:avLst/>
+          </a:prstGeom>
+        </p:spPr>
+      </p:pic>
+      <p:sp>
+        <p:nvSpPr>
+          <p:cNvPr id="9" name="Right Arrow 8"/>
+          <p:cNvSpPr/>
+          <p:nvPr/>
+        </p:nvSpPr>
+        <p:spPr>
+          <a:xfrm rot="19380000">
+            <a:off x="7950835" y="3159125"/>
+            <a:ext cx="729615" cy="318135"/>
+          </a:xfrm>
+          <a:prstGeom prst="rightArrow">
+            <a:avLst/>
+          </a:prstGeom>
+        </p:spPr>
+        <p:style>
+          <a:lnRef idx="2">
+            <a:schemeClr val="accent2">
+              <a:shade val="50000"/>
+            </a:schemeClr>
+          </a:lnRef>
+          <a:fillRef idx="1">
+            <a:schemeClr val="accent2"/>
+          </a:fillRef>
+          <a:effectRef idx="0">
+            <a:schemeClr val="accent2"/>
+          </a:effectRef>
+          <a:fontRef idx="minor">
+            <a:schemeClr val="lt1"/>
+          </a:fontRef>
+        </p:style>
+        <p:txBody>
+          <a:bodyPr rtlCol="0" anchor="ctr"/>
+          <a:p>
+            <a:pPr algn="ctr"/>
+            <a:endParaRPr lang="en-US"/>
+          </a:p>
+        </p:txBody>
+      </p:sp>
+      <p:sp>
+        <p:nvSpPr>
+          <p:cNvPr id="5" name="Text Box 4"/>
+          <p:cNvSpPr txBox="1"/>
+          <p:nvPr/>
+        </p:nvSpPr>
+        <p:spPr>
+          <a:xfrm>
+            <a:off x="226060" y="1014730"/>
+            <a:ext cx="6167120" cy="3046095"/>
+          </a:xfrm>
+          <a:prstGeom prst="rect">
+            <a:avLst/>
+          </a:prstGeom>
+          <a:noFill/>
+        </p:spPr>
+        <p:txBody>
+          <a:bodyPr wrap="square" rtlCol="0" anchor="t">
+            <a:spAutoFit/>
+          </a:bodyPr>
+          <a:p>
+            <a:r>
+              <a:rPr lang="en-US" sz="1600"/>
+              <a:t>2.build: </a:t>
+            </a:r>
+            <a:endParaRPr lang="en-US" sz="1600"/>
+          </a:p>
+          <a:p>
+            <a:r>
+              <a:rPr lang="en-US" sz="1600"/>
+              <a:t>Compile and make binay files. Binary files is called when user exec program. But kernel may call binary file auto(ex.systemd, clon). Build tool(program) is too many. some build tool move under programing</a:t>
+            </a:r>
+            <a:endParaRPr lang="en-US" sz="1600"/>
+          </a:p>
+          <a:p>
+            <a:r>
+              <a:rPr lang="en-US" sz="1600"/>
+              <a:t>languuage(ex.maven)</a:t>
+            </a:r>
+            <a:endParaRPr lang="en-US" sz="1600"/>
+          </a:p>
+          <a:p>
+            <a:endParaRPr lang="en-US" sz="1600"/>
+          </a:p>
+          <a:p>
+            <a:r>
+              <a:rPr lang="en-US" sz="1600"/>
+              <a:t>NOTE: </a:t>
+            </a:r>
+            <a:r>
+              <a:rPr lang="" sz="1600"/>
+              <a:t>You use package install</a:t>
+            </a:r>
+            <a:r>
+              <a:rPr lang="en-US" sz="1600"/>
+              <a:t> </a:t>
+            </a:r>
+            <a:r>
+              <a:rPr lang="" altLang="en-US" sz="1600"/>
+              <a:t>don't process</a:t>
+            </a:r>
+            <a:r>
+              <a:rPr lang="en-US" sz="1600"/>
+              <a:t> </a:t>
+            </a:r>
+            <a:r>
+              <a:rPr lang="" altLang="en-US" sz="1600"/>
+              <a:t>this step(step2)~Step3(Install). Then you can go step4.</a:t>
+            </a:r>
+            <a:endParaRPr lang="" altLang="en-US" sz="1600"/>
+          </a:p>
+          <a:p>
+            <a:r>
+              <a:rPr lang="" altLang="en-US" sz="1600"/>
+              <a:t>NOTE: where are compile programs and  what is compiled is based on MakeFile, configureScript or pom.xml.</a:t>
+            </a:r>
+            <a:endParaRPr lang="" altLang="en-US" sz="1600"/>
+          </a:p>
+          <a:p>
+            <a:endParaRPr lang="en-US" sz="1600"/>
+          </a:p>
+        </p:txBody>
+      </p:sp>
+    </p:spTree>
+  </p:cSld>
+  <p:clrMapOvr>
+    <a:masterClrMapping/>
+  </p:clrMapOvr>
+</p:sld>
+</file>
+
+<file path=ppt/slides/slide9.xml><?xml version="1.0" encoding="utf-8"?>
+<p:sld xmlns:a="http://schemas.openxmlformats.org/drawingml/2006/main" xmlns:r="http://schemas.openxmlformats.org/officeDocument/2006/relationships" xmlns:p="http://schemas.openxmlformats.org/presentationml/2006/main">
+  <p:cSld>
+    <p:spTree>
+      <p:nvGrpSpPr>
+        <p:cNvPr id="1" name=""/>
+        <p:cNvGrpSpPr/>
+        <p:nvPr/>
+      </p:nvGrpSpPr>
+      <p:grpSpPr>
+        <a:xfrm>
+          <a:off x="0" y="0"/>
+          <a:ext cx="0" cy="0"/>
+          <a:chOff x="0" y="0"/>
+          <a:chExt cx="0" cy="0"/>
+        </a:xfrm>
+      </p:grpSpPr>
+      <p:sp>
+        <p:nvSpPr>
+          <p:cNvPr id="3" name="Text Box 2"/>
+          <p:cNvSpPr txBox="1"/>
+          <p:nvPr/>
+        </p:nvSpPr>
+        <p:spPr>
+          <a:xfrm>
+            <a:off x="1526540" y="-1962573"/>
+            <a:ext cx="9132147" cy="542290"/>
+          </a:xfrm>
+          <a:prstGeom prst="rect">
+            <a:avLst/>
+          </a:prstGeom>
+          <a:noFill/>
+        </p:spPr>
+        <p:txBody>
+          <a:bodyPr wrap="square" rtlCol="0">
+            <a:spAutoFit/>
+          </a:bodyPr>
+          <a:p>
+            <a:pPr algn="l">
+              <a:lnSpc>
+                <a:spcPct val="110000"/>
+              </a:lnSpc>
+            </a:pPr>
+            <a:endParaRPr lang="en-US" altLang="en-US" sz="2665"/>
+          </a:p>
+        </p:txBody>
+      </p:sp>
+      <p:pic>
+        <p:nvPicPr>
+          <p:cNvPr id="52" name="Picture 51" descr="全体の様子"/>
+          <p:cNvPicPr>
+            <a:picLocks noChangeAspect="1"/>
+          </p:cNvPicPr>
+          <p:nvPr/>
+        </p:nvPicPr>
+        <p:blipFill>
+          <a:blip r:embed="rId1"/>
+          <a:stretch>
+            <a:fillRect/>
+          </a:stretch>
+        </p:blipFill>
+        <p:spPr>
+          <a:xfrm>
+            <a:off x="4850765" y="924560"/>
+            <a:ext cx="6882130" cy="2819400"/>
+          </a:xfrm>
+          <a:prstGeom prst="rect">
+            <a:avLst/>
+          </a:prstGeom>
+        </p:spPr>
+      </p:pic>
+      <p:graphicFrame>
+        <p:nvGraphicFramePr>
+          <p:cNvPr id="2" name="Table 1"/>
+          <p:cNvGraphicFramePr/>
+          <p:nvPr/>
+        </p:nvGraphicFramePr>
+        <p:xfrm>
+          <a:off x="1939290" y="4175760"/>
+          <a:ext cx="8350250" cy="2663190"/>
+        </p:xfrm>
+        <a:graphic>
+          <a:graphicData uri="http://schemas.openxmlformats.org/drawingml/2006/table">
+            <a:tbl>
+              <a:tblPr firstRow="1" bandRow="1">
+                <a:tableStyleId>{5C22544A-7EE6-4342-B048-85BDC9FD1C3A}</a:tableStyleId>
+              </a:tblPr>
+              <a:tblGrid>
+                <a:gridCol w="2218055"/>
+                <a:gridCol w="4069715"/>
+                <a:gridCol w="2062480"/>
+              </a:tblGrid>
+              <a:tr h="449580">
                 <a:tc>
                   <a:txBody>
                     <a:bodyPr/>
@@ -11114,7 +10942,7 @@
                   <a:tcPr/>
                 </a:tc>
               </a:tr>
-              <a:tr h="769620">
+              <a:tr h="640080">
                 <a:tc>
                   <a:txBody>
                     <a:bodyPr/>
@@ -11126,61 +10954,7 @@
                         <a:rPr lang="en-US" altLang="en-US" sz="1800">
                           <a:sym typeface="+mn-ea"/>
                         </a:rPr>
-                        <a:t>make </a:t>
-                      </a:r>
-                      <a:endParaRPr lang="en-US" altLang="en-US"/>
-                    </a:p>
-                  </a:txBody>
-                  <a:tcPr/>
-                </a:tc>
-                <a:tc>
-                  <a:txBody>
-                    <a:bodyPr/>
-                    <a:p>
-                      <a:pPr>
-                        <a:buNone/>
-                      </a:pPr>
-                      <a:r>
-                        <a:rPr lang="en-US" altLang="en-US"/>
-                        <a:t>A tool for easily building programs </a:t>
-                      </a:r>
-                      <a:r>
-                        <a:rPr lang="" altLang="en-US"/>
-                        <a:t>mainly compiled programming language.(ex.C or C++)</a:t>
-                      </a:r>
-                      <a:endParaRPr lang="" altLang="en-US"/>
-                    </a:p>
-                  </a:txBody>
-                  <a:tcPr/>
-                </a:tc>
-                <a:tc>
-                  <a:txBody>
-                    <a:bodyPr/>
-                    <a:p>
-                      <a:pPr>
-                        <a:buNone/>
-                      </a:pPr>
-                      <a:r>
-                        <a:rPr lang="en-US" altLang="en-US"/>
-                        <a:t>Liferay ・fossology ・</a:t>
-                      </a:r>
-                      <a:endParaRPr lang="en-US" altLang="en-US"/>
-                    </a:p>
-                  </a:txBody>
-                  <a:tcPr/>
-                </a:tc>
-              </a:tr>
-              <a:tr h="769620">
-                <a:tc>
-                  <a:txBody>
-                    <a:bodyPr/>
-                    <a:p>
-                      <a:pPr>
-                        <a:buNone/>
-                      </a:pPr>
-                      <a:r>
-                        <a:rPr lang="en-US" altLang="en-US"/>
-                        <a:t>configure</a:t>
+                        <a:t>make install</a:t>
                       </a:r>
                       <a:endParaRPr lang="en-US" altLang="en-US"/>
                     </a:p>
@@ -11198,9 +10972,29 @@
                         <a:rPr lang="en-US" altLang="en-US" sz="1800">
                           <a:sym typeface="+mn-ea"/>
                         </a:rPr>
-                        <a:t>A tool for easily building programs mainly compiled programming language.(ex.C or C++)</a:t>
+                        <a:t>A installing tool Based on install-lavel of MakeFile</a:t>
                       </a:r>
-                      <a:endParaRPr lang="en-US" altLang="en-US"/>
+                      <a:r>
+                        <a:rPr lang="" altLang="en-US" sz="1800">
+                          <a:sym typeface="+mn-ea"/>
+                        </a:rPr>
+                        <a:t>, for </a:t>
+                      </a:r>
+                      <a:r>
+                        <a:rPr lang="en-US" altLang="en-US" sz="1800">
+                          <a:sym typeface="+mn-ea"/>
+                        </a:rPr>
+                        <a:t>C, C++</a:t>
+                      </a:r>
+                      <a:r>
+                        <a:rPr lang="" altLang="en-US" sz="1800">
+                          <a:sym typeface="+mn-ea"/>
+                        </a:rPr>
+                        <a:t>.</a:t>
+                      </a:r>
+                      <a:endParaRPr lang="" altLang="en-US" sz="1800">
+                        <a:sym typeface="+mn-ea"/>
+                      </a:endParaRPr>
                     </a:p>
                   </a:txBody>
                   <a:tcPr/>
@@ -11214,7 +11008,7 @@
                       </a:pPr>
                       <a:r>
                         <a:rPr lang="en-US" altLang="en-US"/>
-                        <a:t>couchdb/postgresql/maven/</a:t>
+                        <a:t>Liferay fossology </a:t>
                       </a:r>
                       <a:endParaRPr lang="en-US" altLang="en-US"/>
                     </a:p>
@@ -11222,7 +11016,7 @@
                   <a:tcPr/>
                 </a:tc>
               </a:tr>
-              <a:tr h="539750">
+              <a:tr h="786765">
                 <a:tc>
                   <a:txBody>
                     <a:bodyPr/>
@@ -11231,10 +11025,10 @@
                         <a:buNone/>
                       </a:pPr>
                       <a:r>
-                        <a:rPr lang="en-US" altLang="en-US"/>
-                        <a:t>mvn</a:t>
+                        <a:rPr lang="" altLang="en-US"/>
+                        <a:t>maven install</a:t>
                       </a:r>
-                      <a:endParaRPr lang="en-US" altLang="en-US"/>
+                      <a:endParaRPr lang="" altLang="en-US"/>
                     </a:p>
                   </a:txBody>
                   <a:tcPr/>
@@ -11247,10 +11041,32 @@
                         <a:buNone/>
                       </a:pPr>
                       <a:r>
-                        <a:rPr lang="en-US" altLang="en-US"/>
-                        <a:t>Package install tools on CentOS</a:t>
+                        <a:rPr lang="en-US" altLang="en-US" sz="1800">
+                          <a:sym typeface="+mn-ea"/>
+                        </a:rPr>
+                        <a:t>A installing tool Based on </a:t>
                       </a:r>
-                      <a:endParaRPr lang="en-US" altLang="en-US"/>
+                      <a:r>
+                        <a:rPr lang="" altLang="en-US" sz="1800">
+                          <a:sym typeface="+mn-ea"/>
+                        </a:rPr>
+                        <a:t>pom.xml,</a:t>
+                      </a:r>
+                      <a:r>
+                        <a:rPr lang="en-US" altLang="en-US" sz="1800">
+                          <a:sym typeface="+mn-ea"/>
+                        </a:rPr>
+                        <a:t> </a:t>
+                      </a:r>
+                      <a:r>
+                        <a:rPr lang="" altLang="en-US" sz="1800">
+                          <a:sym typeface="+mn-ea"/>
+                        </a:rPr>
+                        <a:t>for java language.</a:t>
+                      </a:r>
+                      <a:endParaRPr lang="" altLang="en-US" sz="1800">
+                        <a:sym typeface="+mn-ea"/>
+                      </a:endParaRPr>
                     </a:p>
                   </a:txBody>
                   <a:tcPr/>
@@ -11262,7 +11078,11 @@
                       <a:pPr>
                         <a:buNone/>
                       </a:pPr>
-                      <a:endParaRPr lang="en-US" altLang="en-US"/>
+                      <a:r>
+                        <a:rPr lang="" altLang="en-US"/>
+                        <a:t>sw360</a:t>
+                      </a:r>
+                      <a:endParaRPr lang="" altLang="en-US"/>
                     </a:p>
                   </a:txBody>
                   <a:tcPr/>
@@ -11307,14 +11127,14 @@
       </p:sp>
       <p:sp>
         <p:nvSpPr>
-          <p:cNvPr id="6" name="Text Box 5"/>
+          <p:cNvPr id="11" name="Text Box 10"/>
           <p:cNvSpPr txBox="1"/>
           <p:nvPr/>
         </p:nvSpPr>
         <p:spPr>
           <a:xfrm>
             <a:off x="819150" y="481965"/>
-            <a:ext cx="3500120" cy="645160"/>
+            <a:ext cx="2016125" cy="645160"/>
           </a:xfrm>
           <a:prstGeom prst="rect">
             <a:avLst/>
@@ -11327,56 +11147,121 @@
           </a:bodyPr>
           <a:p>
             <a:r>
-              <a:rPr lang="en-US" altLang="en-US" sz="3600">
-                <a:solidFill>
-                  <a:srgbClr val="00B0F0"/>
-                </a:solidFill>
-                <a:sym typeface="+mn-ea"/>
-              </a:rPr>
-              <a:t>BUILD/CONFIG</a:t>
-            </a:r>
-            <a:endParaRPr lang="en-US" altLang="en-US" sz="3600">
+              <a:rPr lang="" altLang="en-US" sz="3600">
+                <a:solidFill>
+                  <a:schemeClr val="accent1"/>
+                </a:solidFill>
+                <a:sym typeface="+mn-ea"/>
+              </a:rPr>
+              <a:t>INSTALL</a:t>
+            </a:r>
+            <a:endParaRPr lang="" altLang="en-US" sz="3600">
               <a:solidFill>
-                <a:srgbClr val="00B0F0"/>
+                <a:schemeClr val="accent1"/>
               </a:solidFill>
               <a:sym typeface="+mn-ea"/>
             </a:endParaRPr>
           </a:p>
         </p:txBody>
       </p:sp>
-      <p:pic>
-        <p:nvPicPr>
-          <p:cNvPr id="8" name="Picture 7" descr="全体の様子"/>
-          <p:cNvPicPr>
-            <a:picLocks noChangeAspect="1"/>
-          </p:cNvPicPr>
+      <p:sp>
+        <p:nvSpPr>
+          <p:cNvPr id="12" name="Text Box 11"/>
+          <p:cNvSpPr txBox="1"/>
           <p:nvPr/>
-        </p:nvPicPr>
-        <p:blipFill>
-          <a:blip r:embed="rId1"/>
-          <a:stretch>
-            <a:fillRect/>
-          </a:stretch>
-        </p:blipFill>
+        </p:nvSpPr>
         <p:spPr>
           <a:xfrm>
-            <a:off x="5911850" y="1213485"/>
-            <a:ext cx="6285865" cy="2574925"/>
+            <a:off x="252730" y="1261110"/>
+            <a:ext cx="5714365" cy="2306955"/>
           </a:xfrm>
           <a:prstGeom prst="rect">
             <a:avLst/>
           </a:prstGeom>
-        </p:spPr>
-      </p:pic>
-      <p:sp>
-        <p:nvSpPr>
-          <p:cNvPr id="9" name="Right Arrow 8"/>
+          <a:noFill/>
+        </p:spPr>
+        <p:txBody>
+          <a:bodyPr wrap="square" rtlCol="0" anchor="t">
+            <a:spAutoFit/>
+          </a:bodyPr>
+          <a:p>
+            <a:r>
+              <a:rPr lang="en-US" altLang="en-US" sz="1600">
+                <a:sym typeface="+mn-ea"/>
+              </a:rPr>
+              <a:t>3</a:t>
+            </a:r>
+            <a:r>
+              <a:rPr lang="en-US" sz="1600">
+                <a:sym typeface="+mn-ea"/>
+              </a:rPr>
+              <a:t>.</a:t>
+            </a:r>
+            <a:r>
+              <a:rPr lang="en-US" altLang="en-US" sz="1600">
+                <a:sym typeface="+mn-ea"/>
+              </a:rPr>
+              <a:t>INSTALL</a:t>
+            </a:r>
+            <a:r>
+              <a:rPr lang="en-US" sz="1600">
+                <a:sym typeface="+mn-ea"/>
+              </a:rPr>
+              <a:t>: </a:t>
+            </a:r>
+            <a:endParaRPr lang="en-US" sz="1600"/>
+          </a:p>
+          <a:p>
+            <a:r>
+              <a:rPr lang="en-US" altLang="en-US" sz="1600">
+                <a:sym typeface="+mn-ea"/>
+              </a:rPr>
+              <a:t> Install is verry easy. Ths step install compiled programs to local folders.  </a:t>
+            </a:r>
+            <a:r>
+              <a:rPr lang="" altLang="en-US" sz="1600">
+                <a:sym typeface="+mn-ea"/>
+              </a:rPr>
+              <a:t>maven is moved under Java projects.</a:t>
+            </a:r>
+            <a:endParaRPr lang="en-US" altLang="en-US" sz="1600">
+              <a:sym typeface="+mn-ea"/>
+            </a:endParaRPr>
+          </a:p>
+          <a:p>
+            <a:endParaRPr lang="en-US" altLang="en-US" sz="1600">
+              <a:sym typeface="+mn-ea"/>
+            </a:endParaRPr>
+          </a:p>
+          <a:p>
+            <a:r>
+              <a:rPr lang="en-US" altLang="en-US" sz="1600">
+                <a:sym typeface="+mn-ea"/>
+              </a:rPr>
+              <a:t>NOTE: where are compile programs and  what is compiled is based on MakeFile, configureScript or pom.xml.</a:t>
+            </a:r>
+            <a:endParaRPr lang="en-US" altLang="en-US" sz="1600">
+              <a:sym typeface="+mn-ea"/>
+            </a:endParaRPr>
+          </a:p>
+          <a:p>
+            <a:r>
+              <a:rPr lang="en-US" sz="1600"/>
+              <a:t> </a:t>
+            </a:r>
+            <a:endParaRPr lang="en-US" sz="1600"/>
+          </a:p>
+        </p:txBody>
+      </p:sp>
+      <p:sp>
+        <p:nvSpPr>
+          <p:cNvPr id="13" name="Right Arrow 12"/>
           <p:cNvSpPr/>
           <p:nvPr/>
         </p:nvSpPr>
         <p:spPr>
           <a:xfrm rot="19380000">
-            <a:off x="7893050" y="3519805"/>
+            <a:off x="8600440" y="3476625"/>
             <a:ext cx="729615" cy="318135"/>
           </a:xfrm>
           <a:prstGeom prst="rightArrow">
@@ -11404,488 +11289,6 @@
           <a:p>
             <a:pPr algn="ctr"/>
             <a:endParaRPr lang="en-US"/>
-          </a:p>
-        </p:txBody>
-      </p:sp>
-      <p:sp>
-        <p:nvSpPr>
-          <p:cNvPr id="5" name="Text Box 4"/>
-          <p:cNvSpPr txBox="1"/>
-          <p:nvPr/>
-        </p:nvSpPr>
-        <p:spPr>
-          <a:xfrm>
-            <a:off x="108585" y="1127125"/>
-            <a:ext cx="5901055" cy="3291840"/>
-          </a:xfrm>
-          <a:prstGeom prst="rect">
-            <a:avLst/>
-          </a:prstGeom>
-          <a:noFill/>
-        </p:spPr>
-        <p:txBody>
-          <a:bodyPr wrap="square" rtlCol="0" anchor="t">
-            <a:spAutoFit/>
-          </a:bodyPr>
-          <a:p>
-            <a:r>
-              <a:rPr lang="en-US" sz="1600"/>
-              <a:t>2.build: (maven, make / make install, configure, and some scripts)</a:t>
-            </a:r>
-            <a:endParaRPr lang="en-US" sz="1600"/>
-          </a:p>
-          <a:p>
-            <a:r>
-              <a:rPr lang="en-US" sz="1600"/>
-              <a:t>Compile and make binay files. Binary files is called when user exec program. But kernel may call binary file auto(ex.systemd, clon). Build tool(program) is too many. some build tool move under programing</a:t>
-            </a:r>
-            <a:endParaRPr lang="en-US" sz="1600"/>
-          </a:p>
-          <a:p>
-            <a:r>
-              <a:rPr lang="en-US" sz="1600"/>
-              <a:t>languuage(ex.maven)-&gt;make(maven)の仕組みへ. NOTE: excluding make, some programm is not included 3.イ ンスト ールは含ま ず</a:t>
-            </a:r>
-            <a:endParaRPr lang="en-US" sz="1600"/>
-          </a:p>
-          <a:p>
-            <a:r>
-              <a:rPr lang="en-US" sz="1600"/>
-              <a:t>に、4..execへいく こ と ができ る (fossology and sw360 use make)</a:t>
-            </a:r>
-            <a:endParaRPr lang="en-US" sz="1600"/>
-          </a:p>
-          <a:p>
-            <a:r>
-              <a:rPr lang="en-US" sz="1600"/>
-              <a:t>When program use systemd, you may tipe systemctl cmd. -&gt; systemdのし く みへ</a:t>
-            </a:r>
-            <a:endParaRPr lang="en-US" sz="1600"/>
-          </a:p>
-        </p:txBody>
-      </p:sp>
-    </p:spTree>
-  </p:cSld>
-  <p:clrMapOvr>
-    <a:masterClrMapping/>
-  </p:clrMapOvr>
-</p:sld>
-</file>
-
-<file path=ppt/slides/slide9.xml><?xml version="1.0" encoding="utf-8"?>
-<p:sld xmlns:a="http://schemas.openxmlformats.org/drawingml/2006/main" xmlns:r="http://schemas.openxmlformats.org/officeDocument/2006/relationships" xmlns:p="http://schemas.openxmlformats.org/presentationml/2006/main">
-  <p:cSld>
-    <p:spTree>
-      <p:nvGrpSpPr>
-        <p:cNvPr id="1" name=""/>
-        <p:cNvGrpSpPr/>
-        <p:nvPr/>
-      </p:nvGrpSpPr>
-      <p:grpSpPr>
-        <a:xfrm>
-          <a:off x="0" y="0"/>
-          <a:ext cx="0" cy="0"/>
-          <a:chOff x="0" y="0"/>
-          <a:chExt cx="0" cy="0"/>
-        </a:xfrm>
-      </p:grpSpPr>
-      <p:sp>
-        <p:nvSpPr>
-          <p:cNvPr id="14" name="Text Box 13"/>
-          <p:cNvSpPr txBox="1"/>
-          <p:nvPr/>
-        </p:nvSpPr>
-        <p:spPr>
-          <a:xfrm>
-            <a:off x="2575560" y="269240"/>
-            <a:ext cx="247650" cy="337185"/>
-          </a:xfrm>
-          <a:prstGeom prst="rect">
-            <a:avLst/>
-          </a:prstGeom>
-          <a:noFill/>
-        </p:spPr>
-        <p:txBody>
-          <a:bodyPr wrap="none" rtlCol="0" anchor="t">
-            <a:spAutoFit/>
-          </a:bodyPr>
-          <a:p>
-            <a:r>
-              <a:rPr lang="en-US" altLang="en-US" sz="1600" dirty="0">
-                <a:sym typeface="+mn-ea"/>
-              </a:rPr>
-              <a:t> </a:t>
-            </a:r>
-            <a:endParaRPr lang="en-US" altLang="en-US" sz="1600" dirty="0">
-              <a:sym typeface="+mn-ea"/>
-            </a:endParaRPr>
-          </a:p>
-        </p:txBody>
-      </p:sp>
-      <p:sp>
-        <p:nvSpPr>
-          <p:cNvPr id="2" name="正方形/長方形 57"/>
-          <p:cNvSpPr/>
-          <p:nvPr/>
-        </p:nvSpPr>
-        <p:spPr>
-          <a:xfrm>
-            <a:off x="6898005" y="5316855"/>
-            <a:ext cx="3018790" cy="1238250"/>
-          </a:xfrm>
-          <a:prstGeom prst="rect">
-            <a:avLst/>
-          </a:prstGeom>
-          <a:solidFill>
-            <a:schemeClr val="accent1">
-              <a:lumMod val="20000"/>
-              <a:lumOff val="80000"/>
-            </a:schemeClr>
-          </a:solidFill>
-        </p:spPr>
-        <p:style>
-          <a:lnRef idx="2">
-            <a:schemeClr val="accent1">
-              <a:shade val="50000"/>
-            </a:schemeClr>
-          </a:lnRef>
-          <a:fillRef idx="1">
-            <a:schemeClr val="accent1"/>
-          </a:fillRef>
-          <a:effectRef idx="0">
-            <a:schemeClr val="accent1"/>
-          </a:effectRef>
-          <a:fontRef idx="minor">
-            <a:schemeClr val="lt1"/>
-          </a:fontRef>
-        </p:style>
-        <p:txBody>
-          <a:bodyPr rtlCol="0" anchor="ctr"/>
-          <a:p>
-            <a:pPr algn="ctr"/>
-            <a:endParaRPr kumimoji="1" lang="ja-JP" altLang="en-US"/>
-          </a:p>
-        </p:txBody>
-      </p:sp>
-      <p:pic>
-        <p:nvPicPr>
-          <p:cNvPr id="3" name="グラフィックス 24" descr="クラウドからダウンロード"/>
-          <p:cNvPicPr>
-            <a:picLocks noChangeAspect="1"/>
-          </p:cNvPicPr>
-          <p:nvPr/>
-        </p:nvPicPr>
-        <p:blipFill>
-          <a:blip r:embed="rId1">
-            <a:extLst>
-              <a:ext uri="{28A0092B-C50C-407E-A947-70E740481C1C}">
-                <a14:useLocalDpi xmlns:a14="http://schemas.microsoft.com/office/drawing/2010/main" val="0"/>
-              </a:ext>
-              <a:ext uri="{96DAC541-7B7A-43D3-8B79-37D633B846F1}">
-                <asvg:svgBlip xmlns:asvg="http://schemas.microsoft.com/office/drawing/2016/SVG/main" r:embed="rId2"/>
-              </a:ext>
-            </a:extLst>
-          </a:blip>
-          <a:stretch>
-            <a:fillRect/>
-          </a:stretch>
-        </p:blipFill>
-        <p:spPr>
-          <a:xfrm>
-            <a:off x="8495030" y="5394960"/>
-            <a:ext cx="322580" cy="322580"/>
-          </a:xfrm>
-          <a:prstGeom prst="rect">
-            <a:avLst/>
-          </a:prstGeom>
-        </p:spPr>
-      </p:pic>
-      <p:sp>
-        <p:nvSpPr>
-          <p:cNvPr id="4" name="雲 26"/>
-          <p:cNvSpPr/>
-          <p:nvPr/>
-        </p:nvSpPr>
-        <p:spPr>
-          <a:xfrm>
-            <a:off x="9060180" y="4650740"/>
-            <a:ext cx="528955" cy="311785"/>
-          </a:xfrm>
-          <a:prstGeom prst="cloud">
-            <a:avLst/>
-          </a:prstGeom>
-          <a:solidFill>
-            <a:schemeClr val="accent1">
-              <a:lumMod val="60000"/>
-              <a:lumOff val="40000"/>
-            </a:schemeClr>
-          </a:solidFill>
-        </p:spPr>
-        <p:style>
-          <a:lnRef idx="2">
-            <a:schemeClr val="accent1">
-              <a:shade val="50000"/>
-            </a:schemeClr>
-          </a:lnRef>
-          <a:fillRef idx="1">
-            <a:schemeClr val="accent1"/>
-          </a:fillRef>
-          <a:effectRef idx="0">
-            <a:schemeClr val="accent1"/>
-          </a:effectRef>
-          <a:fontRef idx="minor">
-            <a:schemeClr val="lt1"/>
-          </a:fontRef>
-        </p:style>
-        <p:txBody>
-          <a:bodyPr rtlCol="0" anchor="ctr"/>
-          <a:p>
-            <a:pPr algn="ctr"/>
-            <a:endParaRPr kumimoji="1" lang="ja-JP" altLang="en-US"/>
-          </a:p>
-        </p:txBody>
-      </p:sp>
-      <p:cxnSp>
-        <p:nvCxnSpPr>
-          <p:cNvPr id="6" name="コネクタ: 曲線 28"/>
-          <p:cNvCxnSpPr/>
-          <p:nvPr/>
-        </p:nvCxnSpPr>
-        <p:spPr>
-          <a:xfrm rot="5400000" flipV="1">
-            <a:off x="9009380" y="5123180"/>
-            <a:ext cx="478790" cy="419100"/>
-          </a:xfrm>
-          <a:prstGeom prst="curvedConnector3">
-            <a:avLst>
-              <a:gd name="adj1" fmla="val 50133"/>
-            </a:avLst>
-          </a:prstGeom>
-          <a:ln>
-            <a:tailEnd type="triangle"/>
-          </a:ln>
-        </p:spPr>
-        <p:style>
-          <a:lnRef idx="1">
-            <a:schemeClr val="accent1"/>
-          </a:lnRef>
-          <a:fillRef idx="0">
-            <a:schemeClr val="accent1"/>
-          </a:fillRef>
-          <a:effectRef idx="0">
-            <a:schemeClr val="accent1"/>
-          </a:effectRef>
-          <a:fontRef idx="minor">
-            <a:schemeClr val="tx1"/>
-          </a:fontRef>
-        </p:style>
-      </p:cxnSp>
-      <p:sp>
-        <p:nvSpPr>
-          <p:cNvPr id="7" name="テキスト ボックス 25"/>
-          <p:cNvSpPr txBox="1"/>
-          <p:nvPr/>
-        </p:nvSpPr>
-        <p:spPr>
-          <a:xfrm flipH="1">
-            <a:off x="7139305" y="5119370"/>
-            <a:ext cx="3392805" cy="275590"/>
-          </a:xfrm>
-          <a:prstGeom prst="rect">
-            <a:avLst/>
-          </a:prstGeom>
-          <a:noFill/>
-        </p:spPr>
-        <p:txBody>
-          <a:bodyPr wrap="square" rtlCol="0">
-            <a:spAutoFit/>
-          </a:bodyPr>
-          <a:p>
-            <a:r>
-              <a:rPr kumimoji="1" lang="en-US" altLang="en-US" sz="1200" dirty="0"/>
-              <a:t>git clone</a:t>
-            </a:r>
-            <a:endParaRPr kumimoji="1" lang="en-US" altLang="en-US" sz="1200" dirty="0"/>
-          </a:p>
-        </p:txBody>
-      </p:sp>
-      <p:pic>
-        <p:nvPicPr>
-          <p:cNvPr id="8" name="グラフィックス 48" descr="ブラウザー ウィンドウ"/>
-          <p:cNvPicPr>
-            <a:picLocks noChangeAspect="1"/>
-          </p:cNvPicPr>
-          <p:nvPr/>
-        </p:nvPicPr>
-        <p:blipFill>
-          <a:blip r:embed="rId3">
-            <a:extLst>
-              <a:ext uri="{28A0092B-C50C-407E-A947-70E740481C1C}">
-                <a14:useLocalDpi xmlns:a14="http://schemas.microsoft.com/office/drawing/2010/main" val="0"/>
-              </a:ext>
-              <a:ext uri="{96DAC541-7B7A-43D3-8B79-37D633B846F1}">
-                <asvg:svgBlip xmlns:asvg="http://schemas.microsoft.com/office/drawing/2016/SVG/main" r:embed="rId4"/>
-              </a:ext>
-            </a:extLst>
-          </a:blip>
-          <a:stretch>
-            <a:fillRect/>
-          </a:stretch>
-        </p:blipFill>
-        <p:spPr>
-          <a:xfrm>
-            <a:off x="6648450" y="5041265"/>
-            <a:ext cx="494030" cy="494030"/>
-          </a:xfrm>
-          <a:prstGeom prst="rect">
-            <a:avLst/>
-          </a:prstGeom>
-        </p:spPr>
-      </p:pic>
-      <p:sp>
-        <p:nvSpPr>
-          <p:cNvPr id="10" name="Text Box 9"/>
-          <p:cNvSpPr txBox="1"/>
-          <p:nvPr/>
-        </p:nvSpPr>
-        <p:spPr>
-          <a:xfrm>
-            <a:off x="1748790" y="869950"/>
-            <a:ext cx="9167495" cy="3969385"/>
-          </a:xfrm>
-          <a:prstGeom prst="rect">
-            <a:avLst/>
-          </a:prstGeom>
-          <a:noFill/>
-        </p:spPr>
-        <p:txBody>
-          <a:bodyPr wrap="square" rtlCol="0" anchor="t">
-            <a:spAutoFit/>
-          </a:bodyPr>
-          <a:p>
-            <a:r>
-              <a:rPr lang="en-US" altLang="en-US"/>
-              <a:t>・</a:t>
-            </a:r>
-            <a:r>
-              <a:rPr lang="" altLang="en-US"/>
-              <a:t>MAKE</a:t>
-            </a:r>
-            <a:r>
-              <a:rPr lang="en-US" altLang="en-US"/>
-              <a:t>: </a:t>
-            </a:r>
-            <a:endParaRPr lang="en-US" altLang="en-US"/>
-          </a:p>
-          <a:p>
-            <a:r>
-              <a:rPr lang="en-US" altLang="en-US"/>
-              <a:t> </a:t>
-            </a:r>
-            <a:r>
-              <a:rPr lang="" altLang="en-US"/>
-              <a:t>	</a:t>
-            </a:r>
-            <a:endParaRPr lang="en-US" altLang="en-US"/>
-          </a:p>
-          <a:p>
-            <a:endParaRPr lang="en-US" altLang="en-US"/>
-          </a:p>
-          <a:p>
-            <a:endParaRPr lang="en-US" altLang="en-US"/>
-          </a:p>
-          <a:p>
-            <a:r>
-              <a:rPr lang="en-US" altLang="en-US"/>
-              <a:t>・</a:t>
-            </a:r>
-            <a:r>
-              <a:rPr lang="" altLang="en-US"/>
-              <a:t>CONFIGURE</a:t>
-            </a:r>
-            <a:r>
-              <a:rPr lang="en-US" altLang="en-US"/>
-              <a:t>:</a:t>
-            </a:r>
-            <a:endParaRPr lang="en-US" altLang="en-US"/>
-          </a:p>
-          <a:p>
-            <a:endParaRPr lang="en-US" altLang="en-US"/>
-          </a:p>
-          <a:p>
-            <a:endParaRPr lang="en-US" altLang="en-US"/>
-          </a:p>
-          <a:p>
-            <a:endParaRPr lang="en-US" altLang="en-US"/>
-          </a:p>
-          <a:p>
-            <a:r>
-              <a:rPr lang="en-US" altLang="en-US"/>
-              <a:t>・</a:t>
-            </a:r>
-            <a:r>
-              <a:rPr lang="" altLang="en-US"/>
-              <a:t>MAKE INSTALLL </a:t>
-            </a:r>
-            <a:r>
-              <a:rPr lang="en-US" altLang="en-US"/>
-              <a:t>: </a:t>
-            </a:r>
-            <a:endParaRPr lang="en-US" altLang="en-US"/>
-          </a:p>
-          <a:p>
-            <a:endParaRPr lang="en-US" altLang="en-US"/>
-          </a:p>
-          <a:p>
-            <a:endParaRPr lang="en-US" altLang="en-US"/>
-          </a:p>
-          <a:p>
-            <a:endParaRPr lang="en-US" altLang="en-US"/>
-          </a:p>
-          <a:p>
-            <a:endParaRPr lang="" altLang="en-US"/>
-          </a:p>
-          <a:p>
-            <a:endParaRPr lang="" altLang="en-US"/>
-          </a:p>
-        </p:txBody>
-      </p:sp>
-      <p:sp>
-        <p:nvSpPr>
-          <p:cNvPr id="12" name="Text Box 11"/>
-          <p:cNvSpPr txBox="1"/>
-          <p:nvPr/>
-        </p:nvSpPr>
-        <p:spPr>
-          <a:xfrm>
-            <a:off x="1710055" y="114300"/>
-            <a:ext cx="1109345" cy="460375"/>
-          </a:xfrm>
-          <a:prstGeom prst="rect">
-            <a:avLst/>
-          </a:prstGeom>
-          <a:solidFill>
-            <a:schemeClr val="accent1"/>
-          </a:solidFill>
-          <a:ln>
-            <a:noFill/>
-          </a:ln>
-        </p:spPr>
-        <p:txBody>
-          <a:bodyPr wrap="none" rtlCol="0" anchor="t">
-            <a:spAutoFit/>
-          </a:bodyPr>
-          <a:p>
-            <a:pPr algn="l"/>
-            <a:r>
-              <a:rPr lang="" altLang="en-US" sz="2400" dirty="0">
-                <a:sym typeface="+mn-ea"/>
-              </a:rPr>
-              <a:t>BUILD</a:t>
-            </a:r>
-            <a:endParaRPr lang="" altLang="en-US" sz="2400" dirty="0">
-              <a:sym typeface="+mn-ea"/>
-            </a:endParaRPr>
           </a:p>
         </p:txBody>
       </p:sp>
